--- a/Documents/ThuctapNodejs1.pptx
+++ b/Documents/ThuctapNodejs1.pptx
@@ -5,17 +5,22 @@
     <p:sldMasterId id="2147483648" r:id="rId1"/>
   </p:sldMasterIdLst>
   <p:notesMasterIdLst>
-    <p:notesMasterId r:id="rId10"/>
+    <p:notesMasterId r:id="rId15"/>
   </p:notesMasterIdLst>
   <p:sldIdLst>
     <p:sldId id="294" r:id="rId2"/>
     <p:sldId id="337" r:id="rId3"/>
     <p:sldId id="340" r:id="rId4"/>
     <p:sldId id="341" r:id="rId5"/>
-    <p:sldId id="303" r:id="rId6"/>
-    <p:sldId id="339" r:id="rId7"/>
-    <p:sldId id="338" r:id="rId8"/>
-    <p:sldId id="318" r:id="rId9"/>
+    <p:sldId id="342" r:id="rId6"/>
+    <p:sldId id="343" r:id="rId7"/>
+    <p:sldId id="344" r:id="rId8"/>
+    <p:sldId id="345" r:id="rId9"/>
+    <p:sldId id="347" r:id="rId10"/>
+    <p:sldId id="348" r:id="rId11"/>
+    <p:sldId id="349" r:id="rId12"/>
+    <p:sldId id="350" r:id="rId13"/>
+    <p:sldId id="318" r:id="rId14"/>
   </p:sldIdLst>
   <p:sldSz cx="9144000" cy="5143500" type="screen16x9"/>
   <p:notesSz cx="6858000" cy="9144000"/>
@@ -229,7 +234,7 @@
           <a:p>
             <a:fld id="{C81D1D14-BC69-4E81-A241-7829F68D9A94}" type="datetimeFigureOut">
               <a:rPr lang="en-US" smtClean="0"/>
-              <a:t>6/17/18</a:t>
+              <a:t>6/18/18</a:t>
             </a:fld>
             <a:endParaRPr lang="en-US"/>
           </a:p>
@@ -497,90 +502,6 @@
 </p:notesMaster>
 </file>
 
-<file path=ppt/notesSlides/notesSlide1.xml><?xml version="1.0" encoding="utf-8"?>
-<p:notes xmlns:a="http://schemas.openxmlformats.org/drawingml/2006/main" xmlns:r="http://schemas.openxmlformats.org/officeDocument/2006/relationships" xmlns:p="http://schemas.openxmlformats.org/presentationml/2006/main">
-  <p:cSld>
-    <p:spTree>
-      <p:nvGrpSpPr>
-        <p:cNvPr id="1" name=""/>
-        <p:cNvGrpSpPr/>
-        <p:nvPr/>
-      </p:nvGrpSpPr>
-      <p:grpSpPr>
-        <a:xfrm>
-          <a:off x="0" y="0"/>
-          <a:ext cx="0" cy="0"/>
-          <a:chOff x="0" y="0"/>
-          <a:chExt cx="0" cy="0"/>
-        </a:xfrm>
-      </p:grpSpPr>
-      <p:sp>
-        <p:nvSpPr>
-          <p:cNvPr id="2" name="Slide Image Placeholder 1"/>
-          <p:cNvSpPr>
-            <a:spLocks noGrp="1" noRot="1" noChangeAspect="1"/>
-          </p:cNvSpPr>
-          <p:nvPr>
-            <p:ph type="sldImg"/>
-          </p:nvPr>
-        </p:nvSpPr>
-        <p:spPr/>
-      </p:sp>
-      <p:sp>
-        <p:nvSpPr>
-          <p:cNvPr id="3" name="Notes Placeholder 2"/>
-          <p:cNvSpPr>
-            <a:spLocks noGrp="1"/>
-          </p:cNvSpPr>
-          <p:nvPr>
-            <p:ph type="body" idx="1"/>
-          </p:nvPr>
-        </p:nvSpPr>
-        <p:spPr/>
-        <p:txBody>
-          <a:bodyPr/>
-          <a:lstStyle/>
-          <a:p>
-            <a:endParaRPr lang="en-US" dirty="0"/>
-          </a:p>
-        </p:txBody>
-      </p:sp>
-      <p:sp>
-        <p:nvSpPr>
-          <p:cNvPr id="4" name="Slide Number Placeholder 3"/>
-          <p:cNvSpPr>
-            <a:spLocks noGrp="1"/>
-          </p:cNvSpPr>
-          <p:nvPr>
-            <p:ph type="sldNum" sz="quarter" idx="10"/>
-          </p:nvPr>
-        </p:nvSpPr>
-        <p:spPr/>
-        <p:txBody>
-          <a:bodyPr/>
-          <a:lstStyle/>
-          <a:p>
-            <a:fld id="{6ED27907-7A40-454E-B822-A1454CCC2AE1}" type="slidenum">
-              <a:rPr lang="en-US" smtClean="0"/>
-              <a:t>7</a:t>
-            </a:fld>
-            <a:endParaRPr lang="en-US"/>
-          </a:p>
-        </p:txBody>
-      </p:sp>
-    </p:spTree>
-    <p:extLst>
-      <p:ext uri="{BB962C8B-B14F-4D97-AF65-F5344CB8AC3E}">
-        <p14:creationId xmlns:p14="http://schemas.microsoft.com/office/powerpoint/2010/main" val="1310895066"/>
-      </p:ext>
-    </p:extLst>
-  </p:cSld>
-  <p:clrMapOvr>
-    <a:masterClrMapping/>
-  </p:clrMapOvr>
-</p:notes>
-</file>
-
 <file path=ppt/slideLayouts/slideLayout1.xml><?xml version="1.0" encoding="utf-8"?>
 <p:sldLayout xmlns:a="http://schemas.openxmlformats.org/drawingml/2006/main" xmlns:r="http://schemas.openxmlformats.org/officeDocument/2006/relationships" xmlns:p="http://schemas.openxmlformats.org/presentationml/2006/main" type="title" preserve="1">
   <p:cSld name="Title Slide">
@@ -807,7 +728,7 @@
           <a:p>
             <a:fld id="{E306D676-E6CE-49ED-B2E4-C47FD7365D30}" type="datetimeFigureOut">
               <a:rPr lang="en-US" smtClean="0"/>
-              <a:t>6/17/18</a:t>
+              <a:t>6/18/18</a:t>
             </a:fld>
             <a:endParaRPr lang="en-US"/>
           </a:p>
@@ -1108,7 +1029,7 @@
           <a:p>
             <a:fld id="{E306D676-E6CE-49ED-B2E4-C47FD7365D30}" type="datetimeFigureOut">
               <a:rPr lang="en-US" smtClean="0"/>
-              <a:t>6/17/18</a:t>
+              <a:t>6/18/18</a:t>
             </a:fld>
             <a:endParaRPr lang="en-US"/>
           </a:p>
@@ -1388,7 +1309,7 @@
           <a:p>
             <a:fld id="{E306D676-E6CE-49ED-B2E4-C47FD7365D30}" type="datetimeFigureOut">
               <a:rPr lang="en-US" smtClean="0"/>
-              <a:t>6/17/18</a:t>
+              <a:t>6/18/18</a:t>
             </a:fld>
             <a:endParaRPr lang="en-US"/>
           </a:p>
@@ -1582,7 +1503,7 @@
           <a:p>
             <a:fld id="{E306D676-E6CE-49ED-B2E4-C47FD7365D30}" type="datetimeFigureOut">
               <a:rPr lang="en-US" smtClean="0"/>
-              <a:t>6/17/18</a:t>
+              <a:t>6/18/18</a:t>
             </a:fld>
             <a:endParaRPr lang="en-US"/>
           </a:p>
@@ -1786,7 +1707,7 @@
           <a:p>
             <a:fld id="{E306D676-E6CE-49ED-B2E4-C47FD7365D30}" type="datetimeFigureOut">
               <a:rPr lang="en-US" smtClean="0"/>
-              <a:t>6/17/18</a:t>
+              <a:t>6/18/18</a:t>
             </a:fld>
             <a:endParaRPr lang="en-US"/>
           </a:p>
@@ -3567,7 +3488,7 @@
           <a:p>
             <a:fld id="{E306D676-E6CE-49ED-B2E4-C47FD7365D30}" type="datetimeFigureOut">
               <a:rPr lang="en-US" smtClean="0"/>
-              <a:t>6/17/18</a:t>
+              <a:t>6/18/18</a:t>
             </a:fld>
             <a:endParaRPr lang="en-US"/>
           </a:p>
@@ -4013,7 +3934,7 @@
           <a:p>
             <a:fld id="{E306D676-E6CE-49ED-B2E4-C47FD7365D30}" type="datetimeFigureOut">
               <a:rPr lang="en-US" smtClean="0"/>
-              <a:t>6/17/18</a:t>
+              <a:t>6/18/18</a:t>
             </a:fld>
             <a:endParaRPr lang="en-US"/>
           </a:p>
@@ -4732,7 +4653,7 @@
             <a:fld id="{E306D676-E6CE-49ED-B2E4-C47FD7365D30}" type="datetimeFigureOut">
               <a:rPr lang="en-US" smtClean="0"/>
               <a:pPr/>
-              <a:t>6/17/18</a:t>
+              <a:t>6/18/18</a:t>
             </a:fld>
             <a:endParaRPr lang="en-US"/>
           </a:p>
@@ -5551,6 +5472,1993 @@
 </p:sld>
 </file>
 
+<file path=ppt/slides/slide10.xml><?xml version="1.0" encoding="utf-8"?>
+<p:sld xmlns:a="http://schemas.openxmlformats.org/drawingml/2006/main" xmlns:r="http://schemas.openxmlformats.org/officeDocument/2006/relationships" xmlns:p="http://schemas.openxmlformats.org/presentationml/2006/main">
+  <p:cSld>
+    <p:spTree>
+      <p:nvGrpSpPr>
+        <p:cNvPr id="1" name=""/>
+        <p:cNvGrpSpPr/>
+        <p:nvPr/>
+      </p:nvGrpSpPr>
+      <p:grpSpPr>
+        <a:xfrm>
+          <a:off x="0" y="0"/>
+          <a:ext cx="0" cy="0"/>
+          <a:chOff x="0" y="0"/>
+          <a:chExt cx="0" cy="0"/>
+        </a:xfrm>
+      </p:grpSpPr>
+      <p:sp>
+        <p:nvSpPr>
+          <p:cNvPr id="2" name="Title 1"/>
+          <p:cNvSpPr>
+            <a:spLocks noGrp="1"/>
+          </p:cNvSpPr>
+          <p:nvPr>
+            <p:ph type="title"/>
+          </p:nvPr>
+        </p:nvSpPr>
+        <p:spPr/>
+        <p:txBody>
+          <a:bodyPr>
+            <a:normAutofit fontScale="90000"/>
+          </a:bodyPr>
+          <a:lstStyle/>
+          <a:p>
+            <a:r>
+              <a:rPr lang="en-US" dirty="0" err="1" smtClean="0"/>
+              <a:t>Định</a:t>
+            </a:r>
+            <a:r>
+              <a:rPr lang="en-US" dirty="0" smtClean="0"/>
+              <a:t> </a:t>
+            </a:r>
+            <a:r>
+              <a:rPr lang="en-US" dirty="0" err="1" smtClean="0"/>
+              <a:t>nghĩa</a:t>
+            </a:r>
+            <a:r>
+              <a:rPr lang="en-US" dirty="0" smtClean="0"/>
+              <a:t> object</a:t>
+            </a:r>
+            <a:endParaRPr lang="en-US" dirty="0"/>
+          </a:p>
+        </p:txBody>
+      </p:sp>
+      <p:pic>
+        <p:nvPicPr>
+          <p:cNvPr id="7" name="Picture 6"/>
+          <p:cNvPicPr>
+            <a:picLocks noChangeAspect="1"/>
+          </p:cNvPicPr>
+          <p:nvPr/>
+        </p:nvPicPr>
+        <p:blipFill>
+          <a:blip r:embed="rId2">
+            <a:extLst>
+              <a:ext uri="{28A0092B-C50C-407E-A947-70E740481C1C}">
+                <a14:useLocalDpi xmlns:a14="http://schemas.microsoft.com/office/drawing/2010/main" val="0"/>
+              </a:ext>
+            </a:extLst>
+          </a:blip>
+          <a:stretch>
+            <a:fillRect/>
+          </a:stretch>
+        </p:blipFill>
+        <p:spPr>
+          <a:xfrm>
+            <a:off x="228599" y="971550"/>
+            <a:ext cx="4188157" cy="1143000"/>
+          </a:xfrm>
+          <a:prstGeom prst="rect">
+            <a:avLst/>
+          </a:prstGeom>
+        </p:spPr>
+      </p:pic>
+      <p:pic>
+        <p:nvPicPr>
+          <p:cNvPr id="9" name="Picture 8"/>
+          <p:cNvPicPr>
+            <a:picLocks noChangeAspect="1"/>
+          </p:cNvPicPr>
+          <p:nvPr/>
+        </p:nvPicPr>
+        <p:blipFill>
+          <a:blip r:embed="rId3">
+            <a:extLst>
+              <a:ext uri="{28A0092B-C50C-407E-A947-70E740481C1C}">
+                <a14:useLocalDpi xmlns:a14="http://schemas.microsoft.com/office/drawing/2010/main" val="0"/>
+              </a:ext>
+            </a:extLst>
+          </a:blip>
+          <a:stretch>
+            <a:fillRect/>
+          </a:stretch>
+        </p:blipFill>
+        <p:spPr>
+          <a:xfrm>
+            <a:off x="228599" y="2343150"/>
+            <a:ext cx="4186614" cy="1145744"/>
+          </a:xfrm>
+          <a:prstGeom prst="rect">
+            <a:avLst/>
+          </a:prstGeom>
+        </p:spPr>
+      </p:pic>
+      <p:sp>
+        <p:nvSpPr>
+          <p:cNvPr id="11" name="Left Arrow 10"/>
+          <p:cNvSpPr/>
+          <p:nvPr/>
+        </p:nvSpPr>
+        <p:spPr>
+          <a:xfrm>
+            <a:off x="4658139" y="1182200"/>
+            <a:ext cx="1828800" cy="721700"/>
+          </a:xfrm>
+          <a:prstGeom prst="leftArrow">
+            <a:avLst/>
+          </a:prstGeom>
+        </p:spPr>
+        <p:style>
+          <a:lnRef idx="2">
+            <a:schemeClr val="accent1">
+              <a:shade val="50000"/>
+            </a:schemeClr>
+          </a:lnRef>
+          <a:fillRef idx="1">
+            <a:schemeClr val="accent1"/>
+          </a:fillRef>
+          <a:effectRef idx="0">
+            <a:schemeClr val="accent1"/>
+          </a:effectRef>
+          <a:fontRef idx="minor">
+            <a:schemeClr val="lt1"/>
+          </a:fontRef>
+        </p:style>
+        <p:txBody>
+          <a:bodyPr rtlCol="0" anchor="ctr"/>
+          <a:lstStyle/>
+          <a:p>
+            <a:pPr algn="ctr"/>
+            <a:r>
+              <a:rPr lang="en-US" dirty="0" err="1" smtClean="0"/>
+              <a:t>Kiểu</a:t>
+            </a:r>
+            <a:r>
+              <a:rPr lang="en-US" dirty="0" smtClean="0"/>
+              <a:t> 1</a:t>
+            </a:r>
+            <a:endParaRPr lang="en-US" dirty="0"/>
+          </a:p>
+        </p:txBody>
+      </p:sp>
+      <p:sp>
+        <p:nvSpPr>
+          <p:cNvPr id="13" name="Left Arrow 12"/>
+          <p:cNvSpPr/>
+          <p:nvPr/>
+        </p:nvSpPr>
+        <p:spPr>
+          <a:xfrm>
+            <a:off x="4658139" y="2535022"/>
+            <a:ext cx="3415748" cy="762000"/>
+          </a:xfrm>
+          <a:prstGeom prst="leftArrow">
+            <a:avLst/>
+          </a:prstGeom>
+        </p:spPr>
+        <p:style>
+          <a:lnRef idx="2">
+            <a:schemeClr val="accent1">
+              <a:shade val="50000"/>
+            </a:schemeClr>
+          </a:lnRef>
+          <a:fillRef idx="1">
+            <a:schemeClr val="accent1"/>
+          </a:fillRef>
+          <a:effectRef idx="0">
+            <a:schemeClr val="accent1"/>
+          </a:effectRef>
+          <a:fontRef idx="minor">
+            <a:schemeClr val="lt1"/>
+          </a:fontRef>
+        </p:style>
+        <p:txBody>
+          <a:bodyPr rtlCol="0" anchor="ctr"/>
+          <a:lstStyle/>
+          <a:p>
+            <a:pPr algn="ctr"/>
+            <a:r>
+              <a:rPr lang="en-US" dirty="0" err="1" smtClean="0"/>
+              <a:t>Kiểu</a:t>
+            </a:r>
+            <a:r>
+              <a:rPr lang="en-US" dirty="0" smtClean="0"/>
+              <a:t> 2 =&gt; key </a:t>
+            </a:r>
+            <a:r>
+              <a:rPr lang="en-US" dirty="0" err="1" smtClean="0"/>
+              <a:t>có</a:t>
+            </a:r>
+            <a:r>
+              <a:rPr lang="en-US" dirty="0" smtClean="0"/>
+              <a:t> </a:t>
+            </a:r>
+            <a:r>
+              <a:rPr lang="en-US" dirty="0" err="1" smtClean="0"/>
+              <a:t>thể</a:t>
+            </a:r>
+            <a:r>
+              <a:rPr lang="en-US" dirty="0" smtClean="0"/>
+              <a:t> “</a:t>
+            </a:r>
+            <a:r>
+              <a:rPr lang="en-US" dirty="0" err="1" smtClean="0"/>
+              <a:t>có</a:t>
+            </a:r>
+            <a:r>
+              <a:rPr lang="en-US" dirty="0" smtClean="0"/>
+              <a:t> space”</a:t>
+            </a:r>
+            <a:endParaRPr lang="en-US" dirty="0"/>
+          </a:p>
+        </p:txBody>
+      </p:sp>
+      <p:pic>
+        <p:nvPicPr>
+          <p:cNvPr id="14" name="Picture 13"/>
+          <p:cNvPicPr>
+            <a:picLocks noChangeAspect="1"/>
+          </p:cNvPicPr>
+          <p:nvPr/>
+        </p:nvPicPr>
+        <p:blipFill rotWithShape="1">
+          <a:blip r:embed="rId4">
+            <a:extLst>
+              <a:ext uri="{28A0092B-C50C-407E-A947-70E740481C1C}">
+                <a14:useLocalDpi xmlns:a14="http://schemas.microsoft.com/office/drawing/2010/main" val="0"/>
+              </a:ext>
+            </a:extLst>
+          </a:blip>
+          <a:srcRect l="1667" r="2500"/>
+          <a:stretch/>
+        </p:blipFill>
+        <p:spPr>
+          <a:xfrm>
+            <a:off x="228599" y="4120016"/>
+            <a:ext cx="7086601" cy="850085"/>
+          </a:xfrm>
+          <a:prstGeom prst="rect">
+            <a:avLst/>
+          </a:prstGeom>
+        </p:spPr>
+      </p:pic>
+    </p:spTree>
+    <p:extLst>
+      <p:ext uri="{BB962C8B-B14F-4D97-AF65-F5344CB8AC3E}">
+        <p14:creationId xmlns:p14="http://schemas.microsoft.com/office/powerpoint/2010/main" val="1062472415"/>
+      </p:ext>
+    </p:extLst>
+  </p:cSld>
+  <p:clrMapOvr>
+    <a:masterClrMapping/>
+  </p:clrMapOvr>
+  <p:timing>
+    <p:tnLst>
+      <p:par>
+        <p:cTn id="1" dur="indefinite" restart="never" nodeType="tmRoot">
+          <p:childTnLst>
+            <p:seq concurrent="1" nextAc="seek">
+              <p:cTn id="2" dur="indefinite" nodeType="mainSeq">
+                <p:childTnLst>
+                  <p:par>
+                    <p:cTn id="3" fill="hold">
+                      <p:stCondLst>
+                        <p:cond delay="indefinite"/>
+                      </p:stCondLst>
+                      <p:childTnLst>
+                        <p:par>
+                          <p:cTn id="4" fill="hold">
+                            <p:stCondLst>
+                              <p:cond delay="0"/>
+                            </p:stCondLst>
+                            <p:childTnLst>
+                              <p:par>
+                                <p:cTn id="5" presetID="2" presetClass="entr" presetSubtype="2" fill="hold" grpId="0" nodeType="clickEffect">
+                                  <p:stCondLst>
+                                    <p:cond delay="0"/>
+                                  </p:stCondLst>
+                                  <p:childTnLst>
+                                    <p:set>
+                                      <p:cBhvr>
+                                        <p:cTn id="6" dur="1" fill="hold">
+                                          <p:stCondLst>
+                                            <p:cond delay="0"/>
+                                          </p:stCondLst>
+                                        </p:cTn>
+                                        <p:tgtEl>
+                                          <p:spTgt spid="11"/>
+                                        </p:tgtEl>
+                                        <p:attrNameLst>
+                                          <p:attrName>style.visibility</p:attrName>
+                                        </p:attrNameLst>
+                                      </p:cBhvr>
+                                      <p:to>
+                                        <p:strVal val="visible"/>
+                                      </p:to>
+                                    </p:set>
+                                    <p:anim calcmode="lin" valueType="num">
+                                      <p:cBhvr additive="base">
+                                        <p:cTn id="7" dur="500" fill="hold"/>
+                                        <p:tgtEl>
+                                          <p:spTgt spid="11"/>
+                                        </p:tgtEl>
+                                        <p:attrNameLst>
+                                          <p:attrName>ppt_x</p:attrName>
+                                        </p:attrNameLst>
+                                      </p:cBhvr>
+                                      <p:tavLst>
+                                        <p:tav tm="0">
+                                          <p:val>
+                                            <p:strVal val="1+#ppt_w/2"/>
+                                          </p:val>
+                                        </p:tav>
+                                        <p:tav tm="100000">
+                                          <p:val>
+                                            <p:strVal val="#ppt_x"/>
+                                          </p:val>
+                                        </p:tav>
+                                      </p:tavLst>
+                                    </p:anim>
+                                    <p:anim calcmode="lin" valueType="num">
+                                      <p:cBhvr additive="base">
+                                        <p:cTn id="8" dur="500" fill="hold"/>
+                                        <p:tgtEl>
+                                          <p:spTgt spid="11"/>
+                                        </p:tgtEl>
+                                        <p:attrNameLst>
+                                          <p:attrName>ppt_y</p:attrName>
+                                        </p:attrNameLst>
+                                      </p:cBhvr>
+                                      <p:tavLst>
+                                        <p:tav tm="0">
+                                          <p:val>
+                                            <p:strVal val="#ppt_y"/>
+                                          </p:val>
+                                        </p:tav>
+                                        <p:tav tm="100000">
+                                          <p:val>
+                                            <p:strVal val="#ppt_y"/>
+                                          </p:val>
+                                        </p:tav>
+                                      </p:tavLst>
+                                    </p:anim>
+                                  </p:childTnLst>
+                                </p:cTn>
+                              </p:par>
+                            </p:childTnLst>
+                          </p:cTn>
+                        </p:par>
+                      </p:childTnLst>
+                    </p:cTn>
+                  </p:par>
+                  <p:par>
+                    <p:cTn id="9" fill="hold">
+                      <p:stCondLst>
+                        <p:cond delay="indefinite"/>
+                      </p:stCondLst>
+                      <p:childTnLst>
+                        <p:par>
+                          <p:cTn id="10" fill="hold">
+                            <p:stCondLst>
+                              <p:cond delay="0"/>
+                            </p:stCondLst>
+                            <p:childTnLst>
+                              <p:par>
+                                <p:cTn id="11" presetID="2" presetClass="entr" presetSubtype="2" fill="hold" grpId="0" nodeType="clickEffect">
+                                  <p:stCondLst>
+                                    <p:cond delay="0"/>
+                                  </p:stCondLst>
+                                  <p:childTnLst>
+                                    <p:set>
+                                      <p:cBhvr>
+                                        <p:cTn id="12" dur="1" fill="hold">
+                                          <p:stCondLst>
+                                            <p:cond delay="0"/>
+                                          </p:stCondLst>
+                                        </p:cTn>
+                                        <p:tgtEl>
+                                          <p:spTgt spid="13"/>
+                                        </p:tgtEl>
+                                        <p:attrNameLst>
+                                          <p:attrName>style.visibility</p:attrName>
+                                        </p:attrNameLst>
+                                      </p:cBhvr>
+                                      <p:to>
+                                        <p:strVal val="visible"/>
+                                      </p:to>
+                                    </p:set>
+                                    <p:anim calcmode="lin" valueType="num">
+                                      <p:cBhvr additive="base">
+                                        <p:cTn id="13" dur="500" fill="hold"/>
+                                        <p:tgtEl>
+                                          <p:spTgt spid="13"/>
+                                        </p:tgtEl>
+                                        <p:attrNameLst>
+                                          <p:attrName>ppt_x</p:attrName>
+                                        </p:attrNameLst>
+                                      </p:cBhvr>
+                                      <p:tavLst>
+                                        <p:tav tm="0">
+                                          <p:val>
+                                            <p:strVal val="1+#ppt_w/2"/>
+                                          </p:val>
+                                        </p:tav>
+                                        <p:tav tm="100000">
+                                          <p:val>
+                                            <p:strVal val="#ppt_x"/>
+                                          </p:val>
+                                        </p:tav>
+                                      </p:tavLst>
+                                    </p:anim>
+                                    <p:anim calcmode="lin" valueType="num">
+                                      <p:cBhvr additive="base">
+                                        <p:cTn id="14" dur="500" fill="hold"/>
+                                        <p:tgtEl>
+                                          <p:spTgt spid="13"/>
+                                        </p:tgtEl>
+                                        <p:attrNameLst>
+                                          <p:attrName>ppt_y</p:attrName>
+                                        </p:attrNameLst>
+                                      </p:cBhvr>
+                                      <p:tavLst>
+                                        <p:tav tm="0">
+                                          <p:val>
+                                            <p:strVal val="#ppt_y"/>
+                                          </p:val>
+                                        </p:tav>
+                                        <p:tav tm="100000">
+                                          <p:val>
+                                            <p:strVal val="#ppt_y"/>
+                                          </p:val>
+                                        </p:tav>
+                                      </p:tavLst>
+                                    </p:anim>
+                                  </p:childTnLst>
+                                </p:cTn>
+                              </p:par>
+                            </p:childTnLst>
+                          </p:cTn>
+                        </p:par>
+                      </p:childTnLst>
+                    </p:cTn>
+                  </p:par>
+                </p:childTnLst>
+              </p:cTn>
+              <p:prevCondLst>
+                <p:cond evt="onPrev" delay="0">
+                  <p:tgtEl>
+                    <p:sldTgt/>
+                  </p:tgtEl>
+                </p:cond>
+              </p:prevCondLst>
+              <p:nextCondLst>
+                <p:cond evt="onNext" delay="0">
+                  <p:tgtEl>
+                    <p:sldTgt/>
+                  </p:tgtEl>
+                </p:cond>
+              </p:nextCondLst>
+            </p:seq>
+          </p:childTnLst>
+        </p:cTn>
+      </p:par>
+    </p:tnLst>
+    <p:bldLst>
+      <p:bldP spid="11" grpId="0" animBg="1"/>
+      <p:bldP spid="13" grpId="0" animBg="1"/>
+    </p:bldLst>
+  </p:timing>
+</p:sld>
+</file>
+
+<file path=ppt/slides/slide11.xml><?xml version="1.0" encoding="utf-8"?>
+<p:sld xmlns:a="http://schemas.openxmlformats.org/drawingml/2006/main" xmlns:r="http://schemas.openxmlformats.org/officeDocument/2006/relationships" xmlns:p="http://schemas.openxmlformats.org/presentationml/2006/main">
+  <p:cSld>
+    <p:spTree>
+      <p:nvGrpSpPr>
+        <p:cNvPr id="1" name=""/>
+        <p:cNvGrpSpPr/>
+        <p:nvPr/>
+      </p:nvGrpSpPr>
+      <p:grpSpPr>
+        <a:xfrm>
+          <a:off x="0" y="0"/>
+          <a:ext cx="0" cy="0"/>
+          <a:chOff x="0" y="0"/>
+          <a:chExt cx="0" cy="0"/>
+        </a:xfrm>
+      </p:grpSpPr>
+      <p:sp>
+        <p:nvSpPr>
+          <p:cNvPr id="2" name="Title 1"/>
+          <p:cNvSpPr>
+            <a:spLocks noGrp="1"/>
+          </p:cNvSpPr>
+          <p:nvPr>
+            <p:ph type="title"/>
+          </p:nvPr>
+        </p:nvSpPr>
+        <p:spPr/>
+        <p:txBody>
+          <a:bodyPr>
+            <a:normAutofit fontScale="90000"/>
+          </a:bodyPr>
+          <a:lstStyle/>
+          <a:p>
+            <a:r>
+              <a:rPr lang="en-US" dirty="0" err="1" smtClean="0"/>
+              <a:t>Excercises</a:t>
+            </a:r>
+            <a:endParaRPr lang="en-US" dirty="0"/>
+          </a:p>
+        </p:txBody>
+      </p:sp>
+      <p:sp>
+        <p:nvSpPr>
+          <p:cNvPr id="3" name="TextBox 2"/>
+          <p:cNvSpPr txBox="1"/>
+          <p:nvPr/>
+        </p:nvSpPr>
+        <p:spPr>
+          <a:xfrm>
+            <a:off x="533400" y="1123950"/>
+            <a:ext cx="8382000" cy="2585323"/>
+          </a:xfrm>
+          <a:prstGeom prst="rect">
+            <a:avLst/>
+          </a:prstGeom>
+          <a:noFill/>
+        </p:spPr>
+        <p:txBody>
+          <a:bodyPr wrap="square" rtlCol="0">
+            <a:spAutoFit/>
+          </a:bodyPr>
+          <a:lstStyle/>
+          <a:p>
+            <a:r>
+              <a:rPr lang="en-US" dirty="0" smtClean="0">
+                <a:solidFill>
+                  <a:srgbClr val="FFFF00"/>
+                </a:solidFill>
+              </a:rPr>
+              <a:t>1.Viết </a:t>
+            </a:r>
+            <a:r>
+              <a:rPr lang="en-US" dirty="0" err="1" smtClean="0">
+                <a:solidFill>
+                  <a:srgbClr val="FFFF00"/>
+                </a:solidFill>
+              </a:rPr>
+              <a:t>chương</a:t>
+            </a:r>
+            <a:r>
+              <a:rPr lang="en-US" dirty="0" smtClean="0">
+                <a:solidFill>
+                  <a:srgbClr val="FFFF00"/>
+                </a:solidFill>
+              </a:rPr>
+              <a:t> </a:t>
+            </a:r>
+            <a:r>
+              <a:rPr lang="en-US" dirty="0" err="1" smtClean="0">
+                <a:solidFill>
+                  <a:srgbClr val="FFFF00"/>
+                </a:solidFill>
+              </a:rPr>
+              <a:t>trình</a:t>
+            </a:r>
+            <a:r>
+              <a:rPr lang="en-US" dirty="0">
+                <a:solidFill>
+                  <a:srgbClr val="FFFF00"/>
+                </a:solidFill>
+              </a:rPr>
+              <a:t> </a:t>
+            </a:r>
+            <a:r>
+              <a:rPr lang="en-US" dirty="0" err="1" smtClean="0">
+                <a:solidFill>
+                  <a:srgbClr val="FFFF00"/>
+                </a:solidFill>
+              </a:rPr>
+              <a:t>truyền</a:t>
+            </a:r>
+            <a:r>
+              <a:rPr lang="en-US" dirty="0" smtClean="0">
+                <a:solidFill>
+                  <a:srgbClr val="FFFF00"/>
+                </a:solidFill>
+              </a:rPr>
+              <a:t> </a:t>
+            </a:r>
+            <a:r>
+              <a:rPr lang="en-US" dirty="0" err="1" smtClean="0">
+                <a:solidFill>
+                  <a:srgbClr val="FFFF00"/>
+                </a:solidFill>
+              </a:rPr>
+              <a:t>vào</a:t>
+            </a:r>
+            <a:r>
+              <a:rPr lang="en-US" dirty="0" smtClean="0">
+                <a:solidFill>
+                  <a:srgbClr val="FFFF00"/>
+                </a:solidFill>
+              </a:rPr>
+              <a:t> </a:t>
+            </a:r>
+            <a:r>
+              <a:rPr lang="en-US" dirty="0" err="1" smtClean="0">
+                <a:solidFill>
+                  <a:srgbClr val="FFFF00"/>
+                </a:solidFill>
+              </a:rPr>
+              <a:t>các</a:t>
+            </a:r>
+            <a:r>
+              <a:rPr lang="en-US" dirty="0" smtClean="0">
+                <a:solidFill>
+                  <a:srgbClr val="FFFF00"/>
+                </a:solidFill>
+              </a:rPr>
+              <a:t> parameter: </a:t>
+            </a:r>
+            <a:r>
+              <a:rPr lang="en-US" dirty="0" err="1" smtClean="0">
+                <a:solidFill>
+                  <a:srgbClr val="FFFF00"/>
+                </a:solidFill>
+              </a:rPr>
+              <a:t>firstName</a:t>
+            </a:r>
+            <a:r>
+              <a:rPr lang="en-US" dirty="0" smtClean="0">
+                <a:solidFill>
+                  <a:srgbClr val="FFFF00"/>
+                </a:solidFill>
+              </a:rPr>
+              <a:t>, </a:t>
+            </a:r>
+            <a:r>
+              <a:rPr lang="en-US" dirty="0" err="1" smtClean="0">
+                <a:solidFill>
+                  <a:srgbClr val="FFFF00"/>
+                </a:solidFill>
+              </a:rPr>
+              <a:t>lastName</a:t>
+            </a:r>
+            <a:r>
+              <a:rPr lang="en-US" dirty="0" smtClean="0">
+                <a:solidFill>
+                  <a:srgbClr val="FFFF00"/>
+                </a:solidFill>
+              </a:rPr>
+              <a:t>, </a:t>
+            </a:r>
+            <a:r>
+              <a:rPr lang="en-US" dirty="0" err="1" smtClean="0">
+                <a:solidFill>
+                  <a:srgbClr val="FFFF00"/>
+                </a:solidFill>
+              </a:rPr>
+              <a:t>hiện</a:t>
+            </a:r>
+            <a:r>
+              <a:rPr lang="en-US" dirty="0" smtClean="0">
+                <a:solidFill>
+                  <a:srgbClr val="FFFF00"/>
+                </a:solidFill>
+              </a:rPr>
+              <a:t> </a:t>
+            </a:r>
+            <a:r>
+              <a:rPr lang="en-US" dirty="0" err="1" smtClean="0">
+                <a:solidFill>
+                  <a:srgbClr val="FFFF00"/>
+                </a:solidFill>
+              </a:rPr>
+              <a:t>ra</a:t>
+            </a:r>
+            <a:r>
+              <a:rPr lang="en-US" dirty="0" smtClean="0">
+                <a:solidFill>
+                  <a:srgbClr val="FFFF00"/>
+                </a:solidFill>
+              </a:rPr>
+              <a:t> </a:t>
+            </a:r>
+            <a:r>
+              <a:rPr lang="en-US" dirty="0" err="1" smtClean="0">
+                <a:solidFill>
+                  <a:srgbClr val="FFFF00"/>
+                </a:solidFill>
+              </a:rPr>
+              <a:t>fullName</a:t>
+            </a:r>
+            <a:endParaRPr lang="en-US" dirty="0" smtClean="0">
+              <a:solidFill>
+                <a:srgbClr val="FFFF00"/>
+              </a:solidFill>
+            </a:endParaRPr>
+          </a:p>
+          <a:p>
+            <a:r>
+              <a:rPr lang="en-US" dirty="0" smtClean="0">
+                <a:solidFill>
+                  <a:srgbClr val="FFFF00"/>
+                </a:solidFill>
+              </a:rPr>
+              <a:t>2.Truyền </a:t>
+            </a:r>
+            <a:r>
+              <a:rPr lang="en-US" dirty="0" err="1" smtClean="0">
+                <a:solidFill>
+                  <a:srgbClr val="FFFF00"/>
+                </a:solidFill>
+              </a:rPr>
+              <a:t>vào</a:t>
+            </a:r>
+            <a:r>
+              <a:rPr lang="en-US" dirty="0" smtClean="0">
+                <a:solidFill>
+                  <a:srgbClr val="FFFF00"/>
+                </a:solidFill>
+              </a:rPr>
+              <a:t> 2 </a:t>
+            </a:r>
+            <a:r>
+              <a:rPr lang="en-US" dirty="0" err="1" smtClean="0">
+                <a:solidFill>
+                  <a:srgbClr val="FFFF00"/>
+                </a:solidFill>
+              </a:rPr>
+              <a:t>param</a:t>
+            </a:r>
+            <a:r>
+              <a:rPr lang="en-US" dirty="0" smtClean="0">
+                <a:solidFill>
+                  <a:srgbClr val="FFFF00"/>
+                </a:solidFill>
+              </a:rPr>
+              <a:t> </a:t>
+            </a:r>
+            <a:r>
+              <a:rPr lang="en-US" dirty="0" err="1" smtClean="0">
+                <a:solidFill>
+                  <a:srgbClr val="FFFF00"/>
+                </a:solidFill>
+              </a:rPr>
+              <a:t>x,y</a:t>
+            </a:r>
+            <a:r>
+              <a:rPr lang="en-US" dirty="0" smtClean="0">
+                <a:solidFill>
+                  <a:srgbClr val="FFFF00"/>
+                </a:solidFill>
+              </a:rPr>
+              <a:t>, </a:t>
+            </a:r>
+            <a:r>
+              <a:rPr lang="en-US" dirty="0" err="1" smtClean="0">
+                <a:solidFill>
+                  <a:srgbClr val="FFFF00"/>
+                </a:solidFill>
+              </a:rPr>
+              <a:t>hiện</a:t>
+            </a:r>
+            <a:r>
+              <a:rPr lang="en-US" dirty="0" smtClean="0">
+                <a:solidFill>
+                  <a:srgbClr val="FFFF00"/>
+                </a:solidFill>
+              </a:rPr>
+              <a:t> </a:t>
+            </a:r>
+            <a:r>
+              <a:rPr lang="en-US" dirty="0" err="1" smtClean="0">
+                <a:solidFill>
+                  <a:srgbClr val="FFFF00"/>
+                </a:solidFill>
+              </a:rPr>
+              <a:t>ra</a:t>
+            </a:r>
+            <a:r>
+              <a:rPr lang="en-US" dirty="0" smtClean="0">
+                <a:solidFill>
+                  <a:srgbClr val="FFFF00"/>
+                </a:solidFill>
+              </a:rPr>
+              <a:t> </a:t>
+            </a:r>
+            <a:r>
+              <a:rPr lang="en-US" dirty="0" err="1" smtClean="0">
+                <a:solidFill>
+                  <a:srgbClr val="FFFF00"/>
+                </a:solidFill>
+              </a:rPr>
+              <a:t>tổng</a:t>
+            </a:r>
+            <a:r>
+              <a:rPr lang="en-US" dirty="0" smtClean="0">
+                <a:solidFill>
+                  <a:srgbClr val="FFFF00"/>
+                </a:solidFill>
+              </a:rPr>
+              <a:t> </a:t>
+            </a:r>
+            <a:r>
+              <a:rPr lang="en-US" dirty="0" err="1" smtClean="0">
+                <a:solidFill>
+                  <a:srgbClr val="FFFF00"/>
+                </a:solidFill>
+              </a:rPr>
+              <a:t>số</a:t>
+            </a:r>
+            <a:r>
+              <a:rPr lang="en-US" dirty="0" smtClean="0">
+                <a:solidFill>
+                  <a:srgbClr val="FFFF00"/>
+                </a:solidFill>
+              </a:rPr>
+              <a:t>.</a:t>
+            </a:r>
+          </a:p>
+          <a:p>
+            <a:r>
+              <a:rPr lang="en-US" dirty="0" smtClean="0">
+                <a:solidFill>
+                  <a:srgbClr val="FFFF00"/>
+                </a:solidFill>
+              </a:rPr>
+              <a:t>3.Tạo 2 </a:t>
+            </a:r>
+            <a:r>
+              <a:rPr lang="en-US" dirty="0" err="1" smtClean="0">
+                <a:solidFill>
+                  <a:srgbClr val="FFFF00"/>
+                </a:solidFill>
+              </a:rPr>
+              <a:t>danh</a:t>
+            </a:r>
+            <a:r>
+              <a:rPr lang="en-US" dirty="0" smtClean="0">
+                <a:solidFill>
+                  <a:srgbClr val="FFFF00"/>
+                </a:solidFill>
+              </a:rPr>
+              <a:t> </a:t>
+            </a:r>
+            <a:r>
+              <a:rPr lang="en-US" dirty="0" err="1" smtClean="0">
+                <a:solidFill>
+                  <a:srgbClr val="FFFF00"/>
+                </a:solidFill>
+              </a:rPr>
+              <a:t>sách</a:t>
+            </a:r>
+            <a:r>
+              <a:rPr lang="en-US" dirty="0" smtClean="0">
+                <a:solidFill>
+                  <a:srgbClr val="FFFF00"/>
+                </a:solidFill>
+              </a:rPr>
+              <a:t>. </a:t>
+            </a:r>
+            <a:r>
+              <a:rPr lang="en-US" dirty="0" err="1" smtClean="0">
+                <a:solidFill>
+                  <a:srgbClr val="FFFF00"/>
+                </a:solidFill>
+              </a:rPr>
+              <a:t>xAxis</a:t>
+            </a:r>
+            <a:r>
+              <a:rPr lang="en-US" dirty="0" smtClean="0">
+                <a:solidFill>
+                  <a:srgbClr val="FFFF00"/>
+                </a:solidFill>
+              </a:rPr>
+              <a:t> </a:t>
+            </a:r>
+            <a:r>
+              <a:rPr lang="en-US" dirty="0" err="1" smtClean="0">
+                <a:solidFill>
+                  <a:srgbClr val="FFFF00"/>
+                </a:solidFill>
+              </a:rPr>
+              <a:t>chứa</a:t>
+            </a:r>
+            <a:r>
+              <a:rPr lang="en-US" dirty="0" smtClean="0">
+                <a:solidFill>
+                  <a:srgbClr val="FFFF00"/>
+                </a:solidFill>
+              </a:rPr>
+              <a:t> </a:t>
+            </a:r>
+            <a:r>
+              <a:rPr lang="en-US" dirty="0" err="1" smtClean="0">
+                <a:solidFill>
+                  <a:srgbClr val="FFFF00"/>
+                </a:solidFill>
+              </a:rPr>
+              <a:t>danh</a:t>
+            </a:r>
+            <a:r>
+              <a:rPr lang="en-US" dirty="0" smtClean="0">
+                <a:solidFill>
+                  <a:srgbClr val="FFFF00"/>
+                </a:solidFill>
+              </a:rPr>
+              <a:t> </a:t>
+            </a:r>
+            <a:r>
+              <a:rPr lang="en-US" dirty="0" err="1" smtClean="0">
+                <a:solidFill>
+                  <a:srgbClr val="FFFF00"/>
+                </a:solidFill>
+              </a:rPr>
+              <a:t>sách</a:t>
+            </a:r>
+            <a:r>
+              <a:rPr lang="en-US" dirty="0" smtClean="0">
+                <a:solidFill>
+                  <a:srgbClr val="FFFF00"/>
+                </a:solidFill>
+              </a:rPr>
+              <a:t> </a:t>
+            </a:r>
+            <a:r>
+              <a:rPr lang="en-US" dirty="0" err="1" smtClean="0">
+                <a:solidFill>
+                  <a:srgbClr val="FFFF00"/>
+                </a:solidFill>
+              </a:rPr>
+              <a:t>các</a:t>
+            </a:r>
+            <a:r>
+              <a:rPr lang="en-US" dirty="0" smtClean="0">
+                <a:solidFill>
+                  <a:srgbClr val="FFFF00"/>
+                </a:solidFill>
+              </a:rPr>
+              <a:t> </a:t>
+            </a:r>
+            <a:r>
+              <a:rPr lang="en-US" dirty="0" err="1" smtClean="0">
+                <a:solidFill>
+                  <a:srgbClr val="FFFF00"/>
+                </a:solidFill>
+              </a:rPr>
+              <a:t>ngày</a:t>
+            </a:r>
+            <a:r>
+              <a:rPr lang="en-US" dirty="0" smtClean="0">
+                <a:solidFill>
+                  <a:srgbClr val="FFFF00"/>
+                </a:solidFill>
+              </a:rPr>
+              <a:t>(string </a:t>
+            </a:r>
+            <a:r>
+              <a:rPr lang="en-US" dirty="0" err="1" smtClean="0">
+                <a:solidFill>
+                  <a:srgbClr val="FFFF00"/>
+                </a:solidFill>
+              </a:rPr>
+              <a:t>dạng</a:t>
+            </a:r>
+            <a:r>
+              <a:rPr lang="en-US" dirty="0" smtClean="0">
+                <a:solidFill>
+                  <a:srgbClr val="FFFF00"/>
+                </a:solidFill>
+              </a:rPr>
+              <a:t> “17-06-2018”), </a:t>
+            </a:r>
+            <a:r>
+              <a:rPr lang="en-US" dirty="0" err="1" smtClean="0">
+                <a:solidFill>
+                  <a:srgbClr val="FFFF00"/>
+                </a:solidFill>
+              </a:rPr>
+              <a:t>yAxist</a:t>
+            </a:r>
+            <a:r>
+              <a:rPr lang="en-US" dirty="0" smtClean="0">
+                <a:solidFill>
+                  <a:srgbClr val="FFFF00"/>
+                </a:solidFill>
+              </a:rPr>
+              <a:t> </a:t>
+            </a:r>
+            <a:r>
+              <a:rPr lang="en-US" dirty="0" err="1" smtClean="0">
+                <a:solidFill>
+                  <a:srgbClr val="FFFF00"/>
+                </a:solidFill>
+              </a:rPr>
+              <a:t>chứa</a:t>
+            </a:r>
+            <a:r>
+              <a:rPr lang="en-US" dirty="0" smtClean="0">
+                <a:solidFill>
+                  <a:srgbClr val="FFFF00"/>
+                </a:solidFill>
+              </a:rPr>
+              <a:t> </a:t>
+            </a:r>
+            <a:r>
+              <a:rPr lang="en-US" dirty="0" err="1" smtClean="0">
+                <a:solidFill>
+                  <a:srgbClr val="FFFF00"/>
+                </a:solidFill>
+              </a:rPr>
+              <a:t>danh</a:t>
+            </a:r>
+            <a:r>
+              <a:rPr lang="en-US" dirty="0" smtClean="0">
+                <a:solidFill>
+                  <a:srgbClr val="FFFF00"/>
+                </a:solidFill>
+              </a:rPr>
+              <a:t> </a:t>
+            </a:r>
+            <a:r>
+              <a:rPr lang="en-US" dirty="0" err="1" smtClean="0">
+                <a:solidFill>
+                  <a:srgbClr val="FFFF00"/>
+                </a:solidFill>
+              </a:rPr>
+              <a:t>sách</a:t>
+            </a:r>
+            <a:r>
+              <a:rPr lang="en-US" dirty="0" smtClean="0">
+                <a:solidFill>
+                  <a:srgbClr val="FFFF00"/>
+                </a:solidFill>
+              </a:rPr>
+              <a:t> </a:t>
+            </a:r>
+            <a:r>
+              <a:rPr lang="en-US" dirty="0" err="1" smtClean="0">
+                <a:solidFill>
+                  <a:srgbClr val="FFFF00"/>
+                </a:solidFill>
+              </a:rPr>
+              <a:t>số</a:t>
+            </a:r>
+            <a:r>
+              <a:rPr lang="en-US" dirty="0" smtClean="0">
+                <a:solidFill>
+                  <a:srgbClr val="FFFF00"/>
+                </a:solidFill>
+              </a:rPr>
+              <a:t> </a:t>
+            </a:r>
+            <a:r>
+              <a:rPr lang="en-US" dirty="0" err="1" smtClean="0">
+                <a:solidFill>
+                  <a:srgbClr val="FFFF00"/>
+                </a:solidFill>
+              </a:rPr>
+              <a:t>tiền</a:t>
+            </a:r>
+            <a:r>
+              <a:rPr lang="en-US" dirty="0" smtClean="0">
+                <a:solidFill>
+                  <a:srgbClr val="FFFF00"/>
+                </a:solidFill>
+              </a:rPr>
+              <a:t> chi </a:t>
+            </a:r>
+            <a:r>
+              <a:rPr lang="en-US" dirty="0" err="1" smtClean="0">
+                <a:solidFill>
+                  <a:srgbClr val="FFFF00"/>
+                </a:solidFill>
+              </a:rPr>
+              <a:t>tiêu</a:t>
+            </a:r>
+            <a:r>
+              <a:rPr lang="en-US" dirty="0" smtClean="0">
+                <a:solidFill>
+                  <a:srgbClr val="FFFF00"/>
+                </a:solidFill>
+              </a:rPr>
+              <a:t>. </a:t>
+            </a:r>
+            <a:r>
+              <a:rPr lang="en-US" dirty="0" err="1" smtClean="0">
+                <a:solidFill>
+                  <a:srgbClr val="FFFF00"/>
+                </a:solidFill>
+              </a:rPr>
+              <a:t>Chỉnh</a:t>
+            </a:r>
+            <a:r>
+              <a:rPr lang="en-US" dirty="0" smtClean="0">
+                <a:solidFill>
+                  <a:srgbClr val="FFFF00"/>
+                </a:solidFill>
+              </a:rPr>
+              <a:t> </a:t>
+            </a:r>
+            <a:r>
+              <a:rPr lang="en-US" dirty="0" err="1" smtClean="0">
+                <a:solidFill>
+                  <a:srgbClr val="FFFF00"/>
+                </a:solidFill>
+              </a:rPr>
+              <a:t>sửa</a:t>
+            </a:r>
+            <a:r>
+              <a:rPr lang="en-US" dirty="0" smtClean="0">
+                <a:solidFill>
+                  <a:srgbClr val="FFFF00"/>
+                </a:solidFill>
+              </a:rPr>
+              <a:t> </a:t>
+            </a:r>
+            <a:r>
+              <a:rPr lang="en-US" dirty="0" err="1" smtClean="0">
+                <a:solidFill>
+                  <a:srgbClr val="FFFF00"/>
+                </a:solidFill>
+              </a:rPr>
+              <a:t>một</a:t>
+            </a:r>
+            <a:r>
+              <a:rPr lang="en-US" dirty="0" smtClean="0">
+                <a:solidFill>
+                  <a:srgbClr val="FFFF00"/>
+                </a:solidFill>
+              </a:rPr>
+              <a:t>/</a:t>
+            </a:r>
+            <a:r>
+              <a:rPr lang="en-US" dirty="0" err="1" smtClean="0">
+                <a:solidFill>
+                  <a:srgbClr val="FFFF00"/>
+                </a:solidFill>
+              </a:rPr>
+              <a:t>nhiều</a:t>
+            </a:r>
+            <a:r>
+              <a:rPr lang="en-US" dirty="0" smtClean="0">
+                <a:solidFill>
+                  <a:srgbClr val="FFFF00"/>
+                </a:solidFill>
+              </a:rPr>
+              <a:t> </a:t>
+            </a:r>
+            <a:r>
+              <a:rPr lang="en-US" dirty="0" err="1" smtClean="0">
+                <a:solidFill>
+                  <a:srgbClr val="FFFF00"/>
+                </a:solidFill>
+              </a:rPr>
+              <a:t>giá</a:t>
+            </a:r>
+            <a:r>
+              <a:rPr lang="en-US" dirty="0" smtClean="0">
+                <a:solidFill>
+                  <a:srgbClr val="FFFF00"/>
+                </a:solidFill>
+              </a:rPr>
+              <a:t> </a:t>
+            </a:r>
+            <a:r>
+              <a:rPr lang="en-US" dirty="0" err="1" smtClean="0">
+                <a:solidFill>
+                  <a:srgbClr val="FFFF00"/>
+                </a:solidFill>
+              </a:rPr>
+              <a:t>trị</a:t>
+            </a:r>
+            <a:r>
+              <a:rPr lang="en-US" dirty="0" smtClean="0">
+                <a:solidFill>
+                  <a:srgbClr val="FFFF00"/>
+                </a:solidFill>
+              </a:rPr>
+              <a:t> </a:t>
+            </a:r>
+            <a:r>
+              <a:rPr lang="en-US" dirty="0" err="1" smtClean="0">
+                <a:solidFill>
+                  <a:srgbClr val="FFFF00"/>
+                </a:solidFill>
+              </a:rPr>
+              <a:t>trong</a:t>
+            </a:r>
+            <a:r>
+              <a:rPr lang="en-US" dirty="0" smtClean="0">
+                <a:solidFill>
+                  <a:srgbClr val="FFFF00"/>
+                </a:solidFill>
+              </a:rPr>
+              <a:t> list. </a:t>
+            </a:r>
+            <a:r>
+              <a:rPr lang="en-US" dirty="0" err="1" smtClean="0">
+                <a:solidFill>
+                  <a:srgbClr val="FFFF00"/>
+                </a:solidFill>
+              </a:rPr>
+              <a:t>Thực</a:t>
+            </a:r>
+            <a:r>
+              <a:rPr lang="en-US" dirty="0" smtClean="0">
+                <a:solidFill>
+                  <a:srgbClr val="FFFF00"/>
+                </a:solidFill>
+              </a:rPr>
+              <a:t> </a:t>
+            </a:r>
+            <a:r>
+              <a:rPr lang="en-US" dirty="0" err="1" smtClean="0">
+                <a:solidFill>
+                  <a:srgbClr val="FFFF00"/>
+                </a:solidFill>
+              </a:rPr>
+              <a:t>hành</a:t>
+            </a:r>
+            <a:r>
+              <a:rPr lang="en-US" dirty="0" smtClean="0">
+                <a:solidFill>
+                  <a:srgbClr val="FFFF00"/>
+                </a:solidFill>
+              </a:rPr>
+              <a:t> 2 </a:t>
+            </a:r>
+            <a:r>
+              <a:rPr lang="en-US" dirty="0" err="1" smtClean="0">
+                <a:solidFill>
+                  <a:srgbClr val="FFFF00"/>
+                </a:solidFill>
+              </a:rPr>
+              <a:t>cách</a:t>
+            </a:r>
+            <a:r>
+              <a:rPr lang="en-US" dirty="0" smtClean="0">
+                <a:solidFill>
+                  <a:srgbClr val="FFFF00"/>
+                </a:solidFill>
+              </a:rPr>
+              <a:t>:</a:t>
+            </a:r>
+          </a:p>
+          <a:p>
+            <a:pPr marL="285750" indent="-285750">
+              <a:buFontTx/>
+              <a:buChar char="-"/>
+            </a:pPr>
+            <a:r>
+              <a:rPr lang="en-US" dirty="0" err="1" smtClean="0">
+                <a:solidFill>
+                  <a:srgbClr val="FFFF00"/>
+                </a:solidFill>
+              </a:rPr>
+              <a:t>Sử</a:t>
+            </a:r>
+            <a:r>
+              <a:rPr lang="en-US" dirty="0" smtClean="0">
+                <a:solidFill>
+                  <a:srgbClr val="FFFF00"/>
+                </a:solidFill>
+              </a:rPr>
+              <a:t> </a:t>
+            </a:r>
+            <a:r>
+              <a:rPr lang="en-US" dirty="0" err="1" smtClean="0">
+                <a:solidFill>
+                  <a:srgbClr val="FFFF00"/>
+                </a:solidFill>
+              </a:rPr>
+              <a:t>dụng</a:t>
+            </a:r>
+            <a:r>
+              <a:rPr lang="en-US" dirty="0" smtClean="0">
+                <a:solidFill>
+                  <a:srgbClr val="FFFF00"/>
+                </a:solidFill>
+              </a:rPr>
+              <a:t> list </a:t>
+            </a:r>
+            <a:r>
+              <a:rPr lang="en-US" dirty="0" err="1" smtClean="0">
+                <a:solidFill>
+                  <a:srgbClr val="FFFF00"/>
+                </a:solidFill>
+              </a:rPr>
+              <a:t>các</a:t>
+            </a:r>
+            <a:r>
+              <a:rPr lang="en-US" dirty="0" smtClean="0">
+                <a:solidFill>
+                  <a:srgbClr val="FFFF00"/>
+                </a:solidFill>
+              </a:rPr>
+              <a:t> object</a:t>
+            </a:r>
+          </a:p>
+          <a:p>
+            <a:pPr marL="285750" indent="-285750">
+              <a:buFontTx/>
+              <a:buChar char="-"/>
+            </a:pPr>
+            <a:r>
+              <a:rPr lang="en-US" dirty="0" err="1" smtClean="0">
+                <a:solidFill>
+                  <a:srgbClr val="FFFF00"/>
+                </a:solidFill>
+              </a:rPr>
+              <a:t>Sử</a:t>
+            </a:r>
+            <a:r>
+              <a:rPr lang="en-US" dirty="0" smtClean="0">
+                <a:solidFill>
+                  <a:srgbClr val="FFFF00"/>
+                </a:solidFill>
+              </a:rPr>
+              <a:t> </a:t>
+            </a:r>
+            <a:r>
+              <a:rPr lang="en-US" dirty="0" err="1" smtClean="0">
+                <a:solidFill>
+                  <a:srgbClr val="FFFF00"/>
+                </a:solidFill>
+              </a:rPr>
+              <a:t>dụng</a:t>
+            </a:r>
+            <a:r>
+              <a:rPr lang="en-US" dirty="0" smtClean="0">
+                <a:solidFill>
+                  <a:srgbClr val="FFFF00"/>
+                </a:solidFill>
+              </a:rPr>
+              <a:t> object(</a:t>
+            </a:r>
+            <a:r>
+              <a:rPr lang="en-US" dirty="0" err="1" smtClean="0">
+                <a:solidFill>
+                  <a:srgbClr val="FFFF00"/>
+                </a:solidFill>
+              </a:rPr>
+              <a:t>ko</a:t>
+            </a:r>
+            <a:r>
+              <a:rPr lang="en-US" dirty="0" smtClean="0">
+                <a:solidFill>
+                  <a:srgbClr val="FFFF00"/>
+                </a:solidFill>
+              </a:rPr>
+              <a:t> </a:t>
+            </a:r>
+            <a:r>
+              <a:rPr lang="en-US" dirty="0" err="1" smtClean="0">
+                <a:solidFill>
+                  <a:srgbClr val="FFFF00"/>
+                </a:solidFill>
+              </a:rPr>
+              <a:t>dùng</a:t>
+            </a:r>
+            <a:r>
+              <a:rPr lang="en-US" dirty="0" smtClean="0">
+                <a:solidFill>
+                  <a:srgbClr val="FFFF00"/>
+                </a:solidFill>
+              </a:rPr>
+              <a:t> list)  </a:t>
+            </a:r>
+          </a:p>
+          <a:p>
+            <a:r>
+              <a:rPr lang="en-US" dirty="0" smtClean="0">
+                <a:solidFill>
+                  <a:srgbClr val="FFFF00"/>
+                </a:solidFill>
+              </a:rPr>
+              <a:t>“</a:t>
+            </a:r>
+            <a:r>
+              <a:rPr lang="en-US" dirty="0" err="1" smtClean="0">
+                <a:solidFill>
+                  <a:srgbClr val="FFFF00"/>
+                </a:solidFill>
+              </a:rPr>
+              <a:t>Bài</a:t>
+            </a:r>
+            <a:r>
+              <a:rPr lang="en-US" dirty="0" smtClean="0">
+                <a:solidFill>
+                  <a:srgbClr val="FFFF00"/>
+                </a:solidFill>
+              </a:rPr>
+              <a:t> </a:t>
+            </a:r>
+            <a:r>
+              <a:rPr lang="en-US" dirty="0" err="1" smtClean="0">
+                <a:solidFill>
+                  <a:srgbClr val="FFFF00"/>
+                </a:solidFill>
+              </a:rPr>
+              <a:t>này</a:t>
+            </a:r>
+            <a:r>
+              <a:rPr lang="en-US" dirty="0" smtClean="0">
+                <a:solidFill>
+                  <a:srgbClr val="FFFF00"/>
+                </a:solidFill>
+              </a:rPr>
+              <a:t> </a:t>
+            </a:r>
+            <a:r>
+              <a:rPr lang="en-US" dirty="0" err="1" smtClean="0">
+                <a:solidFill>
+                  <a:srgbClr val="FFFF00"/>
+                </a:solidFill>
+              </a:rPr>
+              <a:t>mục</a:t>
+            </a:r>
+            <a:r>
+              <a:rPr lang="en-US" dirty="0" smtClean="0">
+                <a:solidFill>
+                  <a:srgbClr val="FFFF00"/>
+                </a:solidFill>
+              </a:rPr>
+              <a:t> </a:t>
+            </a:r>
+            <a:r>
+              <a:rPr lang="en-US" dirty="0" err="1" smtClean="0">
+                <a:solidFill>
+                  <a:srgbClr val="FFFF00"/>
+                </a:solidFill>
+              </a:rPr>
+              <a:t>đích</a:t>
+            </a:r>
+            <a:r>
+              <a:rPr lang="en-US" dirty="0" smtClean="0">
+                <a:solidFill>
+                  <a:srgbClr val="FFFF00"/>
+                </a:solidFill>
+              </a:rPr>
+              <a:t> </a:t>
+            </a:r>
+            <a:r>
+              <a:rPr lang="en-US" dirty="0" err="1" smtClean="0">
+                <a:solidFill>
+                  <a:srgbClr val="FFFF00"/>
+                </a:solidFill>
+              </a:rPr>
+              <a:t>nêu</a:t>
+            </a:r>
+            <a:r>
+              <a:rPr lang="en-US" dirty="0" smtClean="0">
+                <a:solidFill>
+                  <a:srgbClr val="FFFF00"/>
+                </a:solidFill>
+              </a:rPr>
+              <a:t> </a:t>
+            </a:r>
+            <a:r>
+              <a:rPr lang="en-US" dirty="0" err="1" smtClean="0">
+                <a:solidFill>
+                  <a:srgbClr val="FFFF00"/>
+                </a:solidFill>
+              </a:rPr>
+              <a:t>ưu</a:t>
+            </a:r>
+            <a:r>
+              <a:rPr lang="en-US" dirty="0" smtClean="0">
+                <a:solidFill>
+                  <a:srgbClr val="FFFF00"/>
+                </a:solidFill>
+              </a:rPr>
+              <a:t> </a:t>
+            </a:r>
+            <a:r>
+              <a:rPr lang="en-US" dirty="0" err="1" smtClean="0">
+                <a:solidFill>
+                  <a:srgbClr val="FFFF00"/>
+                </a:solidFill>
+              </a:rPr>
+              <a:t>điểm</a:t>
+            </a:r>
+            <a:r>
+              <a:rPr lang="en-US" dirty="0" smtClean="0">
+                <a:solidFill>
+                  <a:srgbClr val="FFFF00"/>
+                </a:solidFill>
+              </a:rPr>
+              <a:t> </a:t>
+            </a:r>
+            <a:r>
+              <a:rPr lang="en-US" dirty="0" err="1" smtClean="0">
+                <a:solidFill>
+                  <a:srgbClr val="FFFF00"/>
+                </a:solidFill>
+              </a:rPr>
+              <a:t>của</a:t>
+            </a:r>
+            <a:r>
+              <a:rPr lang="en-US" dirty="0" smtClean="0">
+                <a:solidFill>
+                  <a:srgbClr val="FFFF00"/>
+                </a:solidFill>
+              </a:rPr>
+              <a:t> </a:t>
+            </a:r>
+            <a:r>
+              <a:rPr lang="en-US" dirty="0" err="1" smtClean="0">
+                <a:solidFill>
+                  <a:srgbClr val="FFFF00"/>
+                </a:solidFill>
+              </a:rPr>
+              <a:t>kiểu</a:t>
+            </a:r>
+            <a:r>
+              <a:rPr lang="en-US" dirty="0" smtClean="0">
+                <a:solidFill>
+                  <a:srgbClr val="FFFF00"/>
+                </a:solidFill>
+              </a:rPr>
+              <a:t> </a:t>
+            </a:r>
+            <a:r>
+              <a:rPr lang="en-US" dirty="0" err="1" smtClean="0">
+                <a:solidFill>
+                  <a:srgbClr val="FFFF00"/>
+                </a:solidFill>
+              </a:rPr>
+              <a:t>dữ</a:t>
+            </a:r>
+            <a:r>
+              <a:rPr lang="en-US" dirty="0" smtClean="0">
+                <a:solidFill>
+                  <a:srgbClr val="FFFF00"/>
+                </a:solidFill>
+              </a:rPr>
+              <a:t> </a:t>
+            </a:r>
+            <a:r>
+              <a:rPr lang="en-US" dirty="0" err="1" smtClean="0">
+                <a:solidFill>
+                  <a:srgbClr val="FFFF00"/>
+                </a:solidFill>
+              </a:rPr>
+              <a:t>liệu</a:t>
+            </a:r>
+            <a:r>
+              <a:rPr lang="en-US" dirty="0" smtClean="0">
+                <a:solidFill>
+                  <a:srgbClr val="FFFF00"/>
+                </a:solidFill>
+              </a:rPr>
+              <a:t> object </a:t>
+            </a:r>
+            <a:r>
+              <a:rPr lang="en-US" dirty="0" err="1" smtClean="0">
+                <a:solidFill>
+                  <a:srgbClr val="FFFF00"/>
+                </a:solidFill>
+              </a:rPr>
+              <a:t>trong</a:t>
+            </a:r>
+            <a:r>
+              <a:rPr lang="en-US" dirty="0" smtClean="0">
+                <a:solidFill>
+                  <a:srgbClr val="FFFF00"/>
+                </a:solidFill>
+              </a:rPr>
+              <a:t> </a:t>
+            </a:r>
+            <a:r>
+              <a:rPr lang="en-US" dirty="0" err="1" smtClean="0">
+                <a:solidFill>
+                  <a:srgbClr val="FFFF00"/>
+                </a:solidFill>
+              </a:rPr>
+              <a:t>js</a:t>
+            </a:r>
+            <a:r>
+              <a:rPr lang="en-US" dirty="0" smtClean="0">
+                <a:solidFill>
+                  <a:srgbClr val="FFFF00"/>
+                </a:solidFill>
+              </a:rPr>
+              <a:t> </a:t>
+            </a:r>
+            <a:r>
+              <a:rPr lang="mr-IN" dirty="0" smtClean="0">
+                <a:solidFill>
+                  <a:srgbClr val="FFFF00"/>
+                </a:solidFill>
+              </a:rPr>
+              <a:t>–</a:t>
+            </a:r>
+            <a:r>
+              <a:rPr lang="en-US" dirty="0" smtClean="0">
+                <a:solidFill>
+                  <a:srgbClr val="FFFF00"/>
+                </a:solidFill>
+              </a:rPr>
+              <a:t> </a:t>
+            </a:r>
+            <a:r>
+              <a:rPr lang="en-US" dirty="0" err="1" smtClean="0">
+                <a:solidFill>
+                  <a:srgbClr val="FFFF00"/>
+                </a:solidFill>
+              </a:rPr>
+              <a:t>có</a:t>
+            </a:r>
+            <a:r>
+              <a:rPr lang="en-US" dirty="0" smtClean="0">
+                <a:solidFill>
+                  <a:srgbClr val="FFFF00"/>
+                </a:solidFill>
+              </a:rPr>
+              <a:t> </a:t>
+            </a:r>
+            <a:r>
+              <a:rPr lang="en-US" dirty="0" err="1" smtClean="0">
+                <a:solidFill>
+                  <a:srgbClr val="FFFF00"/>
+                </a:solidFill>
+              </a:rPr>
+              <a:t>thể</a:t>
+            </a:r>
+            <a:r>
+              <a:rPr lang="en-US" dirty="0" smtClean="0">
+                <a:solidFill>
+                  <a:srgbClr val="FFFF00"/>
+                </a:solidFill>
+              </a:rPr>
+              <a:t> </a:t>
+            </a:r>
+            <a:r>
+              <a:rPr lang="en-US" dirty="0" err="1" smtClean="0">
+                <a:solidFill>
+                  <a:srgbClr val="FFFF00"/>
+                </a:solidFill>
+              </a:rPr>
+              <a:t>thêm</a:t>
+            </a:r>
+            <a:r>
+              <a:rPr lang="en-US" dirty="0" smtClean="0">
+                <a:solidFill>
+                  <a:srgbClr val="FFFF00"/>
+                </a:solidFill>
+              </a:rPr>
+              <a:t>/</a:t>
+            </a:r>
+            <a:r>
+              <a:rPr lang="en-US" dirty="0" err="1" smtClean="0">
+                <a:solidFill>
+                  <a:srgbClr val="FFFF00"/>
+                </a:solidFill>
+              </a:rPr>
+              <a:t>bớt</a:t>
+            </a:r>
+            <a:r>
+              <a:rPr lang="en-US" dirty="0" smtClean="0">
+                <a:solidFill>
+                  <a:srgbClr val="FFFF00"/>
+                </a:solidFill>
+              </a:rPr>
+              <a:t> </a:t>
+            </a:r>
+            <a:r>
+              <a:rPr lang="en-US" dirty="0" err="1" smtClean="0">
+                <a:solidFill>
+                  <a:srgbClr val="FFFF00"/>
+                </a:solidFill>
+              </a:rPr>
+              <a:t>thuộc</a:t>
+            </a:r>
+            <a:r>
+              <a:rPr lang="en-US" dirty="0" smtClean="0">
+                <a:solidFill>
+                  <a:srgbClr val="FFFF00"/>
+                </a:solidFill>
+              </a:rPr>
+              <a:t> </a:t>
+            </a:r>
+            <a:r>
+              <a:rPr lang="en-US" dirty="0" err="1" smtClean="0">
+                <a:solidFill>
+                  <a:srgbClr val="FFFF00"/>
+                </a:solidFill>
+              </a:rPr>
+              <a:t>tính</a:t>
+            </a:r>
+            <a:r>
+              <a:rPr lang="en-US" dirty="0" smtClean="0">
+                <a:solidFill>
+                  <a:srgbClr val="FFFF00"/>
+                </a:solidFill>
+              </a:rPr>
+              <a:t>”</a:t>
+            </a:r>
+            <a:endParaRPr lang="en-US" dirty="0">
+              <a:solidFill>
+                <a:srgbClr val="FFFF00"/>
+              </a:solidFill>
+            </a:endParaRPr>
+          </a:p>
+        </p:txBody>
+      </p:sp>
+    </p:spTree>
+    <p:extLst>
+      <p:ext uri="{BB962C8B-B14F-4D97-AF65-F5344CB8AC3E}">
+        <p14:creationId xmlns:p14="http://schemas.microsoft.com/office/powerpoint/2010/main" val="558679970"/>
+      </p:ext>
+    </p:extLst>
+  </p:cSld>
+  <p:clrMapOvr>
+    <a:masterClrMapping/>
+  </p:clrMapOvr>
+  <p:timing>
+    <p:tnLst>
+      <p:par>
+        <p:cTn id="1" dur="indefinite" restart="never" nodeType="tmRoot"/>
+      </p:par>
+    </p:tnLst>
+  </p:timing>
+</p:sld>
+</file>
+
+<file path=ppt/slides/slide12.xml><?xml version="1.0" encoding="utf-8"?>
+<p:sld xmlns:a="http://schemas.openxmlformats.org/drawingml/2006/main" xmlns:r="http://schemas.openxmlformats.org/officeDocument/2006/relationships" xmlns:p="http://schemas.openxmlformats.org/presentationml/2006/main">
+  <p:cSld>
+    <p:spTree>
+      <p:nvGrpSpPr>
+        <p:cNvPr id="1" name=""/>
+        <p:cNvGrpSpPr/>
+        <p:nvPr/>
+      </p:nvGrpSpPr>
+      <p:grpSpPr>
+        <a:xfrm>
+          <a:off x="0" y="0"/>
+          <a:ext cx="0" cy="0"/>
+          <a:chOff x="0" y="0"/>
+          <a:chExt cx="0" cy="0"/>
+        </a:xfrm>
+      </p:grpSpPr>
+      <p:sp>
+        <p:nvSpPr>
+          <p:cNvPr id="2" name="Title 1"/>
+          <p:cNvSpPr>
+            <a:spLocks noGrp="1"/>
+          </p:cNvSpPr>
+          <p:nvPr>
+            <p:ph type="title"/>
+          </p:nvPr>
+        </p:nvSpPr>
+        <p:spPr/>
+        <p:txBody>
+          <a:bodyPr>
+            <a:normAutofit fontScale="90000"/>
+          </a:bodyPr>
+          <a:lstStyle/>
+          <a:p>
+            <a:r>
+              <a:rPr lang="en-US" dirty="0" smtClean="0"/>
+              <a:t>Questions and Answers</a:t>
+            </a:r>
+            <a:endParaRPr lang="en-US" dirty="0"/>
+          </a:p>
+        </p:txBody>
+      </p:sp>
+    </p:spTree>
+    <p:extLst>
+      <p:ext uri="{BB962C8B-B14F-4D97-AF65-F5344CB8AC3E}">
+        <p14:creationId xmlns:p14="http://schemas.microsoft.com/office/powerpoint/2010/main" val="847549113"/>
+      </p:ext>
+    </p:extLst>
+  </p:cSld>
+  <p:clrMapOvr>
+    <a:masterClrMapping/>
+  </p:clrMapOvr>
+  <p:timing>
+    <p:tnLst>
+      <p:par>
+        <p:cTn id="1" dur="indefinite" restart="never" nodeType="tmRoot"/>
+      </p:par>
+    </p:tnLst>
+  </p:timing>
+</p:sld>
+</file>
+
+<file path=ppt/slides/slide13.xml><?xml version="1.0" encoding="utf-8"?>
+<p:sld xmlns:a="http://schemas.openxmlformats.org/drawingml/2006/main" xmlns:r="http://schemas.openxmlformats.org/officeDocument/2006/relationships" xmlns:p="http://schemas.openxmlformats.org/presentationml/2006/main" show="0">
+  <p:cSld>
+    <p:spTree>
+      <p:nvGrpSpPr>
+        <p:cNvPr id="1" name=""/>
+        <p:cNvGrpSpPr/>
+        <p:nvPr/>
+      </p:nvGrpSpPr>
+      <p:grpSpPr>
+        <a:xfrm>
+          <a:off x="0" y="0"/>
+          <a:ext cx="0" cy="0"/>
+          <a:chOff x="0" y="0"/>
+          <a:chExt cx="0" cy="0"/>
+        </a:xfrm>
+      </p:grpSpPr>
+      <p:sp>
+        <p:nvSpPr>
+          <p:cNvPr id="2" name="Title 1"/>
+          <p:cNvSpPr>
+            <a:spLocks noGrp="1"/>
+          </p:cNvSpPr>
+          <p:nvPr>
+            <p:ph type="title"/>
+          </p:nvPr>
+        </p:nvSpPr>
+        <p:spPr/>
+        <p:txBody>
+          <a:bodyPr>
+            <a:normAutofit fontScale="90000"/>
+          </a:bodyPr>
+          <a:lstStyle/>
+          <a:p>
+            <a:r>
+              <a:rPr lang="en-US"/>
+              <a:t>Tham khảo</a:t>
+            </a:r>
+          </a:p>
+        </p:txBody>
+      </p:sp>
+      <p:sp>
+        <p:nvSpPr>
+          <p:cNvPr id="3" name="Content Placeholder 2"/>
+          <p:cNvSpPr>
+            <a:spLocks noGrp="1"/>
+          </p:cNvSpPr>
+          <p:nvPr>
+            <p:ph idx="1"/>
+          </p:nvPr>
+        </p:nvSpPr>
+        <p:spPr/>
+        <p:txBody>
+          <a:bodyPr/>
+          <a:lstStyle/>
+          <a:p>
+            <a:r>
+              <a:rPr lang="en-US" dirty="0">
+                <a:hlinkClick r:id="rId2"/>
+              </a:rPr>
+              <a:t>https://</a:t>
+            </a:r>
+            <a:r>
+              <a:rPr lang="en-US" dirty="0" err="1">
+                <a:hlinkClick r:id="rId2"/>
+              </a:rPr>
+              <a:t>techmaster.vn</a:t>
+            </a:r>
+            <a:r>
+              <a:rPr lang="en-US" dirty="0">
+                <a:hlinkClick r:id="rId2"/>
+              </a:rPr>
+              <a:t>/</a:t>
+            </a:r>
+            <a:r>
+              <a:rPr lang="en-US" dirty="0" err="1">
+                <a:hlinkClick r:id="rId2"/>
+              </a:rPr>
+              <a:t>khoa</a:t>
+            </a:r>
+            <a:r>
+              <a:rPr lang="en-US" dirty="0">
+                <a:hlinkClick r:id="rId2"/>
+              </a:rPr>
+              <a:t>-hoc/25480/lap-</a:t>
+            </a:r>
+            <a:r>
+              <a:rPr lang="en-US" dirty="0" err="1">
+                <a:hlinkClick r:id="rId2"/>
+              </a:rPr>
+              <a:t>trinh</a:t>
+            </a:r>
+            <a:r>
+              <a:rPr lang="en-US" dirty="0">
+                <a:hlinkClick r:id="rId2"/>
+              </a:rPr>
+              <a:t>-web-</a:t>
+            </a:r>
+            <a:r>
+              <a:rPr lang="en-US" dirty="0" err="1">
+                <a:hlinkClick r:id="rId2"/>
+              </a:rPr>
+              <a:t>nodejs</a:t>
+            </a:r>
+            <a:r>
+              <a:rPr lang="en-US" dirty="0">
+                <a:hlinkClick r:id="rId2"/>
+              </a:rPr>
+              <a:t>-toc-do-</a:t>
+            </a:r>
+            <a:r>
+              <a:rPr lang="en-US" dirty="0" err="1">
+                <a:hlinkClick r:id="rId2"/>
+              </a:rPr>
+              <a:t>cao</a:t>
+            </a:r>
+            <a:endParaRPr lang="en-US" dirty="0"/>
+          </a:p>
+          <a:p>
+            <a:r>
+              <a:rPr lang="en-US" dirty="0">
+                <a:hlinkClick r:id="rId3"/>
+              </a:rPr>
+              <a:t>https</a:t>
+            </a:r>
+            <a:r>
+              <a:rPr lang="en-US" dirty="0" smtClean="0">
+                <a:hlinkClick r:id="rId3"/>
+              </a:rPr>
+              <a:t>://</a:t>
+            </a:r>
+            <a:r>
+              <a:rPr lang="en-US" dirty="0" err="1" smtClean="0">
+                <a:hlinkClick r:id="rId3"/>
+              </a:rPr>
+              <a:t>www.youtube.com</a:t>
+            </a:r>
+            <a:r>
+              <a:rPr lang="en-US" dirty="0" smtClean="0">
+                <a:hlinkClick r:id="rId3"/>
+              </a:rPr>
+              <a:t>/c/</a:t>
+            </a:r>
+            <a:r>
+              <a:rPr lang="en-US" dirty="0" err="1" smtClean="0">
+                <a:hlinkClick r:id="rId3"/>
+              </a:rPr>
+              <a:t>nguyenduchoang</a:t>
+            </a:r>
+            <a:endParaRPr lang="en-US" dirty="0"/>
+          </a:p>
+        </p:txBody>
+      </p:sp>
+    </p:spTree>
+    <p:extLst>
+      <p:ext uri="{BB962C8B-B14F-4D97-AF65-F5344CB8AC3E}">
+        <p14:creationId xmlns:p14="http://schemas.microsoft.com/office/powerpoint/2010/main" val="703164273"/>
+      </p:ext>
+    </p:extLst>
+  </p:cSld>
+  <p:clrMapOvr>
+    <a:masterClrMapping/>
+  </p:clrMapOvr>
+  <mc:AlternateContent xmlns:mc="http://schemas.openxmlformats.org/markup-compatibility/2006">
+    <mc:Choice xmlns:p14="http://schemas.microsoft.com/office/powerpoint/2010/main" Requires="p14">
+      <p:transition spd="slow" p14:dur="2000"/>
+    </mc:Choice>
+    <mc:Fallback>
+      <p:transition spd="slow"/>
+    </mc:Fallback>
+  </mc:AlternateContent>
+</p:sld>
+</file>
+
 <file path=ppt/slides/slide2.xml><?xml version="1.0" encoding="utf-8"?>
 <p:sld xmlns:a="http://schemas.openxmlformats.org/drawingml/2006/main" xmlns:r="http://schemas.openxmlformats.org/officeDocument/2006/relationships" xmlns:p="http://schemas.openxmlformats.org/presentationml/2006/main">
   <p:cSld>
@@ -6827,2921 +8735,520 @@
       </p:grpSpPr>
       <p:sp>
         <p:nvSpPr>
-          <p:cNvPr id="2" name="Rectangle 1"/>
-          <p:cNvSpPr/>
+          <p:cNvPr id="2" name="Title 1"/>
+          <p:cNvSpPr>
+            <a:spLocks noGrp="1"/>
+          </p:cNvSpPr>
+          <p:nvPr>
+            <p:ph type="title"/>
+          </p:nvPr>
+        </p:nvSpPr>
+        <p:spPr/>
+        <p:txBody>
+          <a:bodyPr>
+            <a:normAutofit fontScale="90000"/>
+          </a:bodyPr>
+          <a:lstStyle/>
+          <a:p>
+            <a:r>
+              <a:rPr lang="en-US" dirty="0" err="1" smtClean="0"/>
+              <a:t>Cài</a:t>
+            </a:r>
+            <a:r>
+              <a:rPr lang="en-US" dirty="0" smtClean="0"/>
+              <a:t> </a:t>
+            </a:r>
+            <a:r>
+              <a:rPr lang="en-US" dirty="0" err="1" smtClean="0"/>
+              <a:t>đặt</a:t>
+            </a:r>
+            <a:r>
+              <a:rPr lang="en-US" dirty="0" smtClean="0"/>
+              <a:t> </a:t>
+            </a:r>
+            <a:r>
+              <a:rPr lang="en-US" dirty="0" err="1" smtClean="0"/>
+              <a:t>Nodejs</a:t>
+            </a:r>
+            <a:r>
+              <a:rPr lang="en-US" dirty="0" smtClean="0"/>
+              <a:t> </a:t>
+            </a:r>
+            <a:r>
+              <a:rPr lang="en-US" dirty="0" err="1" smtClean="0"/>
+              <a:t>trên</a:t>
+            </a:r>
+            <a:r>
+              <a:rPr lang="en-US" dirty="0" smtClean="0"/>
+              <a:t> </a:t>
+            </a:r>
+            <a:r>
+              <a:rPr lang="en-US" dirty="0" smtClean="0"/>
+              <a:t>Windows</a:t>
+            </a:r>
+            <a:endParaRPr lang="en-US" dirty="0"/>
+          </a:p>
+        </p:txBody>
+      </p:sp>
+      <p:sp>
+        <p:nvSpPr>
+          <p:cNvPr id="10" name="Content Placeholder 2"/>
+          <p:cNvSpPr txBox="1">
+            <a:spLocks/>
+          </p:cNvSpPr>
           <p:nvPr/>
         </p:nvSpPr>
         <p:spPr>
           <a:xfrm>
-            <a:off x="381000" y="666750"/>
-            <a:ext cx="8305800" cy="3631763"/>
+            <a:off x="228600" y="1047750"/>
+            <a:ext cx="8686800" cy="3818752"/>
           </a:xfrm>
           <a:prstGeom prst="rect">
             <a:avLst/>
           </a:prstGeom>
-          <a:solidFill>
-            <a:schemeClr val="tx1">
-              <a:lumMod val="85000"/>
-              <a:lumOff val="15000"/>
-            </a:schemeClr>
-          </a:solidFill>
         </p:spPr>
         <p:txBody>
-          <a:bodyPr wrap="square">
-            <a:spAutoFit/>
+          <a:bodyPr vert="horz" lIns="91440" tIns="45720" rIns="91440" bIns="45720" rtlCol="0">
+            <a:normAutofit/>
           </a:bodyPr>
-          <a:lstStyle/>
-          <a:p>
-            <a:r>
-              <a:rPr lang="en-US" sz="2300">
-                <a:solidFill>
-                  <a:srgbClr val="569CD6"/>
-                </a:solidFill>
-                <a:effectLst/>
-                <a:latin typeface="Roboto Mono for Powerline" charset="0"/>
-                <a:ea typeface="Times New Roman" charset="0"/>
-                <a:cs typeface="Times New Roman" charset="0"/>
-              </a:rPr>
-              <a:t>class</a:t>
-            </a:r>
-            <a:r>
-              <a:rPr lang="en-US" sz="2300">
-                <a:solidFill>
-                  <a:srgbClr val="D4D4D4"/>
-                </a:solidFill>
-                <a:effectLst/>
-                <a:latin typeface="Roboto Mono for Powerline" charset="0"/>
-                <a:ea typeface="Times New Roman" charset="0"/>
-                <a:cs typeface="Times New Roman" charset="0"/>
-              </a:rPr>
-              <a:t> </a:t>
-            </a:r>
-            <a:r>
-              <a:rPr lang="en-US" sz="2300">
-                <a:solidFill>
-                  <a:srgbClr val="4EC9B0"/>
-                </a:solidFill>
-                <a:effectLst/>
-                <a:latin typeface="Roboto Mono for Powerline" charset="0"/>
-                <a:ea typeface="Times New Roman" charset="0"/>
-                <a:cs typeface="Times New Roman" charset="0"/>
-              </a:rPr>
-              <a:t>Point</a:t>
-            </a:r>
-            <a:r>
-              <a:rPr lang="en-US" sz="2300">
-                <a:solidFill>
-                  <a:srgbClr val="D4D4D4"/>
-                </a:solidFill>
-                <a:effectLst/>
-                <a:latin typeface="Roboto Mono for Powerline" charset="0"/>
-                <a:ea typeface="Times New Roman" charset="0"/>
-                <a:cs typeface="Times New Roman" charset="0"/>
-              </a:rPr>
-              <a:t> {</a:t>
-            </a:r>
-            <a:endParaRPr lang="en-US" sz="2300">
-              <a:effectLst/>
-              <a:latin typeface="Calibri" charset="0"/>
-              <a:ea typeface="Calibri" charset="0"/>
-              <a:cs typeface="Times New Roman" charset="0"/>
-            </a:endParaRPr>
-          </a:p>
-          <a:p>
-            <a:r>
-              <a:rPr lang="en-US" sz="2300">
-                <a:solidFill>
-                  <a:srgbClr val="D4D4D4"/>
-                </a:solidFill>
-                <a:effectLst/>
-                <a:latin typeface="Roboto Mono for Powerline" charset="0"/>
-                <a:ea typeface="Times New Roman" charset="0"/>
-                <a:cs typeface="Times New Roman" charset="0"/>
-              </a:rPr>
-              <a:t>  </a:t>
-            </a:r>
-            <a:r>
-              <a:rPr lang="en-US" sz="2300">
-                <a:solidFill>
-                  <a:srgbClr val="569CD6"/>
-                </a:solidFill>
-                <a:effectLst/>
-                <a:latin typeface="Roboto Mono for Powerline" charset="0"/>
-                <a:ea typeface="Times New Roman" charset="0"/>
-                <a:cs typeface="Times New Roman" charset="0"/>
-              </a:rPr>
-              <a:t>num</a:t>
-            </a:r>
-            <a:r>
-              <a:rPr lang="en-US" sz="2300">
-                <a:solidFill>
-                  <a:srgbClr val="D4D4D4"/>
-                </a:solidFill>
-                <a:effectLst/>
-                <a:latin typeface="Roboto Mono for Powerline" charset="0"/>
-                <a:ea typeface="Times New Roman" charset="0"/>
-                <a:cs typeface="Times New Roman" charset="0"/>
-              </a:rPr>
-              <a:t> x;</a:t>
-            </a:r>
-            <a:endParaRPr lang="en-US" sz="2300">
-              <a:effectLst/>
-              <a:latin typeface="Calibri" charset="0"/>
-              <a:ea typeface="Calibri" charset="0"/>
-              <a:cs typeface="Times New Roman" charset="0"/>
-            </a:endParaRPr>
-          </a:p>
-          <a:p>
-            <a:r>
-              <a:rPr lang="en-US" sz="2300">
-                <a:solidFill>
-                  <a:srgbClr val="D4D4D4"/>
-                </a:solidFill>
-                <a:effectLst/>
-                <a:latin typeface="Roboto Mono for Powerline" charset="0"/>
-                <a:ea typeface="Times New Roman" charset="0"/>
-                <a:cs typeface="Times New Roman" charset="0"/>
-              </a:rPr>
-              <a:t>  </a:t>
-            </a:r>
-            <a:r>
-              <a:rPr lang="en-US" sz="2300">
-                <a:solidFill>
-                  <a:srgbClr val="569CD6"/>
-                </a:solidFill>
-                <a:effectLst/>
-                <a:latin typeface="Roboto Mono for Powerline" charset="0"/>
-                <a:ea typeface="Times New Roman" charset="0"/>
-                <a:cs typeface="Times New Roman" charset="0"/>
-              </a:rPr>
-              <a:t>num</a:t>
-            </a:r>
-            <a:r>
-              <a:rPr lang="en-US" sz="2300">
-                <a:solidFill>
-                  <a:srgbClr val="D4D4D4"/>
-                </a:solidFill>
-                <a:effectLst/>
-                <a:latin typeface="Roboto Mono for Powerline" charset="0"/>
-                <a:ea typeface="Times New Roman" charset="0"/>
-                <a:cs typeface="Times New Roman" charset="0"/>
-              </a:rPr>
-              <a:t> y;</a:t>
-            </a:r>
-            <a:endParaRPr lang="en-US" sz="2300">
-              <a:effectLst/>
-              <a:latin typeface="Calibri" charset="0"/>
-              <a:ea typeface="Calibri" charset="0"/>
-              <a:cs typeface="Times New Roman" charset="0"/>
-            </a:endParaRPr>
-          </a:p>
-          <a:p>
-            <a:r>
-              <a:rPr lang="en-US" sz="2300">
-                <a:solidFill>
-                  <a:srgbClr val="D4D4D4"/>
-                </a:solidFill>
-                <a:effectLst/>
-                <a:latin typeface="Roboto Mono for Powerline" charset="0"/>
-                <a:ea typeface="Times New Roman" charset="0"/>
-                <a:cs typeface="Times New Roman" charset="0"/>
-              </a:rPr>
-              <a:t>  </a:t>
-            </a:r>
-            <a:r>
-              <a:rPr lang="en-US" sz="2300">
-                <a:solidFill>
-                  <a:srgbClr val="4EC9B0"/>
-                </a:solidFill>
-                <a:effectLst/>
-                <a:latin typeface="Roboto Mono for Powerline" charset="0"/>
-                <a:ea typeface="Times New Roman" charset="0"/>
-                <a:cs typeface="Times New Roman" charset="0"/>
-              </a:rPr>
-              <a:t>Point</a:t>
-            </a:r>
-            <a:r>
-              <a:rPr lang="en-US" sz="2300">
-                <a:solidFill>
-                  <a:srgbClr val="D4D4D4"/>
-                </a:solidFill>
-                <a:effectLst/>
-                <a:latin typeface="Roboto Mono for Powerline" charset="0"/>
-                <a:ea typeface="Times New Roman" charset="0"/>
-                <a:cs typeface="Times New Roman" charset="0"/>
-              </a:rPr>
-              <a:t>(</a:t>
-            </a:r>
-            <a:r>
-              <a:rPr lang="en-US" sz="2300">
-                <a:solidFill>
-                  <a:srgbClr val="569CD6"/>
-                </a:solidFill>
-                <a:effectLst/>
-                <a:latin typeface="Roboto Mono for Powerline" charset="0"/>
-                <a:ea typeface="Times New Roman" charset="0"/>
-                <a:cs typeface="Times New Roman" charset="0"/>
-              </a:rPr>
-              <a:t>this</a:t>
-            </a:r>
-            <a:r>
-              <a:rPr lang="en-US" sz="2300">
-                <a:solidFill>
-                  <a:srgbClr val="D4D4D4"/>
-                </a:solidFill>
-                <a:effectLst/>
-                <a:latin typeface="Roboto Mono for Powerline" charset="0"/>
-                <a:ea typeface="Times New Roman" charset="0"/>
-                <a:cs typeface="Times New Roman" charset="0"/>
-              </a:rPr>
-              <a:t>.x, </a:t>
-            </a:r>
-            <a:r>
-              <a:rPr lang="en-US" sz="2300">
-                <a:solidFill>
-                  <a:srgbClr val="569CD6"/>
-                </a:solidFill>
-                <a:effectLst/>
-                <a:latin typeface="Roboto Mono for Powerline" charset="0"/>
-                <a:ea typeface="Times New Roman" charset="0"/>
-                <a:cs typeface="Times New Roman" charset="0"/>
-              </a:rPr>
-              <a:t>this</a:t>
-            </a:r>
-            <a:r>
-              <a:rPr lang="en-US" sz="2300">
-                <a:solidFill>
-                  <a:srgbClr val="D4D4D4"/>
-                </a:solidFill>
-                <a:effectLst/>
-                <a:latin typeface="Roboto Mono for Powerline" charset="0"/>
-                <a:ea typeface="Times New Roman" charset="0"/>
-                <a:cs typeface="Times New Roman" charset="0"/>
-              </a:rPr>
-              <a:t>.y);</a:t>
-            </a:r>
-            <a:endParaRPr lang="en-US" sz="2300">
-              <a:effectLst/>
-              <a:latin typeface="Calibri" charset="0"/>
-              <a:ea typeface="Calibri" charset="0"/>
-              <a:cs typeface="Times New Roman" charset="0"/>
-            </a:endParaRPr>
-          </a:p>
-          <a:p>
-            <a:r>
-              <a:rPr lang="en-US" sz="2300">
-                <a:solidFill>
-                  <a:srgbClr val="D4D4D4"/>
-                </a:solidFill>
-                <a:effectLst/>
-                <a:latin typeface="Roboto Mono for Powerline" charset="0"/>
-                <a:ea typeface="Times New Roman" charset="0"/>
-                <a:cs typeface="Times New Roman" charset="0"/>
-              </a:rPr>
-              <a:t>}</a:t>
-            </a:r>
-            <a:endParaRPr lang="en-US" sz="2300">
-              <a:effectLst/>
-              <a:latin typeface="Calibri" charset="0"/>
-              <a:ea typeface="Calibri" charset="0"/>
-              <a:cs typeface="Times New Roman" charset="0"/>
-            </a:endParaRPr>
-          </a:p>
-          <a:p>
-            <a:r>
-              <a:rPr lang="en-US" sz="2300">
-                <a:solidFill>
-                  <a:srgbClr val="D4D4D4"/>
-                </a:solidFill>
-                <a:effectLst/>
-                <a:latin typeface="Roboto Mono for Powerline" charset="0"/>
-                <a:ea typeface="Times New Roman" charset="0"/>
-                <a:cs typeface="Times New Roman" charset="0"/>
-              </a:rPr>
-              <a:t> </a:t>
-            </a:r>
-            <a:endParaRPr lang="en-US" sz="2300">
-              <a:effectLst/>
-              <a:latin typeface="Calibri" charset="0"/>
-              <a:ea typeface="Calibri" charset="0"/>
-              <a:cs typeface="Times New Roman" charset="0"/>
-            </a:endParaRPr>
-          </a:p>
-          <a:p>
-            <a:r>
-              <a:rPr lang="en-US" sz="2300">
-                <a:solidFill>
-                  <a:srgbClr val="569CD6"/>
-                </a:solidFill>
-                <a:effectLst/>
-                <a:latin typeface="Roboto Mono for Powerline" charset="0"/>
-                <a:ea typeface="Times New Roman" charset="0"/>
-                <a:cs typeface="Times New Roman" charset="0"/>
-              </a:rPr>
-              <a:t>class</a:t>
-            </a:r>
-            <a:r>
-              <a:rPr lang="en-US" sz="2300">
-                <a:solidFill>
-                  <a:srgbClr val="D4D4D4"/>
-                </a:solidFill>
-                <a:effectLst/>
-                <a:latin typeface="Roboto Mono for Powerline" charset="0"/>
-                <a:ea typeface="Times New Roman" charset="0"/>
-                <a:cs typeface="Times New Roman" charset="0"/>
-              </a:rPr>
-              <a:t> </a:t>
-            </a:r>
-            <a:r>
-              <a:rPr lang="en-US" sz="2300">
-                <a:solidFill>
-                  <a:srgbClr val="4EC9B0"/>
-                </a:solidFill>
-                <a:effectLst/>
-                <a:latin typeface="Roboto Mono for Powerline" charset="0"/>
-                <a:ea typeface="Times New Roman" charset="0"/>
-                <a:cs typeface="Times New Roman" charset="0"/>
-              </a:rPr>
-              <a:t>Point3D</a:t>
-            </a:r>
-            <a:r>
-              <a:rPr lang="en-US" sz="2300">
-                <a:solidFill>
-                  <a:srgbClr val="D4D4D4"/>
-                </a:solidFill>
-                <a:effectLst/>
-                <a:latin typeface="Roboto Mono for Powerline" charset="0"/>
-                <a:ea typeface="Times New Roman" charset="0"/>
-                <a:cs typeface="Times New Roman" charset="0"/>
-              </a:rPr>
-              <a:t> </a:t>
-            </a:r>
-            <a:r>
-              <a:rPr lang="en-US" sz="2300">
-                <a:solidFill>
-                  <a:srgbClr val="569CD6"/>
-                </a:solidFill>
-                <a:effectLst/>
-                <a:latin typeface="Roboto Mono for Powerline" charset="0"/>
-                <a:ea typeface="Times New Roman" charset="0"/>
-                <a:cs typeface="Times New Roman" charset="0"/>
-              </a:rPr>
-              <a:t>extends</a:t>
-            </a:r>
-            <a:r>
-              <a:rPr lang="en-US" sz="2300">
-                <a:solidFill>
-                  <a:srgbClr val="D4D4D4"/>
-                </a:solidFill>
-                <a:effectLst/>
-                <a:latin typeface="Roboto Mono for Powerline" charset="0"/>
-                <a:ea typeface="Times New Roman" charset="0"/>
-                <a:cs typeface="Times New Roman" charset="0"/>
-              </a:rPr>
-              <a:t> </a:t>
-            </a:r>
-            <a:r>
-              <a:rPr lang="en-US" sz="2300">
-                <a:solidFill>
-                  <a:srgbClr val="4EC9B0"/>
-                </a:solidFill>
-                <a:effectLst/>
-                <a:latin typeface="Roboto Mono for Powerline" charset="0"/>
-                <a:ea typeface="Times New Roman" charset="0"/>
-                <a:cs typeface="Times New Roman" charset="0"/>
-              </a:rPr>
-              <a:t>Point</a:t>
-            </a:r>
-            <a:r>
-              <a:rPr lang="en-US" sz="2300">
-                <a:solidFill>
-                  <a:srgbClr val="D4D4D4"/>
-                </a:solidFill>
-                <a:effectLst/>
-                <a:latin typeface="Roboto Mono for Powerline" charset="0"/>
-                <a:ea typeface="Times New Roman" charset="0"/>
-                <a:cs typeface="Times New Roman" charset="0"/>
-              </a:rPr>
-              <a:t> {</a:t>
-            </a:r>
-            <a:endParaRPr lang="en-US" sz="2300">
-              <a:effectLst/>
-              <a:latin typeface="Calibri" charset="0"/>
-              <a:ea typeface="Calibri" charset="0"/>
-              <a:cs typeface="Times New Roman" charset="0"/>
-            </a:endParaRPr>
-          </a:p>
-          <a:p>
-            <a:r>
-              <a:rPr lang="en-US" sz="2300">
-                <a:solidFill>
-                  <a:srgbClr val="D4D4D4"/>
-                </a:solidFill>
-                <a:effectLst/>
-                <a:latin typeface="Roboto Mono for Powerline" charset="0"/>
-                <a:ea typeface="Times New Roman" charset="0"/>
-                <a:cs typeface="Times New Roman" charset="0"/>
-              </a:rPr>
-              <a:t>  </a:t>
-            </a:r>
-            <a:r>
-              <a:rPr lang="en-US" sz="2300">
-                <a:solidFill>
-                  <a:srgbClr val="569CD6"/>
-                </a:solidFill>
-                <a:effectLst/>
-                <a:latin typeface="Roboto Mono for Powerline" charset="0"/>
-                <a:ea typeface="Times New Roman" charset="0"/>
-                <a:cs typeface="Times New Roman" charset="0"/>
-              </a:rPr>
-              <a:t>num</a:t>
-            </a:r>
-            <a:r>
-              <a:rPr lang="en-US" sz="2300">
-                <a:solidFill>
-                  <a:srgbClr val="D4D4D4"/>
-                </a:solidFill>
-                <a:effectLst/>
-                <a:latin typeface="Roboto Mono for Powerline" charset="0"/>
-                <a:ea typeface="Times New Roman" charset="0"/>
-                <a:cs typeface="Times New Roman" charset="0"/>
-              </a:rPr>
-              <a:t> z;</a:t>
-            </a:r>
-            <a:endParaRPr lang="en-US" sz="2300">
-              <a:effectLst/>
-              <a:latin typeface="Calibri" charset="0"/>
-              <a:ea typeface="Calibri" charset="0"/>
-              <a:cs typeface="Times New Roman" charset="0"/>
-            </a:endParaRPr>
-          </a:p>
-          <a:p>
-            <a:r>
-              <a:rPr lang="en-US" sz="2300">
-                <a:solidFill>
-                  <a:srgbClr val="D4D4D4"/>
-                </a:solidFill>
-                <a:effectLst/>
-                <a:latin typeface="Roboto Mono for Powerline" charset="0"/>
-                <a:ea typeface="Times New Roman" charset="0"/>
-                <a:cs typeface="Times New Roman" charset="0"/>
-              </a:rPr>
-              <a:t>  </a:t>
-            </a:r>
-            <a:r>
-              <a:rPr lang="en-US" sz="2300">
-                <a:solidFill>
-                  <a:srgbClr val="4EC9B0"/>
-                </a:solidFill>
-                <a:effectLst/>
-                <a:latin typeface="Roboto Mono for Powerline" charset="0"/>
-                <a:ea typeface="Times New Roman" charset="0"/>
-                <a:cs typeface="Times New Roman" charset="0"/>
-              </a:rPr>
-              <a:t>Point3D</a:t>
-            </a:r>
-            <a:r>
-              <a:rPr lang="en-US" sz="2300">
-                <a:solidFill>
-                  <a:srgbClr val="D4D4D4"/>
-                </a:solidFill>
-                <a:effectLst/>
-                <a:latin typeface="Roboto Mono for Powerline" charset="0"/>
-                <a:ea typeface="Times New Roman" charset="0"/>
-                <a:cs typeface="Times New Roman" charset="0"/>
-              </a:rPr>
-              <a:t>(</a:t>
-            </a:r>
-            <a:r>
-              <a:rPr lang="en-US" sz="2300">
-                <a:solidFill>
-                  <a:srgbClr val="569CD6"/>
-                </a:solidFill>
-                <a:effectLst/>
-                <a:latin typeface="Roboto Mono for Powerline" charset="0"/>
-                <a:ea typeface="Times New Roman" charset="0"/>
-                <a:cs typeface="Times New Roman" charset="0"/>
-              </a:rPr>
-              <a:t>num</a:t>
-            </a:r>
-            <a:r>
-              <a:rPr lang="en-US" sz="2300">
-                <a:solidFill>
-                  <a:srgbClr val="D4D4D4"/>
-                </a:solidFill>
-                <a:effectLst/>
-                <a:latin typeface="Roboto Mono for Powerline" charset="0"/>
-                <a:ea typeface="Times New Roman" charset="0"/>
-                <a:cs typeface="Times New Roman" charset="0"/>
-              </a:rPr>
-              <a:t> x, </a:t>
-            </a:r>
-            <a:r>
-              <a:rPr lang="en-US" sz="2300">
-                <a:solidFill>
-                  <a:srgbClr val="569CD6"/>
-                </a:solidFill>
-                <a:effectLst/>
-                <a:latin typeface="Roboto Mono for Powerline" charset="0"/>
-                <a:ea typeface="Times New Roman" charset="0"/>
-                <a:cs typeface="Times New Roman" charset="0"/>
-              </a:rPr>
-              <a:t>num</a:t>
-            </a:r>
-            <a:r>
-              <a:rPr lang="en-US" sz="2300">
-                <a:solidFill>
-                  <a:srgbClr val="D4D4D4"/>
-                </a:solidFill>
-                <a:effectLst/>
-                <a:latin typeface="Roboto Mono for Powerline" charset="0"/>
-                <a:ea typeface="Times New Roman" charset="0"/>
-                <a:cs typeface="Times New Roman" charset="0"/>
-              </a:rPr>
-              <a:t> y, </a:t>
-            </a:r>
-            <a:r>
-              <a:rPr lang="en-US" sz="2300">
-                <a:solidFill>
-                  <a:srgbClr val="569CD6"/>
-                </a:solidFill>
-                <a:effectLst/>
-                <a:latin typeface="Roboto Mono for Powerline" charset="0"/>
-                <a:ea typeface="Times New Roman" charset="0"/>
-                <a:cs typeface="Times New Roman" charset="0"/>
-              </a:rPr>
-              <a:t>this</a:t>
-            </a:r>
-            <a:r>
-              <a:rPr lang="en-US" sz="2300">
-                <a:solidFill>
-                  <a:srgbClr val="D4D4D4"/>
-                </a:solidFill>
-                <a:effectLst/>
-                <a:latin typeface="Roboto Mono for Powerline" charset="0"/>
-                <a:ea typeface="Times New Roman" charset="0"/>
-                <a:cs typeface="Times New Roman" charset="0"/>
-              </a:rPr>
-              <a:t>.z) : </a:t>
-            </a:r>
-            <a:r>
-              <a:rPr lang="en-US" sz="2300">
-                <a:solidFill>
-                  <a:srgbClr val="569CD6"/>
-                </a:solidFill>
-                <a:effectLst/>
-                <a:latin typeface="Roboto Mono for Powerline" charset="0"/>
-                <a:ea typeface="Times New Roman" charset="0"/>
-                <a:cs typeface="Times New Roman" charset="0"/>
-              </a:rPr>
-              <a:t>super</a:t>
-            </a:r>
-            <a:r>
-              <a:rPr lang="en-US" sz="2300">
-                <a:solidFill>
-                  <a:srgbClr val="D4D4D4"/>
-                </a:solidFill>
-                <a:effectLst/>
-                <a:latin typeface="Roboto Mono for Powerline" charset="0"/>
-                <a:ea typeface="Times New Roman" charset="0"/>
-                <a:cs typeface="Times New Roman" charset="0"/>
-              </a:rPr>
-              <a:t>(x, y);</a:t>
-            </a:r>
-            <a:endParaRPr lang="en-US" sz="2300">
-              <a:effectLst/>
-              <a:latin typeface="Calibri" charset="0"/>
-              <a:ea typeface="Calibri" charset="0"/>
-              <a:cs typeface="Times New Roman" charset="0"/>
-            </a:endParaRPr>
-          </a:p>
-          <a:p>
-            <a:r>
-              <a:rPr lang="en-US" sz="2300">
-                <a:solidFill>
-                  <a:srgbClr val="D4D4D4"/>
-                </a:solidFill>
-                <a:effectLst/>
-                <a:latin typeface="Roboto Mono for Powerline" charset="0"/>
-                <a:ea typeface="Times New Roman" charset="0"/>
-                <a:cs typeface="Times New Roman" charset="0"/>
-              </a:rPr>
-              <a:t>}</a:t>
-            </a:r>
-            <a:endParaRPr lang="en-US" sz="2300">
-              <a:effectLst/>
-              <a:latin typeface="Calibri" charset="0"/>
-              <a:ea typeface="Calibri" charset="0"/>
-              <a:cs typeface="Times New Roman" charset="0"/>
-            </a:endParaRPr>
+          <a:lstStyle>
+            <a:lvl1pPr marL="342900" indent="-342900" algn="l" defTabSz="914400" rtl="0" eaLnBrk="1" latinLnBrk="0" hangingPunct="1">
+              <a:spcBef>
+                <a:spcPts val="1800"/>
+              </a:spcBef>
+              <a:buFont typeface="Arial" pitchFamily="34" charset="0"/>
+              <a:buChar char="•"/>
+              <a:defRPr sz="3200" kern="1200">
+                <a:solidFill>
+                  <a:schemeClr val="bg1"/>
+                </a:solidFill>
+                <a:latin typeface="Corbel"/>
+                <a:ea typeface="Segoe UI" pitchFamily="34" charset="0"/>
+                <a:cs typeface="Corbel"/>
+              </a:defRPr>
+            </a:lvl1pPr>
+            <a:lvl2pPr marL="742950" indent="-285750" algn="l" defTabSz="914400" rtl="0" eaLnBrk="1" latinLnBrk="0" hangingPunct="1">
+              <a:spcBef>
+                <a:spcPts val="1800"/>
+              </a:spcBef>
+              <a:buFont typeface="Arial" pitchFamily="34" charset="0"/>
+              <a:buChar char="–"/>
+              <a:defRPr sz="2800" kern="1200">
+                <a:solidFill>
+                  <a:schemeClr val="bg1"/>
+                </a:solidFill>
+                <a:latin typeface="Corbel"/>
+                <a:ea typeface="Segoe UI" pitchFamily="34" charset="0"/>
+                <a:cs typeface="Corbel"/>
+              </a:defRPr>
+            </a:lvl2pPr>
+            <a:lvl3pPr marL="1143000" indent="-228600" algn="l" defTabSz="914400" rtl="0" eaLnBrk="1" latinLnBrk="0" hangingPunct="1">
+              <a:spcBef>
+                <a:spcPts val="1800"/>
+              </a:spcBef>
+              <a:buFont typeface="Arial" pitchFamily="34" charset="0"/>
+              <a:buChar char="•"/>
+              <a:defRPr sz="2400" kern="1200">
+                <a:solidFill>
+                  <a:schemeClr val="bg1"/>
+                </a:solidFill>
+                <a:latin typeface="Corbel"/>
+                <a:ea typeface="Segoe UI" pitchFamily="34" charset="0"/>
+                <a:cs typeface="Corbel"/>
+              </a:defRPr>
+            </a:lvl3pPr>
+            <a:lvl4pPr marL="1600200" indent="-228600" algn="l" defTabSz="914400" rtl="0" eaLnBrk="1" latinLnBrk="0" hangingPunct="1">
+              <a:spcBef>
+                <a:spcPts val="1800"/>
+              </a:spcBef>
+              <a:buFont typeface="Arial" pitchFamily="34" charset="0"/>
+              <a:buChar char="–"/>
+              <a:defRPr sz="2000" kern="1200">
+                <a:solidFill>
+                  <a:schemeClr val="bg1"/>
+                </a:solidFill>
+                <a:latin typeface="Corbel"/>
+                <a:ea typeface="Segoe UI" pitchFamily="34" charset="0"/>
+                <a:cs typeface="Corbel"/>
+              </a:defRPr>
+            </a:lvl4pPr>
+            <a:lvl5pPr marL="2057400" indent="-228600" algn="l" defTabSz="914400" rtl="0" eaLnBrk="1" latinLnBrk="0" hangingPunct="1">
+              <a:spcBef>
+                <a:spcPts val="1800"/>
+              </a:spcBef>
+              <a:buFont typeface="Arial" pitchFamily="34" charset="0"/>
+              <a:buChar char="»"/>
+              <a:defRPr sz="2000" kern="1200">
+                <a:solidFill>
+                  <a:schemeClr val="bg1"/>
+                </a:solidFill>
+                <a:latin typeface="Corbel"/>
+                <a:ea typeface="Segoe UI" pitchFamily="34" charset="0"/>
+                <a:cs typeface="Corbel"/>
+              </a:defRPr>
+            </a:lvl5pPr>
+            <a:lvl6pPr marL="2514600" indent="-228600" algn="l" defTabSz="914400" rtl="0" eaLnBrk="1" latinLnBrk="0" hangingPunct="1">
+              <a:spcBef>
+                <a:spcPct val="20000"/>
+              </a:spcBef>
+              <a:buFont typeface="Arial" pitchFamily="34" charset="0"/>
+              <a:buChar char="•"/>
+              <a:defRPr sz="2000" kern="1200">
+                <a:solidFill>
+                  <a:schemeClr val="tx1"/>
+                </a:solidFill>
+                <a:latin typeface="+mn-lt"/>
+                <a:ea typeface="+mn-ea"/>
+                <a:cs typeface="+mn-cs"/>
+              </a:defRPr>
+            </a:lvl6pPr>
+            <a:lvl7pPr marL="2971800" indent="-228600" algn="l" defTabSz="914400" rtl="0" eaLnBrk="1" latinLnBrk="0" hangingPunct="1">
+              <a:spcBef>
+                <a:spcPct val="20000"/>
+              </a:spcBef>
+              <a:buFont typeface="Arial" pitchFamily="34" charset="0"/>
+              <a:buChar char="•"/>
+              <a:defRPr sz="2000" kern="1200">
+                <a:solidFill>
+                  <a:schemeClr val="tx1"/>
+                </a:solidFill>
+                <a:latin typeface="+mn-lt"/>
+                <a:ea typeface="+mn-ea"/>
+                <a:cs typeface="+mn-cs"/>
+              </a:defRPr>
+            </a:lvl7pPr>
+            <a:lvl8pPr marL="3429000" indent="-228600" algn="l" defTabSz="914400" rtl="0" eaLnBrk="1" latinLnBrk="0" hangingPunct="1">
+              <a:spcBef>
+                <a:spcPct val="20000"/>
+              </a:spcBef>
+              <a:buFont typeface="Arial" pitchFamily="34" charset="0"/>
+              <a:buChar char="•"/>
+              <a:defRPr sz="2000" kern="1200">
+                <a:solidFill>
+                  <a:schemeClr val="tx1"/>
+                </a:solidFill>
+                <a:latin typeface="+mn-lt"/>
+                <a:ea typeface="+mn-ea"/>
+                <a:cs typeface="+mn-cs"/>
+              </a:defRPr>
+            </a:lvl8pPr>
+            <a:lvl9pPr marL="3886200" indent="-228600" algn="l" defTabSz="914400" rtl="0" eaLnBrk="1" latinLnBrk="0" hangingPunct="1">
+              <a:spcBef>
+                <a:spcPct val="20000"/>
+              </a:spcBef>
+              <a:buFont typeface="Arial" pitchFamily="34" charset="0"/>
+              <a:buChar char="•"/>
+              <a:defRPr sz="2000" kern="1200">
+                <a:solidFill>
+                  <a:schemeClr val="tx1"/>
+                </a:solidFill>
+                <a:latin typeface="+mn-lt"/>
+                <a:ea typeface="+mn-ea"/>
+                <a:cs typeface="+mn-cs"/>
+              </a:defRPr>
+            </a:lvl9pPr>
+          </a:lstStyle>
+          <a:p>
+            <a:pPr marL="0" indent="0">
+              <a:spcBef>
+                <a:spcPts val="600"/>
+              </a:spcBef>
+              <a:buFont typeface="Arial" pitchFamily="34" charset="0"/>
+              <a:buNone/>
+            </a:pPr>
+            <a:r>
+              <a:rPr lang="en-US" dirty="0" smtClean="0"/>
+              <a:t>-   Download .</a:t>
+            </a:r>
+            <a:r>
+              <a:rPr lang="en-US" dirty="0" err="1" smtClean="0"/>
+              <a:t>msi</a:t>
+            </a:r>
+            <a:r>
+              <a:rPr lang="en-US" dirty="0" smtClean="0"/>
+              <a:t> file(file </a:t>
+            </a:r>
+            <a:r>
+              <a:rPr lang="en-US" dirty="0" err="1" smtClean="0"/>
+              <a:t>cài</a:t>
+            </a:r>
+            <a:r>
+              <a:rPr lang="en-US" dirty="0" smtClean="0"/>
+              <a:t> </a:t>
+            </a:r>
+            <a:r>
+              <a:rPr lang="en-US" dirty="0" err="1" smtClean="0"/>
+              <a:t>đặt</a:t>
+            </a:r>
+            <a:r>
+              <a:rPr lang="en-US" dirty="0" smtClean="0"/>
+              <a:t>)</a:t>
+            </a:r>
+          </a:p>
+          <a:p>
+            <a:pPr>
+              <a:spcBef>
+                <a:spcPts val="600"/>
+              </a:spcBef>
+              <a:buFontTx/>
+              <a:buChar char="-"/>
+            </a:pPr>
+            <a:r>
+              <a:rPr lang="en-US" dirty="0" smtClean="0"/>
+              <a:t>Set environment path</a:t>
+            </a:r>
+          </a:p>
+          <a:p>
+            <a:pPr>
+              <a:spcBef>
+                <a:spcPts val="600"/>
+              </a:spcBef>
+              <a:buFontTx/>
+              <a:buChar char="-"/>
+            </a:pPr>
+            <a:r>
+              <a:rPr lang="en-US" dirty="0" err="1" smtClean="0"/>
+              <a:t>Chạy</a:t>
+            </a:r>
+            <a:r>
+              <a:rPr lang="en-US" dirty="0" smtClean="0"/>
+              <a:t> </a:t>
+            </a:r>
+            <a:r>
+              <a:rPr lang="en-US" dirty="0" err="1" smtClean="0"/>
+              <a:t>một</a:t>
+            </a:r>
+            <a:r>
+              <a:rPr lang="en-US" dirty="0" smtClean="0"/>
+              <a:t> </a:t>
+            </a:r>
+            <a:r>
+              <a:rPr lang="en-US" dirty="0" err="1" smtClean="0"/>
+              <a:t>số</a:t>
+            </a:r>
+            <a:r>
+              <a:rPr lang="en-US" dirty="0" smtClean="0"/>
+              <a:t> </a:t>
+            </a:r>
+            <a:r>
+              <a:rPr lang="en-US" dirty="0" err="1" smtClean="0"/>
+              <a:t>lệnh</a:t>
+            </a:r>
+            <a:r>
+              <a:rPr lang="en-US" dirty="0" smtClean="0"/>
+              <a:t> </a:t>
+            </a:r>
+            <a:r>
+              <a:rPr lang="en-US" dirty="0" err="1" smtClean="0"/>
+              <a:t>căn</a:t>
+            </a:r>
+            <a:r>
+              <a:rPr lang="en-US" dirty="0" smtClean="0"/>
+              <a:t> </a:t>
+            </a:r>
+            <a:r>
+              <a:rPr lang="en-US" dirty="0" err="1" smtClean="0"/>
+              <a:t>bản</a:t>
+            </a:r>
+            <a:endParaRPr lang="en-US" dirty="0" smtClean="0"/>
+          </a:p>
+          <a:p>
+            <a:pPr marL="0" indent="0">
+              <a:spcBef>
+                <a:spcPts val="600"/>
+              </a:spcBef>
+              <a:buFont typeface="Arial" pitchFamily="34" charset="0"/>
+              <a:buNone/>
+            </a:pPr>
+            <a:endParaRPr lang="en-US" dirty="0" smtClean="0"/>
+          </a:p>
+          <a:p>
+            <a:pPr marL="0" indent="0">
+              <a:spcBef>
+                <a:spcPts val="600"/>
+              </a:spcBef>
+              <a:buFont typeface="Arial" pitchFamily="34" charset="0"/>
+              <a:buNone/>
+            </a:pPr>
+            <a:endParaRPr lang="en-US" dirty="0"/>
+          </a:p>
+          <a:p>
+            <a:pPr marL="0" indent="0">
+              <a:spcBef>
+                <a:spcPts val="600"/>
+              </a:spcBef>
+              <a:buNone/>
+            </a:pPr>
+            <a:r>
+              <a:rPr lang="en-US" sz="2500" dirty="0" smtClean="0">
+                <a:solidFill>
+                  <a:srgbClr val="F08D49"/>
+                </a:solidFill>
+              </a:rPr>
+              <a:t>curl</a:t>
+            </a:r>
+            <a:r>
+              <a:rPr lang="en-US" sz="2500" dirty="0" smtClean="0"/>
+              <a:t> -</a:t>
+            </a:r>
+            <a:r>
+              <a:rPr lang="en-US" sz="2500" dirty="0" err="1" smtClean="0"/>
+              <a:t>sL</a:t>
+            </a:r>
+            <a:r>
+              <a:rPr lang="en-US" sz="2500" dirty="0" smtClean="0"/>
+              <a:t> https://</a:t>
+            </a:r>
+            <a:r>
+              <a:rPr lang="en-US" sz="2500" dirty="0" err="1" smtClean="0"/>
+              <a:t>deb.nodesource.com</a:t>
+            </a:r>
+            <a:r>
+              <a:rPr lang="en-US" sz="2500" dirty="0" smtClean="0"/>
+              <a:t>/setup_8.x </a:t>
+            </a:r>
+            <a:r>
+              <a:rPr lang="en-US" sz="2500" dirty="0" smtClean="0">
+                <a:solidFill>
+                  <a:srgbClr val="67CDCC"/>
+                </a:solidFill>
+              </a:rPr>
+              <a:t>|</a:t>
+            </a:r>
+            <a:r>
+              <a:rPr lang="en-US" sz="2500" dirty="0" smtClean="0"/>
+              <a:t> </a:t>
+            </a:r>
+            <a:r>
+              <a:rPr lang="en-US" sz="2500" dirty="0" err="1" smtClean="0">
+                <a:solidFill>
+                  <a:srgbClr val="F08D49"/>
+                </a:solidFill>
+              </a:rPr>
+              <a:t>sudo</a:t>
+            </a:r>
+            <a:r>
+              <a:rPr lang="en-US" sz="2500" dirty="0" smtClean="0"/>
+              <a:t> -E </a:t>
+            </a:r>
+            <a:r>
+              <a:rPr lang="en-US" sz="2500" dirty="0" smtClean="0">
+                <a:solidFill>
+                  <a:srgbClr val="F08D49"/>
+                </a:solidFill>
+              </a:rPr>
+              <a:t>bash</a:t>
+            </a:r>
+            <a:r>
+              <a:rPr lang="en-US" sz="2500" dirty="0" smtClean="0"/>
+              <a:t> - </a:t>
+            </a:r>
+            <a:r>
+              <a:rPr lang="en-US" sz="2500" dirty="0" err="1" smtClean="0">
+                <a:solidFill>
+                  <a:srgbClr val="F08D49"/>
+                </a:solidFill>
+              </a:rPr>
+              <a:t>sudo</a:t>
+            </a:r>
+            <a:r>
+              <a:rPr lang="en-US" sz="2500" dirty="0" smtClean="0"/>
+              <a:t> </a:t>
+            </a:r>
+            <a:r>
+              <a:rPr lang="en-US" sz="2500" dirty="0" smtClean="0">
+                <a:solidFill>
+                  <a:srgbClr val="F08D49"/>
+                </a:solidFill>
+              </a:rPr>
+              <a:t>apt-get</a:t>
+            </a:r>
+            <a:r>
+              <a:rPr lang="en-US" sz="2500" dirty="0" smtClean="0"/>
+              <a:t> </a:t>
+            </a:r>
+            <a:r>
+              <a:rPr lang="en-US" sz="2500" dirty="0" smtClean="0">
+                <a:solidFill>
+                  <a:srgbClr val="F08D49"/>
+                </a:solidFill>
+              </a:rPr>
+              <a:t>install</a:t>
+            </a:r>
+            <a:r>
+              <a:rPr lang="en-US" sz="2500" dirty="0" smtClean="0"/>
+              <a:t> -y </a:t>
+            </a:r>
+            <a:r>
+              <a:rPr lang="en-US" sz="2500" dirty="0" err="1" smtClean="0"/>
+              <a:t>nodejs</a:t>
+            </a:r>
+            <a:endParaRPr lang="en-US" sz="2500" dirty="0" smtClean="0"/>
           </a:p>
         </p:txBody>
       </p:sp>
-      <p:sp>
-        <p:nvSpPr>
-          <p:cNvPr id="3" name="Left Arrow 2"/>
-          <p:cNvSpPr/>
+      <p:pic>
+        <p:nvPicPr>
+          <p:cNvPr id="11" name="Picture 10"/>
+          <p:cNvPicPr>
+            <a:picLocks noChangeAspect="1"/>
+          </p:cNvPicPr>
           <p:nvPr/>
-        </p:nvSpPr>
+        </p:nvPicPr>
+        <p:blipFill rotWithShape="1">
+          <a:blip r:embed="rId2">
+            <a:extLst>
+              <a:ext uri="{28A0092B-C50C-407E-A947-70E740481C1C}">
+                <a14:useLocalDpi xmlns:a14="http://schemas.microsoft.com/office/drawing/2010/main" val="0"/>
+              </a:ext>
+            </a:extLst>
+          </a:blip>
+          <a:srcRect l="31690" r="34085"/>
+          <a:stretch/>
+        </p:blipFill>
         <p:spPr>
           <a:xfrm>
-            <a:off x="3200400" y="514350"/>
-            <a:ext cx="1828800" cy="762000"/>
-          </a:xfrm>
-          <a:prstGeom prst="leftArrow">
-            <a:avLst/>
-          </a:prstGeom>
-        </p:spPr>
-        <p:style>
-          <a:lnRef idx="2">
-            <a:schemeClr val="accent1">
-              <a:shade val="50000"/>
-            </a:schemeClr>
-          </a:lnRef>
-          <a:fillRef idx="1">
-            <a:schemeClr val="accent1"/>
-          </a:fillRef>
-          <a:effectRef idx="0">
-            <a:schemeClr val="accent1"/>
-          </a:effectRef>
-          <a:fontRef idx="minor">
-            <a:schemeClr val="lt1"/>
-          </a:fontRef>
-        </p:style>
-        <p:txBody>
-          <a:bodyPr rtlCol="0" anchor="ctr"/>
-          <a:lstStyle/>
-          <a:p>
-            <a:pPr algn="ctr"/>
-            <a:r>
-              <a:rPr lang="en-US"/>
-              <a:t>khai báo class</a:t>
-            </a:r>
-          </a:p>
-        </p:txBody>
-      </p:sp>
-      <p:sp>
-        <p:nvSpPr>
-          <p:cNvPr id="4" name="Left Arrow 3"/>
-          <p:cNvSpPr/>
-          <p:nvPr/>
-        </p:nvSpPr>
-        <p:spPr>
-          <a:xfrm>
-            <a:off x="4800600" y="1581150"/>
-            <a:ext cx="1828800" cy="762000"/>
-          </a:xfrm>
-          <a:prstGeom prst="leftArrow">
-            <a:avLst/>
-          </a:prstGeom>
-        </p:spPr>
-        <p:style>
-          <a:lnRef idx="2">
-            <a:schemeClr val="accent1">
-              <a:shade val="50000"/>
-            </a:schemeClr>
-          </a:lnRef>
-          <a:fillRef idx="1">
-            <a:schemeClr val="accent1"/>
-          </a:fillRef>
-          <a:effectRef idx="0">
-            <a:schemeClr val="accent1"/>
-          </a:effectRef>
-          <a:fontRef idx="minor">
-            <a:schemeClr val="lt1"/>
-          </a:fontRef>
-        </p:style>
-        <p:txBody>
-          <a:bodyPr rtlCol="0" anchor="ctr"/>
-          <a:lstStyle/>
-          <a:p>
-            <a:pPr algn="ctr"/>
-            <a:r>
-              <a:rPr lang="en-US"/>
-              <a:t>constructor</a:t>
-            </a:r>
-          </a:p>
-        </p:txBody>
-      </p:sp>
-      <p:sp>
-        <p:nvSpPr>
-          <p:cNvPr id="5" name="Left Arrow 4"/>
-          <p:cNvSpPr/>
-          <p:nvPr/>
-        </p:nvSpPr>
-        <p:spPr>
-          <a:xfrm>
-            <a:off x="5638800" y="2635250"/>
-            <a:ext cx="1828800" cy="762000"/>
-          </a:xfrm>
-          <a:prstGeom prst="leftArrow">
-            <a:avLst/>
-          </a:prstGeom>
-        </p:spPr>
-        <p:style>
-          <a:lnRef idx="2">
-            <a:schemeClr val="accent1">
-              <a:shade val="50000"/>
-            </a:schemeClr>
-          </a:lnRef>
-          <a:fillRef idx="1">
-            <a:schemeClr val="accent1"/>
-          </a:fillRef>
-          <a:effectRef idx="0">
-            <a:schemeClr val="accent1"/>
-          </a:effectRef>
-          <a:fontRef idx="minor">
-            <a:schemeClr val="lt1"/>
-          </a:fontRef>
-        </p:style>
-        <p:txBody>
-          <a:bodyPr rtlCol="0" anchor="ctr"/>
-          <a:lstStyle/>
-          <a:p>
-            <a:pPr algn="ctr"/>
-            <a:r>
-              <a:rPr lang="en-US"/>
-              <a:t>inheritance</a:t>
-            </a:r>
-          </a:p>
-        </p:txBody>
-      </p:sp>
-    </p:spTree>
-    <p:extLst>
-      <p:ext uri="{BB962C8B-B14F-4D97-AF65-F5344CB8AC3E}">
-        <p14:creationId xmlns:p14="http://schemas.microsoft.com/office/powerpoint/2010/main" val="1751163174"/>
-      </p:ext>
-    </p:extLst>
-  </p:cSld>
-  <p:clrMapOvr>
-    <a:masterClrMapping/>
-  </p:clrMapOvr>
-  <p:timing>
-    <p:tnLst>
-      <p:par>
-        <p:cTn id="1" dur="indefinite" restart="never" nodeType="tmRoot">
-          <p:childTnLst>
-            <p:seq concurrent="1" nextAc="seek">
-              <p:cTn id="2" dur="indefinite" nodeType="mainSeq">
-                <p:childTnLst>
-                  <p:par>
-                    <p:cTn id="3" fill="hold">
-                      <p:stCondLst>
-                        <p:cond delay="indefinite"/>
-                      </p:stCondLst>
-                      <p:childTnLst>
-                        <p:par>
-                          <p:cTn id="4" fill="hold">
-                            <p:stCondLst>
-                              <p:cond delay="0"/>
-                            </p:stCondLst>
-                            <p:childTnLst>
-                              <p:par>
-                                <p:cTn id="5" presetID="2" presetClass="entr" presetSubtype="2" fill="hold" grpId="0" nodeType="clickEffect">
-                                  <p:stCondLst>
-                                    <p:cond delay="0"/>
-                                  </p:stCondLst>
-                                  <p:childTnLst>
-                                    <p:set>
-                                      <p:cBhvr>
-                                        <p:cTn id="6" dur="1" fill="hold">
-                                          <p:stCondLst>
-                                            <p:cond delay="0"/>
-                                          </p:stCondLst>
-                                        </p:cTn>
-                                        <p:tgtEl>
-                                          <p:spTgt spid="3"/>
-                                        </p:tgtEl>
-                                        <p:attrNameLst>
-                                          <p:attrName>style.visibility</p:attrName>
-                                        </p:attrNameLst>
-                                      </p:cBhvr>
-                                      <p:to>
-                                        <p:strVal val="visible"/>
-                                      </p:to>
-                                    </p:set>
-                                    <p:anim calcmode="lin" valueType="num">
-                                      <p:cBhvr additive="base">
-                                        <p:cTn id="7" dur="500" fill="hold"/>
-                                        <p:tgtEl>
-                                          <p:spTgt spid="3"/>
-                                        </p:tgtEl>
-                                        <p:attrNameLst>
-                                          <p:attrName>ppt_x</p:attrName>
-                                        </p:attrNameLst>
-                                      </p:cBhvr>
-                                      <p:tavLst>
-                                        <p:tav tm="0">
-                                          <p:val>
-                                            <p:strVal val="1+#ppt_w/2"/>
-                                          </p:val>
-                                        </p:tav>
-                                        <p:tav tm="100000">
-                                          <p:val>
-                                            <p:strVal val="#ppt_x"/>
-                                          </p:val>
-                                        </p:tav>
-                                      </p:tavLst>
-                                    </p:anim>
-                                    <p:anim calcmode="lin" valueType="num">
-                                      <p:cBhvr additive="base">
-                                        <p:cTn id="8" dur="500" fill="hold"/>
-                                        <p:tgtEl>
-                                          <p:spTgt spid="3"/>
-                                        </p:tgtEl>
-                                        <p:attrNameLst>
-                                          <p:attrName>ppt_y</p:attrName>
-                                        </p:attrNameLst>
-                                      </p:cBhvr>
-                                      <p:tavLst>
-                                        <p:tav tm="0">
-                                          <p:val>
-                                            <p:strVal val="#ppt_y"/>
-                                          </p:val>
-                                        </p:tav>
-                                        <p:tav tm="100000">
-                                          <p:val>
-                                            <p:strVal val="#ppt_y"/>
-                                          </p:val>
-                                        </p:tav>
-                                      </p:tavLst>
-                                    </p:anim>
-                                  </p:childTnLst>
-                                </p:cTn>
-                              </p:par>
-                            </p:childTnLst>
-                          </p:cTn>
-                        </p:par>
-                      </p:childTnLst>
-                    </p:cTn>
-                  </p:par>
-                  <p:par>
-                    <p:cTn id="9" fill="hold">
-                      <p:stCondLst>
-                        <p:cond delay="indefinite"/>
-                      </p:stCondLst>
-                      <p:childTnLst>
-                        <p:par>
-                          <p:cTn id="10" fill="hold">
-                            <p:stCondLst>
-                              <p:cond delay="0"/>
-                            </p:stCondLst>
-                            <p:childTnLst>
-                              <p:par>
-                                <p:cTn id="11" presetID="2" presetClass="entr" presetSubtype="2" fill="hold" grpId="0" nodeType="clickEffect">
-                                  <p:stCondLst>
-                                    <p:cond delay="0"/>
-                                  </p:stCondLst>
-                                  <p:childTnLst>
-                                    <p:set>
-                                      <p:cBhvr>
-                                        <p:cTn id="12" dur="1" fill="hold">
-                                          <p:stCondLst>
-                                            <p:cond delay="0"/>
-                                          </p:stCondLst>
-                                        </p:cTn>
-                                        <p:tgtEl>
-                                          <p:spTgt spid="4"/>
-                                        </p:tgtEl>
-                                        <p:attrNameLst>
-                                          <p:attrName>style.visibility</p:attrName>
-                                        </p:attrNameLst>
-                                      </p:cBhvr>
-                                      <p:to>
-                                        <p:strVal val="visible"/>
-                                      </p:to>
-                                    </p:set>
-                                    <p:anim calcmode="lin" valueType="num">
-                                      <p:cBhvr additive="base">
-                                        <p:cTn id="13" dur="500" fill="hold"/>
-                                        <p:tgtEl>
-                                          <p:spTgt spid="4"/>
-                                        </p:tgtEl>
-                                        <p:attrNameLst>
-                                          <p:attrName>ppt_x</p:attrName>
-                                        </p:attrNameLst>
-                                      </p:cBhvr>
-                                      <p:tavLst>
-                                        <p:tav tm="0">
-                                          <p:val>
-                                            <p:strVal val="1+#ppt_w/2"/>
-                                          </p:val>
-                                        </p:tav>
-                                        <p:tav tm="100000">
-                                          <p:val>
-                                            <p:strVal val="#ppt_x"/>
-                                          </p:val>
-                                        </p:tav>
-                                      </p:tavLst>
-                                    </p:anim>
-                                    <p:anim calcmode="lin" valueType="num">
-                                      <p:cBhvr additive="base">
-                                        <p:cTn id="14" dur="500" fill="hold"/>
-                                        <p:tgtEl>
-                                          <p:spTgt spid="4"/>
-                                        </p:tgtEl>
-                                        <p:attrNameLst>
-                                          <p:attrName>ppt_y</p:attrName>
-                                        </p:attrNameLst>
-                                      </p:cBhvr>
-                                      <p:tavLst>
-                                        <p:tav tm="0">
-                                          <p:val>
-                                            <p:strVal val="#ppt_y"/>
-                                          </p:val>
-                                        </p:tav>
-                                        <p:tav tm="100000">
-                                          <p:val>
-                                            <p:strVal val="#ppt_y"/>
-                                          </p:val>
-                                        </p:tav>
-                                      </p:tavLst>
-                                    </p:anim>
-                                  </p:childTnLst>
-                                </p:cTn>
-                              </p:par>
-                            </p:childTnLst>
-                          </p:cTn>
-                        </p:par>
-                      </p:childTnLst>
-                    </p:cTn>
-                  </p:par>
-                  <p:par>
-                    <p:cTn id="15" fill="hold">
-                      <p:stCondLst>
-                        <p:cond delay="indefinite"/>
-                      </p:stCondLst>
-                      <p:childTnLst>
-                        <p:par>
-                          <p:cTn id="16" fill="hold">
-                            <p:stCondLst>
-                              <p:cond delay="0"/>
-                            </p:stCondLst>
-                            <p:childTnLst>
-                              <p:par>
-                                <p:cTn id="17" presetID="2" presetClass="entr" presetSubtype="2" fill="hold" grpId="0" nodeType="clickEffect">
-                                  <p:stCondLst>
-                                    <p:cond delay="0"/>
-                                  </p:stCondLst>
-                                  <p:childTnLst>
-                                    <p:set>
-                                      <p:cBhvr>
-                                        <p:cTn id="18" dur="1" fill="hold">
-                                          <p:stCondLst>
-                                            <p:cond delay="0"/>
-                                          </p:stCondLst>
-                                        </p:cTn>
-                                        <p:tgtEl>
-                                          <p:spTgt spid="5"/>
-                                        </p:tgtEl>
-                                        <p:attrNameLst>
-                                          <p:attrName>style.visibility</p:attrName>
-                                        </p:attrNameLst>
-                                      </p:cBhvr>
-                                      <p:to>
-                                        <p:strVal val="visible"/>
-                                      </p:to>
-                                    </p:set>
-                                    <p:anim calcmode="lin" valueType="num">
-                                      <p:cBhvr additive="base">
-                                        <p:cTn id="19" dur="500" fill="hold"/>
-                                        <p:tgtEl>
-                                          <p:spTgt spid="5"/>
-                                        </p:tgtEl>
-                                        <p:attrNameLst>
-                                          <p:attrName>ppt_x</p:attrName>
-                                        </p:attrNameLst>
-                                      </p:cBhvr>
-                                      <p:tavLst>
-                                        <p:tav tm="0">
-                                          <p:val>
-                                            <p:strVal val="1+#ppt_w/2"/>
-                                          </p:val>
-                                        </p:tav>
-                                        <p:tav tm="100000">
-                                          <p:val>
-                                            <p:strVal val="#ppt_x"/>
-                                          </p:val>
-                                        </p:tav>
-                                      </p:tavLst>
-                                    </p:anim>
-                                    <p:anim calcmode="lin" valueType="num">
-                                      <p:cBhvr additive="base">
-                                        <p:cTn id="20" dur="500" fill="hold"/>
-                                        <p:tgtEl>
-                                          <p:spTgt spid="5"/>
-                                        </p:tgtEl>
-                                        <p:attrNameLst>
-                                          <p:attrName>ppt_y</p:attrName>
-                                        </p:attrNameLst>
-                                      </p:cBhvr>
-                                      <p:tavLst>
-                                        <p:tav tm="0">
-                                          <p:val>
-                                            <p:strVal val="#ppt_y"/>
-                                          </p:val>
-                                        </p:tav>
-                                        <p:tav tm="100000">
-                                          <p:val>
-                                            <p:strVal val="#ppt_y"/>
-                                          </p:val>
-                                        </p:tav>
-                                      </p:tavLst>
-                                    </p:anim>
-                                  </p:childTnLst>
-                                </p:cTn>
-                              </p:par>
-                            </p:childTnLst>
-                          </p:cTn>
-                        </p:par>
-                      </p:childTnLst>
-                    </p:cTn>
-                  </p:par>
-                </p:childTnLst>
-              </p:cTn>
-              <p:prevCondLst>
-                <p:cond evt="onPrev" delay="0">
-                  <p:tgtEl>
-                    <p:sldTgt/>
-                  </p:tgtEl>
-                </p:cond>
-              </p:prevCondLst>
-              <p:nextCondLst>
-                <p:cond evt="onNext" delay="0">
-                  <p:tgtEl>
-                    <p:sldTgt/>
-                  </p:tgtEl>
-                </p:cond>
-              </p:nextCondLst>
-            </p:seq>
-          </p:childTnLst>
-        </p:cTn>
-      </p:par>
-    </p:tnLst>
-    <p:bldLst>
-      <p:bldP spid="3" grpId="0" animBg="1"/>
-      <p:bldP spid="4" grpId="0" animBg="1"/>
-      <p:bldP spid="5" grpId="0" animBg="1"/>
-    </p:bldLst>
-  </p:timing>
-</p:sld>
-</file>
-
-<file path=ppt/slides/slide6.xml><?xml version="1.0" encoding="utf-8"?>
-<p:sld xmlns:a="http://schemas.openxmlformats.org/drawingml/2006/main" xmlns:r="http://schemas.openxmlformats.org/officeDocument/2006/relationships" xmlns:p="http://schemas.openxmlformats.org/presentationml/2006/main">
-  <p:cSld>
-    <p:spTree>
-      <p:nvGrpSpPr>
-        <p:cNvPr id="1" name=""/>
-        <p:cNvGrpSpPr/>
-        <p:nvPr/>
-      </p:nvGrpSpPr>
-      <p:grpSpPr>
-        <a:xfrm>
-          <a:off x="0" y="0"/>
-          <a:ext cx="0" cy="0"/>
-          <a:chOff x="0" y="0"/>
-          <a:chExt cx="0" cy="0"/>
-        </a:xfrm>
-      </p:grpSpPr>
-      <p:sp>
-        <p:nvSpPr>
-          <p:cNvPr id="2" name="Rectangle 1"/>
-          <p:cNvSpPr/>
-          <p:nvPr/>
-        </p:nvSpPr>
-        <p:spPr>
-          <a:xfrm>
-            <a:off x="381000" y="666750"/>
-            <a:ext cx="8305800" cy="3631763"/>
+            <a:off x="5667793" y="1551508"/>
+            <a:ext cx="1524000" cy="1669814"/>
           </a:xfrm>
           <a:prstGeom prst="rect">
             <a:avLst/>
           </a:prstGeom>
-          <a:solidFill>
-            <a:schemeClr val="tx1">
-              <a:lumMod val="85000"/>
-              <a:lumOff val="15000"/>
-            </a:schemeClr>
-          </a:solidFill>
         </p:spPr>
-        <p:txBody>
-          <a:bodyPr wrap="square">
-            <a:spAutoFit/>
-          </a:bodyPr>
-          <a:lstStyle/>
-          <a:p>
-            <a:r>
-              <a:rPr lang="en-US" sz="2300">
-                <a:solidFill>
-                  <a:srgbClr val="569CD6"/>
-                </a:solidFill>
-                <a:effectLst/>
-                <a:latin typeface="Roboto Mono for Powerline" charset="0"/>
-                <a:ea typeface="Times New Roman" charset="0"/>
-                <a:cs typeface="Times New Roman" charset="0"/>
-              </a:rPr>
-              <a:t>class</a:t>
-            </a:r>
-            <a:r>
-              <a:rPr lang="en-US" sz="2300">
-                <a:solidFill>
-                  <a:srgbClr val="D4D4D4"/>
-                </a:solidFill>
-                <a:effectLst/>
-                <a:latin typeface="Roboto Mono for Powerline" charset="0"/>
-                <a:ea typeface="Times New Roman" charset="0"/>
-                <a:cs typeface="Times New Roman" charset="0"/>
-              </a:rPr>
-              <a:t> </a:t>
-            </a:r>
-            <a:r>
-              <a:rPr lang="en-US" sz="2300">
-                <a:solidFill>
-                  <a:srgbClr val="4EC9B0"/>
-                </a:solidFill>
-                <a:effectLst/>
-                <a:latin typeface="Roboto Mono for Powerline" charset="0"/>
-                <a:ea typeface="Times New Roman" charset="0"/>
-                <a:cs typeface="Times New Roman" charset="0"/>
-              </a:rPr>
-              <a:t>Point</a:t>
-            </a:r>
-            <a:r>
-              <a:rPr lang="en-US" sz="2300">
-                <a:solidFill>
-                  <a:srgbClr val="D4D4D4"/>
-                </a:solidFill>
-                <a:effectLst/>
-                <a:latin typeface="Roboto Mono for Powerline" charset="0"/>
-                <a:ea typeface="Times New Roman" charset="0"/>
-                <a:cs typeface="Times New Roman" charset="0"/>
-              </a:rPr>
-              <a:t> {</a:t>
-            </a:r>
-            <a:endParaRPr lang="en-US" sz="2300">
-              <a:effectLst/>
-              <a:latin typeface="Calibri" charset="0"/>
-              <a:ea typeface="Calibri" charset="0"/>
-              <a:cs typeface="Times New Roman" charset="0"/>
-            </a:endParaRPr>
-          </a:p>
-          <a:p>
-            <a:r>
-              <a:rPr lang="en-US" sz="2300">
-                <a:solidFill>
-                  <a:srgbClr val="D4D4D4"/>
-                </a:solidFill>
-                <a:effectLst/>
-                <a:latin typeface="Roboto Mono for Powerline" charset="0"/>
-                <a:ea typeface="Times New Roman" charset="0"/>
-                <a:cs typeface="Times New Roman" charset="0"/>
-              </a:rPr>
-              <a:t>  </a:t>
-            </a:r>
-            <a:r>
-              <a:rPr lang="en-US" sz="2300">
-                <a:solidFill>
-                  <a:srgbClr val="569CD6"/>
-                </a:solidFill>
-                <a:effectLst/>
-                <a:latin typeface="Roboto Mono for Powerline" charset="0"/>
-                <a:ea typeface="Times New Roman" charset="0"/>
-                <a:cs typeface="Times New Roman" charset="0"/>
-              </a:rPr>
-              <a:t>num</a:t>
-            </a:r>
-            <a:r>
-              <a:rPr lang="en-US" sz="2300">
-                <a:solidFill>
-                  <a:srgbClr val="D4D4D4"/>
-                </a:solidFill>
-                <a:effectLst/>
-                <a:latin typeface="Roboto Mono for Powerline" charset="0"/>
-                <a:ea typeface="Times New Roman" charset="0"/>
-                <a:cs typeface="Times New Roman" charset="0"/>
-              </a:rPr>
-              <a:t> x;</a:t>
-            </a:r>
-            <a:endParaRPr lang="en-US" sz="2300">
-              <a:effectLst/>
-              <a:latin typeface="Calibri" charset="0"/>
-              <a:ea typeface="Calibri" charset="0"/>
-              <a:cs typeface="Times New Roman" charset="0"/>
-            </a:endParaRPr>
-          </a:p>
-          <a:p>
-            <a:r>
-              <a:rPr lang="en-US" sz="2300">
-                <a:solidFill>
-                  <a:srgbClr val="D4D4D4"/>
-                </a:solidFill>
-                <a:effectLst/>
-                <a:latin typeface="Roboto Mono for Powerline" charset="0"/>
-                <a:ea typeface="Times New Roman" charset="0"/>
-                <a:cs typeface="Times New Roman" charset="0"/>
-              </a:rPr>
-              <a:t>  </a:t>
-            </a:r>
-            <a:r>
-              <a:rPr lang="en-US" sz="2300">
-                <a:solidFill>
-                  <a:srgbClr val="569CD6"/>
-                </a:solidFill>
-                <a:effectLst/>
-                <a:latin typeface="Roboto Mono for Powerline" charset="0"/>
-                <a:ea typeface="Times New Roman" charset="0"/>
-                <a:cs typeface="Times New Roman" charset="0"/>
-              </a:rPr>
-              <a:t>num</a:t>
-            </a:r>
-            <a:r>
-              <a:rPr lang="en-US" sz="2300">
-                <a:solidFill>
-                  <a:srgbClr val="D4D4D4"/>
-                </a:solidFill>
-                <a:effectLst/>
-                <a:latin typeface="Roboto Mono for Powerline" charset="0"/>
-                <a:ea typeface="Times New Roman" charset="0"/>
-                <a:cs typeface="Times New Roman" charset="0"/>
-              </a:rPr>
-              <a:t> y;</a:t>
-            </a:r>
-            <a:endParaRPr lang="en-US" sz="2300">
-              <a:effectLst/>
-              <a:latin typeface="Calibri" charset="0"/>
-              <a:ea typeface="Calibri" charset="0"/>
-              <a:cs typeface="Times New Roman" charset="0"/>
-            </a:endParaRPr>
-          </a:p>
-          <a:p>
-            <a:r>
-              <a:rPr lang="en-US" sz="2300">
-                <a:solidFill>
-                  <a:srgbClr val="D4D4D4"/>
-                </a:solidFill>
-                <a:effectLst/>
-                <a:latin typeface="Roboto Mono for Powerline" charset="0"/>
-                <a:ea typeface="Times New Roman" charset="0"/>
-                <a:cs typeface="Times New Roman" charset="0"/>
-              </a:rPr>
-              <a:t>  </a:t>
-            </a:r>
-            <a:r>
-              <a:rPr lang="en-US" sz="2300">
-                <a:solidFill>
-                  <a:srgbClr val="4EC9B0"/>
-                </a:solidFill>
-                <a:effectLst/>
-                <a:latin typeface="Roboto Mono for Powerline" charset="0"/>
-                <a:ea typeface="Times New Roman" charset="0"/>
-                <a:cs typeface="Times New Roman" charset="0"/>
-              </a:rPr>
-              <a:t>Point</a:t>
-            </a:r>
-            <a:r>
-              <a:rPr lang="en-US" sz="2300">
-                <a:solidFill>
-                  <a:srgbClr val="D4D4D4"/>
-                </a:solidFill>
-                <a:effectLst/>
-                <a:latin typeface="Roboto Mono for Powerline" charset="0"/>
-                <a:ea typeface="Times New Roman" charset="0"/>
-                <a:cs typeface="Times New Roman" charset="0"/>
-              </a:rPr>
-              <a:t>(</a:t>
-            </a:r>
-            <a:r>
-              <a:rPr lang="en-US" sz="2300">
-                <a:solidFill>
-                  <a:srgbClr val="569CD6"/>
-                </a:solidFill>
-                <a:effectLst/>
-                <a:latin typeface="Roboto Mono for Powerline" charset="0"/>
-                <a:ea typeface="Times New Roman" charset="0"/>
-                <a:cs typeface="Times New Roman" charset="0"/>
-              </a:rPr>
-              <a:t>this</a:t>
-            </a:r>
-            <a:r>
-              <a:rPr lang="en-US" sz="2300">
-                <a:solidFill>
-                  <a:srgbClr val="D4D4D4"/>
-                </a:solidFill>
-                <a:effectLst/>
-                <a:latin typeface="Roboto Mono for Powerline" charset="0"/>
-                <a:ea typeface="Times New Roman" charset="0"/>
-                <a:cs typeface="Times New Roman" charset="0"/>
-              </a:rPr>
-              <a:t>.x, </a:t>
-            </a:r>
-            <a:r>
-              <a:rPr lang="en-US" sz="2300">
-                <a:solidFill>
-                  <a:srgbClr val="569CD6"/>
-                </a:solidFill>
-                <a:effectLst/>
-                <a:latin typeface="Roboto Mono for Powerline" charset="0"/>
-                <a:ea typeface="Times New Roman" charset="0"/>
-                <a:cs typeface="Times New Roman" charset="0"/>
-              </a:rPr>
-              <a:t>this</a:t>
-            </a:r>
-            <a:r>
-              <a:rPr lang="en-US" sz="2300">
-                <a:solidFill>
-                  <a:srgbClr val="D4D4D4"/>
-                </a:solidFill>
-                <a:effectLst/>
-                <a:latin typeface="Roboto Mono for Powerline" charset="0"/>
-                <a:ea typeface="Times New Roman" charset="0"/>
-                <a:cs typeface="Times New Roman" charset="0"/>
-              </a:rPr>
-              <a:t>.y);</a:t>
-            </a:r>
-            <a:endParaRPr lang="en-US" sz="2300">
-              <a:effectLst/>
-              <a:latin typeface="Calibri" charset="0"/>
-              <a:ea typeface="Calibri" charset="0"/>
-              <a:cs typeface="Times New Roman" charset="0"/>
-            </a:endParaRPr>
-          </a:p>
-          <a:p>
-            <a:r>
-              <a:rPr lang="en-US" sz="2300">
-                <a:solidFill>
-                  <a:srgbClr val="D4D4D4"/>
-                </a:solidFill>
-                <a:effectLst/>
-                <a:latin typeface="Roboto Mono for Powerline" charset="0"/>
-                <a:ea typeface="Times New Roman" charset="0"/>
-                <a:cs typeface="Times New Roman" charset="0"/>
-              </a:rPr>
-              <a:t>}</a:t>
-            </a:r>
-            <a:endParaRPr lang="en-US" sz="2300">
-              <a:effectLst/>
-              <a:latin typeface="Calibri" charset="0"/>
-              <a:ea typeface="Calibri" charset="0"/>
-              <a:cs typeface="Times New Roman" charset="0"/>
-            </a:endParaRPr>
-          </a:p>
-          <a:p>
-            <a:r>
-              <a:rPr lang="en-US" sz="2300">
-                <a:solidFill>
-                  <a:srgbClr val="D4D4D4"/>
-                </a:solidFill>
-                <a:effectLst/>
-                <a:latin typeface="Roboto Mono for Powerline" charset="0"/>
-                <a:ea typeface="Times New Roman" charset="0"/>
-                <a:cs typeface="Times New Roman" charset="0"/>
-              </a:rPr>
-              <a:t> </a:t>
-            </a:r>
-            <a:endParaRPr lang="en-US" sz="2300">
-              <a:effectLst/>
-              <a:latin typeface="Calibri" charset="0"/>
-              <a:ea typeface="Calibri" charset="0"/>
-              <a:cs typeface="Times New Roman" charset="0"/>
-            </a:endParaRPr>
-          </a:p>
-          <a:p>
-            <a:r>
-              <a:rPr lang="en-US" sz="2300">
-                <a:solidFill>
-                  <a:srgbClr val="569CD6"/>
-                </a:solidFill>
-                <a:effectLst/>
-                <a:latin typeface="Roboto Mono for Powerline" charset="0"/>
-                <a:ea typeface="Times New Roman" charset="0"/>
-                <a:cs typeface="Times New Roman" charset="0"/>
-              </a:rPr>
-              <a:t>class</a:t>
-            </a:r>
-            <a:r>
-              <a:rPr lang="en-US" sz="2300">
-                <a:solidFill>
-                  <a:srgbClr val="D4D4D4"/>
-                </a:solidFill>
-                <a:effectLst/>
-                <a:latin typeface="Roboto Mono for Powerline" charset="0"/>
-                <a:ea typeface="Times New Roman" charset="0"/>
-                <a:cs typeface="Times New Roman" charset="0"/>
-              </a:rPr>
-              <a:t> </a:t>
-            </a:r>
-            <a:r>
-              <a:rPr lang="en-US" sz="2300">
-                <a:solidFill>
-                  <a:srgbClr val="4EC9B0"/>
-                </a:solidFill>
-                <a:effectLst/>
-                <a:latin typeface="Roboto Mono for Powerline" charset="0"/>
-                <a:ea typeface="Times New Roman" charset="0"/>
-                <a:cs typeface="Times New Roman" charset="0"/>
-              </a:rPr>
-              <a:t>Point3D</a:t>
-            </a:r>
-            <a:r>
-              <a:rPr lang="en-US" sz="2300">
-                <a:solidFill>
-                  <a:srgbClr val="D4D4D4"/>
-                </a:solidFill>
-                <a:effectLst/>
-                <a:latin typeface="Roboto Mono for Powerline" charset="0"/>
-                <a:ea typeface="Times New Roman" charset="0"/>
-                <a:cs typeface="Times New Roman" charset="0"/>
-              </a:rPr>
-              <a:t> </a:t>
-            </a:r>
-            <a:r>
-              <a:rPr lang="en-US" sz="2300">
-                <a:solidFill>
-                  <a:srgbClr val="569CD6"/>
-                </a:solidFill>
-                <a:effectLst/>
-                <a:latin typeface="Roboto Mono for Powerline" charset="0"/>
-                <a:ea typeface="Times New Roman" charset="0"/>
-                <a:cs typeface="Times New Roman" charset="0"/>
-              </a:rPr>
-              <a:t>extends</a:t>
-            </a:r>
-            <a:r>
-              <a:rPr lang="en-US" sz="2300">
-                <a:solidFill>
-                  <a:srgbClr val="D4D4D4"/>
-                </a:solidFill>
-                <a:effectLst/>
-                <a:latin typeface="Roboto Mono for Powerline" charset="0"/>
-                <a:ea typeface="Times New Roman" charset="0"/>
-                <a:cs typeface="Times New Roman" charset="0"/>
-              </a:rPr>
-              <a:t> </a:t>
-            </a:r>
-            <a:r>
-              <a:rPr lang="en-US" sz="2300">
-                <a:solidFill>
-                  <a:srgbClr val="4EC9B0"/>
-                </a:solidFill>
-                <a:effectLst/>
-                <a:latin typeface="Roboto Mono for Powerline" charset="0"/>
-                <a:ea typeface="Times New Roman" charset="0"/>
-                <a:cs typeface="Times New Roman" charset="0"/>
-              </a:rPr>
-              <a:t>Point</a:t>
-            </a:r>
-            <a:r>
-              <a:rPr lang="en-US" sz="2300">
-                <a:solidFill>
-                  <a:srgbClr val="D4D4D4"/>
-                </a:solidFill>
-                <a:effectLst/>
-                <a:latin typeface="Roboto Mono for Powerline" charset="0"/>
-                <a:ea typeface="Times New Roman" charset="0"/>
-                <a:cs typeface="Times New Roman" charset="0"/>
-              </a:rPr>
-              <a:t> {</a:t>
-            </a:r>
-            <a:endParaRPr lang="en-US" sz="2300">
-              <a:effectLst/>
-              <a:latin typeface="Calibri" charset="0"/>
-              <a:ea typeface="Calibri" charset="0"/>
-              <a:cs typeface="Times New Roman" charset="0"/>
-            </a:endParaRPr>
-          </a:p>
-          <a:p>
-            <a:r>
-              <a:rPr lang="en-US" sz="2300">
-                <a:solidFill>
-                  <a:srgbClr val="D4D4D4"/>
-                </a:solidFill>
-                <a:effectLst/>
-                <a:latin typeface="Roboto Mono for Powerline" charset="0"/>
-                <a:ea typeface="Times New Roman" charset="0"/>
-                <a:cs typeface="Times New Roman" charset="0"/>
-              </a:rPr>
-              <a:t>  </a:t>
-            </a:r>
-            <a:r>
-              <a:rPr lang="en-US" sz="2300">
-                <a:solidFill>
-                  <a:srgbClr val="569CD6"/>
-                </a:solidFill>
-                <a:effectLst/>
-                <a:latin typeface="Roboto Mono for Powerline" charset="0"/>
-                <a:ea typeface="Times New Roman" charset="0"/>
-                <a:cs typeface="Times New Roman" charset="0"/>
-              </a:rPr>
-              <a:t>num</a:t>
-            </a:r>
-            <a:r>
-              <a:rPr lang="en-US" sz="2300">
-                <a:solidFill>
-                  <a:srgbClr val="D4D4D4"/>
-                </a:solidFill>
-                <a:effectLst/>
-                <a:latin typeface="Roboto Mono for Powerline" charset="0"/>
-                <a:ea typeface="Times New Roman" charset="0"/>
-                <a:cs typeface="Times New Roman" charset="0"/>
-              </a:rPr>
-              <a:t> z;</a:t>
-            </a:r>
-            <a:endParaRPr lang="en-US" sz="2300">
-              <a:effectLst/>
-              <a:latin typeface="Calibri" charset="0"/>
-              <a:ea typeface="Calibri" charset="0"/>
-              <a:cs typeface="Times New Roman" charset="0"/>
-            </a:endParaRPr>
-          </a:p>
-          <a:p>
-            <a:r>
-              <a:rPr lang="en-US" sz="2300">
-                <a:solidFill>
-                  <a:srgbClr val="D4D4D4"/>
-                </a:solidFill>
-                <a:effectLst/>
-                <a:latin typeface="Roboto Mono for Powerline" charset="0"/>
-                <a:ea typeface="Times New Roman" charset="0"/>
-                <a:cs typeface="Times New Roman" charset="0"/>
-              </a:rPr>
-              <a:t>  </a:t>
-            </a:r>
-            <a:r>
-              <a:rPr lang="en-US" sz="2300">
-                <a:solidFill>
-                  <a:srgbClr val="4EC9B0"/>
-                </a:solidFill>
-                <a:effectLst/>
-                <a:latin typeface="Roboto Mono for Powerline" charset="0"/>
-                <a:ea typeface="Times New Roman" charset="0"/>
-                <a:cs typeface="Times New Roman" charset="0"/>
-              </a:rPr>
-              <a:t>Point3D</a:t>
-            </a:r>
-            <a:r>
-              <a:rPr lang="en-US" sz="2300">
-                <a:solidFill>
-                  <a:srgbClr val="D4D4D4"/>
-                </a:solidFill>
-                <a:effectLst/>
-                <a:latin typeface="Roboto Mono for Powerline" charset="0"/>
-                <a:ea typeface="Times New Roman" charset="0"/>
-                <a:cs typeface="Times New Roman" charset="0"/>
-              </a:rPr>
-              <a:t>(</a:t>
-            </a:r>
-            <a:r>
-              <a:rPr lang="en-US" sz="2300">
-                <a:solidFill>
-                  <a:srgbClr val="569CD6"/>
-                </a:solidFill>
-                <a:effectLst/>
-                <a:latin typeface="Roboto Mono for Powerline" charset="0"/>
-                <a:ea typeface="Times New Roman" charset="0"/>
-                <a:cs typeface="Times New Roman" charset="0"/>
-              </a:rPr>
-              <a:t>num</a:t>
-            </a:r>
-            <a:r>
-              <a:rPr lang="en-US" sz="2300">
-                <a:solidFill>
-                  <a:srgbClr val="D4D4D4"/>
-                </a:solidFill>
-                <a:effectLst/>
-                <a:latin typeface="Roboto Mono for Powerline" charset="0"/>
-                <a:ea typeface="Times New Roman" charset="0"/>
-                <a:cs typeface="Times New Roman" charset="0"/>
-              </a:rPr>
-              <a:t> x, </a:t>
-            </a:r>
-            <a:r>
-              <a:rPr lang="en-US" sz="2300">
-                <a:solidFill>
-                  <a:srgbClr val="569CD6"/>
-                </a:solidFill>
-                <a:effectLst/>
-                <a:latin typeface="Roboto Mono for Powerline" charset="0"/>
-                <a:ea typeface="Times New Roman" charset="0"/>
-                <a:cs typeface="Times New Roman" charset="0"/>
-              </a:rPr>
-              <a:t>num</a:t>
-            </a:r>
-            <a:r>
-              <a:rPr lang="en-US" sz="2300">
-                <a:solidFill>
-                  <a:srgbClr val="D4D4D4"/>
-                </a:solidFill>
-                <a:effectLst/>
-                <a:latin typeface="Roboto Mono for Powerline" charset="0"/>
-                <a:ea typeface="Times New Roman" charset="0"/>
-                <a:cs typeface="Times New Roman" charset="0"/>
-              </a:rPr>
-              <a:t> y, </a:t>
-            </a:r>
-            <a:r>
-              <a:rPr lang="en-US" sz="2300">
-                <a:solidFill>
-                  <a:srgbClr val="569CD6"/>
-                </a:solidFill>
-                <a:effectLst/>
-                <a:latin typeface="Roboto Mono for Powerline" charset="0"/>
-                <a:ea typeface="Times New Roman" charset="0"/>
-                <a:cs typeface="Times New Roman" charset="0"/>
-              </a:rPr>
-              <a:t>this</a:t>
-            </a:r>
-            <a:r>
-              <a:rPr lang="en-US" sz="2300">
-                <a:solidFill>
-                  <a:srgbClr val="D4D4D4"/>
-                </a:solidFill>
-                <a:effectLst/>
-                <a:latin typeface="Roboto Mono for Powerline" charset="0"/>
-                <a:ea typeface="Times New Roman" charset="0"/>
-                <a:cs typeface="Times New Roman" charset="0"/>
-              </a:rPr>
-              <a:t>.z) : </a:t>
-            </a:r>
-            <a:r>
-              <a:rPr lang="en-US" sz="2300">
-                <a:solidFill>
-                  <a:srgbClr val="569CD6"/>
-                </a:solidFill>
-                <a:effectLst/>
-                <a:latin typeface="Roboto Mono for Powerline" charset="0"/>
-                <a:ea typeface="Times New Roman" charset="0"/>
-                <a:cs typeface="Times New Roman" charset="0"/>
-              </a:rPr>
-              <a:t>super</a:t>
-            </a:r>
-            <a:r>
-              <a:rPr lang="en-US" sz="2300">
-                <a:solidFill>
-                  <a:srgbClr val="D4D4D4"/>
-                </a:solidFill>
-                <a:effectLst/>
-                <a:latin typeface="Roboto Mono for Powerline" charset="0"/>
-                <a:ea typeface="Times New Roman" charset="0"/>
-                <a:cs typeface="Times New Roman" charset="0"/>
-              </a:rPr>
-              <a:t>(x, y);</a:t>
-            </a:r>
-            <a:endParaRPr lang="en-US" sz="2300">
-              <a:effectLst/>
-              <a:latin typeface="Calibri" charset="0"/>
-              <a:ea typeface="Calibri" charset="0"/>
-              <a:cs typeface="Times New Roman" charset="0"/>
-            </a:endParaRPr>
-          </a:p>
-          <a:p>
-            <a:r>
-              <a:rPr lang="en-US" sz="2300">
-                <a:solidFill>
-                  <a:srgbClr val="D4D4D4"/>
-                </a:solidFill>
-                <a:effectLst/>
-                <a:latin typeface="Roboto Mono for Powerline" charset="0"/>
-                <a:ea typeface="Times New Roman" charset="0"/>
-                <a:cs typeface="Times New Roman" charset="0"/>
-              </a:rPr>
-              <a:t>}</a:t>
-            </a:r>
-            <a:endParaRPr lang="en-US" sz="2300">
-              <a:effectLst/>
-              <a:latin typeface="Calibri" charset="0"/>
-              <a:ea typeface="Calibri" charset="0"/>
-              <a:cs typeface="Times New Roman" charset="0"/>
-            </a:endParaRPr>
-          </a:p>
-        </p:txBody>
-      </p:sp>
-      <p:sp>
-        <p:nvSpPr>
-          <p:cNvPr id="3" name="Left Arrow 2"/>
-          <p:cNvSpPr/>
+      </p:pic>
+      <p:pic>
+        <p:nvPicPr>
+          <p:cNvPr id="3" name="Picture 2"/>
+          <p:cNvPicPr>
+            <a:picLocks noChangeAspect="1"/>
+          </p:cNvPicPr>
           <p:nvPr/>
-        </p:nvSpPr>
+        </p:nvPicPr>
+        <p:blipFill rotWithShape="1">
+          <a:blip r:embed="rId3">
+            <a:extLst>
+              <a:ext uri="{28A0092B-C50C-407E-A947-70E740481C1C}">
+                <a14:useLocalDpi xmlns:a14="http://schemas.microsoft.com/office/drawing/2010/main" val="0"/>
+              </a:ext>
+            </a:extLst>
+          </a:blip>
+          <a:srcRect l="30240" t="6291" r="30240" b="6291"/>
+          <a:stretch/>
+        </p:blipFill>
         <p:spPr>
           <a:xfrm>
-            <a:off x="3200400" y="514350"/>
-            <a:ext cx="1828800" cy="762000"/>
-          </a:xfrm>
-          <a:prstGeom prst="leftArrow">
-            <a:avLst/>
-          </a:prstGeom>
-        </p:spPr>
-        <p:style>
-          <a:lnRef idx="2">
-            <a:schemeClr val="accent1">
-              <a:shade val="50000"/>
-            </a:schemeClr>
-          </a:lnRef>
-          <a:fillRef idx="1">
-            <a:schemeClr val="accent1"/>
-          </a:fillRef>
-          <a:effectRef idx="0">
-            <a:schemeClr val="accent1"/>
-          </a:effectRef>
-          <a:fontRef idx="minor">
-            <a:schemeClr val="lt1"/>
-          </a:fontRef>
-        </p:style>
-        <p:txBody>
-          <a:bodyPr rtlCol="0" anchor="ctr"/>
-          <a:lstStyle/>
-          <a:p>
-            <a:pPr algn="ctr"/>
-            <a:r>
-              <a:rPr lang="en-US"/>
-              <a:t>khai báo class</a:t>
-            </a:r>
-          </a:p>
-        </p:txBody>
-      </p:sp>
-      <p:sp>
-        <p:nvSpPr>
-          <p:cNvPr id="4" name="Left Arrow 3"/>
-          <p:cNvSpPr/>
-          <p:nvPr/>
-        </p:nvSpPr>
-        <p:spPr>
-          <a:xfrm>
-            <a:off x="4800600" y="1581150"/>
-            <a:ext cx="1828800" cy="762000"/>
-          </a:xfrm>
-          <a:prstGeom prst="leftArrow">
-            <a:avLst/>
-          </a:prstGeom>
-        </p:spPr>
-        <p:style>
-          <a:lnRef idx="2">
-            <a:schemeClr val="accent1">
-              <a:shade val="50000"/>
-            </a:schemeClr>
-          </a:lnRef>
-          <a:fillRef idx="1">
-            <a:schemeClr val="accent1"/>
-          </a:fillRef>
-          <a:effectRef idx="0">
-            <a:schemeClr val="accent1"/>
-          </a:effectRef>
-          <a:fontRef idx="minor">
-            <a:schemeClr val="lt1"/>
-          </a:fontRef>
-        </p:style>
-        <p:txBody>
-          <a:bodyPr rtlCol="0" anchor="ctr"/>
-          <a:lstStyle/>
-          <a:p>
-            <a:pPr algn="ctr"/>
-            <a:r>
-              <a:rPr lang="en-US"/>
-              <a:t>constructor</a:t>
-            </a:r>
-          </a:p>
-        </p:txBody>
-      </p:sp>
-      <p:sp>
-        <p:nvSpPr>
-          <p:cNvPr id="5" name="Left Arrow 4"/>
-          <p:cNvSpPr/>
-          <p:nvPr/>
-        </p:nvSpPr>
-        <p:spPr>
-          <a:xfrm>
-            <a:off x="5638800" y="2635250"/>
-            <a:ext cx="1828800" cy="762000"/>
-          </a:xfrm>
-          <a:prstGeom prst="leftArrow">
-            <a:avLst/>
-          </a:prstGeom>
-        </p:spPr>
-        <p:style>
-          <a:lnRef idx="2">
-            <a:schemeClr val="accent1">
-              <a:shade val="50000"/>
-            </a:schemeClr>
-          </a:lnRef>
-          <a:fillRef idx="1">
-            <a:schemeClr val="accent1"/>
-          </a:fillRef>
-          <a:effectRef idx="0">
-            <a:schemeClr val="accent1"/>
-          </a:effectRef>
-          <a:fontRef idx="minor">
-            <a:schemeClr val="lt1"/>
-          </a:fontRef>
-        </p:style>
-        <p:txBody>
-          <a:bodyPr rtlCol="0" anchor="ctr"/>
-          <a:lstStyle/>
-          <a:p>
-            <a:pPr algn="ctr"/>
-            <a:r>
-              <a:rPr lang="en-US"/>
-              <a:t>inheritance</a:t>
-            </a:r>
-          </a:p>
-        </p:txBody>
-      </p:sp>
-    </p:spTree>
-    <p:extLst>
-      <p:ext uri="{BB962C8B-B14F-4D97-AF65-F5344CB8AC3E}">
-        <p14:creationId xmlns:p14="http://schemas.microsoft.com/office/powerpoint/2010/main" val="38318996"/>
-      </p:ext>
-    </p:extLst>
-  </p:cSld>
-  <p:clrMapOvr>
-    <a:masterClrMapping/>
-  </p:clrMapOvr>
-  <p:timing>
-    <p:tnLst>
-      <p:par>
-        <p:cTn id="1" dur="indefinite" restart="never" nodeType="tmRoot">
-          <p:childTnLst>
-            <p:seq concurrent="1" nextAc="seek">
-              <p:cTn id="2" dur="indefinite" nodeType="mainSeq">
-                <p:childTnLst>
-                  <p:par>
-                    <p:cTn id="3" fill="hold">
-                      <p:stCondLst>
-                        <p:cond delay="indefinite"/>
-                      </p:stCondLst>
-                      <p:childTnLst>
-                        <p:par>
-                          <p:cTn id="4" fill="hold">
-                            <p:stCondLst>
-                              <p:cond delay="0"/>
-                            </p:stCondLst>
-                            <p:childTnLst>
-                              <p:par>
-                                <p:cTn id="5" presetID="2" presetClass="entr" presetSubtype="2" fill="hold" grpId="0" nodeType="clickEffect">
-                                  <p:stCondLst>
-                                    <p:cond delay="0"/>
-                                  </p:stCondLst>
-                                  <p:childTnLst>
-                                    <p:set>
-                                      <p:cBhvr>
-                                        <p:cTn id="6" dur="1" fill="hold">
-                                          <p:stCondLst>
-                                            <p:cond delay="0"/>
-                                          </p:stCondLst>
-                                        </p:cTn>
-                                        <p:tgtEl>
-                                          <p:spTgt spid="3"/>
-                                        </p:tgtEl>
-                                        <p:attrNameLst>
-                                          <p:attrName>style.visibility</p:attrName>
-                                        </p:attrNameLst>
-                                      </p:cBhvr>
-                                      <p:to>
-                                        <p:strVal val="visible"/>
-                                      </p:to>
-                                    </p:set>
-                                    <p:anim calcmode="lin" valueType="num">
-                                      <p:cBhvr additive="base">
-                                        <p:cTn id="7" dur="500" fill="hold"/>
-                                        <p:tgtEl>
-                                          <p:spTgt spid="3"/>
-                                        </p:tgtEl>
-                                        <p:attrNameLst>
-                                          <p:attrName>ppt_x</p:attrName>
-                                        </p:attrNameLst>
-                                      </p:cBhvr>
-                                      <p:tavLst>
-                                        <p:tav tm="0">
-                                          <p:val>
-                                            <p:strVal val="1+#ppt_w/2"/>
-                                          </p:val>
-                                        </p:tav>
-                                        <p:tav tm="100000">
-                                          <p:val>
-                                            <p:strVal val="#ppt_x"/>
-                                          </p:val>
-                                        </p:tav>
-                                      </p:tavLst>
-                                    </p:anim>
-                                    <p:anim calcmode="lin" valueType="num">
-                                      <p:cBhvr additive="base">
-                                        <p:cTn id="8" dur="500" fill="hold"/>
-                                        <p:tgtEl>
-                                          <p:spTgt spid="3"/>
-                                        </p:tgtEl>
-                                        <p:attrNameLst>
-                                          <p:attrName>ppt_y</p:attrName>
-                                        </p:attrNameLst>
-                                      </p:cBhvr>
-                                      <p:tavLst>
-                                        <p:tav tm="0">
-                                          <p:val>
-                                            <p:strVal val="#ppt_y"/>
-                                          </p:val>
-                                        </p:tav>
-                                        <p:tav tm="100000">
-                                          <p:val>
-                                            <p:strVal val="#ppt_y"/>
-                                          </p:val>
-                                        </p:tav>
-                                      </p:tavLst>
-                                    </p:anim>
-                                  </p:childTnLst>
-                                </p:cTn>
-                              </p:par>
-                            </p:childTnLst>
-                          </p:cTn>
-                        </p:par>
-                      </p:childTnLst>
-                    </p:cTn>
-                  </p:par>
-                  <p:par>
-                    <p:cTn id="9" fill="hold">
-                      <p:stCondLst>
-                        <p:cond delay="indefinite"/>
-                      </p:stCondLst>
-                      <p:childTnLst>
-                        <p:par>
-                          <p:cTn id="10" fill="hold">
-                            <p:stCondLst>
-                              <p:cond delay="0"/>
-                            </p:stCondLst>
-                            <p:childTnLst>
-                              <p:par>
-                                <p:cTn id="11" presetID="2" presetClass="entr" presetSubtype="2" fill="hold" grpId="0" nodeType="clickEffect">
-                                  <p:stCondLst>
-                                    <p:cond delay="0"/>
-                                  </p:stCondLst>
-                                  <p:childTnLst>
-                                    <p:set>
-                                      <p:cBhvr>
-                                        <p:cTn id="12" dur="1" fill="hold">
-                                          <p:stCondLst>
-                                            <p:cond delay="0"/>
-                                          </p:stCondLst>
-                                        </p:cTn>
-                                        <p:tgtEl>
-                                          <p:spTgt spid="4"/>
-                                        </p:tgtEl>
-                                        <p:attrNameLst>
-                                          <p:attrName>style.visibility</p:attrName>
-                                        </p:attrNameLst>
-                                      </p:cBhvr>
-                                      <p:to>
-                                        <p:strVal val="visible"/>
-                                      </p:to>
-                                    </p:set>
-                                    <p:anim calcmode="lin" valueType="num">
-                                      <p:cBhvr additive="base">
-                                        <p:cTn id="13" dur="500" fill="hold"/>
-                                        <p:tgtEl>
-                                          <p:spTgt spid="4"/>
-                                        </p:tgtEl>
-                                        <p:attrNameLst>
-                                          <p:attrName>ppt_x</p:attrName>
-                                        </p:attrNameLst>
-                                      </p:cBhvr>
-                                      <p:tavLst>
-                                        <p:tav tm="0">
-                                          <p:val>
-                                            <p:strVal val="1+#ppt_w/2"/>
-                                          </p:val>
-                                        </p:tav>
-                                        <p:tav tm="100000">
-                                          <p:val>
-                                            <p:strVal val="#ppt_x"/>
-                                          </p:val>
-                                        </p:tav>
-                                      </p:tavLst>
-                                    </p:anim>
-                                    <p:anim calcmode="lin" valueType="num">
-                                      <p:cBhvr additive="base">
-                                        <p:cTn id="14" dur="500" fill="hold"/>
-                                        <p:tgtEl>
-                                          <p:spTgt spid="4"/>
-                                        </p:tgtEl>
-                                        <p:attrNameLst>
-                                          <p:attrName>ppt_y</p:attrName>
-                                        </p:attrNameLst>
-                                      </p:cBhvr>
-                                      <p:tavLst>
-                                        <p:tav tm="0">
-                                          <p:val>
-                                            <p:strVal val="#ppt_y"/>
-                                          </p:val>
-                                        </p:tav>
-                                        <p:tav tm="100000">
-                                          <p:val>
-                                            <p:strVal val="#ppt_y"/>
-                                          </p:val>
-                                        </p:tav>
-                                      </p:tavLst>
-                                    </p:anim>
-                                  </p:childTnLst>
-                                </p:cTn>
-                              </p:par>
-                            </p:childTnLst>
-                          </p:cTn>
-                        </p:par>
-                      </p:childTnLst>
-                    </p:cTn>
-                  </p:par>
-                  <p:par>
-                    <p:cTn id="15" fill="hold">
-                      <p:stCondLst>
-                        <p:cond delay="indefinite"/>
-                      </p:stCondLst>
-                      <p:childTnLst>
-                        <p:par>
-                          <p:cTn id="16" fill="hold">
-                            <p:stCondLst>
-                              <p:cond delay="0"/>
-                            </p:stCondLst>
-                            <p:childTnLst>
-                              <p:par>
-                                <p:cTn id="17" presetID="2" presetClass="entr" presetSubtype="2" fill="hold" grpId="0" nodeType="clickEffect">
-                                  <p:stCondLst>
-                                    <p:cond delay="0"/>
-                                  </p:stCondLst>
-                                  <p:childTnLst>
-                                    <p:set>
-                                      <p:cBhvr>
-                                        <p:cTn id="18" dur="1" fill="hold">
-                                          <p:stCondLst>
-                                            <p:cond delay="0"/>
-                                          </p:stCondLst>
-                                        </p:cTn>
-                                        <p:tgtEl>
-                                          <p:spTgt spid="5"/>
-                                        </p:tgtEl>
-                                        <p:attrNameLst>
-                                          <p:attrName>style.visibility</p:attrName>
-                                        </p:attrNameLst>
-                                      </p:cBhvr>
-                                      <p:to>
-                                        <p:strVal val="visible"/>
-                                      </p:to>
-                                    </p:set>
-                                    <p:anim calcmode="lin" valueType="num">
-                                      <p:cBhvr additive="base">
-                                        <p:cTn id="19" dur="500" fill="hold"/>
-                                        <p:tgtEl>
-                                          <p:spTgt spid="5"/>
-                                        </p:tgtEl>
-                                        <p:attrNameLst>
-                                          <p:attrName>ppt_x</p:attrName>
-                                        </p:attrNameLst>
-                                      </p:cBhvr>
-                                      <p:tavLst>
-                                        <p:tav tm="0">
-                                          <p:val>
-                                            <p:strVal val="1+#ppt_w/2"/>
-                                          </p:val>
-                                        </p:tav>
-                                        <p:tav tm="100000">
-                                          <p:val>
-                                            <p:strVal val="#ppt_x"/>
-                                          </p:val>
-                                        </p:tav>
-                                      </p:tavLst>
-                                    </p:anim>
-                                    <p:anim calcmode="lin" valueType="num">
-                                      <p:cBhvr additive="base">
-                                        <p:cTn id="20" dur="500" fill="hold"/>
-                                        <p:tgtEl>
-                                          <p:spTgt spid="5"/>
-                                        </p:tgtEl>
-                                        <p:attrNameLst>
-                                          <p:attrName>ppt_y</p:attrName>
-                                        </p:attrNameLst>
-                                      </p:cBhvr>
-                                      <p:tavLst>
-                                        <p:tav tm="0">
-                                          <p:val>
-                                            <p:strVal val="#ppt_y"/>
-                                          </p:val>
-                                        </p:tav>
-                                        <p:tav tm="100000">
-                                          <p:val>
-                                            <p:strVal val="#ppt_y"/>
-                                          </p:val>
-                                        </p:tav>
-                                      </p:tavLst>
-                                    </p:anim>
-                                  </p:childTnLst>
-                                </p:cTn>
-                              </p:par>
-                            </p:childTnLst>
-                          </p:cTn>
-                        </p:par>
-                      </p:childTnLst>
-                    </p:cTn>
-                  </p:par>
-                </p:childTnLst>
-              </p:cTn>
-              <p:prevCondLst>
-                <p:cond evt="onPrev" delay="0">
-                  <p:tgtEl>
-                    <p:sldTgt/>
-                  </p:tgtEl>
-                </p:cond>
-              </p:prevCondLst>
-              <p:nextCondLst>
-                <p:cond evt="onNext" delay="0">
-                  <p:tgtEl>
-                    <p:sldTgt/>
-                  </p:tgtEl>
-                </p:cond>
-              </p:nextCondLst>
-            </p:seq>
-          </p:childTnLst>
-        </p:cTn>
-      </p:par>
-    </p:tnLst>
-    <p:bldLst>
-      <p:bldP spid="3" grpId="0" animBg="1"/>
-      <p:bldP spid="4" grpId="0" animBg="1"/>
-      <p:bldP spid="5" grpId="0" animBg="1"/>
-    </p:bldLst>
-  </p:timing>
-</p:sld>
-</file>
-
-<file path=ppt/slides/slide7.xml><?xml version="1.0" encoding="utf-8"?>
-<p:sld xmlns:a="http://schemas.openxmlformats.org/drawingml/2006/main" xmlns:r="http://schemas.openxmlformats.org/officeDocument/2006/relationships" xmlns:p="http://schemas.openxmlformats.org/presentationml/2006/main">
-  <p:cSld>
-    <p:spTree>
-      <p:nvGrpSpPr>
-        <p:cNvPr id="1" name=""/>
-        <p:cNvGrpSpPr/>
-        <p:nvPr/>
-      </p:nvGrpSpPr>
-      <p:grpSpPr>
-        <a:xfrm>
-          <a:off x="0" y="0"/>
-          <a:ext cx="0" cy="0"/>
-          <a:chOff x="0" y="0"/>
-          <a:chExt cx="0" cy="0"/>
-        </a:xfrm>
-      </p:grpSpPr>
-      <p:sp>
-        <p:nvSpPr>
-          <p:cNvPr id="10" name="Oval 9"/>
-          <p:cNvSpPr/>
-          <p:nvPr/>
-        </p:nvSpPr>
-        <p:spPr>
-          <a:xfrm>
-            <a:off x="0" y="457456"/>
-            <a:ext cx="6033854" cy="4705094"/>
-          </a:xfrm>
-          <a:prstGeom prst="ellipse">
-            <a:avLst/>
-          </a:prstGeom>
-        </p:spPr>
-        <p:style>
-          <a:lnRef idx="2">
-            <a:schemeClr val="accent1">
-              <a:shade val="50000"/>
-            </a:schemeClr>
-          </a:lnRef>
-          <a:fillRef idx="1">
-            <a:schemeClr val="accent1"/>
-          </a:fillRef>
-          <a:effectRef idx="0">
-            <a:schemeClr val="accent1"/>
-          </a:effectRef>
-          <a:fontRef idx="minor">
-            <a:schemeClr val="lt1"/>
-          </a:fontRef>
-        </p:style>
-        <p:txBody>
-          <a:bodyPr rtlCol="0" anchor="ctr"/>
-          <a:lstStyle/>
-          <a:p>
-            <a:pPr algn="ctr"/>
-            <a:endParaRPr lang="en-US"/>
-          </a:p>
-        </p:txBody>
-      </p:sp>
-      <p:sp>
-        <p:nvSpPr>
-          <p:cNvPr id="11" name="Oval 10"/>
-          <p:cNvSpPr/>
-          <p:nvPr/>
-        </p:nvSpPr>
-        <p:spPr>
-          <a:xfrm>
-            <a:off x="2700631" y="361950"/>
-            <a:ext cx="6251976" cy="4638299"/>
-          </a:xfrm>
-          <a:prstGeom prst="ellipse">
-            <a:avLst/>
-          </a:prstGeom>
-          <a:solidFill>
-            <a:srgbClr val="92D050">
-              <a:alpha val="63922"/>
-            </a:srgbClr>
-          </a:solidFill>
-        </p:spPr>
-        <p:style>
-          <a:lnRef idx="2">
-            <a:schemeClr val="accent1">
-              <a:shade val="50000"/>
-            </a:schemeClr>
-          </a:lnRef>
-          <a:fillRef idx="1">
-            <a:schemeClr val="accent1"/>
-          </a:fillRef>
-          <a:effectRef idx="0">
-            <a:schemeClr val="accent1"/>
-          </a:effectRef>
-          <a:fontRef idx="minor">
-            <a:schemeClr val="lt1"/>
-          </a:fontRef>
-        </p:style>
-        <p:txBody>
-          <a:bodyPr rtlCol="0" anchor="ctr"/>
-          <a:lstStyle/>
-          <a:p>
-            <a:pPr algn="ctr"/>
-            <a:endParaRPr lang="en-US"/>
-          </a:p>
-        </p:txBody>
-      </p:sp>
-      <p:sp>
-        <p:nvSpPr>
-          <p:cNvPr id="12" name="TextBox 11"/>
-          <p:cNvSpPr txBox="1"/>
-          <p:nvPr/>
-        </p:nvSpPr>
-        <p:spPr>
-          <a:xfrm>
-            <a:off x="42296" y="361950"/>
-            <a:ext cx="2396810" cy="461665"/>
+            <a:off x="7348506" y="1621189"/>
+            <a:ext cx="1530451" cy="1530451"/>
           </a:xfrm>
           <a:prstGeom prst="rect">
             <a:avLst/>
           </a:prstGeom>
-          <a:noFill/>
         </p:spPr>
-        <p:txBody>
-          <a:bodyPr wrap="none" rtlCol="0">
-            <a:spAutoFit/>
-          </a:bodyPr>
-          <a:lstStyle/>
-          <a:p>
-            <a:r>
-              <a:rPr lang="en-US" sz="2400" b="1" dirty="0">
-                <a:solidFill>
-                  <a:schemeClr val="bg1"/>
-                </a:solidFill>
-                <a:latin typeface="Roboto Mono for Powerline" charset="0"/>
-                <a:ea typeface="Roboto Mono for Powerline" charset="0"/>
-                <a:cs typeface="Roboto Mono for Powerline" charset="0"/>
-              </a:rPr>
-              <a:t>React Native</a:t>
-            </a:r>
-          </a:p>
-        </p:txBody>
-      </p:sp>
-      <p:sp>
-        <p:nvSpPr>
-          <p:cNvPr id="13" name="TextBox 12"/>
-          <p:cNvSpPr txBox="1"/>
-          <p:nvPr/>
-        </p:nvSpPr>
-        <p:spPr>
-          <a:xfrm>
-            <a:off x="7520488" y="426268"/>
-            <a:ext cx="1475084" cy="461665"/>
-          </a:xfrm>
-          <a:prstGeom prst="rect">
-            <a:avLst/>
-          </a:prstGeom>
-          <a:noFill/>
-        </p:spPr>
-        <p:txBody>
-          <a:bodyPr wrap="none" rtlCol="0">
-            <a:spAutoFit/>
-          </a:bodyPr>
-          <a:lstStyle/>
-          <a:p>
-            <a:r>
-              <a:rPr lang="en-US" sz="2400" b="1">
-                <a:solidFill>
-                  <a:schemeClr val="bg1"/>
-                </a:solidFill>
-                <a:latin typeface="Roboto Mono for Powerline" charset="0"/>
-                <a:ea typeface="Roboto Mono for Powerline" charset="0"/>
-                <a:cs typeface="Roboto Mono for Powerline" charset="0"/>
-              </a:rPr>
-              <a:t>Flutter</a:t>
-            </a:r>
-          </a:p>
-        </p:txBody>
-      </p:sp>
-      <p:sp>
-        <p:nvSpPr>
-          <p:cNvPr id="14" name="TextBox 13"/>
-          <p:cNvSpPr txBox="1"/>
-          <p:nvPr/>
-        </p:nvSpPr>
-        <p:spPr>
-          <a:xfrm>
-            <a:off x="5880537" y="1175584"/>
-            <a:ext cx="2590800" cy="646331"/>
-          </a:xfrm>
-          <a:prstGeom prst="rect">
-            <a:avLst/>
-          </a:prstGeom>
-          <a:noFill/>
-        </p:spPr>
-        <p:txBody>
-          <a:bodyPr wrap="square" rtlCol="0">
-            <a:spAutoFit/>
-          </a:bodyPr>
-          <a:lstStyle/>
-          <a:p>
-            <a:r>
-              <a:rPr lang="vi-VN" dirty="0" smtClean="0">
-                <a:latin typeface="Calibri" charset="0"/>
-                <a:ea typeface="Calibri" charset="0"/>
-                <a:cs typeface="Calibri" charset="0"/>
-              </a:rPr>
-              <a:t>Truyền nhận qua</a:t>
-            </a:r>
-          </a:p>
-          <a:p>
-            <a:r>
-              <a:rPr lang="vi-VN" dirty="0">
-                <a:latin typeface="Calibri" charset="0"/>
-                <a:ea typeface="Calibri" charset="0"/>
-                <a:cs typeface="Calibri" charset="0"/>
-              </a:rPr>
-              <a:t>method channel</a:t>
-            </a:r>
-            <a:endParaRPr lang="en-US" dirty="0">
-              <a:latin typeface="Calibri" charset="0"/>
-              <a:ea typeface="Calibri" charset="0"/>
-              <a:cs typeface="Calibri" charset="0"/>
-            </a:endParaRPr>
-          </a:p>
-        </p:txBody>
-      </p:sp>
-      <p:sp>
-        <p:nvSpPr>
-          <p:cNvPr id="21" name="TextBox 20"/>
-          <p:cNvSpPr txBox="1"/>
-          <p:nvPr/>
-        </p:nvSpPr>
-        <p:spPr>
-          <a:xfrm>
-            <a:off x="990599" y="1025492"/>
-            <a:ext cx="2412901" cy="923330"/>
-          </a:xfrm>
-          <a:prstGeom prst="rect">
-            <a:avLst/>
-          </a:prstGeom>
-          <a:noFill/>
-        </p:spPr>
-        <p:txBody>
-          <a:bodyPr wrap="square" rtlCol="0">
-            <a:spAutoFit/>
-          </a:bodyPr>
-          <a:lstStyle/>
-          <a:p>
-            <a:r>
-              <a:rPr lang="en-US" dirty="0" err="1">
-                <a:latin typeface="Calibri" charset="0"/>
-                <a:ea typeface="Calibri" charset="0"/>
-                <a:cs typeface="Calibri" charset="0"/>
-              </a:rPr>
-              <a:t>RCTBridgeModule</a:t>
-            </a:r>
-            <a:r>
-              <a:rPr lang="vi-VN" dirty="0" smtClean="0">
-                <a:latin typeface="Calibri" charset="0"/>
-                <a:ea typeface="Calibri" charset="0"/>
-                <a:cs typeface="Calibri" charset="0"/>
-              </a:rPr>
-              <a:t> thông qua các interface/protocol</a:t>
-            </a:r>
-            <a:endParaRPr lang="en-US" dirty="0">
-              <a:latin typeface="Calibri" charset="0"/>
-              <a:ea typeface="Calibri" charset="0"/>
-              <a:cs typeface="Calibri" charset="0"/>
-            </a:endParaRPr>
-          </a:p>
-        </p:txBody>
-      </p:sp>
-      <p:sp>
-        <p:nvSpPr>
-          <p:cNvPr id="22" name="TextBox 21"/>
-          <p:cNvSpPr txBox="1"/>
-          <p:nvPr/>
-        </p:nvSpPr>
-        <p:spPr>
-          <a:xfrm>
-            <a:off x="2913742" y="2357933"/>
-            <a:ext cx="3100234" cy="646331"/>
-          </a:xfrm>
-          <a:prstGeom prst="rect">
-            <a:avLst/>
-          </a:prstGeom>
-          <a:noFill/>
-        </p:spPr>
-        <p:txBody>
-          <a:bodyPr wrap="square" rtlCol="0">
-            <a:spAutoFit/>
-          </a:bodyPr>
-          <a:lstStyle/>
-          <a:p>
-            <a:r>
-              <a:rPr lang="en-US" dirty="0" err="1">
-                <a:ea typeface="Roboto Mono for Powerline" charset="0"/>
-                <a:cs typeface="Roboto Mono for Powerline" charset="0"/>
-              </a:rPr>
-              <a:t>K</a:t>
-            </a:r>
-            <a:r>
-              <a:rPr lang="en-US" dirty="0" err="1" smtClean="0">
-                <a:ea typeface="Roboto Mono for Powerline" charset="0"/>
-                <a:cs typeface="Roboto Mono for Powerline" charset="0"/>
-              </a:rPr>
-              <a:t>o</a:t>
-            </a:r>
-            <a:r>
-              <a:rPr lang="en-US" dirty="0" smtClean="0">
-                <a:ea typeface="Roboto Mono for Powerline" charset="0"/>
-                <a:cs typeface="Roboto Mono for Powerline" charset="0"/>
-              </a:rPr>
-              <a:t> </a:t>
-            </a:r>
-            <a:r>
-              <a:rPr lang="en-US" dirty="0" err="1" smtClean="0">
-                <a:ea typeface="Roboto Mono for Powerline" charset="0"/>
-                <a:cs typeface="Roboto Mono for Powerline" charset="0"/>
-              </a:rPr>
-              <a:t>thể</a:t>
-            </a:r>
-            <a:r>
-              <a:rPr lang="en-US" dirty="0" smtClean="0">
-                <a:ea typeface="Roboto Mono for Powerline" charset="0"/>
-                <a:cs typeface="Roboto Mono for Powerline" charset="0"/>
-              </a:rPr>
-              <a:t> </a:t>
-            </a:r>
-            <a:r>
-              <a:rPr lang="en-US" dirty="0" err="1" smtClean="0">
-                <a:ea typeface="Roboto Mono for Powerline" charset="0"/>
-                <a:cs typeface="Roboto Mono for Powerline" charset="0"/>
-              </a:rPr>
-              <a:t>sử</a:t>
-            </a:r>
-            <a:r>
-              <a:rPr lang="en-US" dirty="0" smtClean="0">
-                <a:ea typeface="Roboto Mono for Powerline" charset="0"/>
-                <a:cs typeface="Roboto Mono for Powerline" charset="0"/>
-              </a:rPr>
-              <a:t> </a:t>
-            </a:r>
-            <a:r>
-              <a:rPr lang="en-US" dirty="0" err="1" smtClean="0">
-                <a:ea typeface="Roboto Mono for Powerline" charset="0"/>
-                <a:cs typeface="Roboto Mono for Powerline" charset="0"/>
-              </a:rPr>
-              <a:t>dụng</a:t>
-            </a:r>
-            <a:r>
-              <a:rPr lang="en-US" dirty="0" smtClean="0">
-                <a:ea typeface="Roboto Mono for Powerline" charset="0"/>
-                <a:cs typeface="Roboto Mono for Powerline" charset="0"/>
-              </a:rPr>
-              <a:t> </a:t>
-            </a:r>
-            <a:r>
-              <a:rPr lang="en-US" dirty="0" err="1" smtClean="0">
-                <a:ea typeface="Roboto Mono for Powerline" charset="0"/>
-                <a:cs typeface="Roboto Mono for Powerline" charset="0"/>
-              </a:rPr>
-              <a:t>hàm</a:t>
-            </a:r>
-            <a:r>
-              <a:rPr lang="en-US" dirty="0" smtClean="0">
-                <a:ea typeface="Roboto Mono for Powerline" charset="0"/>
-                <a:cs typeface="Roboto Mono for Powerline" charset="0"/>
-              </a:rPr>
-              <a:t>/View </a:t>
-            </a:r>
-            <a:r>
-              <a:rPr lang="en-US" dirty="0" err="1" smtClean="0">
-                <a:ea typeface="Roboto Mono for Powerline" charset="0"/>
-                <a:cs typeface="Roboto Mono for Powerline" charset="0"/>
-              </a:rPr>
-              <a:t>của</a:t>
-            </a:r>
-            <a:r>
-              <a:rPr lang="en-US" dirty="0" smtClean="0">
-                <a:ea typeface="Roboto Mono for Powerline" charset="0"/>
-                <a:cs typeface="Roboto Mono for Powerline" charset="0"/>
-              </a:rPr>
-              <a:t> </a:t>
-            </a:r>
-            <a:r>
-              <a:rPr lang="en-US" dirty="0" err="1">
-                <a:ea typeface="Roboto Mono for Powerline" charset="0"/>
-                <a:cs typeface="Roboto Mono for Powerline" charset="0"/>
-              </a:rPr>
-              <a:t>IOS</a:t>
-            </a:r>
-            <a:r>
-              <a:rPr lang="en-US" dirty="0" smtClean="0">
-                <a:ea typeface="Roboto Mono for Powerline" charset="0"/>
-                <a:cs typeface="Roboto Mono for Powerline" charset="0"/>
-              </a:rPr>
-              <a:t> </a:t>
-            </a:r>
-            <a:r>
-              <a:rPr lang="en-US" dirty="0" err="1" smtClean="0">
-                <a:ea typeface="Roboto Mono for Powerline" charset="0"/>
-                <a:cs typeface="Roboto Mono for Powerline" charset="0"/>
-              </a:rPr>
-              <a:t>cho</a:t>
-            </a:r>
-            <a:r>
-              <a:rPr lang="en-US" dirty="0" smtClean="0">
-                <a:ea typeface="Roboto Mono for Powerline" charset="0"/>
-                <a:cs typeface="Roboto Mono for Powerline" charset="0"/>
-              </a:rPr>
-              <a:t> android </a:t>
-            </a:r>
-            <a:r>
-              <a:rPr lang="en-US" dirty="0" err="1" smtClean="0">
-                <a:ea typeface="Roboto Mono for Powerline" charset="0"/>
-                <a:cs typeface="Roboto Mono for Powerline" charset="0"/>
-              </a:rPr>
-              <a:t>và</a:t>
-            </a:r>
-            <a:r>
-              <a:rPr lang="en-US" dirty="0" smtClean="0">
-                <a:ea typeface="Roboto Mono for Powerline" charset="0"/>
-                <a:cs typeface="Roboto Mono for Powerline" charset="0"/>
-              </a:rPr>
-              <a:t> </a:t>
-            </a:r>
-            <a:r>
-              <a:rPr lang="en-US" dirty="0" err="1" smtClean="0">
-                <a:ea typeface="Roboto Mono for Powerline" charset="0"/>
-                <a:cs typeface="Roboto Mono for Powerline" charset="0"/>
-              </a:rPr>
-              <a:t>ngược</a:t>
-            </a:r>
-            <a:r>
-              <a:rPr lang="en-US" dirty="0" smtClean="0">
-                <a:ea typeface="Roboto Mono for Powerline" charset="0"/>
-                <a:cs typeface="Roboto Mono for Powerline" charset="0"/>
-              </a:rPr>
-              <a:t> </a:t>
-            </a:r>
-            <a:r>
-              <a:rPr lang="en-US" dirty="0" err="1" smtClean="0">
-                <a:ea typeface="Roboto Mono for Powerline" charset="0"/>
-                <a:cs typeface="Roboto Mono for Powerline" charset="0"/>
-              </a:rPr>
-              <a:t>lại</a:t>
-            </a:r>
-            <a:endParaRPr lang="en-US" dirty="0">
-              <a:ea typeface="Roboto Mono for Powerline" charset="0"/>
-              <a:cs typeface="Roboto Mono for Powerline" charset="0"/>
-            </a:endParaRPr>
-          </a:p>
-        </p:txBody>
-      </p:sp>
-      <p:sp>
-        <p:nvSpPr>
-          <p:cNvPr id="23" name="TextBox 22"/>
-          <p:cNvSpPr txBox="1"/>
-          <p:nvPr/>
-        </p:nvSpPr>
-        <p:spPr>
-          <a:xfrm>
-            <a:off x="406249" y="3335145"/>
-            <a:ext cx="2590800" cy="646331"/>
-          </a:xfrm>
-          <a:prstGeom prst="rect">
-            <a:avLst/>
-          </a:prstGeom>
-          <a:noFill/>
-        </p:spPr>
-        <p:txBody>
-          <a:bodyPr wrap="square" rtlCol="0">
-            <a:spAutoFit/>
-          </a:bodyPr>
-          <a:lstStyle/>
-          <a:p>
-            <a:r>
-              <a:rPr lang="en-US" dirty="0" err="1" smtClean="0">
-                <a:ea typeface="Roboto Mono for Powerline" charset="0"/>
-                <a:cs typeface="Roboto Mono for Powerline" charset="0"/>
-              </a:rPr>
-              <a:t>Thêm thủ thuật mới</a:t>
-            </a:r>
-          </a:p>
-          <a:p>
-            <a:r>
-              <a:rPr lang="en-US" dirty="0" err="1">
-                <a:ea typeface="Roboto Mono for Powerline" charset="0"/>
-                <a:cs typeface="Roboto Mono for Powerline" charset="0"/>
-              </a:rPr>
-              <a:t>gọi được Swift &amp; Kotlin</a:t>
-            </a:r>
-            <a:endParaRPr lang="en-US" dirty="0">
-              <a:ea typeface="Roboto Mono for Powerline" charset="0"/>
-              <a:cs typeface="Roboto Mono for Powerline" charset="0"/>
-            </a:endParaRPr>
-          </a:p>
-        </p:txBody>
-      </p:sp>
-      <p:sp>
-        <p:nvSpPr>
-          <p:cNvPr id="24" name="TextBox 23"/>
-          <p:cNvSpPr txBox="1"/>
-          <p:nvPr/>
-        </p:nvSpPr>
-        <p:spPr>
-          <a:xfrm>
-            <a:off x="6033854" y="3388410"/>
-            <a:ext cx="2651518" cy="646331"/>
-          </a:xfrm>
-          <a:prstGeom prst="rect">
-            <a:avLst/>
-          </a:prstGeom>
-          <a:noFill/>
-        </p:spPr>
-        <p:txBody>
-          <a:bodyPr wrap="square" rtlCol="0">
-            <a:spAutoFit/>
-          </a:bodyPr>
-          <a:lstStyle/>
-          <a:p>
-            <a:r>
-              <a:rPr lang="en-US" dirty="0" err="1">
-                <a:ea typeface="Roboto Mono for Powerline" charset="0"/>
-                <a:cs typeface="Roboto Mono for Powerline" charset="0"/>
-              </a:rPr>
-              <a:t>Dễ dàng hỗ trợ thêm </a:t>
-            </a:r>
-            <a:r>
-              <a:rPr lang="en-US" dirty="0" err="1" smtClean="0">
-                <a:ea typeface="Roboto Mono for Powerline" charset="0"/>
-                <a:cs typeface="Roboto Mono for Powerline" charset="0"/>
-              </a:rPr>
-              <a:t>Kotlin</a:t>
-            </a:r>
-            <a:r>
-              <a:rPr lang="en-US" dirty="0" smtClean="0">
-                <a:ea typeface="Roboto Mono for Powerline" charset="0"/>
-                <a:cs typeface="Roboto Mono for Powerline" charset="0"/>
-              </a:rPr>
-              <a:t> </a:t>
-            </a:r>
-            <a:r>
-              <a:rPr lang="en-US" dirty="0" err="1" smtClean="0">
-                <a:ea typeface="Roboto Mono for Powerline" charset="0"/>
-                <a:cs typeface="Roboto Mono for Powerline" charset="0"/>
-              </a:rPr>
-              <a:t>và</a:t>
-            </a:r>
-            <a:r>
-              <a:rPr lang="en-US" dirty="0" smtClean="0">
-                <a:ea typeface="Roboto Mono for Powerline" charset="0"/>
-                <a:cs typeface="Roboto Mono for Powerline" charset="0"/>
-              </a:rPr>
-              <a:t> Swift</a:t>
-            </a:r>
-            <a:endParaRPr lang="en-US" dirty="0">
-              <a:ea typeface="Roboto Mono for Powerline" charset="0"/>
-              <a:cs typeface="Roboto Mono for Powerline" charset="0"/>
-            </a:endParaRPr>
-          </a:p>
-        </p:txBody>
-      </p:sp>
-      <p:sp>
-        <p:nvSpPr>
-          <p:cNvPr id="25" name="TextBox 24"/>
-          <p:cNvSpPr txBox="1"/>
-          <p:nvPr/>
-        </p:nvSpPr>
-        <p:spPr>
-          <a:xfrm>
-            <a:off x="3229216" y="1420437"/>
-            <a:ext cx="2412069" cy="646331"/>
-          </a:xfrm>
-          <a:prstGeom prst="rect">
-            <a:avLst/>
-          </a:prstGeom>
-          <a:noFill/>
-        </p:spPr>
-        <p:txBody>
-          <a:bodyPr wrap="square" rtlCol="0">
-            <a:spAutoFit/>
-          </a:bodyPr>
-          <a:lstStyle/>
-          <a:p>
-            <a:r>
-              <a:rPr lang="en-US" dirty="0" smtClean="0">
-                <a:ea typeface="Roboto Mono for Powerline" charset="0"/>
-                <a:cs typeface="Roboto Mono for Powerline" charset="0"/>
-              </a:rPr>
-              <a:t>Hỗ trợ kiểu dữ liệu cơ</a:t>
-            </a:r>
-          </a:p>
-          <a:p>
-            <a:r>
-              <a:rPr lang="en-US" dirty="0">
-                <a:ea typeface="Roboto Mono for Powerline" charset="0"/>
-                <a:cs typeface="Roboto Mono for Powerline" charset="0"/>
-              </a:rPr>
-              <a:t>bản và Map&lt;key,value&gt;</a:t>
-            </a:r>
-          </a:p>
-        </p:txBody>
-      </p:sp>
-      <p:sp>
-        <p:nvSpPr>
-          <p:cNvPr id="16" name="TextBox 15"/>
-          <p:cNvSpPr txBox="1"/>
-          <p:nvPr/>
-        </p:nvSpPr>
-        <p:spPr>
-          <a:xfrm>
-            <a:off x="2997049" y="3239703"/>
-            <a:ext cx="3100234" cy="369332"/>
-          </a:xfrm>
-          <a:prstGeom prst="rect">
-            <a:avLst/>
-          </a:prstGeom>
-          <a:noFill/>
-        </p:spPr>
-        <p:txBody>
-          <a:bodyPr wrap="square" rtlCol="0">
-            <a:spAutoFit/>
-          </a:bodyPr>
-          <a:lstStyle/>
-          <a:p>
-            <a:r>
-              <a:rPr lang="en-US" dirty="0" err="1">
-                <a:ea typeface="Roboto Mono for Powerline" charset="0"/>
-                <a:cs typeface="Roboto Mono for Powerline" charset="0"/>
-              </a:rPr>
-              <a:t>Hỗ trợ gọi Objective-C &amp; Java</a:t>
-            </a:r>
-            <a:endParaRPr lang="en-US" dirty="0">
-              <a:ea typeface="Roboto Mono for Powerline" charset="0"/>
-              <a:cs typeface="Roboto Mono for Powerline" charset="0"/>
-            </a:endParaRPr>
-          </a:p>
-        </p:txBody>
-      </p:sp>
-      <p:sp>
-        <p:nvSpPr>
-          <p:cNvPr id="17" name="TextBox 16"/>
-          <p:cNvSpPr txBox="1"/>
-          <p:nvPr/>
-        </p:nvSpPr>
-        <p:spPr>
-          <a:xfrm>
-            <a:off x="356976" y="2044264"/>
-            <a:ext cx="2412901" cy="923330"/>
-          </a:xfrm>
-          <a:prstGeom prst="rect">
-            <a:avLst/>
-          </a:prstGeom>
-          <a:noFill/>
-        </p:spPr>
-        <p:txBody>
-          <a:bodyPr wrap="square" rtlCol="0">
-            <a:spAutoFit/>
-          </a:bodyPr>
-          <a:lstStyle/>
-          <a:p>
-            <a:r>
-              <a:rPr lang="vi-VN" dirty="0" err="1">
-                <a:latin typeface="Calibri" charset="0"/>
-                <a:ea typeface="Calibri" charset="0"/>
-                <a:cs typeface="Calibri" charset="0"/>
-              </a:rPr>
-              <a:t>Sử dụng được native UI</a:t>
-            </a:r>
-            <a:br>
-              <a:rPr lang="vi-VN" dirty="0" err="1">
-                <a:latin typeface="Calibri" charset="0"/>
-                <a:ea typeface="Calibri" charset="0"/>
-                <a:cs typeface="Calibri" charset="0"/>
-              </a:rPr>
-            </a:br>
-            <a:r>
-              <a:rPr lang="vi-VN" dirty="0" err="1">
-                <a:latin typeface="Calibri" charset="0"/>
-                <a:ea typeface="Calibri" charset="0"/>
-                <a:cs typeface="Calibri" charset="0"/>
-              </a:rPr>
-              <a:t>control của IOS và Android như code rối</a:t>
-            </a:r>
-            <a:endParaRPr lang="en-US" dirty="0">
-              <a:latin typeface="Calibri" charset="0"/>
-              <a:ea typeface="Calibri" charset="0"/>
-              <a:cs typeface="Calibri" charset="0"/>
-            </a:endParaRPr>
-          </a:p>
-        </p:txBody>
-      </p:sp>
-      <p:sp>
-        <p:nvSpPr>
-          <p:cNvPr id="18" name="TextBox 17"/>
-          <p:cNvSpPr txBox="1"/>
-          <p:nvPr/>
-        </p:nvSpPr>
-        <p:spPr>
-          <a:xfrm>
-            <a:off x="6167749" y="2162482"/>
-            <a:ext cx="2412901" cy="923330"/>
-          </a:xfrm>
-          <a:prstGeom prst="rect">
-            <a:avLst/>
-          </a:prstGeom>
-          <a:noFill/>
-        </p:spPr>
-        <p:txBody>
-          <a:bodyPr wrap="square" rtlCol="0">
-            <a:spAutoFit/>
-          </a:bodyPr>
-          <a:lstStyle/>
-          <a:p>
-            <a:r>
-              <a:rPr lang="vi-VN" dirty="0" err="1">
-                <a:latin typeface="Calibri" charset="0"/>
-                <a:ea typeface="Calibri" charset="0"/>
-                <a:cs typeface="Calibri" charset="0"/>
-              </a:rPr>
-              <a:t>Không dùng được native UI </a:t>
-            </a:r>
-            <a:r>
-              <a:rPr lang="vi-VN" i="1" dirty="0" err="1">
-                <a:latin typeface="Calibri" charset="0"/>
-                <a:ea typeface="Calibri" charset="0"/>
-                <a:cs typeface="Calibri" charset="0"/>
-              </a:rPr>
-              <a:t>có thể chưa biết cách !</a:t>
-            </a:r>
-            <a:endParaRPr lang="en-US" dirty="0">
-              <a:latin typeface="Calibri" charset="0"/>
-              <a:ea typeface="Calibri" charset="0"/>
-              <a:cs typeface="Calibri" charset="0"/>
-            </a:endParaRPr>
-          </a:p>
-        </p:txBody>
-      </p:sp>
-      <p:sp>
-        <p:nvSpPr>
-          <p:cNvPr id="15" name="TextBox 14"/>
-          <p:cNvSpPr txBox="1"/>
-          <p:nvPr/>
-        </p:nvSpPr>
-        <p:spPr>
-          <a:xfrm>
-            <a:off x="2997049" y="29223"/>
-            <a:ext cx="2765501" cy="461665"/>
-          </a:xfrm>
-          <a:prstGeom prst="rect">
-            <a:avLst/>
-          </a:prstGeom>
-          <a:noFill/>
-        </p:spPr>
-        <p:txBody>
-          <a:bodyPr wrap="none" rtlCol="0">
-            <a:spAutoFit/>
-          </a:bodyPr>
-          <a:lstStyle/>
-          <a:p>
-            <a:r>
-              <a:rPr lang="en-US" sz="2400" b="1" dirty="0">
-                <a:solidFill>
-                  <a:schemeClr val="bg1"/>
-                </a:solidFill>
-                <a:latin typeface="Roboto Mono for Powerline" charset="0"/>
-                <a:ea typeface="Roboto Mono for Powerline" charset="0"/>
-                <a:cs typeface="Roboto Mono for Powerline" charset="0"/>
-              </a:rPr>
-              <a:t>Gọi native API</a:t>
-            </a:r>
-          </a:p>
-        </p:txBody>
-      </p:sp>
+      </p:pic>
     </p:spTree>
     <p:extLst>
       <p:ext uri="{BB962C8B-B14F-4D97-AF65-F5344CB8AC3E}">
-        <p14:creationId xmlns:p14="http://schemas.microsoft.com/office/powerpoint/2010/main" val="1563766036"/>
+        <p14:creationId xmlns:p14="http://schemas.microsoft.com/office/powerpoint/2010/main" val="896592792"/>
       </p:ext>
     </p:extLst>
   </p:cSld>
@@ -9758,8 +9265,8 @@
 </p:sld>
 </file>
 
-<file path=ppt/slides/slide8.xml><?xml version="1.0" encoding="utf-8"?>
-<p:sld xmlns:a="http://schemas.openxmlformats.org/drawingml/2006/main" xmlns:r="http://schemas.openxmlformats.org/officeDocument/2006/relationships" xmlns:p="http://schemas.openxmlformats.org/presentationml/2006/main" show="0">
+<file path=ppt/slides/slide6.xml><?xml version="1.0" encoding="utf-8"?>
+<p:sld xmlns:a="http://schemas.openxmlformats.org/drawingml/2006/main" xmlns:r="http://schemas.openxmlformats.org/officeDocument/2006/relationships" xmlns:p="http://schemas.openxmlformats.org/presentationml/2006/main">
   <p:cSld>
     <p:spTree>
       <p:nvGrpSpPr>
@@ -9793,142 +9300,2356 @@
           <a:lstStyle/>
           <a:p>
             <a:r>
-              <a:rPr lang="en-US"/>
-              <a:t>Tham khảo</a:t>
-            </a:r>
+              <a:rPr lang="en-US" dirty="0" err="1" smtClean="0"/>
+              <a:t>Viết</a:t>
+            </a:r>
+            <a:r>
+              <a:rPr lang="en-US" dirty="0" smtClean="0"/>
+              <a:t> </a:t>
+            </a:r>
+            <a:r>
+              <a:rPr lang="en-US" dirty="0" err="1" smtClean="0"/>
+              <a:t>ứng</a:t>
+            </a:r>
+            <a:r>
+              <a:rPr lang="en-US" dirty="0" smtClean="0"/>
+              <a:t> </a:t>
+            </a:r>
+            <a:r>
+              <a:rPr lang="en-US" dirty="0" err="1" smtClean="0"/>
+              <a:t>dụng</a:t>
+            </a:r>
+            <a:r>
+              <a:rPr lang="en-US" dirty="0" smtClean="0"/>
+              <a:t> </a:t>
+            </a:r>
+            <a:r>
+              <a:rPr lang="en-US" dirty="0" err="1" smtClean="0"/>
+              <a:t>Nodejs</a:t>
+            </a:r>
+            <a:r>
+              <a:rPr lang="en-US" dirty="0" smtClean="0"/>
+              <a:t> </a:t>
+            </a:r>
+            <a:r>
+              <a:rPr lang="en-US" dirty="0" err="1" smtClean="0"/>
+              <a:t>đầu</a:t>
+            </a:r>
+            <a:r>
+              <a:rPr lang="en-US" dirty="0" smtClean="0"/>
+              <a:t> </a:t>
+            </a:r>
+            <a:r>
+              <a:rPr lang="en-US" dirty="0" err="1" smtClean="0"/>
+              <a:t>tiên</a:t>
+            </a:r>
+            <a:endParaRPr lang="en-US" dirty="0"/>
           </a:p>
         </p:txBody>
       </p:sp>
       <p:sp>
         <p:nvSpPr>
-          <p:cNvPr id="3" name="Content Placeholder 2"/>
-          <p:cNvSpPr>
-            <a:spLocks noGrp="1"/>
+          <p:cNvPr id="10" name="Content Placeholder 2"/>
+          <p:cNvSpPr txBox="1">
+            <a:spLocks/>
           </p:cNvSpPr>
-          <p:nvPr>
-            <p:ph idx="1"/>
-          </p:nvPr>
+          <p:nvPr/>
         </p:nvSpPr>
-        <p:spPr/>
+        <p:spPr>
+          <a:xfrm>
+            <a:off x="381000" y="1047750"/>
+            <a:ext cx="8686800" cy="3818752"/>
+          </a:xfrm>
+          <a:prstGeom prst="rect">
+            <a:avLst/>
+          </a:prstGeom>
+        </p:spPr>
         <p:txBody>
-          <a:bodyPr/>
-          <a:lstStyle/>
-          <a:p>
-            <a:r>
-              <a:rPr lang="en-US" dirty="0">
-                <a:hlinkClick r:id="rId2"/>
-              </a:rPr>
-              <a:t>https://</a:t>
-            </a:r>
-            <a:r>
-              <a:rPr lang="en-US" dirty="0" err="1">
-                <a:hlinkClick r:id="rId2"/>
-              </a:rPr>
-              <a:t>techmaster.vn</a:t>
-            </a:r>
-            <a:r>
-              <a:rPr lang="en-US" dirty="0">
-                <a:hlinkClick r:id="rId2"/>
-              </a:rPr>
-              <a:t>/</a:t>
-            </a:r>
-            <a:r>
-              <a:rPr lang="en-US" dirty="0" err="1">
-                <a:hlinkClick r:id="rId2"/>
-              </a:rPr>
-              <a:t>khoa</a:t>
-            </a:r>
-            <a:r>
-              <a:rPr lang="en-US" dirty="0">
-                <a:hlinkClick r:id="rId2"/>
-              </a:rPr>
-              <a:t>-hoc/25480/lap-</a:t>
-            </a:r>
-            <a:r>
-              <a:rPr lang="en-US" dirty="0" err="1">
-                <a:hlinkClick r:id="rId2"/>
-              </a:rPr>
-              <a:t>trinh</a:t>
-            </a:r>
-            <a:r>
-              <a:rPr lang="en-US" dirty="0">
-                <a:hlinkClick r:id="rId2"/>
-              </a:rPr>
-              <a:t>-web-</a:t>
-            </a:r>
-            <a:r>
-              <a:rPr lang="en-US" dirty="0" err="1">
-                <a:hlinkClick r:id="rId2"/>
-              </a:rPr>
-              <a:t>nodejs</a:t>
-            </a:r>
-            <a:r>
-              <a:rPr lang="en-US" dirty="0">
-                <a:hlinkClick r:id="rId2"/>
-              </a:rPr>
-              <a:t>-toc-do-</a:t>
-            </a:r>
-            <a:r>
-              <a:rPr lang="en-US" dirty="0" err="1">
-                <a:hlinkClick r:id="rId2"/>
-              </a:rPr>
-              <a:t>cao</a:t>
-            </a:r>
-            <a:endParaRPr lang="en-US" dirty="0"/>
-          </a:p>
-          <a:p>
-            <a:r>
-              <a:rPr lang="en-US" dirty="0">
-                <a:hlinkClick r:id="rId3"/>
-              </a:rPr>
-              <a:t>https</a:t>
+          <a:bodyPr vert="horz" lIns="91440" tIns="45720" rIns="91440" bIns="45720" rtlCol="0">
+            <a:normAutofit/>
+          </a:bodyPr>
+          <a:lstStyle>
+            <a:lvl1pPr marL="342900" indent="-342900" algn="l" defTabSz="914400" rtl="0" eaLnBrk="1" latinLnBrk="0" hangingPunct="1">
+              <a:spcBef>
+                <a:spcPts val="1800"/>
+              </a:spcBef>
+              <a:buFont typeface="Arial" pitchFamily="34" charset="0"/>
+              <a:buChar char="•"/>
+              <a:defRPr sz="3200" kern="1200">
+                <a:solidFill>
+                  <a:schemeClr val="bg1"/>
+                </a:solidFill>
+                <a:latin typeface="Corbel"/>
+                <a:ea typeface="Segoe UI" pitchFamily="34" charset="0"/>
+                <a:cs typeface="Corbel"/>
+              </a:defRPr>
+            </a:lvl1pPr>
+            <a:lvl2pPr marL="742950" indent="-285750" algn="l" defTabSz="914400" rtl="0" eaLnBrk="1" latinLnBrk="0" hangingPunct="1">
+              <a:spcBef>
+                <a:spcPts val="1800"/>
+              </a:spcBef>
+              <a:buFont typeface="Arial" pitchFamily="34" charset="0"/>
+              <a:buChar char="–"/>
+              <a:defRPr sz="2800" kern="1200">
+                <a:solidFill>
+                  <a:schemeClr val="bg1"/>
+                </a:solidFill>
+                <a:latin typeface="Corbel"/>
+                <a:ea typeface="Segoe UI" pitchFamily="34" charset="0"/>
+                <a:cs typeface="Corbel"/>
+              </a:defRPr>
+            </a:lvl2pPr>
+            <a:lvl3pPr marL="1143000" indent="-228600" algn="l" defTabSz="914400" rtl="0" eaLnBrk="1" latinLnBrk="0" hangingPunct="1">
+              <a:spcBef>
+                <a:spcPts val="1800"/>
+              </a:spcBef>
+              <a:buFont typeface="Arial" pitchFamily="34" charset="0"/>
+              <a:buChar char="•"/>
+              <a:defRPr sz="2400" kern="1200">
+                <a:solidFill>
+                  <a:schemeClr val="bg1"/>
+                </a:solidFill>
+                <a:latin typeface="Corbel"/>
+                <a:ea typeface="Segoe UI" pitchFamily="34" charset="0"/>
+                <a:cs typeface="Corbel"/>
+              </a:defRPr>
+            </a:lvl3pPr>
+            <a:lvl4pPr marL="1600200" indent="-228600" algn="l" defTabSz="914400" rtl="0" eaLnBrk="1" latinLnBrk="0" hangingPunct="1">
+              <a:spcBef>
+                <a:spcPts val="1800"/>
+              </a:spcBef>
+              <a:buFont typeface="Arial" pitchFamily="34" charset="0"/>
+              <a:buChar char="–"/>
+              <a:defRPr sz="2000" kern="1200">
+                <a:solidFill>
+                  <a:schemeClr val="bg1"/>
+                </a:solidFill>
+                <a:latin typeface="Corbel"/>
+                <a:ea typeface="Segoe UI" pitchFamily="34" charset="0"/>
+                <a:cs typeface="Corbel"/>
+              </a:defRPr>
+            </a:lvl4pPr>
+            <a:lvl5pPr marL="2057400" indent="-228600" algn="l" defTabSz="914400" rtl="0" eaLnBrk="1" latinLnBrk="0" hangingPunct="1">
+              <a:spcBef>
+                <a:spcPts val="1800"/>
+              </a:spcBef>
+              <a:buFont typeface="Arial" pitchFamily="34" charset="0"/>
+              <a:buChar char="»"/>
+              <a:defRPr sz="2000" kern="1200">
+                <a:solidFill>
+                  <a:schemeClr val="bg1"/>
+                </a:solidFill>
+                <a:latin typeface="Corbel"/>
+                <a:ea typeface="Segoe UI" pitchFamily="34" charset="0"/>
+                <a:cs typeface="Corbel"/>
+              </a:defRPr>
+            </a:lvl5pPr>
+            <a:lvl6pPr marL="2514600" indent="-228600" algn="l" defTabSz="914400" rtl="0" eaLnBrk="1" latinLnBrk="0" hangingPunct="1">
+              <a:spcBef>
+                <a:spcPct val="20000"/>
+              </a:spcBef>
+              <a:buFont typeface="Arial" pitchFamily="34" charset="0"/>
+              <a:buChar char="•"/>
+              <a:defRPr sz="2000" kern="1200">
+                <a:solidFill>
+                  <a:schemeClr val="tx1"/>
+                </a:solidFill>
+                <a:latin typeface="+mn-lt"/>
+                <a:ea typeface="+mn-ea"/>
+                <a:cs typeface="+mn-cs"/>
+              </a:defRPr>
+            </a:lvl6pPr>
+            <a:lvl7pPr marL="2971800" indent="-228600" algn="l" defTabSz="914400" rtl="0" eaLnBrk="1" latinLnBrk="0" hangingPunct="1">
+              <a:spcBef>
+                <a:spcPct val="20000"/>
+              </a:spcBef>
+              <a:buFont typeface="Arial" pitchFamily="34" charset="0"/>
+              <a:buChar char="•"/>
+              <a:defRPr sz="2000" kern="1200">
+                <a:solidFill>
+                  <a:schemeClr val="tx1"/>
+                </a:solidFill>
+                <a:latin typeface="+mn-lt"/>
+                <a:ea typeface="+mn-ea"/>
+                <a:cs typeface="+mn-cs"/>
+              </a:defRPr>
+            </a:lvl7pPr>
+            <a:lvl8pPr marL="3429000" indent="-228600" algn="l" defTabSz="914400" rtl="0" eaLnBrk="1" latinLnBrk="0" hangingPunct="1">
+              <a:spcBef>
+                <a:spcPct val="20000"/>
+              </a:spcBef>
+              <a:buFont typeface="Arial" pitchFamily="34" charset="0"/>
+              <a:buChar char="•"/>
+              <a:defRPr sz="2000" kern="1200">
+                <a:solidFill>
+                  <a:schemeClr val="tx1"/>
+                </a:solidFill>
+                <a:latin typeface="+mn-lt"/>
+                <a:ea typeface="+mn-ea"/>
+                <a:cs typeface="+mn-cs"/>
+              </a:defRPr>
+            </a:lvl8pPr>
+            <a:lvl9pPr marL="3886200" indent="-228600" algn="l" defTabSz="914400" rtl="0" eaLnBrk="1" latinLnBrk="0" hangingPunct="1">
+              <a:spcBef>
+                <a:spcPct val="20000"/>
+              </a:spcBef>
+              <a:buFont typeface="Arial" pitchFamily="34" charset="0"/>
+              <a:buChar char="•"/>
+              <a:defRPr sz="2000" kern="1200">
+                <a:solidFill>
+                  <a:schemeClr val="tx1"/>
+                </a:solidFill>
+                <a:latin typeface="+mn-lt"/>
+                <a:ea typeface="+mn-ea"/>
+                <a:cs typeface="+mn-cs"/>
+              </a:defRPr>
+            </a:lvl9pPr>
+          </a:lstStyle>
+          <a:p>
+            <a:pPr marL="0" indent="0">
+              <a:spcBef>
+                <a:spcPts val="600"/>
+              </a:spcBef>
+              <a:buFont typeface="Arial" pitchFamily="34" charset="0"/>
+              <a:buNone/>
+            </a:pPr>
+            <a:r>
+              <a:rPr lang="en-US" dirty="0" err="1" smtClean="0"/>
+              <a:t>npm</a:t>
+            </a:r>
+            <a:r>
+              <a:rPr lang="en-US" dirty="0" smtClean="0"/>
+              <a:t> = Node Package Manager</a:t>
+            </a:r>
+          </a:p>
+          <a:p>
+            <a:pPr marL="0" indent="0">
+              <a:spcBef>
+                <a:spcPts val="600"/>
+              </a:spcBef>
+              <a:buFont typeface="Arial" pitchFamily="34" charset="0"/>
+              <a:buNone/>
+            </a:pPr>
+            <a:r>
+              <a:rPr lang="en-US" dirty="0" err="1" smtClean="0"/>
+              <a:t>Tạo</a:t>
+            </a:r>
+            <a:r>
+              <a:rPr lang="en-US" dirty="0"/>
+              <a:t> </a:t>
+            </a:r>
+            <a:r>
+              <a:rPr lang="en-US" dirty="0" smtClean="0"/>
+              <a:t>“blank project”</a:t>
+            </a:r>
+            <a:r>
+              <a:rPr lang="en-US" dirty="0" smtClean="0"/>
+              <a:t> :</a:t>
+            </a:r>
+          </a:p>
+          <a:p>
+            <a:pPr marL="0" indent="0">
+              <a:spcBef>
+                <a:spcPts val="600"/>
+              </a:spcBef>
+              <a:buNone/>
+            </a:pPr>
+            <a:r>
+              <a:rPr lang="en-US" dirty="0" err="1" smtClean="0">
+                <a:solidFill>
+                  <a:srgbClr val="F08D49"/>
+                </a:solidFill>
+              </a:rPr>
+              <a:t>npm</a:t>
             </a:r>
             <a:r>
               <a:rPr lang="en-US" dirty="0" smtClean="0">
-                <a:hlinkClick r:id="rId3"/>
-              </a:rPr>
-              <a:t>://</a:t>
+                <a:solidFill>
+                  <a:srgbClr val="F08D49"/>
+                </a:solidFill>
+              </a:rPr>
+              <a:t> </a:t>
             </a:r>
             <a:r>
               <a:rPr lang="en-US" dirty="0" err="1" smtClean="0">
-                <a:hlinkClick r:id="rId3"/>
-              </a:rPr>
-              <a:t>www.youtube.com</a:t>
-            </a:r>
-            <a:r>
-              <a:rPr lang="en-US" dirty="0" smtClean="0">
-                <a:hlinkClick r:id="rId3"/>
-              </a:rPr>
-              <a:t>/c/</a:t>
-            </a:r>
-            <a:r>
-              <a:rPr lang="en-US" dirty="0" err="1" smtClean="0">
-                <a:hlinkClick r:id="rId3"/>
-              </a:rPr>
-              <a:t>nguyenduchoang</a:t>
-            </a:r>
-            <a:endParaRPr lang="en-US" dirty="0"/>
+                <a:solidFill>
+                  <a:srgbClr val="F08D49"/>
+                </a:solidFill>
+              </a:rPr>
+              <a:t>init</a:t>
+            </a:r>
+            <a:endParaRPr lang="en-US" dirty="0" smtClean="0">
+              <a:solidFill>
+                <a:srgbClr val="F08D49"/>
+              </a:solidFill>
+            </a:endParaRPr>
+          </a:p>
+          <a:p>
+            <a:pPr marL="0" indent="0">
+              <a:spcBef>
+                <a:spcPts val="600"/>
+              </a:spcBef>
+              <a:buNone/>
+            </a:pPr>
+            <a:r>
+              <a:rPr lang="en-US" dirty="0" err="1" smtClean="0"/>
+              <a:t>Điền</a:t>
+            </a:r>
+            <a:r>
+              <a:rPr lang="en-US" dirty="0" smtClean="0"/>
+              <a:t> </a:t>
+            </a:r>
+            <a:r>
+              <a:rPr lang="en-US" dirty="0" err="1" smtClean="0"/>
+              <a:t>các</a:t>
+            </a:r>
+            <a:r>
+              <a:rPr lang="en-US" dirty="0" smtClean="0"/>
+              <a:t> </a:t>
+            </a:r>
+            <a:r>
+              <a:rPr lang="en-US" dirty="0" err="1" smtClean="0"/>
+              <a:t>thông</a:t>
+            </a:r>
+            <a:r>
+              <a:rPr lang="en-US" dirty="0" smtClean="0"/>
+              <a:t> tin: repo, name, version,</a:t>
+            </a:r>
+            <a:r>
+              <a:rPr lang="mr-IN" dirty="0" smtClean="0"/>
+              <a:t>…</a:t>
+            </a:r>
+            <a:r>
+              <a:rPr lang="en-US" dirty="0" smtClean="0"/>
+              <a:t> </a:t>
+            </a:r>
+          </a:p>
+          <a:p>
+            <a:pPr marL="0" indent="0">
+              <a:spcBef>
+                <a:spcPts val="600"/>
+              </a:spcBef>
+              <a:buNone/>
+            </a:pPr>
+            <a:r>
+              <a:rPr lang="en-US" dirty="0" smtClean="0"/>
+              <a:t>Sau </a:t>
+            </a:r>
+            <a:r>
+              <a:rPr lang="en-US" dirty="0" err="1" smtClean="0"/>
+              <a:t>khi</a:t>
+            </a:r>
+            <a:r>
+              <a:rPr lang="en-US" dirty="0" smtClean="0"/>
+              <a:t> </a:t>
+            </a:r>
+            <a:r>
+              <a:rPr lang="en-US" dirty="0" err="1" smtClean="0"/>
+              <a:t>cài</a:t>
+            </a:r>
+            <a:r>
+              <a:rPr lang="en-US" dirty="0" smtClean="0"/>
+              <a:t> </a:t>
+            </a:r>
+            <a:r>
+              <a:rPr lang="en-US" dirty="0" err="1" smtClean="0"/>
+              <a:t>đặt</a:t>
+            </a:r>
+            <a:r>
+              <a:rPr lang="en-US" dirty="0" smtClean="0"/>
+              <a:t> </a:t>
+            </a:r>
+            <a:r>
+              <a:rPr lang="en-US" dirty="0" err="1" smtClean="0"/>
+              <a:t>sẽ</a:t>
+            </a:r>
+            <a:r>
+              <a:rPr lang="en-US" dirty="0" smtClean="0"/>
+              <a:t> </a:t>
+            </a:r>
+            <a:r>
+              <a:rPr lang="en-US" dirty="0" err="1" smtClean="0"/>
+              <a:t>tạo</a:t>
+            </a:r>
+            <a:r>
+              <a:rPr lang="en-US" dirty="0" smtClean="0"/>
+              <a:t> </a:t>
+            </a:r>
+            <a:r>
+              <a:rPr lang="en-US" dirty="0" err="1" smtClean="0"/>
+              <a:t>ra</a:t>
+            </a:r>
+            <a:r>
+              <a:rPr lang="en-US" dirty="0" smtClean="0"/>
+              <a:t> file </a:t>
+            </a:r>
+            <a:r>
+              <a:rPr lang="en-US" dirty="0" err="1" smtClean="0"/>
+              <a:t>package.json</a:t>
+            </a:r>
+            <a:endParaRPr lang="en-US" dirty="0" smtClean="0"/>
+          </a:p>
+          <a:p>
+            <a:pPr marL="0" indent="0">
+              <a:spcBef>
+                <a:spcPts val="600"/>
+              </a:spcBef>
+              <a:buNone/>
+            </a:pPr>
+            <a:endParaRPr lang="en-US" dirty="0" smtClean="0"/>
           </a:p>
         </p:txBody>
       </p:sp>
     </p:spTree>
     <p:extLst>
       <p:ext uri="{BB962C8B-B14F-4D97-AF65-F5344CB8AC3E}">
-        <p14:creationId xmlns:p14="http://schemas.microsoft.com/office/powerpoint/2010/main" val="703164273"/>
+        <p14:creationId xmlns:p14="http://schemas.microsoft.com/office/powerpoint/2010/main" val="1751251595"/>
       </p:ext>
     </p:extLst>
   </p:cSld>
   <p:clrMapOvr>
     <a:masterClrMapping/>
   </p:clrMapOvr>
-  <mc:AlternateContent xmlns:mc="http://schemas.openxmlformats.org/markup-compatibility/2006">
-    <mc:Choice xmlns:p14="http://schemas.microsoft.com/office/powerpoint/2010/main" Requires="p14">
-      <p:transition spd="slow" p14:dur="2000"/>
-    </mc:Choice>
-    <mc:Fallback>
-      <p:transition spd="slow"/>
-    </mc:Fallback>
-  </mc:AlternateContent>
+  <p:timing>
+    <p:tnLst>
+      <p:par>
+        <p:cTn id="1" dur="indefinite" restart="never" nodeType="tmRoot"/>
+      </p:par>
+    </p:tnLst>
+  </p:timing>
+</p:sld>
+</file>
+
+<file path=ppt/slides/slide7.xml><?xml version="1.0" encoding="utf-8"?>
+<p:sld xmlns:a="http://schemas.openxmlformats.org/drawingml/2006/main" xmlns:r="http://schemas.openxmlformats.org/officeDocument/2006/relationships" xmlns:p="http://schemas.openxmlformats.org/presentationml/2006/main">
+  <p:cSld>
+    <p:spTree>
+      <p:nvGrpSpPr>
+        <p:cNvPr id="1" name=""/>
+        <p:cNvGrpSpPr/>
+        <p:nvPr/>
+      </p:nvGrpSpPr>
+      <p:grpSpPr>
+        <a:xfrm>
+          <a:off x="0" y="0"/>
+          <a:ext cx="0" cy="0"/>
+          <a:chOff x="0" y="0"/>
+          <a:chExt cx="0" cy="0"/>
+        </a:xfrm>
+      </p:grpSpPr>
+      <p:sp>
+        <p:nvSpPr>
+          <p:cNvPr id="2" name="Title 1"/>
+          <p:cNvSpPr>
+            <a:spLocks noGrp="1"/>
+          </p:cNvSpPr>
+          <p:nvPr>
+            <p:ph type="title"/>
+          </p:nvPr>
+        </p:nvSpPr>
+        <p:spPr/>
+        <p:txBody>
+          <a:bodyPr>
+            <a:normAutofit fontScale="90000"/>
+          </a:bodyPr>
+          <a:lstStyle/>
+          <a:p>
+            <a:r>
+              <a:rPr lang="en-US" dirty="0" err="1" smtClean="0"/>
+              <a:t>Cài</a:t>
+            </a:r>
+            <a:r>
+              <a:rPr lang="en-US" dirty="0" smtClean="0"/>
+              <a:t> </a:t>
+            </a:r>
+            <a:r>
+              <a:rPr lang="en-US" dirty="0" err="1" smtClean="0"/>
+              <a:t>đặt</a:t>
+            </a:r>
+            <a:r>
+              <a:rPr lang="en-US" dirty="0" smtClean="0"/>
+              <a:t> packages</a:t>
+            </a:r>
+            <a:endParaRPr lang="en-US" dirty="0"/>
+          </a:p>
+        </p:txBody>
+      </p:sp>
+      <p:sp>
+        <p:nvSpPr>
+          <p:cNvPr id="10" name="Content Placeholder 2"/>
+          <p:cNvSpPr txBox="1">
+            <a:spLocks/>
+          </p:cNvSpPr>
+          <p:nvPr/>
+        </p:nvSpPr>
+        <p:spPr>
+          <a:xfrm>
+            <a:off x="5638800" y="2272333"/>
+            <a:ext cx="1981200" cy="596332"/>
+          </a:xfrm>
+          <a:prstGeom prst="rect">
+            <a:avLst/>
+          </a:prstGeom>
+        </p:spPr>
+        <p:txBody>
+          <a:bodyPr vert="horz" lIns="91440" tIns="45720" rIns="91440" bIns="45720" rtlCol="0">
+            <a:normAutofit/>
+          </a:bodyPr>
+          <a:lstStyle>
+            <a:lvl1pPr marL="342900" indent="-342900" algn="l" defTabSz="914400" rtl="0" eaLnBrk="1" latinLnBrk="0" hangingPunct="1">
+              <a:spcBef>
+                <a:spcPts val="1800"/>
+              </a:spcBef>
+              <a:buFont typeface="Arial" pitchFamily="34" charset="0"/>
+              <a:buChar char="•"/>
+              <a:defRPr sz="3200" kern="1200">
+                <a:solidFill>
+                  <a:schemeClr val="bg1"/>
+                </a:solidFill>
+                <a:latin typeface="Corbel"/>
+                <a:ea typeface="Segoe UI" pitchFamily="34" charset="0"/>
+                <a:cs typeface="Corbel"/>
+              </a:defRPr>
+            </a:lvl1pPr>
+            <a:lvl2pPr marL="742950" indent="-285750" algn="l" defTabSz="914400" rtl="0" eaLnBrk="1" latinLnBrk="0" hangingPunct="1">
+              <a:spcBef>
+                <a:spcPts val="1800"/>
+              </a:spcBef>
+              <a:buFont typeface="Arial" pitchFamily="34" charset="0"/>
+              <a:buChar char="–"/>
+              <a:defRPr sz="2800" kern="1200">
+                <a:solidFill>
+                  <a:schemeClr val="bg1"/>
+                </a:solidFill>
+                <a:latin typeface="Corbel"/>
+                <a:ea typeface="Segoe UI" pitchFamily="34" charset="0"/>
+                <a:cs typeface="Corbel"/>
+              </a:defRPr>
+            </a:lvl2pPr>
+            <a:lvl3pPr marL="1143000" indent="-228600" algn="l" defTabSz="914400" rtl="0" eaLnBrk="1" latinLnBrk="0" hangingPunct="1">
+              <a:spcBef>
+                <a:spcPts val="1800"/>
+              </a:spcBef>
+              <a:buFont typeface="Arial" pitchFamily="34" charset="0"/>
+              <a:buChar char="•"/>
+              <a:defRPr sz="2400" kern="1200">
+                <a:solidFill>
+                  <a:schemeClr val="bg1"/>
+                </a:solidFill>
+                <a:latin typeface="Corbel"/>
+                <a:ea typeface="Segoe UI" pitchFamily="34" charset="0"/>
+                <a:cs typeface="Corbel"/>
+              </a:defRPr>
+            </a:lvl3pPr>
+            <a:lvl4pPr marL="1600200" indent="-228600" algn="l" defTabSz="914400" rtl="0" eaLnBrk="1" latinLnBrk="0" hangingPunct="1">
+              <a:spcBef>
+                <a:spcPts val="1800"/>
+              </a:spcBef>
+              <a:buFont typeface="Arial" pitchFamily="34" charset="0"/>
+              <a:buChar char="–"/>
+              <a:defRPr sz="2000" kern="1200">
+                <a:solidFill>
+                  <a:schemeClr val="bg1"/>
+                </a:solidFill>
+                <a:latin typeface="Corbel"/>
+                <a:ea typeface="Segoe UI" pitchFamily="34" charset="0"/>
+                <a:cs typeface="Corbel"/>
+              </a:defRPr>
+            </a:lvl4pPr>
+            <a:lvl5pPr marL="2057400" indent="-228600" algn="l" defTabSz="914400" rtl="0" eaLnBrk="1" latinLnBrk="0" hangingPunct="1">
+              <a:spcBef>
+                <a:spcPts val="1800"/>
+              </a:spcBef>
+              <a:buFont typeface="Arial" pitchFamily="34" charset="0"/>
+              <a:buChar char="»"/>
+              <a:defRPr sz="2000" kern="1200">
+                <a:solidFill>
+                  <a:schemeClr val="bg1"/>
+                </a:solidFill>
+                <a:latin typeface="Corbel"/>
+                <a:ea typeface="Segoe UI" pitchFamily="34" charset="0"/>
+                <a:cs typeface="Corbel"/>
+              </a:defRPr>
+            </a:lvl5pPr>
+            <a:lvl6pPr marL="2514600" indent="-228600" algn="l" defTabSz="914400" rtl="0" eaLnBrk="1" latinLnBrk="0" hangingPunct="1">
+              <a:spcBef>
+                <a:spcPct val="20000"/>
+              </a:spcBef>
+              <a:buFont typeface="Arial" pitchFamily="34" charset="0"/>
+              <a:buChar char="•"/>
+              <a:defRPr sz="2000" kern="1200">
+                <a:solidFill>
+                  <a:schemeClr val="tx1"/>
+                </a:solidFill>
+                <a:latin typeface="+mn-lt"/>
+                <a:ea typeface="+mn-ea"/>
+                <a:cs typeface="+mn-cs"/>
+              </a:defRPr>
+            </a:lvl6pPr>
+            <a:lvl7pPr marL="2971800" indent="-228600" algn="l" defTabSz="914400" rtl="0" eaLnBrk="1" latinLnBrk="0" hangingPunct="1">
+              <a:spcBef>
+                <a:spcPct val="20000"/>
+              </a:spcBef>
+              <a:buFont typeface="Arial" pitchFamily="34" charset="0"/>
+              <a:buChar char="•"/>
+              <a:defRPr sz="2000" kern="1200">
+                <a:solidFill>
+                  <a:schemeClr val="tx1"/>
+                </a:solidFill>
+                <a:latin typeface="+mn-lt"/>
+                <a:ea typeface="+mn-ea"/>
+                <a:cs typeface="+mn-cs"/>
+              </a:defRPr>
+            </a:lvl7pPr>
+            <a:lvl8pPr marL="3429000" indent="-228600" algn="l" defTabSz="914400" rtl="0" eaLnBrk="1" latinLnBrk="0" hangingPunct="1">
+              <a:spcBef>
+                <a:spcPct val="20000"/>
+              </a:spcBef>
+              <a:buFont typeface="Arial" pitchFamily="34" charset="0"/>
+              <a:buChar char="•"/>
+              <a:defRPr sz="2000" kern="1200">
+                <a:solidFill>
+                  <a:schemeClr val="tx1"/>
+                </a:solidFill>
+                <a:latin typeface="+mn-lt"/>
+                <a:ea typeface="+mn-ea"/>
+                <a:cs typeface="+mn-cs"/>
+              </a:defRPr>
+            </a:lvl8pPr>
+            <a:lvl9pPr marL="3886200" indent="-228600" algn="l" defTabSz="914400" rtl="0" eaLnBrk="1" latinLnBrk="0" hangingPunct="1">
+              <a:spcBef>
+                <a:spcPct val="20000"/>
+              </a:spcBef>
+              <a:buFont typeface="Arial" pitchFamily="34" charset="0"/>
+              <a:buChar char="•"/>
+              <a:defRPr sz="2000" kern="1200">
+                <a:solidFill>
+                  <a:schemeClr val="tx1"/>
+                </a:solidFill>
+                <a:latin typeface="+mn-lt"/>
+                <a:ea typeface="+mn-ea"/>
+                <a:cs typeface="+mn-cs"/>
+              </a:defRPr>
+            </a:lvl9pPr>
+          </a:lstStyle>
+          <a:p>
+            <a:pPr marL="0" indent="0">
+              <a:spcBef>
+                <a:spcPts val="600"/>
+              </a:spcBef>
+              <a:buFont typeface="Arial" pitchFamily="34" charset="0"/>
+              <a:buNone/>
+            </a:pPr>
+            <a:r>
+              <a:rPr lang="en-US" dirty="0" err="1" smtClean="0">
+                <a:solidFill>
+                  <a:srgbClr val="FFFF00"/>
+                </a:solidFill>
+              </a:rPr>
+              <a:t>npm</a:t>
+            </a:r>
+            <a:r>
+              <a:rPr lang="en-US" dirty="0" smtClean="0">
+                <a:solidFill>
+                  <a:srgbClr val="FFFF00"/>
+                </a:solidFill>
+              </a:rPr>
+              <a:t> start</a:t>
+            </a:r>
+            <a:endParaRPr lang="en-US" dirty="0" smtClean="0">
+              <a:solidFill>
+                <a:srgbClr val="FFFF00"/>
+              </a:solidFill>
+            </a:endParaRPr>
+          </a:p>
+          <a:p>
+            <a:pPr marL="0" indent="0">
+              <a:spcBef>
+                <a:spcPts val="600"/>
+              </a:spcBef>
+              <a:buNone/>
+            </a:pPr>
+            <a:endParaRPr lang="en-US" dirty="0" smtClean="0"/>
+          </a:p>
+        </p:txBody>
+      </p:sp>
+      <p:pic>
+        <p:nvPicPr>
+          <p:cNvPr id="3" name="Picture 2"/>
+          <p:cNvPicPr>
+            <a:picLocks noChangeAspect="1"/>
+          </p:cNvPicPr>
+          <p:nvPr/>
+        </p:nvPicPr>
+        <p:blipFill>
+          <a:blip r:embed="rId2">
+            <a:extLst>
+              <a:ext uri="{28A0092B-C50C-407E-A947-70E740481C1C}">
+                <a14:useLocalDpi xmlns:a14="http://schemas.microsoft.com/office/drawing/2010/main" val="0"/>
+              </a:ext>
+            </a:extLst>
+          </a:blip>
+          <a:stretch>
+            <a:fillRect/>
+          </a:stretch>
+        </p:blipFill>
+        <p:spPr>
+          <a:xfrm>
+            <a:off x="16565" y="3090395"/>
+            <a:ext cx="3801081" cy="1616941"/>
+          </a:xfrm>
+          <a:prstGeom prst="rect">
+            <a:avLst/>
+          </a:prstGeom>
+        </p:spPr>
+      </p:pic>
+      <p:pic>
+        <p:nvPicPr>
+          <p:cNvPr id="4" name="Picture 3"/>
+          <p:cNvPicPr>
+            <a:picLocks noChangeAspect="1"/>
+          </p:cNvPicPr>
+          <p:nvPr/>
+        </p:nvPicPr>
+        <p:blipFill>
+          <a:blip r:embed="rId3">
+            <a:extLst>
+              <a:ext uri="{28A0092B-C50C-407E-A947-70E740481C1C}">
+                <a14:useLocalDpi xmlns:a14="http://schemas.microsoft.com/office/drawing/2010/main" val="0"/>
+              </a:ext>
+            </a:extLst>
+          </a:blip>
+          <a:stretch>
+            <a:fillRect/>
+          </a:stretch>
+        </p:blipFill>
+        <p:spPr>
+          <a:xfrm>
+            <a:off x="-6625" y="2047736"/>
+            <a:ext cx="5553618" cy="853540"/>
+          </a:xfrm>
+          <a:prstGeom prst="rect">
+            <a:avLst/>
+          </a:prstGeom>
+        </p:spPr>
+      </p:pic>
+      <p:pic>
+        <p:nvPicPr>
+          <p:cNvPr id="5" name="Picture 4"/>
+          <p:cNvPicPr>
+            <a:picLocks noChangeAspect="1"/>
+          </p:cNvPicPr>
+          <p:nvPr/>
+        </p:nvPicPr>
+        <p:blipFill>
+          <a:blip r:embed="rId4">
+            <a:extLst>
+              <a:ext uri="{28A0092B-C50C-407E-A947-70E740481C1C}">
+                <a14:useLocalDpi xmlns:a14="http://schemas.microsoft.com/office/drawing/2010/main" val="0"/>
+              </a:ext>
+            </a:extLst>
+          </a:blip>
+          <a:stretch>
+            <a:fillRect/>
+          </a:stretch>
+        </p:blipFill>
+        <p:spPr>
+          <a:xfrm>
+            <a:off x="16565" y="778271"/>
+            <a:ext cx="5530427" cy="1107679"/>
+          </a:xfrm>
+          <a:prstGeom prst="rect">
+            <a:avLst/>
+          </a:prstGeom>
+        </p:spPr>
+      </p:pic>
+      <p:sp>
+        <p:nvSpPr>
+          <p:cNvPr id="9" name="Rectangle 8"/>
+          <p:cNvSpPr/>
+          <p:nvPr/>
+        </p:nvSpPr>
+        <p:spPr>
+          <a:xfrm>
+            <a:off x="238538" y="2416849"/>
+            <a:ext cx="4638261" cy="307301"/>
+          </a:xfrm>
+          <a:prstGeom prst="rect">
+            <a:avLst/>
+          </a:prstGeom>
+          <a:noFill/>
+          <a:ln>
+            <a:solidFill>
+              <a:srgbClr val="FFFF00"/>
+            </a:solidFill>
+          </a:ln>
+        </p:spPr>
+        <p:style>
+          <a:lnRef idx="2">
+            <a:schemeClr val="accent1">
+              <a:shade val="50000"/>
+            </a:schemeClr>
+          </a:lnRef>
+          <a:fillRef idx="1">
+            <a:schemeClr val="accent1"/>
+          </a:fillRef>
+          <a:effectRef idx="0">
+            <a:schemeClr val="accent1"/>
+          </a:effectRef>
+          <a:fontRef idx="minor">
+            <a:schemeClr val="lt1"/>
+          </a:fontRef>
+        </p:style>
+        <p:txBody>
+          <a:bodyPr rtlCol="0" anchor="ctr"/>
+          <a:lstStyle/>
+          <a:p>
+            <a:pPr algn="ctr"/>
+            <a:endParaRPr lang="en-US">
+              <a:noFill/>
+            </a:endParaRPr>
+          </a:p>
+        </p:txBody>
+      </p:sp>
+      <p:sp>
+        <p:nvSpPr>
+          <p:cNvPr id="11" name="Content Placeholder 2"/>
+          <p:cNvSpPr txBox="1">
+            <a:spLocks/>
+          </p:cNvSpPr>
+          <p:nvPr/>
+        </p:nvSpPr>
+        <p:spPr>
+          <a:xfrm>
+            <a:off x="3817646" y="2932030"/>
+            <a:ext cx="5181600" cy="468642"/>
+          </a:xfrm>
+          <a:prstGeom prst="rect">
+            <a:avLst/>
+          </a:prstGeom>
+        </p:spPr>
+        <p:txBody>
+          <a:bodyPr vert="horz" lIns="91440" tIns="45720" rIns="91440" bIns="45720" rtlCol="0">
+            <a:noAutofit/>
+          </a:bodyPr>
+          <a:lstStyle>
+            <a:lvl1pPr marL="342900" indent="-342900" algn="l" defTabSz="914400" rtl="0" eaLnBrk="1" latinLnBrk="0" hangingPunct="1">
+              <a:spcBef>
+                <a:spcPts val="1800"/>
+              </a:spcBef>
+              <a:buFont typeface="Arial" pitchFamily="34" charset="0"/>
+              <a:buChar char="•"/>
+              <a:defRPr sz="3200" kern="1200">
+                <a:solidFill>
+                  <a:schemeClr val="bg1"/>
+                </a:solidFill>
+                <a:latin typeface="Corbel"/>
+                <a:ea typeface="Segoe UI" pitchFamily="34" charset="0"/>
+                <a:cs typeface="Corbel"/>
+              </a:defRPr>
+            </a:lvl1pPr>
+            <a:lvl2pPr marL="742950" indent="-285750" algn="l" defTabSz="914400" rtl="0" eaLnBrk="1" latinLnBrk="0" hangingPunct="1">
+              <a:spcBef>
+                <a:spcPts val="1800"/>
+              </a:spcBef>
+              <a:buFont typeface="Arial" pitchFamily="34" charset="0"/>
+              <a:buChar char="–"/>
+              <a:defRPr sz="2800" kern="1200">
+                <a:solidFill>
+                  <a:schemeClr val="bg1"/>
+                </a:solidFill>
+                <a:latin typeface="Corbel"/>
+                <a:ea typeface="Segoe UI" pitchFamily="34" charset="0"/>
+                <a:cs typeface="Corbel"/>
+              </a:defRPr>
+            </a:lvl2pPr>
+            <a:lvl3pPr marL="1143000" indent="-228600" algn="l" defTabSz="914400" rtl="0" eaLnBrk="1" latinLnBrk="0" hangingPunct="1">
+              <a:spcBef>
+                <a:spcPts val="1800"/>
+              </a:spcBef>
+              <a:buFont typeface="Arial" pitchFamily="34" charset="0"/>
+              <a:buChar char="•"/>
+              <a:defRPr sz="2400" kern="1200">
+                <a:solidFill>
+                  <a:schemeClr val="bg1"/>
+                </a:solidFill>
+                <a:latin typeface="Corbel"/>
+                <a:ea typeface="Segoe UI" pitchFamily="34" charset="0"/>
+                <a:cs typeface="Corbel"/>
+              </a:defRPr>
+            </a:lvl3pPr>
+            <a:lvl4pPr marL="1600200" indent="-228600" algn="l" defTabSz="914400" rtl="0" eaLnBrk="1" latinLnBrk="0" hangingPunct="1">
+              <a:spcBef>
+                <a:spcPts val="1800"/>
+              </a:spcBef>
+              <a:buFont typeface="Arial" pitchFamily="34" charset="0"/>
+              <a:buChar char="–"/>
+              <a:defRPr sz="2000" kern="1200">
+                <a:solidFill>
+                  <a:schemeClr val="bg1"/>
+                </a:solidFill>
+                <a:latin typeface="Corbel"/>
+                <a:ea typeface="Segoe UI" pitchFamily="34" charset="0"/>
+                <a:cs typeface="Corbel"/>
+              </a:defRPr>
+            </a:lvl4pPr>
+            <a:lvl5pPr marL="2057400" indent="-228600" algn="l" defTabSz="914400" rtl="0" eaLnBrk="1" latinLnBrk="0" hangingPunct="1">
+              <a:spcBef>
+                <a:spcPts val="1800"/>
+              </a:spcBef>
+              <a:buFont typeface="Arial" pitchFamily="34" charset="0"/>
+              <a:buChar char="»"/>
+              <a:defRPr sz="2000" kern="1200">
+                <a:solidFill>
+                  <a:schemeClr val="bg1"/>
+                </a:solidFill>
+                <a:latin typeface="Corbel"/>
+                <a:ea typeface="Segoe UI" pitchFamily="34" charset="0"/>
+                <a:cs typeface="Corbel"/>
+              </a:defRPr>
+            </a:lvl5pPr>
+            <a:lvl6pPr marL="2514600" indent="-228600" algn="l" defTabSz="914400" rtl="0" eaLnBrk="1" latinLnBrk="0" hangingPunct="1">
+              <a:spcBef>
+                <a:spcPct val="20000"/>
+              </a:spcBef>
+              <a:buFont typeface="Arial" pitchFamily="34" charset="0"/>
+              <a:buChar char="•"/>
+              <a:defRPr sz="2000" kern="1200">
+                <a:solidFill>
+                  <a:schemeClr val="tx1"/>
+                </a:solidFill>
+                <a:latin typeface="+mn-lt"/>
+                <a:ea typeface="+mn-ea"/>
+                <a:cs typeface="+mn-cs"/>
+              </a:defRPr>
+            </a:lvl6pPr>
+            <a:lvl7pPr marL="2971800" indent="-228600" algn="l" defTabSz="914400" rtl="0" eaLnBrk="1" latinLnBrk="0" hangingPunct="1">
+              <a:spcBef>
+                <a:spcPct val="20000"/>
+              </a:spcBef>
+              <a:buFont typeface="Arial" pitchFamily="34" charset="0"/>
+              <a:buChar char="•"/>
+              <a:defRPr sz="2000" kern="1200">
+                <a:solidFill>
+                  <a:schemeClr val="tx1"/>
+                </a:solidFill>
+                <a:latin typeface="+mn-lt"/>
+                <a:ea typeface="+mn-ea"/>
+                <a:cs typeface="+mn-cs"/>
+              </a:defRPr>
+            </a:lvl7pPr>
+            <a:lvl8pPr marL="3429000" indent="-228600" algn="l" defTabSz="914400" rtl="0" eaLnBrk="1" latinLnBrk="0" hangingPunct="1">
+              <a:spcBef>
+                <a:spcPct val="20000"/>
+              </a:spcBef>
+              <a:buFont typeface="Arial" pitchFamily="34" charset="0"/>
+              <a:buChar char="•"/>
+              <a:defRPr sz="2000" kern="1200">
+                <a:solidFill>
+                  <a:schemeClr val="tx1"/>
+                </a:solidFill>
+                <a:latin typeface="+mn-lt"/>
+                <a:ea typeface="+mn-ea"/>
+                <a:cs typeface="+mn-cs"/>
+              </a:defRPr>
+            </a:lvl8pPr>
+            <a:lvl9pPr marL="3886200" indent="-228600" algn="l" defTabSz="914400" rtl="0" eaLnBrk="1" latinLnBrk="0" hangingPunct="1">
+              <a:spcBef>
+                <a:spcPct val="20000"/>
+              </a:spcBef>
+              <a:buFont typeface="Arial" pitchFamily="34" charset="0"/>
+              <a:buChar char="•"/>
+              <a:defRPr sz="2000" kern="1200">
+                <a:solidFill>
+                  <a:schemeClr val="tx1"/>
+                </a:solidFill>
+                <a:latin typeface="+mn-lt"/>
+                <a:ea typeface="+mn-ea"/>
+                <a:cs typeface="+mn-cs"/>
+              </a:defRPr>
+            </a:lvl9pPr>
+          </a:lstStyle>
+          <a:p>
+            <a:pPr marL="0" indent="0">
+              <a:spcBef>
+                <a:spcPts val="600"/>
+              </a:spcBef>
+              <a:buFont typeface="Arial" pitchFamily="34" charset="0"/>
+              <a:buNone/>
+            </a:pPr>
+            <a:r>
+              <a:rPr lang="en-US" sz="3000" dirty="0" err="1" smtClean="0">
+                <a:solidFill>
+                  <a:srgbClr val="FFFF00"/>
+                </a:solidFill>
+              </a:rPr>
+              <a:t>npm</a:t>
+            </a:r>
+            <a:r>
+              <a:rPr lang="en-US" sz="3000" dirty="0" smtClean="0">
+                <a:solidFill>
+                  <a:srgbClr val="FFFF00"/>
+                </a:solidFill>
+              </a:rPr>
+              <a:t> install </a:t>
+            </a:r>
+            <a:r>
+              <a:rPr lang="mr-IN" sz="3000" dirty="0" smtClean="0">
+                <a:solidFill>
+                  <a:srgbClr val="FFFF00"/>
+                </a:solidFill>
+              </a:rPr>
+              <a:t>–</a:t>
+            </a:r>
+            <a:r>
+              <a:rPr lang="en-US" sz="3000" dirty="0" err="1" smtClean="0">
+                <a:solidFill>
+                  <a:srgbClr val="FFFF00"/>
+                </a:solidFill>
+              </a:rPr>
+              <a:t>savedev</a:t>
+            </a:r>
+            <a:r>
+              <a:rPr lang="en-US" sz="3000" dirty="0" smtClean="0">
+                <a:solidFill>
+                  <a:srgbClr val="FFFF00"/>
+                </a:solidFill>
+              </a:rPr>
+              <a:t> </a:t>
+            </a:r>
+            <a:r>
+              <a:rPr lang="en-US" sz="3000" dirty="0" err="1" smtClean="0">
+                <a:solidFill>
+                  <a:srgbClr val="FFFF00"/>
+                </a:solidFill>
+              </a:rPr>
+              <a:t>nodemon</a:t>
+            </a:r>
+            <a:endParaRPr lang="en-US" sz="3000" dirty="0" smtClean="0">
+              <a:solidFill>
+                <a:srgbClr val="FFFF00"/>
+              </a:solidFill>
+            </a:endParaRPr>
+          </a:p>
+          <a:p>
+            <a:pPr marL="0" indent="0">
+              <a:spcBef>
+                <a:spcPts val="600"/>
+              </a:spcBef>
+              <a:buNone/>
+            </a:pPr>
+            <a:endParaRPr lang="en-US" sz="3000" dirty="0" smtClean="0"/>
+          </a:p>
+        </p:txBody>
+      </p:sp>
+      <p:sp>
+        <p:nvSpPr>
+          <p:cNvPr id="12" name="Rectangle 11"/>
+          <p:cNvSpPr/>
+          <p:nvPr/>
+        </p:nvSpPr>
+        <p:spPr>
+          <a:xfrm>
+            <a:off x="16565" y="3028950"/>
+            <a:ext cx="1964635" cy="241439"/>
+          </a:xfrm>
+          <a:prstGeom prst="rect">
+            <a:avLst/>
+          </a:prstGeom>
+          <a:noFill/>
+          <a:ln>
+            <a:solidFill>
+              <a:srgbClr val="FFFF00"/>
+            </a:solidFill>
+          </a:ln>
+        </p:spPr>
+        <p:style>
+          <a:lnRef idx="2">
+            <a:schemeClr val="accent1">
+              <a:shade val="50000"/>
+            </a:schemeClr>
+          </a:lnRef>
+          <a:fillRef idx="1">
+            <a:schemeClr val="accent1"/>
+          </a:fillRef>
+          <a:effectRef idx="0">
+            <a:schemeClr val="accent1"/>
+          </a:effectRef>
+          <a:fontRef idx="minor">
+            <a:schemeClr val="lt1"/>
+          </a:fontRef>
+        </p:style>
+        <p:txBody>
+          <a:bodyPr rtlCol="0" anchor="ctr"/>
+          <a:lstStyle/>
+          <a:p>
+            <a:pPr algn="ctr"/>
+            <a:endParaRPr lang="en-US">
+              <a:noFill/>
+            </a:endParaRPr>
+          </a:p>
+        </p:txBody>
+      </p:sp>
+      <p:sp>
+        <p:nvSpPr>
+          <p:cNvPr id="13" name="Rectangle 12"/>
+          <p:cNvSpPr/>
+          <p:nvPr/>
+        </p:nvSpPr>
+        <p:spPr>
+          <a:xfrm>
+            <a:off x="16565" y="4019551"/>
+            <a:ext cx="2421835" cy="687786"/>
+          </a:xfrm>
+          <a:prstGeom prst="rect">
+            <a:avLst/>
+          </a:prstGeom>
+          <a:noFill/>
+          <a:ln>
+            <a:solidFill>
+              <a:srgbClr val="FFFF00"/>
+            </a:solidFill>
+          </a:ln>
+        </p:spPr>
+        <p:style>
+          <a:lnRef idx="2">
+            <a:schemeClr val="accent1">
+              <a:shade val="50000"/>
+            </a:schemeClr>
+          </a:lnRef>
+          <a:fillRef idx="1">
+            <a:schemeClr val="accent1"/>
+          </a:fillRef>
+          <a:effectRef idx="0">
+            <a:schemeClr val="accent1"/>
+          </a:effectRef>
+          <a:fontRef idx="minor">
+            <a:schemeClr val="lt1"/>
+          </a:fontRef>
+        </p:style>
+        <p:txBody>
+          <a:bodyPr rtlCol="0" anchor="ctr"/>
+          <a:lstStyle/>
+          <a:p>
+            <a:pPr algn="ctr"/>
+            <a:endParaRPr lang="en-US">
+              <a:noFill/>
+            </a:endParaRPr>
+          </a:p>
+        </p:txBody>
+      </p:sp>
+      <p:sp>
+        <p:nvSpPr>
+          <p:cNvPr id="14" name="Content Placeholder 2"/>
+          <p:cNvSpPr txBox="1">
+            <a:spLocks/>
+          </p:cNvSpPr>
+          <p:nvPr/>
+        </p:nvSpPr>
+        <p:spPr>
+          <a:xfrm>
+            <a:off x="3817646" y="4141491"/>
+            <a:ext cx="4876800" cy="468642"/>
+          </a:xfrm>
+          <a:prstGeom prst="rect">
+            <a:avLst/>
+          </a:prstGeom>
+        </p:spPr>
+        <p:txBody>
+          <a:bodyPr vert="horz" lIns="91440" tIns="45720" rIns="91440" bIns="45720" rtlCol="0">
+            <a:normAutofit fontScale="92500" lnSpcReduction="20000"/>
+          </a:bodyPr>
+          <a:lstStyle>
+            <a:lvl1pPr marL="342900" indent="-342900" algn="l" defTabSz="914400" rtl="0" eaLnBrk="1" latinLnBrk="0" hangingPunct="1">
+              <a:spcBef>
+                <a:spcPts val="1800"/>
+              </a:spcBef>
+              <a:buFont typeface="Arial" pitchFamily="34" charset="0"/>
+              <a:buChar char="•"/>
+              <a:defRPr sz="3200" kern="1200">
+                <a:solidFill>
+                  <a:schemeClr val="bg1"/>
+                </a:solidFill>
+                <a:latin typeface="Corbel"/>
+                <a:ea typeface="Segoe UI" pitchFamily="34" charset="0"/>
+                <a:cs typeface="Corbel"/>
+              </a:defRPr>
+            </a:lvl1pPr>
+            <a:lvl2pPr marL="742950" indent="-285750" algn="l" defTabSz="914400" rtl="0" eaLnBrk="1" latinLnBrk="0" hangingPunct="1">
+              <a:spcBef>
+                <a:spcPts val="1800"/>
+              </a:spcBef>
+              <a:buFont typeface="Arial" pitchFamily="34" charset="0"/>
+              <a:buChar char="–"/>
+              <a:defRPr sz="2800" kern="1200">
+                <a:solidFill>
+                  <a:schemeClr val="bg1"/>
+                </a:solidFill>
+                <a:latin typeface="Corbel"/>
+                <a:ea typeface="Segoe UI" pitchFamily="34" charset="0"/>
+                <a:cs typeface="Corbel"/>
+              </a:defRPr>
+            </a:lvl2pPr>
+            <a:lvl3pPr marL="1143000" indent="-228600" algn="l" defTabSz="914400" rtl="0" eaLnBrk="1" latinLnBrk="0" hangingPunct="1">
+              <a:spcBef>
+                <a:spcPts val="1800"/>
+              </a:spcBef>
+              <a:buFont typeface="Arial" pitchFamily="34" charset="0"/>
+              <a:buChar char="•"/>
+              <a:defRPr sz="2400" kern="1200">
+                <a:solidFill>
+                  <a:schemeClr val="bg1"/>
+                </a:solidFill>
+                <a:latin typeface="Corbel"/>
+                <a:ea typeface="Segoe UI" pitchFamily="34" charset="0"/>
+                <a:cs typeface="Corbel"/>
+              </a:defRPr>
+            </a:lvl3pPr>
+            <a:lvl4pPr marL="1600200" indent="-228600" algn="l" defTabSz="914400" rtl="0" eaLnBrk="1" latinLnBrk="0" hangingPunct="1">
+              <a:spcBef>
+                <a:spcPts val="1800"/>
+              </a:spcBef>
+              <a:buFont typeface="Arial" pitchFamily="34" charset="0"/>
+              <a:buChar char="–"/>
+              <a:defRPr sz="2000" kern="1200">
+                <a:solidFill>
+                  <a:schemeClr val="bg1"/>
+                </a:solidFill>
+                <a:latin typeface="Corbel"/>
+                <a:ea typeface="Segoe UI" pitchFamily="34" charset="0"/>
+                <a:cs typeface="Corbel"/>
+              </a:defRPr>
+            </a:lvl4pPr>
+            <a:lvl5pPr marL="2057400" indent="-228600" algn="l" defTabSz="914400" rtl="0" eaLnBrk="1" latinLnBrk="0" hangingPunct="1">
+              <a:spcBef>
+                <a:spcPts val="1800"/>
+              </a:spcBef>
+              <a:buFont typeface="Arial" pitchFamily="34" charset="0"/>
+              <a:buChar char="»"/>
+              <a:defRPr sz="2000" kern="1200">
+                <a:solidFill>
+                  <a:schemeClr val="bg1"/>
+                </a:solidFill>
+                <a:latin typeface="Corbel"/>
+                <a:ea typeface="Segoe UI" pitchFamily="34" charset="0"/>
+                <a:cs typeface="Corbel"/>
+              </a:defRPr>
+            </a:lvl5pPr>
+            <a:lvl6pPr marL="2514600" indent="-228600" algn="l" defTabSz="914400" rtl="0" eaLnBrk="1" latinLnBrk="0" hangingPunct="1">
+              <a:spcBef>
+                <a:spcPct val="20000"/>
+              </a:spcBef>
+              <a:buFont typeface="Arial" pitchFamily="34" charset="0"/>
+              <a:buChar char="•"/>
+              <a:defRPr sz="2000" kern="1200">
+                <a:solidFill>
+                  <a:schemeClr val="tx1"/>
+                </a:solidFill>
+                <a:latin typeface="+mn-lt"/>
+                <a:ea typeface="+mn-ea"/>
+                <a:cs typeface="+mn-cs"/>
+              </a:defRPr>
+            </a:lvl6pPr>
+            <a:lvl7pPr marL="2971800" indent="-228600" algn="l" defTabSz="914400" rtl="0" eaLnBrk="1" latinLnBrk="0" hangingPunct="1">
+              <a:spcBef>
+                <a:spcPct val="20000"/>
+              </a:spcBef>
+              <a:buFont typeface="Arial" pitchFamily="34" charset="0"/>
+              <a:buChar char="•"/>
+              <a:defRPr sz="2000" kern="1200">
+                <a:solidFill>
+                  <a:schemeClr val="tx1"/>
+                </a:solidFill>
+                <a:latin typeface="+mn-lt"/>
+                <a:ea typeface="+mn-ea"/>
+                <a:cs typeface="+mn-cs"/>
+              </a:defRPr>
+            </a:lvl7pPr>
+            <a:lvl8pPr marL="3429000" indent="-228600" algn="l" defTabSz="914400" rtl="0" eaLnBrk="1" latinLnBrk="0" hangingPunct="1">
+              <a:spcBef>
+                <a:spcPct val="20000"/>
+              </a:spcBef>
+              <a:buFont typeface="Arial" pitchFamily="34" charset="0"/>
+              <a:buChar char="•"/>
+              <a:defRPr sz="2000" kern="1200">
+                <a:solidFill>
+                  <a:schemeClr val="tx1"/>
+                </a:solidFill>
+                <a:latin typeface="+mn-lt"/>
+                <a:ea typeface="+mn-ea"/>
+                <a:cs typeface="+mn-cs"/>
+              </a:defRPr>
+            </a:lvl8pPr>
+            <a:lvl9pPr marL="3886200" indent="-228600" algn="l" defTabSz="914400" rtl="0" eaLnBrk="1" latinLnBrk="0" hangingPunct="1">
+              <a:spcBef>
+                <a:spcPct val="20000"/>
+              </a:spcBef>
+              <a:buFont typeface="Arial" pitchFamily="34" charset="0"/>
+              <a:buChar char="•"/>
+              <a:defRPr sz="2000" kern="1200">
+                <a:solidFill>
+                  <a:schemeClr val="tx1"/>
+                </a:solidFill>
+                <a:latin typeface="+mn-lt"/>
+                <a:ea typeface="+mn-ea"/>
+                <a:cs typeface="+mn-cs"/>
+              </a:defRPr>
+            </a:lvl9pPr>
+          </a:lstStyle>
+          <a:p>
+            <a:pPr marL="0" indent="0">
+              <a:spcBef>
+                <a:spcPts val="600"/>
+              </a:spcBef>
+              <a:buFont typeface="Arial" pitchFamily="34" charset="0"/>
+              <a:buNone/>
+            </a:pPr>
+            <a:r>
+              <a:rPr lang="en-US" dirty="0" err="1" smtClean="0">
+                <a:solidFill>
+                  <a:srgbClr val="FFFF00"/>
+                </a:solidFill>
+              </a:rPr>
+              <a:t>npm</a:t>
+            </a:r>
+            <a:r>
+              <a:rPr lang="en-US" dirty="0" smtClean="0">
+                <a:solidFill>
+                  <a:srgbClr val="FFFF00"/>
+                </a:solidFill>
+              </a:rPr>
+              <a:t> install </a:t>
+            </a:r>
+            <a:r>
+              <a:rPr lang="mr-IN" dirty="0" smtClean="0">
+                <a:solidFill>
+                  <a:srgbClr val="FFFF00"/>
+                </a:solidFill>
+              </a:rPr>
+              <a:t>–</a:t>
+            </a:r>
+            <a:r>
+              <a:rPr lang="en-US" dirty="0" smtClean="0">
+                <a:solidFill>
+                  <a:srgbClr val="FFFF00"/>
+                </a:solidFill>
+              </a:rPr>
+              <a:t>save express</a:t>
+            </a:r>
+            <a:endParaRPr lang="en-US" dirty="0" smtClean="0">
+              <a:solidFill>
+                <a:srgbClr val="FFFF00"/>
+              </a:solidFill>
+            </a:endParaRPr>
+          </a:p>
+          <a:p>
+            <a:pPr marL="0" indent="0">
+              <a:spcBef>
+                <a:spcPts val="600"/>
+              </a:spcBef>
+              <a:buNone/>
+            </a:pPr>
+            <a:endParaRPr lang="en-US" dirty="0" smtClean="0"/>
+          </a:p>
+        </p:txBody>
+      </p:sp>
+    </p:spTree>
+    <p:extLst>
+      <p:ext uri="{BB962C8B-B14F-4D97-AF65-F5344CB8AC3E}">
+        <p14:creationId xmlns:p14="http://schemas.microsoft.com/office/powerpoint/2010/main" val="2055482017"/>
+      </p:ext>
+    </p:extLst>
+  </p:cSld>
+  <p:clrMapOvr>
+    <a:masterClrMapping/>
+  </p:clrMapOvr>
+  <p:timing>
+    <p:tnLst>
+      <p:par>
+        <p:cTn id="1" dur="indefinite" restart="never" nodeType="tmRoot"/>
+      </p:par>
+    </p:tnLst>
+  </p:timing>
+</p:sld>
+</file>
+
+<file path=ppt/slides/slide8.xml><?xml version="1.0" encoding="utf-8"?>
+<p:sld xmlns:a="http://schemas.openxmlformats.org/drawingml/2006/main" xmlns:r="http://schemas.openxmlformats.org/officeDocument/2006/relationships" xmlns:p="http://schemas.openxmlformats.org/presentationml/2006/main">
+  <p:cSld>
+    <p:spTree>
+      <p:nvGrpSpPr>
+        <p:cNvPr id="1" name=""/>
+        <p:cNvGrpSpPr/>
+        <p:nvPr/>
+      </p:nvGrpSpPr>
+      <p:grpSpPr>
+        <a:xfrm>
+          <a:off x="0" y="0"/>
+          <a:ext cx="0" cy="0"/>
+          <a:chOff x="0" y="0"/>
+          <a:chExt cx="0" cy="0"/>
+        </a:xfrm>
+      </p:grpSpPr>
+      <p:sp>
+        <p:nvSpPr>
+          <p:cNvPr id="2" name="Title 1"/>
+          <p:cNvSpPr>
+            <a:spLocks noGrp="1"/>
+          </p:cNvSpPr>
+          <p:nvPr>
+            <p:ph type="title"/>
+          </p:nvPr>
+        </p:nvSpPr>
+        <p:spPr/>
+        <p:txBody>
+          <a:bodyPr>
+            <a:normAutofit fontScale="90000"/>
+          </a:bodyPr>
+          <a:lstStyle/>
+          <a:p>
+            <a:r>
+              <a:rPr lang="en-US" dirty="0" err="1" smtClean="0"/>
+              <a:t>Thư</a:t>
+            </a:r>
+            <a:r>
+              <a:rPr lang="en-US" dirty="0" smtClean="0"/>
+              <a:t> </a:t>
+            </a:r>
+            <a:r>
+              <a:rPr lang="en-US" dirty="0" err="1" smtClean="0"/>
+              <a:t>viện</a:t>
+            </a:r>
+            <a:r>
+              <a:rPr lang="en-US" dirty="0" smtClean="0"/>
+              <a:t> </a:t>
+            </a:r>
+            <a:r>
+              <a:rPr lang="en-US" dirty="0" err="1" smtClean="0"/>
+              <a:t>nodemon</a:t>
+            </a:r>
+            <a:endParaRPr lang="en-US" dirty="0"/>
+          </a:p>
+        </p:txBody>
+      </p:sp>
+      <p:sp>
+        <p:nvSpPr>
+          <p:cNvPr id="10" name="Content Placeholder 2"/>
+          <p:cNvSpPr txBox="1">
+            <a:spLocks/>
+          </p:cNvSpPr>
+          <p:nvPr/>
+        </p:nvSpPr>
+        <p:spPr>
+          <a:xfrm>
+            <a:off x="228600" y="895350"/>
+            <a:ext cx="8839200" cy="3971152"/>
+          </a:xfrm>
+          <a:prstGeom prst="rect">
+            <a:avLst/>
+          </a:prstGeom>
+        </p:spPr>
+        <p:txBody>
+          <a:bodyPr vert="horz" lIns="91440" tIns="45720" rIns="91440" bIns="45720" rtlCol="0">
+            <a:normAutofit/>
+          </a:bodyPr>
+          <a:lstStyle>
+            <a:lvl1pPr marL="342900" indent="-342900" algn="l" defTabSz="914400" rtl="0" eaLnBrk="1" latinLnBrk="0" hangingPunct="1">
+              <a:spcBef>
+                <a:spcPts val="1800"/>
+              </a:spcBef>
+              <a:buFont typeface="Arial" pitchFamily="34" charset="0"/>
+              <a:buChar char="•"/>
+              <a:defRPr sz="3200" kern="1200">
+                <a:solidFill>
+                  <a:schemeClr val="bg1"/>
+                </a:solidFill>
+                <a:latin typeface="Corbel"/>
+                <a:ea typeface="Segoe UI" pitchFamily="34" charset="0"/>
+                <a:cs typeface="Corbel"/>
+              </a:defRPr>
+            </a:lvl1pPr>
+            <a:lvl2pPr marL="742950" indent="-285750" algn="l" defTabSz="914400" rtl="0" eaLnBrk="1" latinLnBrk="0" hangingPunct="1">
+              <a:spcBef>
+                <a:spcPts val="1800"/>
+              </a:spcBef>
+              <a:buFont typeface="Arial" pitchFamily="34" charset="0"/>
+              <a:buChar char="–"/>
+              <a:defRPr sz="2800" kern="1200">
+                <a:solidFill>
+                  <a:schemeClr val="bg1"/>
+                </a:solidFill>
+                <a:latin typeface="Corbel"/>
+                <a:ea typeface="Segoe UI" pitchFamily="34" charset="0"/>
+                <a:cs typeface="Corbel"/>
+              </a:defRPr>
+            </a:lvl2pPr>
+            <a:lvl3pPr marL="1143000" indent="-228600" algn="l" defTabSz="914400" rtl="0" eaLnBrk="1" latinLnBrk="0" hangingPunct="1">
+              <a:spcBef>
+                <a:spcPts val="1800"/>
+              </a:spcBef>
+              <a:buFont typeface="Arial" pitchFamily="34" charset="0"/>
+              <a:buChar char="•"/>
+              <a:defRPr sz="2400" kern="1200">
+                <a:solidFill>
+                  <a:schemeClr val="bg1"/>
+                </a:solidFill>
+                <a:latin typeface="Corbel"/>
+                <a:ea typeface="Segoe UI" pitchFamily="34" charset="0"/>
+                <a:cs typeface="Corbel"/>
+              </a:defRPr>
+            </a:lvl3pPr>
+            <a:lvl4pPr marL="1600200" indent="-228600" algn="l" defTabSz="914400" rtl="0" eaLnBrk="1" latinLnBrk="0" hangingPunct="1">
+              <a:spcBef>
+                <a:spcPts val="1800"/>
+              </a:spcBef>
+              <a:buFont typeface="Arial" pitchFamily="34" charset="0"/>
+              <a:buChar char="–"/>
+              <a:defRPr sz="2000" kern="1200">
+                <a:solidFill>
+                  <a:schemeClr val="bg1"/>
+                </a:solidFill>
+                <a:latin typeface="Corbel"/>
+                <a:ea typeface="Segoe UI" pitchFamily="34" charset="0"/>
+                <a:cs typeface="Corbel"/>
+              </a:defRPr>
+            </a:lvl4pPr>
+            <a:lvl5pPr marL="2057400" indent="-228600" algn="l" defTabSz="914400" rtl="0" eaLnBrk="1" latinLnBrk="0" hangingPunct="1">
+              <a:spcBef>
+                <a:spcPts val="1800"/>
+              </a:spcBef>
+              <a:buFont typeface="Arial" pitchFamily="34" charset="0"/>
+              <a:buChar char="»"/>
+              <a:defRPr sz="2000" kern="1200">
+                <a:solidFill>
+                  <a:schemeClr val="bg1"/>
+                </a:solidFill>
+                <a:latin typeface="Corbel"/>
+                <a:ea typeface="Segoe UI" pitchFamily="34" charset="0"/>
+                <a:cs typeface="Corbel"/>
+              </a:defRPr>
+            </a:lvl5pPr>
+            <a:lvl6pPr marL="2514600" indent="-228600" algn="l" defTabSz="914400" rtl="0" eaLnBrk="1" latinLnBrk="0" hangingPunct="1">
+              <a:spcBef>
+                <a:spcPct val="20000"/>
+              </a:spcBef>
+              <a:buFont typeface="Arial" pitchFamily="34" charset="0"/>
+              <a:buChar char="•"/>
+              <a:defRPr sz="2000" kern="1200">
+                <a:solidFill>
+                  <a:schemeClr val="tx1"/>
+                </a:solidFill>
+                <a:latin typeface="+mn-lt"/>
+                <a:ea typeface="+mn-ea"/>
+                <a:cs typeface="+mn-cs"/>
+              </a:defRPr>
+            </a:lvl6pPr>
+            <a:lvl7pPr marL="2971800" indent="-228600" algn="l" defTabSz="914400" rtl="0" eaLnBrk="1" latinLnBrk="0" hangingPunct="1">
+              <a:spcBef>
+                <a:spcPct val="20000"/>
+              </a:spcBef>
+              <a:buFont typeface="Arial" pitchFamily="34" charset="0"/>
+              <a:buChar char="•"/>
+              <a:defRPr sz="2000" kern="1200">
+                <a:solidFill>
+                  <a:schemeClr val="tx1"/>
+                </a:solidFill>
+                <a:latin typeface="+mn-lt"/>
+                <a:ea typeface="+mn-ea"/>
+                <a:cs typeface="+mn-cs"/>
+              </a:defRPr>
+            </a:lvl7pPr>
+            <a:lvl8pPr marL="3429000" indent="-228600" algn="l" defTabSz="914400" rtl="0" eaLnBrk="1" latinLnBrk="0" hangingPunct="1">
+              <a:spcBef>
+                <a:spcPct val="20000"/>
+              </a:spcBef>
+              <a:buFont typeface="Arial" pitchFamily="34" charset="0"/>
+              <a:buChar char="•"/>
+              <a:defRPr sz="2000" kern="1200">
+                <a:solidFill>
+                  <a:schemeClr val="tx1"/>
+                </a:solidFill>
+                <a:latin typeface="+mn-lt"/>
+                <a:ea typeface="+mn-ea"/>
+                <a:cs typeface="+mn-cs"/>
+              </a:defRPr>
+            </a:lvl8pPr>
+            <a:lvl9pPr marL="3886200" indent="-228600" algn="l" defTabSz="914400" rtl="0" eaLnBrk="1" latinLnBrk="0" hangingPunct="1">
+              <a:spcBef>
+                <a:spcPct val="20000"/>
+              </a:spcBef>
+              <a:buFont typeface="Arial" pitchFamily="34" charset="0"/>
+              <a:buChar char="•"/>
+              <a:defRPr sz="2000" kern="1200">
+                <a:solidFill>
+                  <a:schemeClr val="tx1"/>
+                </a:solidFill>
+                <a:latin typeface="+mn-lt"/>
+                <a:ea typeface="+mn-ea"/>
+                <a:cs typeface="+mn-cs"/>
+              </a:defRPr>
+            </a:lvl9pPr>
+          </a:lstStyle>
+          <a:p>
+            <a:pPr marL="0" indent="0">
+              <a:spcBef>
+                <a:spcPts val="600"/>
+              </a:spcBef>
+              <a:buFont typeface="Arial" pitchFamily="34" charset="0"/>
+              <a:buNone/>
+            </a:pPr>
+            <a:r>
+              <a:rPr lang="en-US" dirty="0" err="1" smtClean="0"/>
+              <a:t>nodemon</a:t>
+            </a:r>
+            <a:r>
+              <a:rPr lang="en-US" dirty="0" smtClean="0"/>
+              <a:t> = Node monitor = Code </a:t>
+            </a:r>
+            <a:r>
+              <a:rPr lang="en-US" dirty="0" err="1" smtClean="0"/>
+              <a:t>thay</a:t>
+            </a:r>
+            <a:r>
+              <a:rPr lang="en-US" dirty="0" smtClean="0"/>
+              <a:t> </a:t>
+            </a:r>
+            <a:r>
+              <a:rPr lang="en-US" dirty="0" err="1" smtClean="0"/>
+              <a:t>đổi</a:t>
+            </a:r>
+            <a:r>
+              <a:rPr lang="en-US" dirty="0" smtClean="0"/>
+              <a:t>, app </a:t>
+            </a:r>
+            <a:r>
+              <a:rPr lang="en-US" dirty="0" err="1" smtClean="0"/>
+              <a:t>tự</a:t>
+            </a:r>
+            <a:r>
+              <a:rPr lang="en-US" dirty="0" smtClean="0"/>
+              <a:t> reload </a:t>
+            </a:r>
+            <a:r>
+              <a:rPr lang="en-US" dirty="0" err="1" smtClean="0"/>
+              <a:t>lại</a:t>
+            </a:r>
+            <a:r>
+              <a:rPr lang="en-US" dirty="0" smtClean="0"/>
+              <a:t>.</a:t>
+            </a:r>
+          </a:p>
+          <a:p>
+            <a:pPr marL="0" indent="0">
+              <a:spcBef>
+                <a:spcPts val="600"/>
+              </a:spcBef>
+              <a:buFont typeface="Arial" pitchFamily="34" charset="0"/>
+              <a:buNone/>
+            </a:pPr>
+            <a:r>
+              <a:rPr lang="en-US" dirty="0" err="1" smtClean="0"/>
+              <a:t>Chạy</a:t>
+            </a:r>
+            <a:r>
+              <a:rPr lang="en-US" dirty="0" smtClean="0"/>
+              <a:t> </a:t>
+            </a:r>
+            <a:r>
+              <a:rPr lang="en-US" dirty="0" err="1" smtClean="0"/>
+              <a:t>ứng</a:t>
+            </a:r>
+            <a:r>
+              <a:rPr lang="en-US" dirty="0" smtClean="0"/>
+              <a:t> </a:t>
+            </a:r>
+            <a:r>
+              <a:rPr lang="en-US" dirty="0" err="1" smtClean="0"/>
+              <a:t>dụng</a:t>
+            </a:r>
+            <a:r>
+              <a:rPr lang="en-US" dirty="0" smtClean="0"/>
+              <a:t> </a:t>
+            </a:r>
+            <a:r>
+              <a:rPr lang="en-US" dirty="0" err="1" smtClean="0"/>
+              <a:t>Nodejs</a:t>
+            </a:r>
+            <a:r>
+              <a:rPr lang="en-US" dirty="0" smtClean="0"/>
+              <a:t> </a:t>
+            </a:r>
+            <a:r>
+              <a:rPr lang="en-US" dirty="0" err="1" smtClean="0"/>
+              <a:t>có</a:t>
+            </a:r>
+            <a:r>
+              <a:rPr lang="en-US" dirty="0" smtClean="0"/>
+              <a:t> </a:t>
+            </a:r>
+            <a:r>
+              <a:rPr lang="en-US" dirty="0" err="1" smtClean="0"/>
+              <a:t>nodemon</a:t>
+            </a:r>
+            <a:r>
+              <a:rPr lang="en-US" dirty="0" smtClean="0"/>
+              <a:t> + ES6: </a:t>
+            </a:r>
+          </a:p>
+          <a:p>
+            <a:pPr marL="0" indent="0">
+              <a:spcBef>
+                <a:spcPts val="600"/>
+              </a:spcBef>
+              <a:buNone/>
+            </a:pPr>
+            <a:r>
+              <a:rPr lang="en-US" dirty="0" err="1" smtClean="0">
+                <a:solidFill>
+                  <a:srgbClr val="F08D49"/>
+                </a:solidFill>
+              </a:rPr>
+              <a:t>nodemon</a:t>
+            </a:r>
+            <a:r>
+              <a:rPr lang="en-US" dirty="0" smtClean="0">
+                <a:solidFill>
+                  <a:srgbClr val="F08D49"/>
+                </a:solidFill>
+              </a:rPr>
+              <a:t> </a:t>
+            </a:r>
+            <a:r>
+              <a:rPr lang="en-US" dirty="0">
+                <a:solidFill>
+                  <a:srgbClr val="F08D49"/>
+                </a:solidFill>
+              </a:rPr>
+              <a:t>./</a:t>
+            </a:r>
+            <a:r>
+              <a:rPr lang="en-US" dirty="0" err="1">
+                <a:solidFill>
+                  <a:srgbClr val="F08D49"/>
+                </a:solidFill>
+              </a:rPr>
+              <a:t>server.js</a:t>
+            </a:r>
+            <a:r>
+              <a:rPr lang="en-US" dirty="0">
+                <a:solidFill>
+                  <a:srgbClr val="F08D49"/>
+                </a:solidFill>
+              </a:rPr>
+              <a:t> --exec babel-node</a:t>
+            </a:r>
+            <a:endParaRPr lang="en-US" dirty="0" smtClean="0">
+              <a:solidFill>
+                <a:srgbClr val="F08D49"/>
+              </a:solidFill>
+            </a:endParaRPr>
+          </a:p>
+          <a:p>
+            <a:pPr marL="0" indent="0">
+              <a:spcBef>
+                <a:spcPts val="600"/>
+              </a:spcBef>
+              <a:buNone/>
+            </a:pPr>
+            <a:r>
+              <a:rPr lang="en-US" dirty="0" err="1"/>
+              <a:t>Chạy</a:t>
+            </a:r>
+            <a:r>
+              <a:rPr lang="en-US" dirty="0"/>
+              <a:t> </a:t>
+            </a:r>
+            <a:r>
+              <a:rPr lang="en-US" dirty="0" err="1"/>
+              <a:t>ứng</a:t>
+            </a:r>
+            <a:r>
+              <a:rPr lang="en-US" dirty="0"/>
+              <a:t> </a:t>
+            </a:r>
+            <a:r>
+              <a:rPr lang="en-US" dirty="0" err="1"/>
+              <a:t>dụng</a:t>
+            </a:r>
+            <a:r>
+              <a:rPr lang="en-US" dirty="0"/>
+              <a:t> </a:t>
+            </a:r>
+            <a:r>
+              <a:rPr lang="en-US" dirty="0" err="1" smtClean="0"/>
+              <a:t>Nodejs</a:t>
+            </a:r>
+            <a:r>
+              <a:rPr lang="en-US" dirty="0" smtClean="0"/>
+              <a:t>(</a:t>
+            </a:r>
+            <a:r>
+              <a:rPr lang="en-US" dirty="0" err="1" smtClean="0"/>
+              <a:t>cách</a:t>
+            </a:r>
+            <a:r>
+              <a:rPr lang="en-US" dirty="0" smtClean="0"/>
+              <a:t> </a:t>
+            </a:r>
+            <a:r>
+              <a:rPr lang="en-US" dirty="0" err="1" smtClean="0"/>
+              <a:t>truyền</a:t>
+            </a:r>
+            <a:r>
+              <a:rPr lang="en-US" dirty="0" smtClean="0"/>
+              <a:t> </a:t>
+            </a:r>
+            <a:r>
+              <a:rPr lang="en-US" dirty="0" err="1" smtClean="0"/>
+              <a:t>thống</a:t>
+            </a:r>
+            <a:r>
+              <a:rPr lang="en-US" dirty="0" smtClean="0"/>
+              <a:t>)</a:t>
+            </a:r>
+          </a:p>
+          <a:p>
+            <a:pPr marL="0" indent="0">
+              <a:spcBef>
+                <a:spcPts val="600"/>
+              </a:spcBef>
+              <a:buNone/>
+            </a:pPr>
+            <a:r>
+              <a:rPr lang="en-US" dirty="0" smtClean="0">
+                <a:solidFill>
+                  <a:srgbClr val="F08D49"/>
+                </a:solidFill>
+              </a:rPr>
+              <a:t>node </a:t>
+            </a:r>
+            <a:r>
+              <a:rPr lang="en-US" dirty="0">
+                <a:solidFill>
+                  <a:srgbClr val="F08D49"/>
+                </a:solidFill>
+              </a:rPr>
+              <a:t>./</a:t>
+            </a:r>
+            <a:r>
+              <a:rPr lang="en-US" dirty="0" err="1">
+                <a:solidFill>
+                  <a:srgbClr val="F08D49"/>
+                </a:solidFill>
+              </a:rPr>
+              <a:t>server.js</a:t>
+            </a:r>
+            <a:endParaRPr lang="en-US" dirty="0" smtClean="0"/>
+          </a:p>
+        </p:txBody>
+      </p:sp>
+    </p:spTree>
+    <p:extLst>
+      <p:ext uri="{BB962C8B-B14F-4D97-AF65-F5344CB8AC3E}">
+        <p14:creationId xmlns:p14="http://schemas.microsoft.com/office/powerpoint/2010/main" val="956400715"/>
+      </p:ext>
+    </p:extLst>
+  </p:cSld>
+  <p:clrMapOvr>
+    <a:masterClrMapping/>
+  </p:clrMapOvr>
+  <p:timing>
+    <p:tnLst>
+      <p:par>
+        <p:cTn id="1" dur="indefinite" restart="never" nodeType="tmRoot"/>
+      </p:par>
+    </p:tnLst>
+  </p:timing>
+</p:sld>
+</file>
+
+<file path=ppt/slides/slide9.xml><?xml version="1.0" encoding="utf-8"?>
+<p:sld xmlns:a="http://schemas.openxmlformats.org/drawingml/2006/main" xmlns:r="http://schemas.openxmlformats.org/officeDocument/2006/relationships" xmlns:p="http://schemas.openxmlformats.org/presentationml/2006/main">
+  <p:cSld>
+    <p:spTree>
+      <p:nvGrpSpPr>
+        <p:cNvPr id="1" name=""/>
+        <p:cNvGrpSpPr/>
+        <p:nvPr/>
+      </p:nvGrpSpPr>
+      <p:grpSpPr>
+        <a:xfrm>
+          <a:off x="0" y="0"/>
+          <a:ext cx="0" cy="0"/>
+          <a:chOff x="0" y="0"/>
+          <a:chExt cx="0" cy="0"/>
+        </a:xfrm>
+      </p:grpSpPr>
+      <p:sp>
+        <p:nvSpPr>
+          <p:cNvPr id="2" name="Title 1"/>
+          <p:cNvSpPr>
+            <a:spLocks noGrp="1"/>
+          </p:cNvSpPr>
+          <p:nvPr>
+            <p:ph type="title"/>
+          </p:nvPr>
+        </p:nvSpPr>
+        <p:spPr/>
+        <p:txBody>
+          <a:bodyPr>
+            <a:normAutofit fontScale="90000"/>
+          </a:bodyPr>
+          <a:lstStyle/>
+          <a:p>
+            <a:r>
+              <a:rPr lang="en-US" dirty="0" smtClean="0"/>
+              <a:t>Input </a:t>
+            </a:r>
+            <a:r>
+              <a:rPr lang="en-US" dirty="0" err="1" smtClean="0"/>
+              <a:t>params</a:t>
+            </a:r>
+            <a:r>
+              <a:rPr lang="en-US" dirty="0" smtClean="0"/>
+              <a:t> &amp; show log</a:t>
+            </a:r>
+            <a:endParaRPr lang="en-US" dirty="0"/>
+          </a:p>
+        </p:txBody>
+      </p:sp>
+      <p:sp>
+        <p:nvSpPr>
+          <p:cNvPr id="10" name="Content Placeholder 2"/>
+          <p:cNvSpPr txBox="1">
+            <a:spLocks/>
+          </p:cNvSpPr>
+          <p:nvPr/>
+        </p:nvSpPr>
+        <p:spPr>
+          <a:xfrm>
+            <a:off x="4343400" y="2454137"/>
+            <a:ext cx="4343400" cy="1032014"/>
+          </a:xfrm>
+          <a:prstGeom prst="rect">
+            <a:avLst/>
+          </a:prstGeom>
+        </p:spPr>
+        <p:txBody>
+          <a:bodyPr vert="horz" lIns="91440" tIns="45720" rIns="91440" bIns="45720" rtlCol="0">
+            <a:normAutofit fontScale="92500" lnSpcReduction="10000"/>
+          </a:bodyPr>
+          <a:lstStyle>
+            <a:lvl1pPr marL="342900" indent="-342900" algn="l" defTabSz="914400" rtl="0" eaLnBrk="1" latinLnBrk="0" hangingPunct="1">
+              <a:spcBef>
+                <a:spcPts val="1800"/>
+              </a:spcBef>
+              <a:buFont typeface="Arial" pitchFamily="34" charset="0"/>
+              <a:buChar char="•"/>
+              <a:defRPr sz="3200" kern="1200">
+                <a:solidFill>
+                  <a:schemeClr val="bg1"/>
+                </a:solidFill>
+                <a:latin typeface="Corbel"/>
+                <a:ea typeface="Segoe UI" pitchFamily="34" charset="0"/>
+                <a:cs typeface="Corbel"/>
+              </a:defRPr>
+            </a:lvl1pPr>
+            <a:lvl2pPr marL="742950" indent="-285750" algn="l" defTabSz="914400" rtl="0" eaLnBrk="1" latinLnBrk="0" hangingPunct="1">
+              <a:spcBef>
+                <a:spcPts val="1800"/>
+              </a:spcBef>
+              <a:buFont typeface="Arial" pitchFamily="34" charset="0"/>
+              <a:buChar char="–"/>
+              <a:defRPr sz="2800" kern="1200">
+                <a:solidFill>
+                  <a:schemeClr val="bg1"/>
+                </a:solidFill>
+                <a:latin typeface="Corbel"/>
+                <a:ea typeface="Segoe UI" pitchFamily="34" charset="0"/>
+                <a:cs typeface="Corbel"/>
+              </a:defRPr>
+            </a:lvl2pPr>
+            <a:lvl3pPr marL="1143000" indent="-228600" algn="l" defTabSz="914400" rtl="0" eaLnBrk="1" latinLnBrk="0" hangingPunct="1">
+              <a:spcBef>
+                <a:spcPts val="1800"/>
+              </a:spcBef>
+              <a:buFont typeface="Arial" pitchFamily="34" charset="0"/>
+              <a:buChar char="•"/>
+              <a:defRPr sz="2400" kern="1200">
+                <a:solidFill>
+                  <a:schemeClr val="bg1"/>
+                </a:solidFill>
+                <a:latin typeface="Corbel"/>
+                <a:ea typeface="Segoe UI" pitchFamily="34" charset="0"/>
+                <a:cs typeface="Corbel"/>
+              </a:defRPr>
+            </a:lvl3pPr>
+            <a:lvl4pPr marL="1600200" indent="-228600" algn="l" defTabSz="914400" rtl="0" eaLnBrk="1" latinLnBrk="0" hangingPunct="1">
+              <a:spcBef>
+                <a:spcPts val="1800"/>
+              </a:spcBef>
+              <a:buFont typeface="Arial" pitchFamily="34" charset="0"/>
+              <a:buChar char="–"/>
+              <a:defRPr sz="2000" kern="1200">
+                <a:solidFill>
+                  <a:schemeClr val="bg1"/>
+                </a:solidFill>
+                <a:latin typeface="Corbel"/>
+                <a:ea typeface="Segoe UI" pitchFamily="34" charset="0"/>
+                <a:cs typeface="Corbel"/>
+              </a:defRPr>
+            </a:lvl4pPr>
+            <a:lvl5pPr marL="2057400" indent="-228600" algn="l" defTabSz="914400" rtl="0" eaLnBrk="1" latinLnBrk="0" hangingPunct="1">
+              <a:spcBef>
+                <a:spcPts val="1800"/>
+              </a:spcBef>
+              <a:buFont typeface="Arial" pitchFamily="34" charset="0"/>
+              <a:buChar char="»"/>
+              <a:defRPr sz="2000" kern="1200">
+                <a:solidFill>
+                  <a:schemeClr val="bg1"/>
+                </a:solidFill>
+                <a:latin typeface="Corbel"/>
+                <a:ea typeface="Segoe UI" pitchFamily="34" charset="0"/>
+                <a:cs typeface="Corbel"/>
+              </a:defRPr>
+            </a:lvl5pPr>
+            <a:lvl6pPr marL="2514600" indent="-228600" algn="l" defTabSz="914400" rtl="0" eaLnBrk="1" latinLnBrk="0" hangingPunct="1">
+              <a:spcBef>
+                <a:spcPct val="20000"/>
+              </a:spcBef>
+              <a:buFont typeface="Arial" pitchFamily="34" charset="0"/>
+              <a:buChar char="•"/>
+              <a:defRPr sz="2000" kern="1200">
+                <a:solidFill>
+                  <a:schemeClr val="tx1"/>
+                </a:solidFill>
+                <a:latin typeface="+mn-lt"/>
+                <a:ea typeface="+mn-ea"/>
+                <a:cs typeface="+mn-cs"/>
+              </a:defRPr>
+            </a:lvl6pPr>
+            <a:lvl7pPr marL="2971800" indent="-228600" algn="l" defTabSz="914400" rtl="0" eaLnBrk="1" latinLnBrk="0" hangingPunct="1">
+              <a:spcBef>
+                <a:spcPct val="20000"/>
+              </a:spcBef>
+              <a:buFont typeface="Arial" pitchFamily="34" charset="0"/>
+              <a:buChar char="•"/>
+              <a:defRPr sz="2000" kern="1200">
+                <a:solidFill>
+                  <a:schemeClr val="tx1"/>
+                </a:solidFill>
+                <a:latin typeface="+mn-lt"/>
+                <a:ea typeface="+mn-ea"/>
+                <a:cs typeface="+mn-cs"/>
+              </a:defRPr>
+            </a:lvl7pPr>
+            <a:lvl8pPr marL="3429000" indent="-228600" algn="l" defTabSz="914400" rtl="0" eaLnBrk="1" latinLnBrk="0" hangingPunct="1">
+              <a:spcBef>
+                <a:spcPct val="20000"/>
+              </a:spcBef>
+              <a:buFont typeface="Arial" pitchFamily="34" charset="0"/>
+              <a:buChar char="•"/>
+              <a:defRPr sz="2000" kern="1200">
+                <a:solidFill>
+                  <a:schemeClr val="tx1"/>
+                </a:solidFill>
+                <a:latin typeface="+mn-lt"/>
+                <a:ea typeface="+mn-ea"/>
+                <a:cs typeface="+mn-cs"/>
+              </a:defRPr>
+            </a:lvl8pPr>
+            <a:lvl9pPr marL="3886200" indent="-228600" algn="l" defTabSz="914400" rtl="0" eaLnBrk="1" latinLnBrk="0" hangingPunct="1">
+              <a:spcBef>
+                <a:spcPct val="20000"/>
+              </a:spcBef>
+              <a:buFont typeface="Arial" pitchFamily="34" charset="0"/>
+              <a:buChar char="•"/>
+              <a:defRPr sz="2000" kern="1200">
+                <a:solidFill>
+                  <a:schemeClr val="tx1"/>
+                </a:solidFill>
+                <a:latin typeface="+mn-lt"/>
+                <a:ea typeface="+mn-ea"/>
+                <a:cs typeface="+mn-cs"/>
+              </a:defRPr>
+            </a:lvl9pPr>
+          </a:lstStyle>
+          <a:p>
+            <a:pPr marL="0" indent="0">
+              <a:spcBef>
+                <a:spcPts val="600"/>
+              </a:spcBef>
+              <a:buFont typeface="Arial" pitchFamily="34" charset="0"/>
+              <a:buNone/>
+            </a:pPr>
+            <a:r>
+              <a:rPr lang="en-US" dirty="0" smtClean="0"/>
+              <a:t>let = </a:t>
+            </a:r>
+            <a:r>
+              <a:rPr lang="en-US" dirty="0" smtClean="0"/>
+              <a:t>”</a:t>
+            </a:r>
+            <a:r>
+              <a:rPr lang="en-US" dirty="0" err="1" smtClean="0"/>
+              <a:t>biến</a:t>
+            </a:r>
+            <a:r>
+              <a:rPr lang="en-US" dirty="0" smtClean="0"/>
+              <a:t> </a:t>
+            </a:r>
+            <a:r>
+              <a:rPr lang="en-US" dirty="0" err="1" smtClean="0"/>
+              <a:t>địa</a:t>
+            </a:r>
+            <a:r>
+              <a:rPr lang="en-US" dirty="0" smtClean="0"/>
+              <a:t> </a:t>
+            </a:r>
+            <a:r>
+              <a:rPr lang="en-US" dirty="0" err="1" smtClean="0"/>
+              <a:t>phương</a:t>
+            </a:r>
+            <a:r>
+              <a:rPr lang="en-US" dirty="0" smtClean="0"/>
+              <a:t>”</a:t>
+            </a:r>
+          </a:p>
+          <a:p>
+            <a:pPr marL="0" indent="0">
+              <a:spcBef>
+                <a:spcPts val="600"/>
+              </a:spcBef>
+              <a:buNone/>
+            </a:pPr>
+            <a:r>
+              <a:rPr lang="en-US" dirty="0" err="1" smtClean="0"/>
+              <a:t>var</a:t>
+            </a:r>
+            <a:r>
+              <a:rPr lang="en-US" dirty="0" smtClean="0"/>
+              <a:t>= </a:t>
+            </a:r>
+            <a:r>
+              <a:rPr lang="en-US" dirty="0"/>
+              <a:t>”</a:t>
+            </a:r>
+            <a:r>
+              <a:rPr lang="en-US" dirty="0" err="1"/>
+              <a:t>biến</a:t>
+            </a:r>
+            <a:r>
+              <a:rPr lang="en-US" dirty="0"/>
+              <a:t> </a:t>
+            </a:r>
+            <a:r>
+              <a:rPr lang="en-US" dirty="0" err="1" smtClean="0"/>
+              <a:t>toàn</a:t>
+            </a:r>
+            <a:r>
+              <a:rPr lang="en-US" dirty="0" smtClean="0"/>
+              <a:t> </a:t>
+            </a:r>
+            <a:r>
+              <a:rPr lang="en-US" dirty="0" err="1" smtClean="0"/>
+              <a:t>cụ</a:t>
+            </a:r>
+            <a:r>
+              <a:rPr lang="en-US" dirty="0" err="1"/>
+              <a:t>c</a:t>
+            </a:r>
+            <a:r>
+              <a:rPr lang="en-US" dirty="0" smtClean="0"/>
+              <a:t>”</a:t>
+            </a:r>
+            <a:endParaRPr lang="en-US" dirty="0"/>
+          </a:p>
+        </p:txBody>
+      </p:sp>
+      <p:pic>
+        <p:nvPicPr>
+          <p:cNvPr id="3" name="Picture 2"/>
+          <p:cNvPicPr>
+            <a:picLocks noChangeAspect="1"/>
+          </p:cNvPicPr>
+          <p:nvPr/>
+        </p:nvPicPr>
+        <p:blipFill>
+          <a:blip r:embed="rId2">
+            <a:extLst>
+              <a:ext uri="{28A0092B-C50C-407E-A947-70E740481C1C}">
+                <a14:useLocalDpi xmlns:a14="http://schemas.microsoft.com/office/drawing/2010/main" val="0"/>
+              </a:ext>
+            </a:extLst>
+          </a:blip>
+          <a:stretch>
+            <a:fillRect/>
+          </a:stretch>
+        </p:blipFill>
+        <p:spPr>
+          <a:xfrm>
+            <a:off x="76199" y="895350"/>
+            <a:ext cx="8839201" cy="841152"/>
+          </a:xfrm>
+          <a:prstGeom prst="rect">
+            <a:avLst/>
+          </a:prstGeom>
+        </p:spPr>
+      </p:pic>
+      <p:pic>
+        <p:nvPicPr>
+          <p:cNvPr id="4" name="Picture 3"/>
+          <p:cNvPicPr>
+            <a:picLocks noChangeAspect="1"/>
+          </p:cNvPicPr>
+          <p:nvPr/>
+        </p:nvPicPr>
+        <p:blipFill>
+          <a:blip r:embed="rId3">
+            <a:extLst>
+              <a:ext uri="{28A0092B-C50C-407E-A947-70E740481C1C}">
+                <a14:useLocalDpi xmlns:a14="http://schemas.microsoft.com/office/drawing/2010/main" val="0"/>
+              </a:ext>
+            </a:extLst>
+          </a:blip>
+          <a:stretch>
+            <a:fillRect/>
+          </a:stretch>
+        </p:blipFill>
+        <p:spPr>
+          <a:xfrm>
+            <a:off x="76198" y="1885950"/>
+            <a:ext cx="4114801" cy="3078328"/>
+          </a:xfrm>
+          <a:prstGeom prst="rect">
+            <a:avLst/>
+          </a:prstGeom>
+        </p:spPr>
+      </p:pic>
+      <p:pic>
+        <p:nvPicPr>
+          <p:cNvPr id="5" name="Picture 4"/>
+          <p:cNvPicPr>
+            <a:picLocks noChangeAspect="1"/>
+          </p:cNvPicPr>
+          <p:nvPr/>
+        </p:nvPicPr>
+        <p:blipFill rotWithShape="1">
+          <a:blip r:embed="rId4">
+            <a:extLst>
+              <a:ext uri="{28A0092B-C50C-407E-A947-70E740481C1C}">
+                <a14:useLocalDpi xmlns:a14="http://schemas.microsoft.com/office/drawing/2010/main" val="0"/>
+              </a:ext>
+            </a:extLst>
+          </a:blip>
+          <a:srcRect l="3478" t="20126" r="11304" b="18510"/>
+          <a:stretch/>
+        </p:blipFill>
+        <p:spPr>
+          <a:xfrm>
+            <a:off x="4459356" y="1885950"/>
+            <a:ext cx="2904068" cy="533400"/>
+          </a:xfrm>
+          <a:prstGeom prst="rect">
+            <a:avLst/>
+          </a:prstGeom>
+        </p:spPr>
+      </p:pic>
+      <p:pic>
+        <p:nvPicPr>
+          <p:cNvPr id="6" name="Picture 5"/>
+          <p:cNvPicPr>
+            <a:picLocks noChangeAspect="1"/>
+          </p:cNvPicPr>
+          <p:nvPr/>
+        </p:nvPicPr>
+        <p:blipFill rotWithShape="1">
+          <a:blip r:embed="rId5">
+            <a:extLst>
+              <a:ext uri="{28A0092B-C50C-407E-A947-70E740481C1C}">
+                <a14:useLocalDpi xmlns:a14="http://schemas.microsoft.com/office/drawing/2010/main" val="0"/>
+              </a:ext>
+            </a:extLst>
+          </a:blip>
+          <a:srcRect l="3157" t="13964" r="5149"/>
+          <a:stretch/>
+        </p:blipFill>
+        <p:spPr>
+          <a:xfrm>
+            <a:off x="4485860" y="3567831"/>
+            <a:ext cx="2743200" cy="1423780"/>
+          </a:xfrm>
+          <a:prstGeom prst="rect">
+            <a:avLst/>
+          </a:prstGeom>
+        </p:spPr>
+      </p:pic>
+      <p:sp>
+        <p:nvSpPr>
+          <p:cNvPr id="8" name="Rectangle 7"/>
+          <p:cNvSpPr/>
+          <p:nvPr/>
+        </p:nvSpPr>
+        <p:spPr>
+          <a:xfrm>
+            <a:off x="4485859" y="3935828"/>
+            <a:ext cx="543341" cy="540922"/>
+          </a:xfrm>
+          <a:prstGeom prst="rect">
+            <a:avLst/>
+          </a:prstGeom>
+          <a:noFill/>
+          <a:ln>
+            <a:solidFill>
+              <a:srgbClr val="00B050"/>
+            </a:solidFill>
+          </a:ln>
+        </p:spPr>
+        <p:style>
+          <a:lnRef idx="2">
+            <a:schemeClr val="accent1">
+              <a:shade val="50000"/>
+            </a:schemeClr>
+          </a:lnRef>
+          <a:fillRef idx="1">
+            <a:schemeClr val="accent1"/>
+          </a:fillRef>
+          <a:effectRef idx="0">
+            <a:schemeClr val="accent1"/>
+          </a:effectRef>
+          <a:fontRef idx="minor">
+            <a:schemeClr val="lt1"/>
+          </a:fontRef>
+        </p:style>
+        <p:txBody>
+          <a:bodyPr rtlCol="0" anchor="ctr"/>
+          <a:lstStyle/>
+          <a:p>
+            <a:pPr algn="ctr"/>
+            <a:endParaRPr lang="en-US">
+              <a:noFill/>
+            </a:endParaRPr>
+          </a:p>
+        </p:txBody>
+      </p:sp>
+    </p:spTree>
+    <p:extLst>
+      <p:ext uri="{BB962C8B-B14F-4D97-AF65-F5344CB8AC3E}">
+        <p14:creationId xmlns:p14="http://schemas.microsoft.com/office/powerpoint/2010/main" val="1549556745"/>
+      </p:ext>
+    </p:extLst>
+  </p:cSld>
+  <p:clrMapOvr>
+    <a:masterClrMapping/>
+  </p:clrMapOvr>
+  <p:timing>
+    <p:tnLst>
+      <p:par>
+        <p:cTn id="1" dur="indefinite" restart="never" nodeType="tmRoot"/>
+      </p:par>
+    </p:tnLst>
+  </p:timing>
 </p:sld>
 </file>
 

--- a/Documents/ThuctapNodejs1.pptx
+++ b/Documents/ThuctapNodejs1.pptx
@@ -5,11 +5,11 @@
     <p:sldMasterId id="2147483648" r:id="rId1"/>
   </p:sldMasterIdLst>
   <p:notesMasterIdLst>
-    <p:notesMasterId r:id="rId15"/>
+    <p:notesMasterId r:id="rId14"/>
   </p:notesMasterIdLst>
   <p:sldIdLst>
     <p:sldId id="294" r:id="rId2"/>
-    <p:sldId id="337" r:id="rId3"/>
+    <p:sldId id="350" r:id="rId3"/>
     <p:sldId id="340" r:id="rId4"/>
     <p:sldId id="341" r:id="rId5"/>
     <p:sldId id="342" r:id="rId6"/>
@@ -19,8 +19,7 @@
     <p:sldId id="347" r:id="rId10"/>
     <p:sldId id="348" r:id="rId11"/>
     <p:sldId id="349" r:id="rId12"/>
-    <p:sldId id="350" r:id="rId13"/>
-    <p:sldId id="318" r:id="rId14"/>
+    <p:sldId id="318" r:id="rId13"/>
   </p:sldIdLst>
   <p:sldSz cx="9144000" cy="5143500" type="screen16x9"/>
   <p:notesSz cx="6858000" cy="9144000"/>
@@ -234,7 +233,7 @@
           <a:p>
             <a:fld id="{C81D1D14-BC69-4E81-A241-7829F68D9A94}" type="datetimeFigureOut">
               <a:rPr lang="en-US" smtClean="0"/>
-              <a:t>6/18/18</a:t>
+              <a:t>6/20/18</a:t>
             </a:fld>
             <a:endParaRPr lang="en-US"/>
           </a:p>
@@ -728,7 +727,7 @@
           <a:p>
             <a:fld id="{E306D676-E6CE-49ED-B2E4-C47FD7365D30}" type="datetimeFigureOut">
               <a:rPr lang="en-US" smtClean="0"/>
-              <a:t>6/18/18</a:t>
+              <a:t>6/20/18</a:t>
             </a:fld>
             <a:endParaRPr lang="en-US"/>
           </a:p>
@@ -1029,7 +1028,7 @@
           <a:p>
             <a:fld id="{E306D676-E6CE-49ED-B2E4-C47FD7365D30}" type="datetimeFigureOut">
               <a:rPr lang="en-US" smtClean="0"/>
-              <a:t>6/18/18</a:t>
+              <a:t>6/20/18</a:t>
             </a:fld>
             <a:endParaRPr lang="en-US"/>
           </a:p>
@@ -1309,7 +1308,7 @@
           <a:p>
             <a:fld id="{E306D676-E6CE-49ED-B2E4-C47FD7365D30}" type="datetimeFigureOut">
               <a:rPr lang="en-US" smtClean="0"/>
-              <a:t>6/18/18</a:t>
+              <a:t>6/20/18</a:t>
             </a:fld>
             <a:endParaRPr lang="en-US"/>
           </a:p>
@@ -1503,7 +1502,7 @@
           <a:p>
             <a:fld id="{E306D676-E6CE-49ED-B2E4-C47FD7365D30}" type="datetimeFigureOut">
               <a:rPr lang="en-US" smtClean="0"/>
-              <a:t>6/18/18</a:t>
+              <a:t>6/20/18</a:t>
             </a:fld>
             <a:endParaRPr lang="en-US"/>
           </a:p>
@@ -1707,7 +1706,7 @@
           <a:p>
             <a:fld id="{E306D676-E6CE-49ED-B2E4-C47FD7365D30}" type="datetimeFigureOut">
               <a:rPr lang="en-US" smtClean="0"/>
-              <a:t>6/18/18</a:t>
+              <a:t>6/20/18</a:t>
             </a:fld>
             <a:endParaRPr lang="en-US"/>
           </a:p>
@@ -3488,7 +3487,7 @@
           <a:p>
             <a:fld id="{E306D676-E6CE-49ED-B2E4-C47FD7365D30}" type="datetimeFigureOut">
               <a:rPr lang="en-US" smtClean="0"/>
-              <a:t>6/18/18</a:t>
+              <a:t>6/20/18</a:t>
             </a:fld>
             <a:endParaRPr lang="en-US"/>
           </a:p>
@@ -3934,7 +3933,7 @@
           <a:p>
             <a:fld id="{E306D676-E6CE-49ED-B2E4-C47FD7365D30}" type="datetimeFigureOut">
               <a:rPr lang="en-US" smtClean="0"/>
-              <a:t>6/18/18</a:t>
+              <a:t>6/20/18</a:t>
             </a:fld>
             <a:endParaRPr lang="en-US"/>
           </a:p>
@@ -4653,7 +4652,7 @@
             <a:fld id="{E306D676-E6CE-49ED-B2E4-C47FD7365D30}" type="datetimeFigureOut">
               <a:rPr lang="en-US" smtClean="0"/>
               <a:pPr/>
-              <a:t>6/18/18</a:t>
+              <a:t>6/20/18</a:t>
             </a:fld>
             <a:endParaRPr lang="en-US"/>
           </a:p>
@@ -6014,8 +6013,8 @@
         </p:nvSpPr>
         <p:spPr>
           <a:xfrm>
-            <a:off x="533400" y="1123950"/>
-            <a:ext cx="8382000" cy="2585323"/>
+            <a:off x="304800" y="819150"/>
+            <a:ext cx="8610600" cy="3939540"/>
           </a:xfrm>
           <a:prstGeom prst="rect">
             <a:avLst/>
@@ -6029,7 +6028,7 @@
           <a:lstStyle/>
           <a:p>
             <a:r>
-              <a:rPr lang="en-US" dirty="0" smtClean="0">
+              <a:rPr lang="en-US" sz="2500" dirty="0" smtClean="0">
                 <a:solidFill>
                   <a:srgbClr val="FFFF00"/>
                 </a:solidFill>
@@ -6037,7 +6036,7 @@
               <a:t>1.Viết </a:t>
             </a:r>
             <a:r>
-              <a:rPr lang="en-US" dirty="0" err="1" smtClean="0">
+              <a:rPr lang="en-US" sz="2500" dirty="0" err="1" smtClean="0">
                 <a:solidFill>
                   <a:srgbClr val="FFFF00"/>
                 </a:solidFill>
@@ -6045,15 +6044,15 @@
               <a:t>chương</a:t>
             </a:r>
             <a:r>
-              <a:rPr lang="en-US" dirty="0" smtClean="0">
-                <a:solidFill>
-                  <a:srgbClr val="FFFF00"/>
-                </a:solidFill>
-              </a:rPr>
-              <a:t> </a:t>
-            </a:r>
-            <a:r>
-              <a:rPr lang="en-US" dirty="0" err="1" smtClean="0">
+              <a:rPr lang="en-US" sz="2500" dirty="0" smtClean="0">
+                <a:solidFill>
+                  <a:srgbClr val="FFFF00"/>
+                </a:solidFill>
+              </a:rPr>
+              <a:t> </a:t>
+            </a:r>
+            <a:r>
+              <a:rPr lang="en-US" sz="2500" dirty="0" err="1" smtClean="0">
                 <a:solidFill>
                   <a:srgbClr val="FFFF00"/>
                 </a:solidFill>
@@ -6061,15 +6060,15 @@
               <a:t>trình</a:t>
             </a:r>
             <a:r>
-              <a:rPr lang="en-US" dirty="0">
-                <a:solidFill>
-                  <a:srgbClr val="FFFF00"/>
-                </a:solidFill>
-              </a:rPr>
-              <a:t> </a:t>
-            </a:r>
-            <a:r>
-              <a:rPr lang="en-US" dirty="0" err="1" smtClean="0">
+              <a:rPr lang="en-US" sz="2500" dirty="0">
+                <a:solidFill>
+                  <a:srgbClr val="FFFF00"/>
+                </a:solidFill>
+              </a:rPr>
+              <a:t> </a:t>
+            </a:r>
+            <a:r>
+              <a:rPr lang="en-US" sz="2500" dirty="0" err="1" smtClean="0">
                 <a:solidFill>
                   <a:srgbClr val="FFFF00"/>
                 </a:solidFill>
@@ -6077,15 +6076,15 @@
               <a:t>truyền</a:t>
             </a:r>
             <a:r>
-              <a:rPr lang="en-US" dirty="0" smtClean="0">
-                <a:solidFill>
-                  <a:srgbClr val="FFFF00"/>
-                </a:solidFill>
-              </a:rPr>
-              <a:t> </a:t>
-            </a:r>
-            <a:r>
-              <a:rPr lang="en-US" dirty="0" err="1" smtClean="0">
+              <a:rPr lang="en-US" sz="2500" dirty="0" smtClean="0">
+                <a:solidFill>
+                  <a:srgbClr val="FFFF00"/>
+                </a:solidFill>
+              </a:rPr>
+              <a:t> </a:t>
+            </a:r>
+            <a:r>
+              <a:rPr lang="en-US" sz="2500" dirty="0" err="1" smtClean="0">
                 <a:solidFill>
                   <a:srgbClr val="FFFF00"/>
                 </a:solidFill>
@@ -6093,15 +6092,15 @@
               <a:t>vào</a:t>
             </a:r>
             <a:r>
-              <a:rPr lang="en-US" dirty="0" smtClean="0">
-                <a:solidFill>
-                  <a:srgbClr val="FFFF00"/>
-                </a:solidFill>
-              </a:rPr>
-              <a:t> </a:t>
-            </a:r>
-            <a:r>
-              <a:rPr lang="en-US" dirty="0" err="1" smtClean="0">
+              <a:rPr lang="en-US" sz="2500" dirty="0" smtClean="0">
+                <a:solidFill>
+                  <a:srgbClr val="FFFF00"/>
+                </a:solidFill>
+              </a:rPr>
+              <a:t> </a:t>
+            </a:r>
+            <a:r>
+              <a:rPr lang="en-US" sz="2500" dirty="0" err="1" smtClean="0">
                 <a:solidFill>
                   <a:srgbClr val="FFFF00"/>
                 </a:solidFill>
@@ -6109,7 +6108,7 @@
               <a:t>các</a:t>
             </a:r>
             <a:r>
-              <a:rPr lang="en-US" dirty="0" smtClean="0">
+              <a:rPr lang="en-US" sz="2500" dirty="0" smtClean="0">
                 <a:solidFill>
                   <a:srgbClr val="FFFF00"/>
                 </a:solidFill>
@@ -6117,7 +6116,7 @@
               <a:t> parameter: </a:t>
             </a:r>
             <a:r>
-              <a:rPr lang="en-US" dirty="0" err="1" smtClean="0">
+              <a:rPr lang="en-US" sz="2500" dirty="0" err="1" smtClean="0">
                 <a:solidFill>
                   <a:srgbClr val="FFFF00"/>
                 </a:solidFill>
@@ -6125,7 +6124,7 @@
               <a:t>firstName</a:t>
             </a:r>
             <a:r>
-              <a:rPr lang="en-US" dirty="0" smtClean="0">
+              <a:rPr lang="en-US" sz="2500" dirty="0" smtClean="0">
                 <a:solidFill>
                   <a:srgbClr val="FFFF00"/>
                 </a:solidFill>
@@ -6133,7 +6132,7 @@
               <a:t>, </a:t>
             </a:r>
             <a:r>
-              <a:rPr lang="en-US" dirty="0" err="1" smtClean="0">
+              <a:rPr lang="en-US" sz="2500" dirty="0" err="1" smtClean="0">
                 <a:solidFill>
                   <a:srgbClr val="FFFF00"/>
                 </a:solidFill>
@@ -6141,7 +6140,7 @@
               <a:t>lastName</a:t>
             </a:r>
             <a:r>
-              <a:rPr lang="en-US" dirty="0" smtClean="0">
+              <a:rPr lang="en-US" sz="2500" dirty="0" smtClean="0">
                 <a:solidFill>
                   <a:srgbClr val="FFFF00"/>
                 </a:solidFill>
@@ -6149,7 +6148,7 @@
               <a:t>, </a:t>
             </a:r>
             <a:r>
-              <a:rPr lang="en-US" dirty="0" err="1" smtClean="0">
+              <a:rPr lang="en-US" sz="2500" dirty="0" err="1" smtClean="0">
                 <a:solidFill>
                   <a:srgbClr val="FFFF00"/>
                 </a:solidFill>
@@ -6157,15 +6156,15 @@
               <a:t>hiện</a:t>
             </a:r>
             <a:r>
-              <a:rPr lang="en-US" dirty="0" smtClean="0">
-                <a:solidFill>
-                  <a:srgbClr val="FFFF00"/>
-                </a:solidFill>
-              </a:rPr>
-              <a:t> </a:t>
-            </a:r>
-            <a:r>
-              <a:rPr lang="en-US" dirty="0" err="1" smtClean="0">
+              <a:rPr lang="en-US" sz="2500" dirty="0" smtClean="0">
+                <a:solidFill>
+                  <a:srgbClr val="FFFF00"/>
+                </a:solidFill>
+              </a:rPr>
+              <a:t> </a:t>
+            </a:r>
+            <a:r>
+              <a:rPr lang="en-US" sz="2500" dirty="0" err="1" smtClean="0">
                 <a:solidFill>
                   <a:srgbClr val="FFFF00"/>
                 </a:solidFill>
@@ -6173,22 +6172,22 @@
               <a:t>ra</a:t>
             </a:r>
             <a:r>
-              <a:rPr lang="en-US" dirty="0" smtClean="0">
-                <a:solidFill>
-                  <a:srgbClr val="FFFF00"/>
-                </a:solidFill>
-              </a:rPr>
-              <a:t> </a:t>
-            </a:r>
-            <a:r>
-              <a:rPr lang="en-US" dirty="0" err="1" smtClean="0">
+              <a:rPr lang="en-US" sz="2500" dirty="0" smtClean="0">
+                <a:solidFill>
+                  <a:srgbClr val="FFFF00"/>
+                </a:solidFill>
+              </a:rPr>
+              <a:t> </a:t>
+            </a:r>
+            <a:r>
+              <a:rPr lang="en-US" sz="2500" dirty="0" err="1" smtClean="0">
                 <a:solidFill>
                   <a:srgbClr val="FFFF00"/>
                 </a:solidFill>
               </a:rPr>
               <a:t>fullName</a:t>
             </a:r>
-            <a:endParaRPr lang="en-US" dirty="0" smtClean="0">
+            <a:endParaRPr lang="en-US" sz="2500" dirty="0" smtClean="0">
               <a:solidFill>
                 <a:srgbClr val="FFFF00"/>
               </a:solidFill>
@@ -6196,7 +6195,7 @@
           </a:p>
           <a:p>
             <a:r>
-              <a:rPr lang="en-US" dirty="0" smtClean="0">
+              <a:rPr lang="en-US" sz="2500" dirty="0" smtClean="0">
                 <a:solidFill>
                   <a:srgbClr val="FFFF00"/>
                 </a:solidFill>
@@ -6204,7 +6203,7 @@
               <a:t>2.Truyền </a:t>
             </a:r>
             <a:r>
-              <a:rPr lang="en-US" dirty="0" err="1" smtClean="0">
+              <a:rPr lang="en-US" sz="2500" dirty="0" err="1" smtClean="0">
                 <a:solidFill>
                   <a:srgbClr val="FFFF00"/>
                 </a:solidFill>
@@ -6212,7 +6211,7 @@
               <a:t>vào</a:t>
             </a:r>
             <a:r>
-              <a:rPr lang="en-US" dirty="0" smtClean="0">
+              <a:rPr lang="en-US" sz="2500" dirty="0" smtClean="0">
                 <a:solidFill>
                   <a:srgbClr val="FFFF00"/>
                 </a:solidFill>
@@ -6220,7 +6219,7 @@
               <a:t> 2 </a:t>
             </a:r>
             <a:r>
-              <a:rPr lang="en-US" dirty="0" err="1" smtClean="0">
+              <a:rPr lang="en-US" sz="2500" dirty="0" err="1" smtClean="0">
                 <a:solidFill>
                   <a:srgbClr val="FFFF00"/>
                 </a:solidFill>
@@ -6228,15 +6227,15 @@
               <a:t>param</a:t>
             </a:r>
             <a:r>
-              <a:rPr lang="en-US" dirty="0" smtClean="0">
-                <a:solidFill>
-                  <a:srgbClr val="FFFF00"/>
-                </a:solidFill>
-              </a:rPr>
-              <a:t> </a:t>
-            </a:r>
-            <a:r>
-              <a:rPr lang="en-US" dirty="0" err="1" smtClean="0">
+              <a:rPr lang="en-US" sz="2500" dirty="0" smtClean="0">
+                <a:solidFill>
+                  <a:srgbClr val="FFFF00"/>
+                </a:solidFill>
+              </a:rPr>
+              <a:t> </a:t>
+            </a:r>
+            <a:r>
+              <a:rPr lang="en-US" sz="2500" dirty="0" err="1" smtClean="0">
                 <a:solidFill>
                   <a:srgbClr val="FFFF00"/>
                 </a:solidFill>
@@ -6244,7 +6243,7 @@
               <a:t>x,y</a:t>
             </a:r>
             <a:r>
-              <a:rPr lang="en-US" dirty="0" smtClean="0">
+              <a:rPr lang="en-US" sz="2500" dirty="0" smtClean="0">
                 <a:solidFill>
                   <a:srgbClr val="FFFF00"/>
                 </a:solidFill>
@@ -6252,7 +6251,7 @@
               <a:t>, </a:t>
             </a:r>
             <a:r>
-              <a:rPr lang="en-US" dirty="0" err="1" smtClean="0">
+              <a:rPr lang="en-US" sz="2500" dirty="0" err="1" smtClean="0">
                 <a:solidFill>
                   <a:srgbClr val="FFFF00"/>
                 </a:solidFill>
@@ -6260,15 +6259,15 @@
               <a:t>hiện</a:t>
             </a:r>
             <a:r>
-              <a:rPr lang="en-US" dirty="0" smtClean="0">
-                <a:solidFill>
-                  <a:srgbClr val="FFFF00"/>
-                </a:solidFill>
-              </a:rPr>
-              <a:t> </a:t>
-            </a:r>
-            <a:r>
-              <a:rPr lang="en-US" dirty="0" err="1" smtClean="0">
+              <a:rPr lang="en-US" sz="2500" dirty="0" smtClean="0">
+                <a:solidFill>
+                  <a:srgbClr val="FFFF00"/>
+                </a:solidFill>
+              </a:rPr>
+              <a:t> </a:t>
+            </a:r>
+            <a:r>
+              <a:rPr lang="en-US" sz="2500" dirty="0" err="1" smtClean="0">
                 <a:solidFill>
                   <a:srgbClr val="FFFF00"/>
                 </a:solidFill>
@@ -6276,15 +6275,15 @@
               <a:t>ra</a:t>
             </a:r>
             <a:r>
-              <a:rPr lang="en-US" dirty="0" smtClean="0">
-                <a:solidFill>
-                  <a:srgbClr val="FFFF00"/>
-                </a:solidFill>
-              </a:rPr>
-              <a:t> </a:t>
-            </a:r>
-            <a:r>
-              <a:rPr lang="en-US" dirty="0" err="1" smtClean="0">
+              <a:rPr lang="en-US" sz="2500" dirty="0" smtClean="0">
+                <a:solidFill>
+                  <a:srgbClr val="FFFF00"/>
+                </a:solidFill>
+              </a:rPr>
+              <a:t> </a:t>
+            </a:r>
+            <a:r>
+              <a:rPr lang="en-US" sz="2500" dirty="0" err="1" smtClean="0">
                 <a:solidFill>
                   <a:srgbClr val="FFFF00"/>
                 </a:solidFill>
@@ -6292,15 +6291,15 @@
               <a:t>tổng</a:t>
             </a:r>
             <a:r>
-              <a:rPr lang="en-US" dirty="0" smtClean="0">
-                <a:solidFill>
-                  <a:srgbClr val="FFFF00"/>
-                </a:solidFill>
-              </a:rPr>
-              <a:t> </a:t>
-            </a:r>
-            <a:r>
-              <a:rPr lang="en-US" dirty="0" err="1" smtClean="0">
+              <a:rPr lang="en-US" sz="2500" dirty="0" smtClean="0">
+                <a:solidFill>
+                  <a:srgbClr val="FFFF00"/>
+                </a:solidFill>
+              </a:rPr>
+              <a:t> </a:t>
+            </a:r>
+            <a:r>
+              <a:rPr lang="en-US" sz="2500" dirty="0" err="1" smtClean="0">
                 <a:solidFill>
                   <a:srgbClr val="FFFF00"/>
                 </a:solidFill>
@@ -6308,7 +6307,7 @@
               <a:t>số</a:t>
             </a:r>
             <a:r>
-              <a:rPr lang="en-US" dirty="0" smtClean="0">
+              <a:rPr lang="en-US" sz="2500" dirty="0" smtClean="0">
                 <a:solidFill>
                   <a:srgbClr val="FFFF00"/>
                 </a:solidFill>
@@ -6318,7 +6317,7 @@
           </a:p>
           <a:p>
             <a:r>
-              <a:rPr lang="en-US" dirty="0" smtClean="0">
+              <a:rPr lang="en-US" sz="2500" dirty="0" smtClean="0">
                 <a:solidFill>
                   <a:srgbClr val="FFFF00"/>
                 </a:solidFill>
@@ -6326,7 +6325,7 @@
               <a:t>3.Tạo 2 </a:t>
             </a:r>
             <a:r>
-              <a:rPr lang="en-US" dirty="0" err="1" smtClean="0">
+              <a:rPr lang="en-US" sz="2500" dirty="0" err="1" smtClean="0">
                 <a:solidFill>
                   <a:srgbClr val="FFFF00"/>
                 </a:solidFill>
@@ -6334,15 +6333,15 @@
               <a:t>danh</a:t>
             </a:r>
             <a:r>
-              <a:rPr lang="en-US" dirty="0" smtClean="0">
-                <a:solidFill>
-                  <a:srgbClr val="FFFF00"/>
-                </a:solidFill>
-              </a:rPr>
-              <a:t> </a:t>
-            </a:r>
-            <a:r>
-              <a:rPr lang="en-US" dirty="0" err="1" smtClean="0">
+              <a:rPr lang="en-US" sz="2500" dirty="0" smtClean="0">
+                <a:solidFill>
+                  <a:srgbClr val="FFFF00"/>
+                </a:solidFill>
+              </a:rPr>
+              <a:t> </a:t>
+            </a:r>
+            <a:r>
+              <a:rPr lang="en-US" sz="2500" dirty="0" err="1" smtClean="0">
                 <a:solidFill>
                   <a:srgbClr val="FFFF00"/>
                 </a:solidFill>
@@ -6350,7 +6349,7 @@
               <a:t>sách</a:t>
             </a:r>
             <a:r>
-              <a:rPr lang="en-US" dirty="0" smtClean="0">
+              <a:rPr lang="en-US" sz="2500" dirty="0" smtClean="0">
                 <a:solidFill>
                   <a:srgbClr val="FFFF00"/>
                 </a:solidFill>
@@ -6358,7 +6357,7 @@
               <a:t>. </a:t>
             </a:r>
             <a:r>
-              <a:rPr lang="en-US" dirty="0" err="1" smtClean="0">
+              <a:rPr lang="en-US" sz="2500" dirty="0" err="1" smtClean="0">
                 <a:solidFill>
                   <a:srgbClr val="FFFF00"/>
                 </a:solidFill>
@@ -6366,15 +6365,15 @@
               <a:t>xAxis</a:t>
             </a:r>
             <a:r>
-              <a:rPr lang="en-US" dirty="0" smtClean="0">
-                <a:solidFill>
-                  <a:srgbClr val="FFFF00"/>
-                </a:solidFill>
-              </a:rPr>
-              <a:t> </a:t>
-            </a:r>
-            <a:r>
-              <a:rPr lang="en-US" dirty="0" err="1" smtClean="0">
+              <a:rPr lang="en-US" sz="2500" dirty="0" smtClean="0">
+                <a:solidFill>
+                  <a:srgbClr val="FFFF00"/>
+                </a:solidFill>
+              </a:rPr>
+              <a:t> </a:t>
+            </a:r>
+            <a:r>
+              <a:rPr lang="en-US" sz="2500" dirty="0" err="1" smtClean="0">
                 <a:solidFill>
                   <a:srgbClr val="FFFF00"/>
                 </a:solidFill>
@@ -6382,15 +6381,15 @@
               <a:t>chứa</a:t>
             </a:r>
             <a:r>
-              <a:rPr lang="en-US" dirty="0" smtClean="0">
-                <a:solidFill>
-                  <a:srgbClr val="FFFF00"/>
-                </a:solidFill>
-              </a:rPr>
-              <a:t> </a:t>
-            </a:r>
-            <a:r>
-              <a:rPr lang="en-US" dirty="0" err="1" smtClean="0">
+              <a:rPr lang="en-US" sz="2500" dirty="0" smtClean="0">
+                <a:solidFill>
+                  <a:srgbClr val="FFFF00"/>
+                </a:solidFill>
+              </a:rPr>
+              <a:t> </a:t>
+            </a:r>
+            <a:r>
+              <a:rPr lang="en-US" sz="2500" dirty="0" err="1" smtClean="0">
                 <a:solidFill>
                   <a:srgbClr val="FFFF00"/>
                 </a:solidFill>
@@ -6398,15 +6397,15 @@
               <a:t>danh</a:t>
             </a:r>
             <a:r>
-              <a:rPr lang="en-US" dirty="0" smtClean="0">
-                <a:solidFill>
-                  <a:srgbClr val="FFFF00"/>
-                </a:solidFill>
-              </a:rPr>
-              <a:t> </a:t>
-            </a:r>
-            <a:r>
-              <a:rPr lang="en-US" dirty="0" err="1" smtClean="0">
+              <a:rPr lang="en-US" sz="2500" dirty="0" smtClean="0">
+                <a:solidFill>
+                  <a:srgbClr val="FFFF00"/>
+                </a:solidFill>
+              </a:rPr>
+              <a:t> </a:t>
+            </a:r>
+            <a:r>
+              <a:rPr lang="en-US" sz="2500" dirty="0" err="1" smtClean="0">
                 <a:solidFill>
                   <a:srgbClr val="FFFF00"/>
                 </a:solidFill>
@@ -6414,15 +6413,15 @@
               <a:t>sách</a:t>
             </a:r>
             <a:r>
-              <a:rPr lang="en-US" dirty="0" smtClean="0">
-                <a:solidFill>
-                  <a:srgbClr val="FFFF00"/>
-                </a:solidFill>
-              </a:rPr>
-              <a:t> </a:t>
-            </a:r>
-            <a:r>
-              <a:rPr lang="en-US" dirty="0" err="1" smtClean="0">
+              <a:rPr lang="en-US" sz="2500" dirty="0" smtClean="0">
+                <a:solidFill>
+                  <a:srgbClr val="FFFF00"/>
+                </a:solidFill>
+              </a:rPr>
+              <a:t> </a:t>
+            </a:r>
+            <a:r>
+              <a:rPr lang="en-US" sz="2500" dirty="0" err="1" smtClean="0">
                 <a:solidFill>
                   <a:srgbClr val="FFFF00"/>
                 </a:solidFill>
@@ -6430,15 +6429,15 @@
               <a:t>các</a:t>
             </a:r>
             <a:r>
-              <a:rPr lang="en-US" dirty="0" smtClean="0">
-                <a:solidFill>
-                  <a:srgbClr val="FFFF00"/>
-                </a:solidFill>
-              </a:rPr>
-              <a:t> </a:t>
-            </a:r>
-            <a:r>
-              <a:rPr lang="en-US" dirty="0" err="1" smtClean="0">
+              <a:rPr lang="en-US" sz="2500" dirty="0" smtClean="0">
+                <a:solidFill>
+                  <a:srgbClr val="FFFF00"/>
+                </a:solidFill>
+              </a:rPr>
+              <a:t> </a:t>
+            </a:r>
+            <a:r>
+              <a:rPr lang="en-US" sz="2500" dirty="0" err="1" smtClean="0">
                 <a:solidFill>
                   <a:srgbClr val="FFFF00"/>
                 </a:solidFill>
@@ -6446,7 +6445,7 @@
               <a:t>ngày</a:t>
             </a:r>
             <a:r>
-              <a:rPr lang="en-US" dirty="0" smtClean="0">
+              <a:rPr lang="en-US" sz="2500" dirty="0" smtClean="0">
                 <a:solidFill>
                   <a:srgbClr val="FFFF00"/>
                 </a:solidFill>
@@ -6454,7 +6453,7 @@
               <a:t>(string </a:t>
             </a:r>
             <a:r>
-              <a:rPr lang="en-US" dirty="0" err="1" smtClean="0">
+              <a:rPr lang="en-US" sz="2500" dirty="0" err="1" smtClean="0">
                 <a:solidFill>
                   <a:srgbClr val="FFFF00"/>
                 </a:solidFill>
@@ -6462,7 +6461,7 @@
               <a:t>dạng</a:t>
             </a:r>
             <a:r>
-              <a:rPr lang="en-US" dirty="0" smtClean="0">
+              <a:rPr lang="en-US" sz="2500" dirty="0" smtClean="0">
                 <a:solidFill>
                   <a:srgbClr val="FFFF00"/>
                 </a:solidFill>
@@ -6470,7 +6469,7 @@
               <a:t> “17-06-2018”), </a:t>
             </a:r>
             <a:r>
-              <a:rPr lang="en-US" dirty="0" err="1" smtClean="0">
+              <a:rPr lang="en-US" sz="2500" dirty="0" err="1" smtClean="0">
                 <a:solidFill>
                   <a:srgbClr val="FFFF00"/>
                 </a:solidFill>
@@ -6478,15 +6477,15 @@
               <a:t>yAxist</a:t>
             </a:r>
             <a:r>
-              <a:rPr lang="en-US" dirty="0" smtClean="0">
-                <a:solidFill>
-                  <a:srgbClr val="FFFF00"/>
-                </a:solidFill>
-              </a:rPr>
-              <a:t> </a:t>
-            </a:r>
-            <a:r>
-              <a:rPr lang="en-US" dirty="0" err="1" smtClean="0">
+              <a:rPr lang="en-US" sz="2500" dirty="0" smtClean="0">
+                <a:solidFill>
+                  <a:srgbClr val="FFFF00"/>
+                </a:solidFill>
+              </a:rPr>
+              <a:t> </a:t>
+            </a:r>
+            <a:r>
+              <a:rPr lang="en-US" sz="2500" dirty="0" err="1" smtClean="0">
                 <a:solidFill>
                   <a:srgbClr val="FFFF00"/>
                 </a:solidFill>
@@ -6494,15 +6493,15 @@
               <a:t>chứa</a:t>
             </a:r>
             <a:r>
-              <a:rPr lang="en-US" dirty="0" smtClean="0">
-                <a:solidFill>
-                  <a:srgbClr val="FFFF00"/>
-                </a:solidFill>
-              </a:rPr>
-              <a:t> </a:t>
-            </a:r>
-            <a:r>
-              <a:rPr lang="en-US" dirty="0" err="1" smtClean="0">
+              <a:rPr lang="en-US" sz="2500" dirty="0" smtClean="0">
+                <a:solidFill>
+                  <a:srgbClr val="FFFF00"/>
+                </a:solidFill>
+              </a:rPr>
+              <a:t> </a:t>
+            </a:r>
+            <a:r>
+              <a:rPr lang="en-US" sz="2500" dirty="0" err="1" smtClean="0">
                 <a:solidFill>
                   <a:srgbClr val="FFFF00"/>
                 </a:solidFill>
@@ -6510,15 +6509,15 @@
               <a:t>danh</a:t>
             </a:r>
             <a:r>
-              <a:rPr lang="en-US" dirty="0" smtClean="0">
-                <a:solidFill>
-                  <a:srgbClr val="FFFF00"/>
-                </a:solidFill>
-              </a:rPr>
-              <a:t> </a:t>
-            </a:r>
-            <a:r>
-              <a:rPr lang="en-US" dirty="0" err="1" smtClean="0">
+              <a:rPr lang="en-US" sz="2500" dirty="0" smtClean="0">
+                <a:solidFill>
+                  <a:srgbClr val="FFFF00"/>
+                </a:solidFill>
+              </a:rPr>
+              <a:t> </a:t>
+            </a:r>
+            <a:r>
+              <a:rPr lang="en-US" sz="2500" dirty="0" err="1" smtClean="0">
                 <a:solidFill>
                   <a:srgbClr val="FFFF00"/>
                 </a:solidFill>
@@ -6526,15 +6525,15 @@
               <a:t>sách</a:t>
             </a:r>
             <a:r>
-              <a:rPr lang="en-US" dirty="0" smtClean="0">
-                <a:solidFill>
-                  <a:srgbClr val="FFFF00"/>
-                </a:solidFill>
-              </a:rPr>
-              <a:t> </a:t>
-            </a:r>
-            <a:r>
-              <a:rPr lang="en-US" dirty="0" err="1" smtClean="0">
+              <a:rPr lang="en-US" sz="2500" dirty="0" smtClean="0">
+                <a:solidFill>
+                  <a:srgbClr val="FFFF00"/>
+                </a:solidFill>
+              </a:rPr>
+              <a:t> </a:t>
+            </a:r>
+            <a:r>
+              <a:rPr lang="en-US" sz="2500" dirty="0" err="1" smtClean="0">
                 <a:solidFill>
                   <a:srgbClr val="FFFF00"/>
                 </a:solidFill>
@@ -6542,15 +6541,15 @@
               <a:t>số</a:t>
             </a:r>
             <a:r>
-              <a:rPr lang="en-US" dirty="0" smtClean="0">
-                <a:solidFill>
-                  <a:srgbClr val="FFFF00"/>
-                </a:solidFill>
-              </a:rPr>
-              <a:t> </a:t>
-            </a:r>
-            <a:r>
-              <a:rPr lang="en-US" dirty="0" err="1" smtClean="0">
+              <a:rPr lang="en-US" sz="2500" dirty="0" smtClean="0">
+                <a:solidFill>
+                  <a:srgbClr val="FFFF00"/>
+                </a:solidFill>
+              </a:rPr>
+              <a:t> </a:t>
+            </a:r>
+            <a:r>
+              <a:rPr lang="en-US" sz="2500" dirty="0" err="1" smtClean="0">
                 <a:solidFill>
                   <a:srgbClr val="FFFF00"/>
                 </a:solidFill>
@@ -6558,7 +6557,7 @@
               <a:t>tiền</a:t>
             </a:r>
             <a:r>
-              <a:rPr lang="en-US" dirty="0" smtClean="0">
+              <a:rPr lang="en-US" sz="2500" dirty="0" smtClean="0">
                 <a:solidFill>
                   <a:srgbClr val="FFFF00"/>
                 </a:solidFill>
@@ -6566,7 +6565,7 @@
               <a:t> chi </a:t>
             </a:r>
             <a:r>
-              <a:rPr lang="en-US" dirty="0" err="1" smtClean="0">
+              <a:rPr lang="en-US" sz="2500" dirty="0" err="1" smtClean="0">
                 <a:solidFill>
                   <a:srgbClr val="FFFF00"/>
                 </a:solidFill>
@@ -6574,7 +6573,7 @@
               <a:t>tiêu</a:t>
             </a:r>
             <a:r>
-              <a:rPr lang="en-US" dirty="0" smtClean="0">
+              <a:rPr lang="en-US" sz="2500" dirty="0" smtClean="0">
                 <a:solidFill>
                   <a:srgbClr val="FFFF00"/>
                 </a:solidFill>
@@ -6582,7 +6581,7 @@
               <a:t>. </a:t>
             </a:r>
             <a:r>
-              <a:rPr lang="en-US" dirty="0" err="1" smtClean="0">
+              <a:rPr lang="en-US" sz="2500" dirty="0" err="1" smtClean="0">
                 <a:solidFill>
                   <a:srgbClr val="FFFF00"/>
                 </a:solidFill>
@@ -6590,15 +6589,15 @@
               <a:t>Chỉnh</a:t>
             </a:r>
             <a:r>
-              <a:rPr lang="en-US" dirty="0" smtClean="0">
-                <a:solidFill>
-                  <a:srgbClr val="FFFF00"/>
-                </a:solidFill>
-              </a:rPr>
-              <a:t> </a:t>
-            </a:r>
-            <a:r>
-              <a:rPr lang="en-US" dirty="0" err="1" smtClean="0">
+              <a:rPr lang="en-US" sz="2500" dirty="0" smtClean="0">
+                <a:solidFill>
+                  <a:srgbClr val="FFFF00"/>
+                </a:solidFill>
+              </a:rPr>
+              <a:t> </a:t>
+            </a:r>
+            <a:r>
+              <a:rPr lang="en-US" sz="2500" dirty="0" err="1" smtClean="0">
                 <a:solidFill>
                   <a:srgbClr val="FFFF00"/>
                 </a:solidFill>
@@ -6606,15 +6605,15 @@
               <a:t>sửa</a:t>
             </a:r>
             <a:r>
-              <a:rPr lang="en-US" dirty="0" smtClean="0">
-                <a:solidFill>
-                  <a:srgbClr val="FFFF00"/>
-                </a:solidFill>
-              </a:rPr>
-              <a:t> </a:t>
-            </a:r>
-            <a:r>
-              <a:rPr lang="en-US" dirty="0" err="1" smtClean="0">
+              <a:rPr lang="en-US" sz="2500" dirty="0" smtClean="0">
+                <a:solidFill>
+                  <a:srgbClr val="FFFF00"/>
+                </a:solidFill>
+              </a:rPr>
+              <a:t> </a:t>
+            </a:r>
+            <a:r>
+              <a:rPr lang="en-US" sz="2500" dirty="0" err="1" smtClean="0">
                 <a:solidFill>
                   <a:srgbClr val="FFFF00"/>
                 </a:solidFill>
@@ -6622,7 +6621,7 @@
               <a:t>một</a:t>
             </a:r>
             <a:r>
-              <a:rPr lang="en-US" dirty="0" smtClean="0">
+              <a:rPr lang="en-US" sz="2500" dirty="0" smtClean="0">
                 <a:solidFill>
                   <a:srgbClr val="FFFF00"/>
                 </a:solidFill>
@@ -6630,7 +6629,7 @@
               <a:t>/</a:t>
             </a:r>
             <a:r>
-              <a:rPr lang="en-US" dirty="0" err="1" smtClean="0">
+              <a:rPr lang="en-US" sz="2500" dirty="0" err="1" smtClean="0">
                 <a:solidFill>
                   <a:srgbClr val="FFFF00"/>
                 </a:solidFill>
@@ -6638,15 +6637,15 @@
               <a:t>nhiều</a:t>
             </a:r>
             <a:r>
-              <a:rPr lang="en-US" dirty="0" smtClean="0">
-                <a:solidFill>
-                  <a:srgbClr val="FFFF00"/>
-                </a:solidFill>
-              </a:rPr>
-              <a:t> </a:t>
-            </a:r>
-            <a:r>
-              <a:rPr lang="en-US" dirty="0" err="1" smtClean="0">
+              <a:rPr lang="en-US" sz="2500" dirty="0" smtClean="0">
+                <a:solidFill>
+                  <a:srgbClr val="FFFF00"/>
+                </a:solidFill>
+              </a:rPr>
+              <a:t> </a:t>
+            </a:r>
+            <a:r>
+              <a:rPr lang="en-US" sz="2500" dirty="0" err="1" smtClean="0">
                 <a:solidFill>
                   <a:srgbClr val="FFFF00"/>
                 </a:solidFill>
@@ -6654,15 +6653,15 @@
               <a:t>giá</a:t>
             </a:r>
             <a:r>
-              <a:rPr lang="en-US" dirty="0" smtClean="0">
-                <a:solidFill>
-                  <a:srgbClr val="FFFF00"/>
-                </a:solidFill>
-              </a:rPr>
-              <a:t> </a:t>
-            </a:r>
-            <a:r>
-              <a:rPr lang="en-US" dirty="0" err="1" smtClean="0">
+              <a:rPr lang="en-US" sz="2500" dirty="0" smtClean="0">
+                <a:solidFill>
+                  <a:srgbClr val="FFFF00"/>
+                </a:solidFill>
+              </a:rPr>
+              <a:t> </a:t>
+            </a:r>
+            <a:r>
+              <a:rPr lang="en-US" sz="2500" dirty="0" err="1" smtClean="0">
                 <a:solidFill>
                   <a:srgbClr val="FFFF00"/>
                 </a:solidFill>
@@ -6670,15 +6669,15 @@
               <a:t>trị</a:t>
             </a:r>
             <a:r>
-              <a:rPr lang="en-US" dirty="0" smtClean="0">
-                <a:solidFill>
-                  <a:srgbClr val="FFFF00"/>
-                </a:solidFill>
-              </a:rPr>
-              <a:t> </a:t>
-            </a:r>
-            <a:r>
-              <a:rPr lang="en-US" dirty="0" err="1" smtClean="0">
+              <a:rPr lang="en-US" sz="2500" dirty="0" smtClean="0">
+                <a:solidFill>
+                  <a:srgbClr val="FFFF00"/>
+                </a:solidFill>
+              </a:rPr>
+              <a:t> </a:t>
+            </a:r>
+            <a:r>
+              <a:rPr lang="en-US" sz="2500" dirty="0" err="1" smtClean="0">
                 <a:solidFill>
                   <a:srgbClr val="FFFF00"/>
                 </a:solidFill>
@@ -6686,7 +6685,7 @@
               <a:t>trong</a:t>
             </a:r>
             <a:r>
-              <a:rPr lang="en-US" dirty="0" smtClean="0">
+              <a:rPr lang="en-US" sz="2500" dirty="0" smtClean="0">
                 <a:solidFill>
                   <a:srgbClr val="FFFF00"/>
                 </a:solidFill>
@@ -6694,7 +6693,7 @@
               <a:t> list. </a:t>
             </a:r>
             <a:r>
-              <a:rPr lang="en-US" dirty="0" err="1" smtClean="0">
+              <a:rPr lang="en-US" sz="2500" dirty="0" err="1" smtClean="0">
                 <a:solidFill>
                   <a:srgbClr val="FFFF00"/>
                 </a:solidFill>
@@ -6702,15 +6701,15 @@
               <a:t>Thực</a:t>
             </a:r>
             <a:r>
-              <a:rPr lang="en-US" dirty="0" smtClean="0">
-                <a:solidFill>
-                  <a:srgbClr val="FFFF00"/>
-                </a:solidFill>
-              </a:rPr>
-              <a:t> </a:t>
-            </a:r>
-            <a:r>
-              <a:rPr lang="en-US" dirty="0" err="1" smtClean="0">
+              <a:rPr lang="en-US" sz="2500" dirty="0" smtClean="0">
+                <a:solidFill>
+                  <a:srgbClr val="FFFF00"/>
+                </a:solidFill>
+              </a:rPr>
+              <a:t> </a:t>
+            </a:r>
+            <a:r>
+              <a:rPr lang="en-US" sz="2500" dirty="0" err="1" smtClean="0">
                 <a:solidFill>
                   <a:srgbClr val="FFFF00"/>
                 </a:solidFill>
@@ -6718,7 +6717,7 @@
               <a:t>hành</a:t>
             </a:r>
             <a:r>
-              <a:rPr lang="en-US" dirty="0" smtClean="0">
+              <a:rPr lang="en-US" sz="2500" dirty="0" smtClean="0">
                 <a:solidFill>
                   <a:srgbClr val="FFFF00"/>
                 </a:solidFill>
@@ -6726,7 +6725,7 @@
               <a:t> 2 </a:t>
             </a:r>
             <a:r>
-              <a:rPr lang="en-US" dirty="0" err="1" smtClean="0">
+              <a:rPr lang="en-US" sz="2500" dirty="0" err="1" smtClean="0">
                 <a:solidFill>
                   <a:srgbClr val="FFFF00"/>
                 </a:solidFill>
@@ -6734,7 +6733,7 @@
               <a:t>cách</a:t>
             </a:r>
             <a:r>
-              <a:rPr lang="en-US" dirty="0" smtClean="0">
+              <a:rPr lang="en-US" sz="2500" dirty="0" smtClean="0">
                 <a:solidFill>
                   <a:srgbClr val="FFFF00"/>
                 </a:solidFill>
@@ -6748,7 +6747,7 @@
               <a:buChar char="-"/>
             </a:pPr>
             <a:r>
-              <a:rPr lang="en-US" dirty="0" err="1" smtClean="0">
+              <a:rPr lang="en-US" sz="2500" dirty="0" err="1" smtClean="0">
                 <a:solidFill>
                   <a:srgbClr val="FFFF00"/>
                 </a:solidFill>
@@ -6756,15 +6755,15 @@
               <a:t>Sử</a:t>
             </a:r>
             <a:r>
-              <a:rPr lang="en-US" dirty="0" smtClean="0">
-                <a:solidFill>
-                  <a:srgbClr val="FFFF00"/>
-                </a:solidFill>
-              </a:rPr>
-              <a:t> </a:t>
-            </a:r>
-            <a:r>
-              <a:rPr lang="en-US" dirty="0" err="1" smtClean="0">
+              <a:rPr lang="en-US" sz="2500" dirty="0" smtClean="0">
+                <a:solidFill>
+                  <a:srgbClr val="FFFF00"/>
+                </a:solidFill>
+              </a:rPr>
+              <a:t> </a:t>
+            </a:r>
+            <a:r>
+              <a:rPr lang="en-US" sz="2500" dirty="0" err="1" smtClean="0">
                 <a:solidFill>
                   <a:srgbClr val="FFFF00"/>
                 </a:solidFill>
@@ -6772,7 +6771,7 @@
               <a:t>dụng</a:t>
             </a:r>
             <a:r>
-              <a:rPr lang="en-US" dirty="0" smtClean="0">
+              <a:rPr lang="en-US" sz="2500" dirty="0" smtClean="0">
                 <a:solidFill>
                   <a:srgbClr val="FFFF00"/>
                 </a:solidFill>
@@ -6780,7 +6779,7 @@
               <a:t> list </a:t>
             </a:r>
             <a:r>
-              <a:rPr lang="en-US" dirty="0" err="1" smtClean="0">
+              <a:rPr lang="en-US" sz="2500" dirty="0" err="1" smtClean="0">
                 <a:solidFill>
                   <a:srgbClr val="FFFF00"/>
                 </a:solidFill>
@@ -6788,7 +6787,7 @@
               <a:t>các</a:t>
             </a:r>
             <a:r>
-              <a:rPr lang="en-US" dirty="0" smtClean="0">
+              <a:rPr lang="en-US" sz="2500" dirty="0" smtClean="0">
                 <a:solidFill>
                   <a:srgbClr val="FFFF00"/>
                 </a:solidFill>
@@ -6802,7 +6801,7 @@
               <a:buChar char="-"/>
             </a:pPr>
             <a:r>
-              <a:rPr lang="en-US" dirty="0" err="1" smtClean="0">
+              <a:rPr lang="en-US" sz="2500" dirty="0" err="1" smtClean="0">
                 <a:solidFill>
                   <a:srgbClr val="FFFF00"/>
                 </a:solidFill>
@@ -6810,15 +6809,15 @@
               <a:t>Sử</a:t>
             </a:r>
             <a:r>
-              <a:rPr lang="en-US" dirty="0" smtClean="0">
-                <a:solidFill>
-                  <a:srgbClr val="FFFF00"/>
-                </a:solidFill>
-              </a:rPr>
-              <a:t> </a:t>
-            </a:r>
-            <a:r>
-              <a:rPr lang="en-US" dirty="0" err="1" smtClean="0">
+              <a:rPr lang="en-US" sz="2500" dirty="0" smtClean="0">
+                <a:solidFill>
+                  <a:srgbClr val="FFFF00"/>
+                </a:solidFill>
+              </a:rPr>
+              <a:t> </a:t>
+            </a:r>
+            <a:r>
+              <a:rPr lang="en-US" sz="2500" dirty="0" err="1" smtClean="0">
                 <a:solidFill>
                   <a:srgbClr val="FFFF00"/>
                 </a:solidFill>
@@ -6826,7 +6825,7 @@
               <a:t>dụng</a:t>
             </a:r>
             <a:r>
-              <a:rPr lang="en-US" dirty="0" smtClean="0">
+              <a:rPr lang="en-US" sz="2500" dirty="0" smtClean="0">
                 <a:solidFill>
                   <a:srgbClr val="FFFF00"/>
                 </a:solidFill>
@@ -6834,7 +6833,7 @@
               <a:t> object(</a:t>
             </a:r>
             <a:r>
-              <a:rPr lang="en-US" dirty="0" err="1" smtClean="0">
+              <a:rPr lang="en-US" sz="2500" dirty="0" err="1" smtClean="0">
                 <a:solidFill>
                   <a:srgbClr val="FFFF00"/>
                 </a:solidFill>
@@ -6842,15 +6841,15 @@
               <a:t>ko</a:t>
             </a:r>
             <a:r>
-              <a:rPr lang="en-US" dirty="0" smtClean="0">
-                <a:solidFill>
-                  <a:srgbClr val="FFFF00"/>
-                </a:solidFill>
-              </a:rPr>
-              <a:t> </a:t>
-            </a:r>
-            <a:r>
-              <a:rPr lang="en-US" dirty="0" err="1" smtClean="0">
+              <a:rPr lang="en-US" sz="2500" dirty="0" smtClean="0">
+                <a:solidFill>
+                  <a:srgbClr val="FFFF00"/>
+                </a:solidFill>
+              </a:rPr>
+              <a:t> </a:t>
+            </a:r>
+            <a:r>
+              <a:rPr lang="en-US" sz="2500" dirty="0" err="1" smtClean="0">
                 <a:solidFill>
                   <a:srgbClr val="FFFF00"/>
                 </a:solidFill>
@@ -6858,7 +6857,7 @@
               <a:t>dùng</a:t>
             </a:r>
             <a:r>
-              <a:rPr lang="en-US" dirty="0" smtClean="0">
+              <a:rPr lang="en-US" sz="2500" dirty="0" smtClean="0">
                 <a:solidFill>
                   <a:srgbClr val="FFFF00"/>
                 </a:solidFill>
@@ -6868,7 +6867,7 @@
           </a:p>
           <a:p>
             <a:r>
-              <a:rPr lang="en-US" dirty="0" smtClean="0">
+              <a:rPr lang="en-US" sz="2500" dirty="0" smtClean="0">
                 <a:solidFill>
                   <a:srgbClr val="FFFF00"/>
                 </a:solidFill>
@@ -6876,7 +6875,7 @@
               <a:t>“</a:t>
             </a:r>
             <a:r>
-              <a:rPr lang="en-US" dirty="0" err="1" smtClean="0">
+              <a:rPr lang="en-US" sz="2500" dirty="0" err="1" smtClean="0">
                 <a:solidFill>
                   <a:srgbClr val="FFFF00"/>
                 </a:solidFill>
@@ -6884,15 +6883,15 @@
               <a:t>Bài</a:t>
             </a:r>
             <a:r>
-              <a:rPr lang="en-US" dirty="0" smtClean="0">
-                <a:solidFill>
-                  <a:srgbClr val="FFFF00"/>
-                </a:solidFill>
-              </a:rPr>
-              <a:t> </a:t>
-            </a:r>
-            <a:r>
-              <a:rPr lang="en-US" dirty="0" err="1" smtClean="0">
+              <a:rPr lang="en-US" sz="2500" dirty="0" smtClean="0">
+                <a:solidFill>
+                  <a:srgbClr val="FFFF00"/>
+                </a:solidFill>
+              </a:rPr>
+              <a:t> </a:t>
+            </a:r>
+            <a:r>
+              <a:rPr lang="en-US" sz="2500" dirty="0" err="1" smtClean="0">
                 <a:solidFill>
                   <a:srgbClr val="FFFF00"/>
                 </a:solidFill>
@@ -6900,15 +6899,15 @@
               <a:t>này</a:t>
             </a:r>
             <a:r>
-              <a:rPr lang="en-US" dirty="0" smtClean="0">
-                <a:solidFill>
-                  <a:srgbClr val="FFFF00"/>
-                </a:solidFill>
-              </a:rPr>
-              <a:t> </a:t>
-            </a:r>
-            <a:r>
-              <a:rPr lang="en-US" dirty="0" err="1" smtClean="0">
+              <a:rPr lang="en-US" sz="2500" dirty="0" smtClean="0">
+                <a:solidFill>
+                  <a:srgbClr val="FFFF00"/>
+                </a:solidFill>
+              </a:rPr>
+              <a:t> </a:t>
+            </a:r>
+            <a:r>
+              <a:rPr lang="en-US" sz="2500" dirty="0" err="1" smtClean="0">
                 <a:solidFill>
                   <a:srgbClr val="FFFF00"/>
                 </a:solidFill>
@@ -6916,15 +6915,15 @@
               <a:t>mục</a:t>
             </a:r>
             <a:r>
-              <a:rPr lang="en-US" dirty="0" smtClean="0">
-                <a:solidFill>
-                  <a:srgbClr val="FFFF00"/>
-                </a:solidFill>
-              </a:rPr>
-              <a:t> </a:t>
-            </a:r>
-            <a:r>
-              <a:rPr lang="en-US" dirty="0" err="1" smtClean="0">
+              <a:rPr lang="en-US" sz="2500" dirty="0" smtClean="0">
+                <a:solidFill>
+                  <a:srgbClr val="FFFF00"/>
+                </a:solidFill>
+              </a:rPr>
+              <a:t> </a:t>
+            </a:r>
+            <a:r>
+              <a:rPr lang="en-US" sz="2500" dirty="0" err="1" smtClean="0">
                 <a:solidFill>
                   <a:srgbClr val="FFFF00"/>
                 </a:solidFill>
@@ -6932,15 +6931,15 @@
               <a:t>đích</a:t>
             </a:r>
             <a:r>
-              <a:rPr lang="en-US" dirty="0" smtClean="0">
-                <a:solidFill>
-                  <a:srgbClr val="FFFF00"/>
-                </a:solidFill>
-              </a:rPr>
-              <a:t> </a:t>
-            </a:r>
-            <a:r>
-              <a:rPr lang="en-US" dirty="0" err="1" smtClean="0">
+              <a:rPr lang="en-US" sz="2500" dirty="0" smtClean="0">
+                <a:solidFill>
+                  <a:srgbClr val="FFFF00"/>
+                </a:solidFill>
+              </a:rPr>
+              <a:t> </a:t>
+            </a:r>
+            <a:r>
+              <a:rPr lang="en-US" sz="2500" dirty="0" err="1" smtClean="0">
                 <a:solidFill>
                   <a:srgbClr val="FFFF00"/>
                 </a:solidFill>
@@ -6948,15 +6947,15 @@
               <a:t>nêu</a:t>
             </a:r>
             <a:r>
-              <a:rPr lang="en-US" dirty="0" smtClean="0">
-                <a:solidFill>
-                  <a:srgbClr val="FFFF00"/>
-                </a:solidFill>
-              </a:rPr>
-              <a:t> </a:t>
-            </a:r>
-            <a:r>
-              <a:rPr lang="en-US" dirty="0" err="1" smtClean="0">
+              <a:rPr lang="en-US" sz="2500" dirty="0" smtClean="0">
+                <a:solidFill>
+                  <a:srgbClr val="FFFF00"/>
+                </a:solidFill>
+              </a:rPr>
+              <a:t> </a:t>
+            </a:r>
+            <a:r>
+              <a:rPr lang="en-US" sz="2500" dirty="0" err="1" smtClean="0">
                 <a:solidFill>
                   <a:srgbClr val="FFFF00"/>
                 </a:solidFill>
@@ -6964,15 +6963,15 @@
               <a:t>ưu</a:t>
             </a:r>
             <a:r>
-              <a:rPr lang="en-US" dirty="0" smtClean="0">
-                <a:solidFill>
-                  <a:srgbClr val="FFFF00"/>
-                </a:solidFill>
-              </a:rPr>
-              <a:t> </a:t>
-            </a:r>
-            <a:r>
-              <a:rPr lang="en-US" dirty="0" err="1" smtClean="0">
+              <a:rPr lang="en-US" sz="2500" dirty="0" smtClean="0">
+                <a:solidFill>
+                  <a:srgbClr val="FFFF00"/>
+                </a:solidFill>
+              </a:rPr>
+              <a:t> </a:t>
+            </a:r>
+            <a:r>
+              <a:rPr lang="en-US" sz="2500" dirty="0" err="1" smtClean="0">
                 <a:solidFill>
                   <a:srgbClr val="FFFF00"/>
                 </a:solidFill>
@@ -6980,15 +6979,15 @@
               <a:t>điểm</a:t>
             </a:r>
             <a:r>
-              <a:rPr lang="en-US" dirty="0" smtClean="0">
-                <a:solidFill>
-                  <a:srgbClr val="FFFF00"/>
-                </a:solidFill>
-              </a:rPr>
-              <a:t> </a:t>
-            </a:r>
-            <a:r>
-              <a:rPr lang="en-US" dirty="0" err="1" smtClean="0">
+              <a:rPr lang="en-US" sz="2500" dirty="0" smtClean="0">
+                <a:solidFill>
+                  <a:srgbClr val="FFFF00"/>
+                </a:solidFill>
+              </a:rPr>
+              <a:t> </a:t>
+            </a:r>
+            <a:r>
+              <a:rPr lang="en-US" sz="2500" dirty="0" err="1" smtClean="0">
                 <a:solidFill>
                   <a:srgbClr val="FFFF00"/>
                 </a:solidFill>
@@ -6996,15 +6995,15 @@
               <a:t>của</a:t>
             </a:r>
             <a:r>
-              <a:rPr lang="en-US" dirty="0" smtClean="0">
-                <a:solidFill>
-                  <a:srgbClr val="FFFF00"/>
-                </a:solidFill>
-              </a:rPr>
-              <a:t> </a:t>
-            </a:r>
-            <a:r>
-              <a:rPr lang="en-US" dirty="0" err="1" smtClean="0">
+              <a:rPr lang="en-US" sz="2500" dirty="0" smtClean="0">
+                <a:solidFill>
+                  <a:srgbClr val="FFFF00"/>
+                </a:solidFill>
+              </a:rPr>
+              <a:t> </a:t>
+            </a:r>
+            <a:r>
+              <a:rPr lang="en-US" sz="2500" dirty="0" err="1" smtClean="0">
                 <a:solidFill>
                   <a:srgbClr val="FFFF00"/>
                 </a:solidFill>
@@ -7012,15 +7011,15 @@
               <a:t>kiểu</a:t>
             </a:r>
             <a:r>
-              <a:rPr lang="en-US" dirty="0" smtClean="0">
-                <a:solidFill>
-                  <a:srgbClr val="FFFF00"/>
-                </a:solidFill>
-              </a:rPr>
-              <a:t> </a:t>
-            </a:r>
-            <a:r>
-              <a:rPr lang="en-US" dirty="0" err="1" smtClean="0">
+              <a:rPr lang="en-US" sz="2500" dirty="0" smtClean="0">
+                <a:solidFill>
+                  <a:srgbClr val="FFFF00"/>
+                </a:solidFill>
+              </a:rPr>
+              <a:t> </a:t>
+            </a:r>
+            <a:r>
+              <a:rPr lang="en-US" sz="2500" dirty="0" err="1" smtClean="0">
                 <a:solidFill>
                   <a:srgbClr val="FFFF00"/>
                 </a:solidFill>
@@ -7028,15 +7027,15 @@
               <a:t>dữ</a:t>
             </a:r>
             <a:r>
-              <a:rPr lang="en-US" dirty="0" smtClean="0">
-                <a:solidFill>
-                  <a:srgbClr val="FFFF00"/>
-                </a:solidFill>
-              </a:rPr>
-              <a:t> </a:t>
-            </a:r>
-            <a:r>
-              <a:rPr lang="en-US" dirty="0" err="1" smtClean="0">
+              <a:rPr lang="en-US" sz="2500" dirty="0" smtClean="0">
+                <a:solidFill>
+                  <a:srgbClr val="FFFF00"/>
+                </a:solidFill>
+              </a:rPr>
+              <a:t> </a:t>
+            </a:r>
+            <a:r>
+              <a:rPr lang="en-US" sz="2500" dirty="0" err="1" smtClean="0">
                 <a:solidFill>
                   <a:srgbClr val="FFFF00"/>
                 </a:solidFill>
@@ -7044,7 +7043,7 @@
               <a:t>liệu</a:t>
             </a:r>
             <a:r>
-              <a:rPr lang="en-US" dirty="0" smtClean="0">
+              <a:rPr lang="en-US" sz="2500" dirty="0" smtClean="0">
                 <a:solidFill>
                   <a:srgbClr val="FFFF00"/>
                 </a:solidFill>
@@ -7052,7 +7051,7 @@
               <a:t> object </a:t>
             </a:r>
             <a:r>
-              <a:rPr lang="en-US" dirty="0" err="1" smtClean="0">
+              <a:rPr lang="en-US" sz="2500" dirty="0" err="1" smtClean="0">
                 <a:solidFill>
                   <a:srgbClr val="FFFF00"/>
                 </a:solidFill>
@@ -7060,15 +7059,15 @@
               <a:t>trong</a:t>
             </a:r>
             <a:r>
-              <a:rPr lang="en-US" dirty="0" smtClean="0">
-                <a:solidFill>
-                  <a:srgbClr val="FFFF00"/>
-                </a:solidFill>
-              </a:rPr>
-              <a:t> </a:t>
-            </a:r>
-            <a:r>
-              <a:rPr lang="en-US" dirty="0" err="1" smtClean="0">
+              <a:rPr lang="en-US" sz="2500" dirty="0" smtClean="0">
+                <a:solidFill>
+                  <a:srgbClr val="FFFF00"/>
+                </a:solidFill>
+              </a:rPr>
+              <a:t> </a:t>
+            </a:r>
+            <a:r>
+              <a:rPr lang="en-US" sz="2500" dirty="0" err="1" smtClean="0">
                 <a:solidFill>
                   <a:srgbClr val="FFFF00"/>
                 </a:solidFill>
@@ -7076,15 +7075,15 @@
               <a:t>js</a:t>
             </a:r>
             <a:r>
-              <a:rPr lang="en-US" dirty="0" smtClean="0">
-                <a:solidFill>
-                  <a:srgbClr val="FFFF00"/>
-                </a:solidFill>
-              </a:rPr>
-              <a:t> </a:t>
-            </a:r>
-            <a:r>
-              <a:rPr lang="mr-IN" dirty="0" smtClean="0">
+              <a:rPr lang="en-US" sz="2500" dirty="0" smtClean="0">
+                <a:solidFill>
+                  <a:srgbClr val="FFFF00"/>
+                </a:solidFill>
+              </a:rPr>
+              <a:t> </a:t>
+            </a:r>
+            <a:r>
+              <a:rPr lang="mr-IN" sz="2500" dirty="0" smtClean="0">
                 <a:solidFill>
                   <a:srgbClr val="FFFF00"/>
                 </a:solidFill>
@@ -7092,15 +7091,15 @@
               <a:t>–</a:t>
             </a:r>
             <a:r>
-              <a:rPr lang="en-US" dirty="0" smtClean="0">
-                <a:solidFill>
-                  <a:srgbClr val="FFFF00"/>
-                </a:solidFill>
-              </a:rPr>
-              <a:t> </a:t>
-            </a:r>
-            <a:r>
-              <a:rPr lang="en-US" dirty="0" err="1" smtClean="0">
+              <a:rPr lang="en-US" sz="2500" dirty="0" smtClean="0">
+                <a:solidFill>
+                  <a:srgbClr val="FFFF00"/>
+                </a:solidFill>
+              </a:rPr>
+              <a:t> </a:t>
+            </a:r>
+            <a:r>
+              <a:rPr lang="en-US" sz="2500" dirty="0" err="1" smtClean="0">
                 <a:solidFill>
                   <a:srgbClr val="FFFF00"/>
                 </a:solidFill>
@@ -7108,15 +7107,15 @@
               <a:t>có</a:t>
             </a:r>
             <a:r>
-              <a:rPr lang="en-US" dirty="0" smtClean="0">
-                <a:solidFill>
-                  <a:srgbClr val="FFFF00"/>
-                </a:solidFill>
-              </a:rPr>
-              <a:t> </a:t>
-            </a:r>
-            <a:r>
-              <a:rPr lang="en-US" dirty="0" err="1" smtClean="0">
+              <a:rPr lang="en-US" sz="2500" dirty="0" smtClean="0">
+                <a:solidFill>
+                  <a:srgbClr val="FFFF00"/>
+                </a:solidFill>
+              </a:rPr>
+              <a:t> </a:t>
+            </a:r>
+            <a:r>
+              <a:rPr lang="en-US" sz="2500" dirty="0" err="1" smtClean="0">
                 <a:solidFill>
                   <a:srgbClr val="FFFF00"/>
                 </a:solidFill>
@@ -7124,15 +7123,15 @@
               <a:t>thể</a:t>
             </a:r>
             <a:r>
-              <a:rPr lang="en-US" dirty="0" smtClean="0">
-                <a:solidFill>
-                  <a:srgbClr val="FFFF00"/>
-                </a:solidFill>
-              </a:rPr>
-              <a:t> </a:t>
-            </a:r>
-            <a:r>
-              <a:rPr lang="en-US" dirty="0" err="1" smtClean="0">
+              <a:rPr lang="en-US" sz="2500" dirty="0" smtClean="0">
+                <a:solidFill>
+                  <a:srgbClr val="FFFF00"/>
+                </a:solidFill>
+              </a:rPr>
+              <a:t> </a:t>
+            </a:r>
+            <a:r>
+              <a:rPr lang="en-US" sz="2500" dirty="0" err="1" smtClean="0">
                 <a:solidFill>
                   <a:srgbClr val="FFFF00"/>
                 </a:solidFill>
@@ -7140,7 +7139,7 @@
               <a:t>thêm</a:t>
             </a:r>
             <a:r>
-              <a:rPr lang="en-US" dirty="0" smtClean="0">
+              <a:rPr lang="en-US" sz="2500" dirty="0" smtClean="0">
                 <a:solidFill>
                   <a:srgbClr val="FFFF00"/>
                 </a:solidFill>
@@ -7148,7 +7147,7 @@
               <a:t>/</a:t>
             </a:r>
             <a:r>
-              <a:rPr lang="en-US" dirty="0" err="1" smtClean="0">
+              <a:rPr lang="en-US" sz="2500" dirty="0" err="1" smtClean="0">
                 <a:solidFill>
                   <a:srgbClr val="FFFF00"/>
                 </a:solidFill>
@@ -7156,15 +7155,15 @@
               <a:t>bớt</a:t>
             </a:r>
             <a:r>
-              <a:rPr lang="en-US" dirty="0" smtClean="0">
-                <a:solidFill>
-                  <a:srgbClr val="FFFF00"/>
-                </a:solidFill>
-              </a:rPr>
-              <a:t> </a:t>
-            </a:r>
-            <a:r>
-              <a:rPr lang="en-US" dirty="0" err="1" smtClean="0">
+              <a:rPr lang="en-US" sz="2500" dirty="0" smtClean="0">
+                <a:solidFill>
+                  <a:srgbClr val="FFFF00"/>
+                </a:solidFill>
+              </a:rPr>
+              <a:t> </a:t>
+            </a:r>
+            <a:r>
+              <a:rPr lang="en-US" sz="2500" dirty="0" err="1" smtClean="0">
                 <a:solidFill>
                   <a:srgbClr val="FFFF00"/>
                 </a:solidFill>
@@ -7172,15 +7171,15 @@
               <a:t>thuộc</a:t>
             </a:r>
             <a:r>
-              <a:rPr lang="en-US" dirty="0" smtClean="0">
-                <a:solidFill>
-                  <a:srgbClr val="FFFF00"/>
-                </a:solidFill>
-              </a:rPr>
-              <a:t> </a:t>
-            </a:r>
-            <a:r>
-              <a:rPr lang="en-US" dirty="0" err="1" smtClean="0">
+              <a:rPr lang="en-US" sz="2500" dirty="0" smtClean="0">
+                <a:solidFill>
+                  <a:srgbClr val="FFFF00"/>
+                </a:solidFill>
+              </a:rPr>
+              <a:t> </a:t>
+            </a:r>
+            <a:r>
+              <a:rPr lang="en-US" sz="2500" dirty="0" err="1" smtClean="0">
                 <a:solidFill>
                   <a:srgbClr val="FFFF00"/>
                 </a:solidFill>
@@ -7188,14 +7187,14 @@
               <a:t>tính</a:t>
             </a:r>
             <a:r>
-              <a:rPr lang="en-US" dirty="0" smtClean="0">
+              <a:rPr lang="en-US" sz="2500" dirty="0" smtClean="0">
                 <a:solidFill>
                   <a:srgbClr val="FFFF00"/>
                 </a:solidFill>
               </a:rPr>
               <a:t>”</a:t>
             </a:r>
-            <a:endParaRPr lang="en-US" dirty="0">
+            <a:endParaRPr lang="en-US" sz="2500" dirty="0">
               <a:solidFill>
                 <a:srgbClr val="FFFF00"/>
               </a:solidFill>
@@ -7224,68 +7223,6 @@
 </file>
 
 <file path=ppt/slides/slide12.xml><?xml version="1.0" encoding="utf-8"?>
-<p:sld xmlns:a="http://schemas.openxmlformats.org/drawingml/2006/main" xmlns:r="http://schemas.openxmlformats.org/officeDocument/2006/relationships" xmlns:p="http://schemas.openxmlformats.org/presentationml/2006/main">
-  <p:cSld>
-    <p:spTree>
-      <p:nvGrpSpPr>
-        <p:cNvPr id="1" name=""/>
-        <p:cNvGrpSpPr/>
-        <p:nvPr/>
-      </p:nvGrpSpPr>
-      <p:grpSpPr>
-        <a:xfrm>
-          <a:off x="0" y="0"/>
-          <a:ext cx="0" cy="0"/>
-          <a:chOff x="0" y="0"/>
-          <a:chExt cx="0" cy="0"/>
-        </a:xfrm>
-      </p:grpSpPr>
-      <p:sp>
-        <p:nvSpPr>
-          <p:cNvPr id="2" name="Title 1"/>
-          <p:cNvSpPr>
-            <a:spLocks noGrp="1"/>
-          </p:cNvSpPr>
-          <p:nvPr>
-            <p:ph type="title"/>
-          </p:nvPr>
-        </p:nvSpPr>
-        <p:spPr/>
-        <p:txBody>
-          <a:bodyPr>
-            <a:normAutofit fontScale="90000"/>
-          </a:bodyPr>
-          <a:lstStyle/>
-          <a:p>
-            <a:r>
-              <a:rPr lang="en-US" dirty="0" smtClean="0"/>
-              <a:t>Questions and Answers</a:t>
-            </a:r>
-            <a:endParaRPr lang="en-US" dirty="0"/>
-          </a:p>
-        </p:txBody>
-      </p:sp>
-    </p:spTree>
-    <p:extLst>
-      <p:ext uri="{BB962C8B-B14F-4D97-AF65-F5344CB8AC3E}">
-        <p14:creationId xmlns:p14="http://schemas.microsoft.com/office/powerpoint/2010/main" val="847549113"/>
-      </p:ext>
-    </p:extLst>
-  </p:cSld>
-  <p:clrMapOvr>
-    <a:masterClrMapping/>
-  </p:clrMapOvr>
-  <p:timing>
-    <p:tnLst>
-      <p:par>
-        <p:cTn id="1" dur="indefinite" restart="never" nodeType="tmRoot"/>
-      </p:par>
-    </p:tnLst>
-  </p:timing>
-</p:sld>
-</file>
-
-<file path=ppt/slides/slide13.xml><?xml version="1.0" encoding="utf-8"?>
 <p:sld xmlns:a="http://schemas.openxmlformats.org/drawingml/2006/main" xmlns:r="http://schemas.openxmlformats.org/officeDocument/2006/relationships" xmlns:p="http://schemas.openxmlformats.org/presentationml/2006/main" show="0">
   <p:cSld>
     <p:spTree>
@@ -7538,23 +7475,43 @@
               <a:buNone/>
             </a:pPr>
             <a:r>
-              <a:rPr lang="en-US" dirty="0" smtClean="0"/>
+              <a:rPr lang="en-US" dirty="0" smtClean="0">
+                <a:solidFill>
+                  <a:srgbClr val="92D050"/>
+                </a:solidFill>
+              </a:rPr>
               <a:t>1. </a:t>
             </a:r>
             <a:r>
-              <a:rPr lang="en-US" dirty="0" err="1" smtClean="0"/>
+              <a:rPr lang="en-US" dirty="0" err="1" smtClean="0">
+                <a:solidFill>
+                  <a:srgbClr val="92D050"/>
+                </a:solidFill>
+              </a:rPr>
               <a:t>Nodejs</a:t>
             </a:r>
             <a:r>
-              <a:rPr lang="en-US" dirty="0" smtClean="0"/>
+              <a:rPr lang="en-US" dirty="0" smtClean="0">
+                <a:solidFill>
+                  <a:srgbClr val="92D050"/>
+                </a:solidFill>
+              </a:rPr>
               <a:t> + </a:t>
             </a:r>
             <a:r>
-              <a:rPr lang="en-US" dirty="0" err="1" smtClean="0"/>
+              <a:rPr lang="en-US" dirty="0" err="1" smtClean="0">
+                <a:solidFill>
+                  <a:srgbClr val="92D050"/>
+                </a:solidFill>
+              </a:rPr>
               <a:t>Javascript</a:t>
             </a:r>
             <a:r>
-              <a:rPr lang="en-US" dirty="0" smtClean="0"/>
+              <a:rPr lang="en-US" dirty="0" smtClean="0">
+                <a:solidFill>
+                  <a:srgbClr val="92D050"/>
+                </a:solidFill>
+              </a:rPr>
               <a:t> ECMAScript 6.</a:t>
             </a:r>
             <a:r>
@@ -7574,47 +7531,91 @@
               <a:buNone/>
             </a:pPr>
             <a:r>
-              <a:rPr lang="en-US" dirty="0" smtClean="0"/>
+              <a:rPr lang="en-US" dirty="0" smtClean="0">
+                <a:solidFill>
+                  <a:srgbClr val="92D050"/>
+                </a:solidFill>
+              </a:rPr>
               <a:t>2. </a:t>
             </a:r>
             <a:r>
-              <a:rPr lang="en-US" dirty="0" err="1" smtClean="0"/>
+              <a:rPr lang="en-US" dirty="0" err="1" smtClean="0">
+                <a:solidFill>
+                  <a:srgbClr val="92D050"/>
+                </a:solidFill>
+              </a:rPr>
               <a:t>Làm</a:t>
             </a:r>
             <a:r>
-              <a:rPr lang="en-US" dirty="0" smtClean="0"/>
+              <a:rPr lang="en-US" dirty="0" smtClean="0">
+                <a:solidFill>
+                  <a:srgbClr val="92D050"/>
+                </a:solidFill>
+              </a:rPr>
               <a:t> 3 </a:t>
             </a:r>
             <a:r>
-              <a:rPr lang="en-US" dirty="0" err="1" smtClean="0"/>
+              <a:rPr lang="en-US" dirty="0" err="1" smtClean="0">
+                <a:solidFill>
+                  <a:srgbClr val="92D050"/>
+                </a:solidFill>
+              </a:rPr>
               <a:t>ứng</a:t>
             </a:r>
             <a:r>
-              <a:rPr lang="en-US" dirty="0" smtClean="0"/>
-              <a:t> </a:t>
-            </a:r>
-            <a:r>
-              <a:rPr lang="en-US" dirty="0" err="1" smtClean="0"/>
+              <a:rPr lang="en-US" dirty="0" smtClean="0">
+                <a:solidFill>
+                  <a:srgbClr val="92D050"/>
+                </a:solidFill>
+              </a:rPr>
+              <a:t> </a:t>
+            </a:r>
+            <a:r>
+              <a:rPr lang="en-US" dirty="0" err="1" smtClean="0">
+                <a:solidFill>
+                  <a:srgbClr val="92D050"/>
+                </a:solidFill>
+              </a:rPr>
               <a:t>dụng</a:t>
             </a:r>
             <a:r>
-              <a:rPr lang="en-US" dirty="0" smtClean="0"/>
-              <a:t> </a:t>
-            </a:r>
-            <a:r>
-              <a:rPr lang="en-US" dirty="0" err="1" smtClean="0"/>
+              <a:rPr lang="en-US" dirty="0" smtClean="0">
+                <a:solidFill>
+                  <a:srgbClr val="92D050"/>
+                </a:solidFill>
+              </a:rPr>
+              <a:t> </a:t>
+            </a:r>
+            <a:r>
+              <a:rPr lang="en-US" dirty="0" err="1" smtClean="0">
+                <a:solidFill>
+                  <a:srgbClr val="92D050"/>
+                </a:solidFill>
+              </a:rPr>
               <a:t>thực</a:t>
             </a:r>
             <a:r>
-              <a:rPr lang="en-US" dirty="0" smtClean="0"/>
-              <a:t> </a:t>
-            </a:r>
-            <a:r>
-              <a:rPr lang="en-US" dirty="0" err="1" smtClean="0"/>
+              <a:rPr lang="en-US" dirty="0" smtClean="0">
+                <a:solidFill>
+                  <a:srgbClr val="92D050"/>
+                </a:solidFill>
+              </a:rPr>
+              <a:t> </a:t>
+            </a:r>
+            <a:r>
+              <a:rPr lang="en-US" dirty="0" err="1" smtClean="0">
+                <a:solidFill>
+                  <a:srgbClr val="92D050"/>
+                </a:solidFill>
+              </a:rPr>
               <a:t>tế</a:t>
             </a:r>
             <a:r>
-              <a:rPr lang="en-US" dirty="0" smtClean="0"/>
+              <a:rPr lang="en-US" dirty="0" smtClean="0">
+                <a:solidFill>
+                  <a:srgbClr val="92D050"/>
+                </a:solidFill>
+              </a:rPr>
               <a:t>: </a:t>
             </a:r>
           </a:p>
@@ -7626,14 +7627,35 @@
               <a:buNone/>
             </a:pPr>
             <a:r>
-              <a:rPr lang="en-US" dirty="0" smtClean="0"/>
+              <a:rPr lang="en-US" dirty="0" smtClean="0">
+                <a:solidFill>
+                  <a:schemeClr val="tx2">
+                    <a:lumMod val="60000"/>
+                    <a:lumOff val="40000"/>
+                  </a:schemeClr>
+                </a:solidFill>
+              </a:rPr>
               <a:t>- </a:t>
             </a:r>
             <a:r>
-              <a:rPr lang="en-US" dirty="0" err="1" smtClean="0"/>
+              <a:rPr lang="en-US" dirty="0" err="1" smtClean="0">
+                <a:solidFill>
+                  <a:schemeClr val="tx2">
+                    <a:lumMod val="60000"/>
+                    <a:lumOff val="40000"/>
+                  </a:schemeClr>
+                </a:solidFill>
+              </a:rPr>
               <a:t>TodoList</a:t>
             </a:r>
-            <a:endParaRPr lang="en-US" dirty="0" smtClean="0"/>
+            <a:endParaRPr lang="en-US" dirty="0" smtClean="0">
+              <a:solidFill>
+                <a:schemeClr val="tx2">
+                  <a:lumMod val="60000"/>
+                  <a:lumOff val="40000"/>
+                </a:schemeClr>
+              </a:solidFill>
+            </a:endParaRPr>
           </a:p>
           <a:p>
             <a:pPr marL="0" indent="0">
@@ -7643,22 +7665,57 @@
               <a:buNone/>
             </a:pPr>
             <a:r>
-              <a:rPr lang="en-US" dirty="0" smtClean="0"/>
+              <a:rPr lang="en-US" dirty="0" smtClean="0">
+                <a:solidFill>
+                  <a:schemeClr val="tx2">
+                    <a:lumMod val="60000"/>
+                    <a:lumOff val="40000"/>
+                  </a:schemeClr>
+                </a:solidFill>
+              </a:rPr>
               <a:t>- App </a:t>
             </a:r>
             <a:r>
-              <a:rPr lang="en-US" dirty="0" err="1" smtClean="0"/>
+              <a:rPr lang="en-US" dirty="0" err="1" smtClean="0">
+                <a:solidFill>
+                  <a:schemeClr val="tx2">
+                    <a:lumMod val="60000"/>
+                    <a:lumOff val="40000"/>
+                  </a:schemeClr>
+                </a:solidFill>
+              </a:rPr>
               <a:t>bán</a:t>
             </a:r>
             <a:r>
-              <a:rPr lang="en-US" dirty="0" smtClean="0"/>
-              <a:t> </a:t>
-            </a:r>
-            <a:r>
-              <a:rPr lang="en-US" dirty="0" err="1" smtClean="0"/>
+              <a:rPr lang="en-US" dirty="0" smtClean="0">
+                <a:solidFill>
+                  <a:schemeClr val="tx2">
+                    <a:lumMod val="60000"/>
+                    <a:lumOff val="40000"/>
+                  </a:schemeClr>
+                </a:solidFill>
+              </a:rPr>
+              <a:t> </a:t>
+            </a:r>
+            <a:r>
+              <a:rPr lang="en-US" dirty="0" err="1" smtClean="0">
+                <a:solidFill>
+                  <a:schemeClr val="tx2">
+                    <a:lumMod val="60000"/>
+                    <a:lumOff val="40000"/>
+                  </a:schemeClr>
+                </a:solidFill>
+              </a:rPr>
               <a:t>hàng</a:t>
             </a:r>
-            <a:endParaRPr lang="en-US" dirty="0"/>
+            <a:endParaRPr lang="en-US" dirty="0">
+              <a:solidFill>
+                <a:schemeClr val="tx2">
+                  <a:lumMod val="60000"/>
+                  <a:lumOff val="40000"/>
+                </a:schemeClr>
+              </a:solidFill>
+            </a:endParaRPr>
           </a:p>
           <a:p>
             <a:pPr marL="0" indent="0">
@@ -7668,29 +7725,64 @@
               <a:buNone/>
             </a:pPr>
             <a:r>
-              <a:rPr lang="en-US" dirty="0" smtClean="0"/>
+              <a:rPr lang="en-US" dirty="0" smtClean="0">
+                <a:solidFill>
+                  <a:schemeClr val="tx2">
+                    <a:lumMod val="60000"/>
+                    <a:lumOff val="40000"/>
+                  </a:schemeClr>
+                </a:solidFill>
+              </a:rPr>
               <a:t>- App tracking </a:t>
             </a:r>
             <a:r>
-              <a:rPr lang="en-US" dirty="0" err="1" smtClean="0"/>
+              <a:rPr lang="en-US" dirty="0" err="1" smtClean="0">
+                <a:solidFill>
+                  <a:schemeClr val="tx2">
+                    <a:lumMod val="60000"/>
+                    <a:lumOff val="40000"/>
+                  </a:schemeClr>
+                </a:solidFill>
+              </a:rPr>
               <a:t>địa</a:t>
             </a:r>
             <a:r>
-              <a:rPr lang="en-US" dirty="0" smtClean="0"/>
-              <a:t> </a:t>
-            </a:r>
-            <a:r>
-              <a:rPr lang="en-US" dirty="0" err="1" smtClean="0"/>
+              <a:rPr lang="en-US" dirty="0" smtClean="0">
+                <a:solidFill>
+                  <a:schemeClr val="tx2">
+                    <a:lumMod val="60000"/>
+                    <a:lumOff val="40000"/>
+                  </a:schemeClr>
+                </a:solidFill>
+              </a:rPr>
+              <a:t> </a:t>
+            </a:r>
+            <a:r>
+              <a:rPr lang="en-US" dirty="0" err="1" smtClean="0">
+                <a:solidFill>
+                  <a:schemeClr val="tx2">
+                    <a:lumMod val="60000"/>
+                    <a:lumOff val="40000"/>
+                  </a:schemeClr>
+                </a:solidFill>
+              </a:rPr>
               <a:t>điểm</a:t>
             </a:r>
-            <a:endParaRPr lang="en-US" dirty="0" smtClean="0"/>
+            <a:endParaRPr lang="en-US" dirty="0" smtClean="0">
+              <a:solidFill>
+                <a:schemeClr val="tx2">
+                  <a:lumMod val="60000"/>
+                  <a:lumOff val="40000"/>
+                </a:schemeClr>
+              </a:solidFill>
+            </a:endParaRPr>
           </a:p>
         </p:txBody>
       </p:sp>
     </p:spTree>
     <p:extLst>
       <p:ext uri="{BB962C8B-B14F-4D97-AF65-F5344CB8AC3E}">
-        <p14:creationId xmlns:p14="http://schemas.microsoft.com/office/powerpoint/2010/main" val="1416075145"/>
+        <p14:creationId xmlns:p14="http://schemas.microsoft.com/office/powerpoint/2010/main" val="184047490"/>
       </p:ext>
     </p:extLst>
   </p:cSld>
@@ -7977,7 +8069,7 @@
             </a:pPr>
             <a:r>
               <a:rPr lang="en-US" dirty="0" smtClean="0"/>
-              <a:t>- </a:t>
+              <a:t>-   </a:t>
             </a:r>
             <a:r>
               <a:rPr lang="en-US" dirty="0" err="1" smtClean="0"/>
@@ -7985,28 +8077,17 @@
             </a:r>
             <a:r>
               <a:rPr lang="en-US" dirty="0" smtClean="0"/>
-              <a:t> Homebrew</a:t>
-            </a:r>
-          </a:p>
-          <a:p>
-            <a:pPr marL="0" indent="0">
-              <a:spcBef>
-                <a:spcPts val="600"/>
-              </a:spcBef>
-              <a:buFont typeface="Arial" pitchFamily="34" charset="0"/>
-              <a:buNone/>
-            </a:pPr>
-            <a:r>
-              <a:rPr lang="en-US" dirty="0" smtClean="0"/>
-              <a:t>- </a:t>
-            </a:r>
-            <a:r>
-              <a:rPr lang="en-US" dirty="0" err="1" smtClean="0"/>
-              <a:t>Cài</a:t>
-            </a:r>
-            <a:r>
-              <a:rPr lang="en-US" dirty="0" smtClean="0"/>
-              <a:t> node</a:t>
+              <a:t> </a:t>
+            </a:r>
+            <a:r>
+              <a:rPr lang="en-US" dirty="0" smtClean="0">
+                <a:solidFill>
+                  <a:schemeClr val="accent6">
+                    <a:lumMod val="75000"/>
+                  </a:schemeClr>
+                </a:solidFill>
+              </a:rPr>
+              <a:t>Homebrew</a:t>
             </a:r>
           </a:p>
           <a:p>
@@ -8019,6 +8100,31 @@
             </a:pPr>
             <a:r>
               <a:rPr lang="en-US" dirty="0" err="1" smtClean="0"/>
+              <a:t>Cài</a:t>
+            </a:r>
+            <a:r>
+              <a:rPr lang="en-US" dirty="0" smtClean="0"/>
+              <a:t> </a:t>
+            </a:r>
+            <a:r>
+              <a:rPr lang="en-US" dirty="0" smtClean="0">
+                <a:solidFill>
+                  <a:srgbClr val="92D050"/>
+                </a:solidFill>
+              </a:rPr>
+              <a:t>node</a:t>
+            </a:r>
+          </a:p>
+          <a:p>
+            <a:pPr>
+              <a:spcBef>
+                <a:spcPts val="600"/>
+              </a:spcBef>
+              <a:buFontTx/>
+              <a:buChar char="-"/>
+            </a:pPr>
+            <a:r>
+              <a:rPr lang="en-US" dirty="0" err="1" smtClean="0"/>
               <a:t>Chạy</a:t>
             </a:r>
             <a:r>
@@ -8082,16 +8188,36 @@
               <a:buNone/>
             </a:pPr>
             <a:r>
+              <a:rPr lang="en-US" dirty="0" smtClean="0">
+                <a:solidFill>
+                  <a:srgbClr val="92D050"/>
+                </a:solidFill>
+              </a:rPr>
+              <a:t>node -v </a:t>
+            </a:r>
+            <a:r>
               <a:rPr lang="en-US" dirty="0" smtClean="0"/>
-              <a:t>node -v ; </a:t>
-            </a:r>
-            <a:r>
-              <a:rPr lang="en-US" dirty="0" err="1" smtClean="0"/>
+              <a:t>; </a:t>
+            </a:r>
+            <a:r>
+              <a:rPr lang="en-US" dirty="0" err="1" smtClean="0">
+                <a:solidFill>
+                  <a:srgbClr val="92D050"/>
+                </a:solidFill>
+              </a:rPr>
               <a:t>npm</a:t>
             </a:r>
             <a:r>
+              <a:rPr lang="en-US" dirty="0" smtClean="0">
+                <a:solidFill>
+                  <a:srgbClr val="92D050"/>
+                </a:solidFill>
+              </a:rPr>
+              <a:t> install</a:t>
+            </a:r>
+            <a:r>
               <a:rPr lang="en-US" dirty="0" smtClean="0"/>
-              <a:t> install,</a:t>
+              <a:t>,</a:t>
             </a:r>
             <a:r>
               <a:rPr lang="mr-IN" dirty="0" smtClean="0"/>
@@ -8491,6 +8617,16 @@
               <a:buFont typeface="Arial" pitchFamily="34" charset="0"/>
               <a:buNone/>
             </a:pPr>
+            <a:endParaRPr lang="en-US" dirty="0" smtClean="0"/>
+          </a:p>
+          <a:p>
+            <a:pPr marL="0" indent="0">
+              <a:spcBef>
+                <a:spcPts val="600"/>
+              </a:spcBef>
+              <a:buFont typeface="Arial" pitchFamily="34" charset="0"/>
+              <a:buNone/>
+            </a:pPr>
             <a:endParaRPr lang="en-US" dirty="0"/>
           </a:p>
           <a:p>
@@ -8629,7 +8765,7 @@
         </p:blipFill>
         <p:spPr>
           <a:xfrm>
-            <a:off x="5667793" y="1551508"/>
+            <a:off x="5625931" y="1964162"/>
             <a:ext cx="1524000" cy="1669814"/>
           </a:xfrm>
           <a:prstGeom prst="rect">
@@ -8659,7 +8795,7 @@
         </p:blipFill>
         <p:spPr>
           <a:xfrm>
-            <a:off x="4232862" y="1701896"/>
+            <a:off x="4191000" y="2114550"/>
             <a:ext cx="1377785" cy="1519426"/>
           </a:xfrm>
           <a:prstGeom prst="rect">
@@ -8688,7 +8824,7 @@
         </p:blipFill>
         <p:spPr>
           <a:xfrm>
-            <a:off x="7239000" y="1698544"/>
+            <a:off x="7197138" y="2111198"/>
             <a:ext cx="1828800" cy="1447800"/>
           </a:xfrm>
           <a:prstGeom prst="rect">
@@ -8780,11 +8916,7 @@
             </a:r>
             <a:r>
               <a:rPr lang="en-US" dirty="0" smtClean="0"/>
-              <a:t> </a:t>
-            </a:r>
-            <a:r>
-              <a:rPr lang="en-US" dirty="0" smtClean="0"/>
-              <a:t>Windows</a:t>
+              <a:t> Windows</a:t>
             </a:r>
             <a:endParaRPr lang="en-US" dirty="0"/>
           </a:p>
@@ -8961,12 +9093,30 @@
               <a:t>-   Download .</a:t>
             </a:r>
             <a:r>
-              <a:rPr lang="en-US" dirty="0" err="1" smtClean="0"/>
+              <a:rPr lang="en-US" dirty="0" err="1" smtClean="0">
+                <a:solidFill>
+                  <a:schemeClr val="tx2">
+                    <a:lumMod val="60000"/>
+                    <a:lumOff val="40000"/>
+                  </a:schemeClr>
+                </a:solidFill>
+              </a:rPr>
               <a:t>msi</a:t>
             </a:r>
             <a:r>
+              <a:rPr lang="en-US" dirty="0" smtClean="0">
+                <a:solidFill>
+                  <a:schemeClr val="tx2">
+                    <a:lumMod val="60000"/>
+                    <a:lumOff val="40000"/>
+                  </a:schemeClr>
+                </a:solidFill>
+              </a:rPr>
+              <a:t> </a:t>
+            </a:r>
+            <a:r>
               <a:rPr lang="en-US" dirty="0" smtClean="0"/>
-              <a:t> file(file </a:t>
+              <a:t>file(file </a:t>
             </a:r>
             <a:r>
               <a:rPr lang="en-US" dirty="0" err="1" smtClean="0"/>
@@ -9061,129 +9211,6 @@
               <a:buNone/>
             </a:pPr>
             <a:endParaRPr lang="en-US" dirty="0" smtClean="0"/>
-          </a:p>
-          <a:p>
-            <a:pPr marL="0" indent="0">
-              <a:spcBef>
-                <a:spcPts val="600"/>
-              </a:spcBef>
-              <a:buFont typeface="Arial" pitchFamily="34" charset="0"/>
-              <a:buNone/>
-            </a:pPr>
-            <a:endParaRPr lang="en-US" dirty="0"/>
-          </a:p>
-          <a:p>
-            <a:pPr marL="0" indent="0">
-              <a:spcBef>
-                <a:spcPts val="600"/>
-              </a:spcBef>
-              <a:buNone/>
-            </a:pPr>
-            <a:r>
-              <a:rPr lang="en-US" sz="2500" dirty="0" smtClean="0">
-                <a:solidFill>
-                  <a:srgbClr val="F08D49"/>
-                </a:solidFill>
-              </a:rPr>
-              <a:t>curl</a:t>
-            </a:r>
-            <a:r>
-              <a:rPr lang="en-US" sz="2500" dirty="0" smtClean="0"/>
-              <a:t> -</a:t>
-            </a:r>
-            <a:r>
-              <a:rPr lang="en-US" sz="2500" dirty="0" err="1" smtClean="0"/>
-              <a:t>sL</a:t>
-            </a:r>
-            <a:r>
-              <a:rPr lang="en-US" sz="2500" dirty="0" smtClean="0"/>
-              <a:t> https://</a:t>
-            </a:r>
-            <a:r>
-              <a:rPr lang="en-US" sz="2500" dirty="0" err="1" smtClean="0"/>
-              <a:t>deb.nodesource.com</a:t>
-            </a:r>
-            <a:r>
-              <a:rPr lang="en-US" sz="2500" dirty="0" smtClean="0"/>
-              <a:t>/setup_8.x </a:t>
-            </a:r>
-            <a:r>
-              <a:rPr lang="en-US" sz="2500" dirty="0" smtClean="0">
-                <a:solidFill>
-                  <a:srgbClr val="67CDCC"/>
-                </a:solidFill>
-              </a:rPr>
-              <a:t>|</a:t>
-            </a:r>
-            <a:r>
-              <a:rPr lang="en-US" sz="2500" dirty="0" smtClean="0"/>
-              <a:t> </a:t>
-            </a:r>
-            <a:r>
-              <a:rPr lang="en-US" sz="2500" dirty="0" err="1" smtClean="0">
-                <a:solidFill>
-                  <a:srgbClr val="F08D49"/>
-                </a:solidFill>
-              </a:rPr>
-              <a:t>sudo</a:t>
-            </a:r>
-            <a:r>
-              <a:rPr lang="en-US" sz="2500" dirty="0" smtClean="0"/>
-              <a:t> -E </a:t>
-            </a:r>
-            <a:r>
-              <a:rPr lang="en-US" sz="2500" dirty="0" smtClean="0">
-                <a:solidFill>
-                  <a:srgbClr val="F08D49"/>
-                </a:solidFill>
-              </a:rPr>
-              <a:t>bash</a:t>
-            </a:r>
-            <a:r>
-              <a:rPr lang="en-US" sz="2500" dirty="0" smtClean="0"/>
-              <a:t> - </a:t>
-            </a:r>
-            <a:r>
-              <a:rPr lang="en-US" sz="2500" dirty="0" err="1" smtClean="0">
-                <a:solidFill>
-                  <a:srgbClr val="F08D49"/>
-                </a:solidFill>
-              </a:rPr>
-              <a:t>sudo</a:t>
-            </a:r>
-            <a:r>
-              <a:rPr lang="en-US" sz="2500" dirty="0" smtClean="0"/>
-              <a:t> </a:t>
-            </a:r>
-            <a:r>
-              <a:rPr lang="en-US" sz="2500" dirty="0" smtClean="0">
-                <a:solidFill>
-                  <a:srgbClr val="F08D49"/>
-                </a:solidFill>
-              </a:rPr>
-              <a:t>apt-get</a:t>
-            </a:r>
-            <a:r>
-              <a:rPr lang="en-US" sz="2500" dirty="0" smtClean="0"/>
-              <a:t> </a:t>
-            </a:r>
-            <a:r>
-              <a:rPr lang="en-US" sz="2500" dirty="0" smtClean="0">
-                <a:solidFill>
-                  <a:srgbClr val="F08D49"/>
-                </a:solidFill>
-              </a:rPr>
-              <a:t>install</a:t>
-            </a:r>
-            <a:r>
-              <a:rPr lang="en-US" sz="2500" dirty="0" smtClean="0"/>
-              <a:t> -y </a:t>
-            </a:r>
-            <a:r>
-              <a:rPr lang="en-US" sz="2500" dirty="0" err="1" smtClean="0"/>
-              <a:t>nodejs</a:t>
-            </a:r>
-            <a:endParaRPr lang="en-US" sz="2500" dirty="0" smtClean="0"/>
           </a:p>
         </p:txBody>
       </p:sp>
@@ -9514,7 +9541,14 @@
               <a:buNone/>
             </a:pPr>
             <a:r>
-              <a:rPr lang="en-US" dirty="0" err="1" smtClean="0"/>
+              <a:rPr lang="en-US" dirty="0" err="1" smtClean="0">
+                <a:solidFill>
+                  <a:schemeClr val="tx2">
+                    <a:lumMod val="60000"/>
+                    <a:lumOff val="40000"/>
+                  </a:schemeClr>
+                </a:solidFill>
+              </a:rPr>
               <a:t>npm</a:t>
             </a:r>
             <a:r>
@@ -9540,11 +9574,7 @@
             </a:r>
             <a:r>
               <a:rPr lang="en-US" dirty="0" smtClean="0"/>
-              <a:t>“blank project”</a:t>
-            </a:r>
-            <a:r>
-              <a:rPr lang="en-US" dirty="0" smtClean="0"/>
-              <a:t> :</a:t>
+              <a:t>“blank project” :</a:t>
             </a:r>
           </a:p>
           <a:p>
@@ -9613,14 +9643,39 @@
             </a:r>
             <a:r>
               <a:rPr lang="en-US" dirty="0" smtClean="0"/>
-              <a:t> tin: repo, name, version,</a:t>
-            </a:r>
-            <a:r>
-              <a:rPr lang="mr-IN" dirty="0" smtClean="0"/>
+              <a:t> tin: </a:t>
+            </a:r>
+            <a:r>
+              <a:rPr lang="en-US" dirty="0" smtClean="0">
+                <a:solidFill>
+                  <a:schemeClr val="tx2">
+                    <a:lumMod val="60000"/>
+                    <a:lumOff val="40000"/>
+                  </a:schemeClr>
+                </a:solidFill>
+              </a:rPr>
+              <a:t>repo, name, version,</a:t>
+            </a:r>
+            <a:r>
+              <a:rPr lang="mr-IN" dirty="0" smtClean="0">
+                <a:solidFill>
+                  <a:schemeClr val="tx2">
+                    <a:lumMod val="60000"/>
+                    <a:lumOff val="40000"/>
+                  </a:schemeClr>
+                </a:solidFill>
+              </a:rPr>
               <a:t>…</a:t>
             </a:r>
             <a:r>
-              <a:rPr lang="en-US" dirty="0" smtClean="0"/>
+              <a:rPr lang="en-US" dirty="0" smtClean="0">
+                <a:solidFill>
+                  <a:schemeClr val="tx2">
+                    <a:lumMod val="60000"/>
+                    <a:lumOff val="40000"/>
+                  </a:schemeClr>
+                </a:solidFill>
+              </a:rPr>
               <a:t> </a:t>
             </a:r>
           </a:p>
@@ -9684,10 +9739,18 @@
               <a:t> file </a:t>
             </a:r>
             <a:r>
-              <a:rPr lang="en-US" dirty="0" err="1" smtClean="0"/>
+              <a:rPr lang="en-US" dirty="0" err="1" smtClean="0">
+                <a:solidFill>
+                  <a:srgbClr val="92D050"/>
+                </a:solidFill>
+              </a:rPr>
               <a:t>package.json</a:t>
             </a:r>
-            <a:endParaRPr lang="en-US" dirty="0" smtClean="0"/>
+            <a:endParaRPr lang="en-US" dirty="0" smtClean="0">
+              <a:solidFill>
+                <a:srgbClr val="92D050"/>
+              </a:solidFill>
+            </a:endParaRPr>
           </a:p>
           <a:p>
             <a:pPr marL="0" indent="0">
@@ -9956,11 +10019,6 @@
               </a:rPr>
               <a:t> start</a:t>
             </a:r>
-            <a:endParaRPr lang="en-US" dirty="0" smtClean="0">
-              <a:solidFill>
-                <a:srgbClr val="FFFF00"/>
-              </a:solidFill>
-            </a:endParaRPr>
           </a:p>
           <a:p>
             <a:pPr marL="0" indent="0">
@@ -10636,11 +10694,6 @@
               </a:rPr>
               <a:t>save express</a:t>
             </a:r>
-            <a:endParaRPr lang="en-US" dirty="0" smtClean="0">
-              <a:solidFill>
-                <a:srgbClr val="FFFF00"/>
-              </a:solidFill>
-            </a:endParaRPr>
           </a:p>
           <a:p>
             <a:pPr marL="0" indent="0">
@@ -11385,11 +11438,7 @@
             </a:pPr>
             <a:r>
               <a:rPr lang="en-US" dirty="0" smtClean="0"/>
-              <a:t>let = </a:t>
-            </a:r>
-            <a:r>
-              <a:rPr lang="en-US" dirty="0" smtClean="0"/>
-              <a:t>”</a:t>
+              <a:t>let = ”</a:t>
             </a:r>
             <a:r>
               <a:rPr lang="en-US" dirty="0" err="1" smtClean="0"/>
